--- a/Capstone Proposal CA3_Poster presentation.pptx
+++ b/Capstone Proposal CA3_Poster presentation.pptx
@@ -25529,7 +25529,7 @@
               <a:defRPr/>
             </a:pPr>
             <a:r>
-              <a:rPr kumimoji="0" lang="en-US" altLang="en-US" sz="2000" b="1" i="1" u="none" strike="noStrike" kern="1200" cap="none" spc="0" normalizeH="0" baseline="0" noProof="0" dirty="0">
+              <a:rPr kumimoji="0" lang="en-US" altLang="en-US" sz="2000" b="0" i="1" u="none" strike="noStrike" kern="1200" cap="none" spc="0" normalizeH="0" baseline="0" noProof="0" dirty="0">
                 <a:ln>
                   <a:noFill/>
                 </a:ln>
@@ -25541,184 +25541,7 @@
                 <a:uFillTx/>
                 <a:latin typeface="Arial" panose="020B0604020202020204" pitchFamily="34" charset="0"/>
               </a:rPr>
-              <a:t>Policy Implications and Recommendations</a:t>
-            </a:r>
-          </a:p>
-          <a:p>
-            <a:pPr marL="285750" marR="0" lvl="0" indent="-285750" algn="just" defTabSz="914400" rtl="0" eaLnBrk="0" fontAlgn="base" latinLnBrk="0" hangingPunct="0">
-              <a:lnSpc>
-                <a:spcPct val="100000"/>
-              </a:lnSpc>
-              <a:spcBef>
-                <a:spcPct val="0"/>
-              </a:spcBef>
-              <a:spcAft>
-                <a:spcPct val="0"/>
-              </a:spcAft>
-              <a:buClrTx/>
-              <a:buSzTx/>
-              <a:buFont typeface="Arial" panose="020B0604020202020204" pitchFamily="34" charset="0"/>
-              <a:buChar char="•"/>
-              <a:tabLst/>
-              <a:defRPr/>
-            </a:pPr>
-            <a:r>
-              <a:rPr kumimoji="0" lang="en-US" altLang="en-US" sz="2000" b="1" i="1" u="none" strike="noStrike" kern="1200" cap="none" spc="0" normalizeH="0" baseline="0" noProof="0" dirty="0">
-                <a:ln>
-                  <a:noFill/>
-                </a:ln>
-                <a:solidFill>
-                  <a:srgbClr val="000000"/>
-                </a:solidFill>
-                <a:effectLst/>
-                <a:uLnTx/>
-                <a:uFillTx/>
-                <a:latin typeface="Arial" panose="020B0604020202020204" pitchFamily="34" charset="0"/>
-              </a:rPr>
-              <a:t>Data-Driven Strategies</a:t>
-            </a:r>
-            <a:r>
-              <a:rPr kumimoji="0" lang="en-US" altLang="en-US" sz="2000" b="0" i="1" u="none" strike="noStrike" kern="1200" cap="none" spc="0" normalizeH="0" baseline="0" noProof="0" dirty="0">
-                <a:ln>
-                  <a:noFill/>
-                </a:ln>
-                <a:solidFill>
-                  <a:srgbClr val="000000"/>
-                </a:solidFill>
-                <a:effectLst/>
-                <a:uLnTx/>
-                <a:uFillTx/>
-                <a:latin typeface="Arial" panose="020B0604020202020204" pitchFamily="34" charset="0"/>
-              </a:rPr>
-              <a:t>: Insights from machine learning models like KNN can help organizations and policymakers understand the factors driving wage inequality and develop effective, data-driven policies.</a:t>
-            </a:r>
-          </a:p>
-          <a:p>
-            <a:pPr marL="285750" marR="0" lvl="0" indent="-285750" algn="just" defTabSz="914400" rtl="0" eaLnBrk="0" fontAlgn="base" latinLnBrk="0" hangingPunct="0">
-              <a:lnSpc>
-                <a:spcPct val="100000"/>
-              </a:lnSpc>
-              <a:spcBef>
-                <a:spcPct val="0"/>
-              </a:spcBef>
-              <a:spcAft>
-                <a:spcPct val="0"/>
-              </a:spcAft>
-              <a:buClrTx/>
-              <a:buSzTx/>
-              <a:buFont typeface="Arial" panose="020B0604020202020204" pitchFamily="34" charset="0"/>
-              <a:buChar char="•"/>
-              <a:tabLst/>
-              <a:defRPr/>
-            </a:pPr>
-            <a:r>
-              <a:rPr kumimoji="0" lang="en-US" altLang="en-US" sz="2000" b="1" i="1" u="none" strike="noStrike" kern="1200" cap="none" spc="0" normalizeH="0" baseline="0" noProof="0" dirty="0">
-                <a:ln>
-                  <a:noFill/>
-                </a:ln>
-                <a:solidFill>
-                  <a:srgbClr val="000000"/>
-                </a:solidFill>
-                <a:effectLst/>
-                <a:uLnTx/>
-                <a:uFillTx/>
-                <a:latin typeface="Arial" panose="020B0604020202020204" pitchFamily="34" charset="0"/>
-              </a:rPr>
-              <a:t>Targeted Measures</a:t>
-            </a:r>
-            <a:r>
-              <a:rPr kumimoji="0" lang="en-US" altLang="en-US" sz="2000" b="0" i="1" u="none" strike="noStrike" kern="1200" cap="none" spc="0" normalizeH="0" baseline="0" noProof="0" dirty="0">
-                <a:ln>
-                  <a:noFill/>
-                </a:ln>
-                <a:solidFill>
-                  <a:srgbClr val="000000"/>
-                </a:solidFill>
-                <a:effectLst/>
-                <a:uLnTx/>
-                <a:uFillTx/>
-                <a:latin typeface="Arial" panose="020B0604020202020204" pitchFamily="34" charset="0"/>
-              </a:rPr>
-              <a:t>: The consistent patterns of wage disparities point to the need for </a:t>
-            </a:r>
-            <a:r>
-              <a:rPr kumimoji="0" lang="en-US" altLang="en-US" sz="2000" b="1" i="1" u="none" strike="noStrike" kern="1200" cap="none" spc="0" normalizeH="0" baseline="0" noProof="0" dirty="0">
-                <a:ln>
-                  <a:noFill/>
-                </a:ln>
-                <a:solidFill>
-                  <a:srgbClr val="000000"/>
-                </a:solidFill>
-                <a:effectLst/>
-                <a:uLnTx/>
-                <a:uFillTx/>
-                <a:latin typeface="Arial" panose="020B0604020202020204" pitchFamily="34" charset="0"/>
-              </a:rPr>
-              <a:t>specific interventions</a:t>
-            </a:r>
-            <a:r>
-              <a:rPr kumimoji="0" lang="en-US" altLang="en-US" sz="2000" b="0" i="1" u="none" strike="noStrike" kern="1200" cap="none" spc="0" normalizeH="0" baseline="0" noProof="0" dirty="0">
-                <a:ln>
-                  <a:noFill/>
-                </a:ln>
-                <a:solidFill>
-                  <a:srgbClr val="000000"/>
-                </a:solidFill>
-                <a:effectLst/>
-                <a:uLnTx/>
-                <a:uFillTx/>
-                <a:latin typeface="Arial" panose="020B0604020202020204" pitchFamily="34" charset="0"/>
-              </a:rPr>
-              <a:t> in regions and sectors with the largest gaps.</a:t>
-            </a:r>
-          </a:p>
-          <a:p>
-            <a:pPr marL="285750" marR="0" lvl="0" indent="-285750" algn="just" defTabSz="914400" rtl="0" eaLnBrk="0" fontAlgn="base" latinLnBrk="0" hangingPunct="0">
-              <a:lnSpc>
-                <a:spcPct val="100000"/>
-              </a:lnSpc>
-              <a:spcBef>
-                <a:spcPct val="0"/>
-              </a:spcBef>
-              <a:spcAft>
-                <a:spcPct val="0"/>
-              </a:spcAft>
-              <a:buClrTx/>
-              <a:buSzTx/>
-              <a:buFont typeface="Arial" panose="020B0604020202020204" pitchFamily="34" charset="0"/>
-              <a:buChar char="•"/>
-              <a:tabLst/>
-              <a:defRPr/>
-            </a:pPr>
-            <a:r>
-              <a:rPr kumimoji="0" lang="en-US" altLang="en-US" sz="2000" b="1" i="1" u="none" strike="noStrike" kern="1200" cap="none" spc="0" normalizeH="0" baseline="0" noProof="0" dirty="0">
-                <a:ln>
-                  <a:noFill/>
-                </a:ln>
-                <a:solidFill>
-                  <a:srgbClr val="000000"/>
-                </a:solidFill>
-                <a:effectLst/>
-                <a:uLnTx/>
-                <a:uFillTx/>
-                <a:latin typeface="Arial" panose="020B0604020202020204" pitchFamily="34" charset="0"/>
-              </a:rPr>
-              <a:t>Promoting Pay Equity</a:t>
-            </a:r>
-            <a:r>
-              <a:rPr kumimoji="0" lang="en-US" altLang="en-US" sz="2000" b="0" i="1" u="none" strike="noStrike" kern="1200" cap="none" spc="0" normalizeH="0" baseline="0" noProof="0" dirty="0">
-                <a:ln>
-                  <a:noFill/>
-                </a:ln>
-                <a:solidFill>
-                  <a:srgbClr val="000000"/>
-                </a:solidFill>
-                <a:effectLst/>
-                <a:uLnTx/>
-                <a:uFillTx/>
-                <a:latin typeface="Arial" panose="020B0604020202020204" pitchFamily="34" charset="0"/>
-              </a:rPr>
-              <a:t>: By focusing on fair compensation structures, transparent promotion processes, and gender-inclusive workplace practices, organizations can take actionable steps to close the gender wage gap.</a:t>
+              <a:t>, organizations can take actionable steps to close the gender wage gap.</a:t>
             </a:r>
           </a:p>
           <a:p>
@@ -29522,8 +29345,8 @@
           </a:p>
         </p:txBody>
       </p:sp>
-      <mc:AlternateContent xmlns:mc="http://schemas.openxmlformats.org/markup-compatibility/2006">
-        <mc:Choice xmlns:a14="http://schemas.microsoft.com/office/drawing/2010/main" Requires="a14">
+      <mc:AlternateContent xmlns:mc="http://schemas.openxmlformats.org/markup-compatibility/2006" xmlns:a14="http://schemas.microsoft.com/office/drawing/2010/main">
+        <mc:Choice Requires="a14">
           <p:sp>
             <p:nvSpPr>
               <p:cNvPr id="21" name="TextBox 20">
@@ -29964,7 +29787,7 @@
             </p:txBody>
           </p:sp>
         </mc:Choice>
-        <mc:Fallback>
+        <mc:Fallback xmlns="">
           <p:sp>
             <p:nvSpPr>
               <p:cNvPr id="21" name="TextBox 20">
@@ -30209,34 +30032,6 @@
           </a:p>
         </p:txBody>
       </p:sp>
-      <p:pic>
-        <p:nvPicPr>
-          <p:cNvPr id="81" name="Picture 80">
-            <a:extLst>
-              <a:ext uri="{FF2B5EF4-FFF2-40B4-BE49-F238E27FC236}">
-                <a16:creationId xmlns:a16="http://schemas.microsoft.com/office/drawing/2014/main" id="{F565E24C-560A-252A-D037-9B74D35D9161}"/>
-              </a:ext>
-            </a:extLst>
-          </p:cNvPr>
-          <p:cNvPicPr/>
-          <p:nvPr/>
-        </p:nvPicPr>
-        <p:blipFill>
-          <a:blip r:embed="rId6"/>
-          <a:stretch>
-            <a:fillRect/>
-          </a:stretch>
-        </p:blipFill>
-        <p:spPr>
-          <a:xfrm>
-            <a:off x="22515720" y="7090734"/>
-            <a:ext cx="9813037" cy="6529210"/>
-          </a:xfrm>
-          <a:prstGeom prst="rect">
-            <a:avLst/>
-          </a:prstGeom>
-        </p:spPr>
-      </p:pic>
       <p:sp>
         <p:nvSpPr>
           <p:cNvPr id="86" name="PlaceHolder 11">
@@ -30442,7 +30237,7 @@
           <p:nvPr/>
         </p:nvPicPr>
         <p:blipFill>
-          <a:blip r:embed="rId7"/>
+          <a:blip r:embed="rId6"/>
           <a:stretch>
             <a:fillRect/>
           </a:stretch>
@@ -30470,7 +30265,7 @@
           <p:nvPr/>
         </p:nvPicPr>
         <p:blipFill>
-          <a:blip r:embed="rId8"/>
+          <a:blip r:embed="rId7"/>
           <a:stretch>
             <a:fillRect/>
           </a:stretch>
@@ -30500,7 +30295,7 @@
           <p:nvPr/>
         </p:nvPicPr>
         <p:blipFill>
-          <a:blip r:embed="rId9"/>
+          <a:blip r:embed="rId8"/>
           <a:stretch>
             <a:fillRect/>
           </a:stretch>

--- a/Capstone Proposal CA3_Poster presentation.pptx
+++ b/Capstone Proposal CA3_Poster presentation.pptx
@@ -8,14 +8,13 @@
     <p:sldMasterId id="2147483659" r:id="rId4"/>
   </p:sldMasterIdLst>
   <p:notesMasterIdLst>
-    <p:notesMasterId r:id="rId7"/>
+    <p:notesMasterId r:id="rId6"/>
   </p:notesMasterIdLst>
   <p:handoutMasterIdLst>
-    <p:handoutMasterId r:id="rId8"/>
+    <p:handoutMasterId r:id="rId7"/>
   </p:handoutMasterIdLst>
   <p:sldIdLst>
-    <p:sldId id="258" r:id="rId5"/>
-    <p:sldId id="261" r:id="rId6"/>
+    <p:sldId id="261" r:id="rId5"/>
   </p:sldIdLst>
   <p:sldSz cx="43891200" cy="32918400"/>
   <p:notesSz cx="6858000" cy="9144000"/>
@@ -279,7 +278,7 @@
             <a:fld id="{0158C5BC-9A70-462C-B28D-9600239EAC64}" type="datetimeFigureOut">
               <a:rPr lang="en-US" smtClean="0"/>
               <a:pPr/>
-              <a:t>11/4/2024</a:t>
+              <a:t>11/5/2024</a:t>
             </a:fld>
             <a:endParaRPr lang="en-US"/>
           </a:p>
@@ -446,7 +445,7 @@
             <a:fld id="{E6CC2317-6751-4CD4-9995-8782DD78E936}" type="datetimeFigureOut">
               <a:rPr lang="en-US" smtClean="0"/>
               <a:pPr/>
-              <a:t>11/4/2024</a:t>
+              <a:t>11/5/2024</a:t>
             </a:fld>
             <a:endParaRPr lang="en-US" dirty="0"/>
           </a:p>
@@ -721,91 +720,6 @@
   <p:cSld>
     <p:spTree>
       <p:nvGrpSpPr>
-        <p:cNvPr id="1" name=""/>
-        <p:cNvGrpSpPr/>
-        <p:nvPr/>
-      </p:nvGrpSpPr>
-      <p:grpSpPr>
-        <a:xfrm>
-          <a:off x="0" y="0"/>
-          <a:ext cx="0" cy="0"/>
-          <a:chOff x="0" y="0"/>
-          <a:chExt cx="0" cy="0"/>
-        </a:xfrm>
-      </p:grpSpPr>
-      <p:sp>
-        <p:nvSpPr>
-          <p:cNvPr id="2" name="Slide Image Placeholder 1"/>
-          <p:cNvSpPr>
-            <a:spLocks noGrp="1" noRot="1" noChangeAspect="1"/>
-          </p:cNvSpPr>
-          <p:nvPr>
-            <p:ph type="sldImg"/>
-          </p:nvPr>
-        </p:nvSpPr>
-        <p:spPr/>
-      </p:sp>
-      <p:sp>
-        <p:nvSpPr>
-          <p:cNvPr id="3" name="Notes Placeholder 2"/>
-          <p:cNvSpPr>
-            <a:spLocks noGrp="1"/>
-          </p:cNvSpPr>
-          <p:nvPr>
-            <p:ph type="body" idx="1"/>
-          </p:nvPr>
-        </p:nvSpPr>
-        <p:spPr/>
-        <p:txBody>
-          <a:bodyPr/>
-          <a:lstStyle/>
-          <a:p>
-            <a:endParaRPr lang="en-IE" dirty="0"/>
-          </a:p>
-        </p:txBody>
-      </p:sp>
-      <p:sp>
-        <p:nvSpPr>
-          <p:cNvPr id="4" name="Slide Number Placeholder 3"/>
-          <p:cNvSpPr>
-            <a:spLocks noGrp="1"/>
-          </p:cNvSpPr>
-          <p:nvPr>
-            <p:ph type="sldNum" sz="quarter" idx="5"/>
-          </p:nvPr>
-        </p:nvSpPr>
-        <p:spPr/>
-        <p:txBody>
-          <a:bodyPr/>
-          <a:lstStyle/>
-          <a:p>
-            <a:fld id="{26A1A87D-CAF7-4BDC-A0D3-C0DBEDE81619}" type="slidenum">
-              <a:rPr lang="en-US" smtClean="0"/>
-              <a:pPr/>
-              <a:t>1</a:t>
-            </a:fld>
-            <a:endParaRPr lang="en-US" dirty="0"/>
-          </a:p>
-        </p:txBody>
-      </p:sp>
-    </p:spTree>
-    <p:extLst>
-      <p:ext uri="{BB962C8B-B14F-4D97-AF65-F5344CB8AC3E}">
-        <p14:creationId xmlns:p14="http://schemas.microsoft.com/office/powerpoint/2010/main" val="1762644428"/>
-      </p:ext>
-    </p:extLst>
-  </p:cSld>
-  <p:clrMapOvr>
-    <a:masterClrMapping/>
-  </p:clrMapOvr>
-</p:notes>
-</file>
-
-<file path=ppt/notesSlides/notesSlide2.xml><?xml version="1.0" encoding="utf-8"?>
-<p:notes xmlns:a="http://schemas.openxmlformats.org/drawingml/2006/main" xmlns:r="http://schemas.openxmlformats.org/officeDocument/2006/relationships" xmlns:p="http://schemas.openxmlformats.org/presentationml/2006/main">
-  <p:cSld>
-    <p:spTree>
-      <p:nvGrpSpPr>
         <p:cNvPr id="1" name="">
           <a:extLst>
             <a:ext uri="{FF2B5EF4-FFF2-40B4-BE49-F238E27FC236}">
@@ -1002,7 +916,7 @@
                 </a:tabLst>
                 <a:defRPr/>
               </a:pPr>
-              <a:t>2</a:t>
+              <a:t>1</a:t>
             </a:fld>
             <a:endParaRPr kumimoji="0" lang="es-MX" sz="1200" b="0" i="0" u="none" strike="noStrike" kern="1200" cap="none" spc="-1" normalizeH="0" baseline="0" noProof="0">
               <a:ln>
@@ -18431,5084 +18345,6 @@
 <file path=ppt/slides/slide1.xml><?xml version="1.0" encoding="utf-8"?>
 <p:sld xmlns:a="http://schemas.openxmlformats.org/drawingml/2006/main" xmlns:r="http://schemas.openxmlformats.org/officeDocument/2006/relationships" xmlns:p="http://schemas.openxmlformats.org/presentationml/2006/main">
   <p:cSld>
-    <p:spTree>
-      <p:nvGrpSpPr>
-        <p:cNvPr id="1" name=""/>
-        <p:cNvGrpSpPr/>
-        <p:nvPr/>
-      </p:nvGrpSpPr>
-      <p:grpSpPr>
-        <a:xfrm>
-          <a:off x="0" y="0"/>
-          <a:ext cx="0" cy="0"/>
-          <a:chOff x="0" y="0"/>
-          <a:chExt cx="0" cy="0"/>
-        </a:xfrm>
-      </p:grpSpPr>
-      <p:sp>
-        <p:nvSpPr>
-          <p:cNvPr id="2" name="Text Placeholder 1"/>
-          <p:cNvSpPr>
-            <a:spLocks noGrp="1"/>
-          </p:cNvSpPr>
-          <p:nvPr>
-            <p:ph type="body" sz="quarter" idx="10"/>
-          </p:nvPr>
-        </p:nvSpPr>
-        <p:spPr>
-          <a:xfrm>
-            <a:off x="491425" y="6378481"/>
-            <a:ext cx="10056813" cy="5724622"/>
-          </a:xfrm>
-        </p:spPr>
-        <p:txBody>
-          <a:bodyPr/>
-          <a:lstStyle/>
-          <a:p>
-            <a:r>
-              <a:rPr lang="en-GB" sz="2400" dirty="0">
-                <a:solidFill>
-                  <a:schemeClr val="tx1"/>
-                </a:solidFill>
-                <a:latin typeface="Arial" panose="020B0604020202020204" pitchFamily="34" charset="0"/>
-                <a:cs typeface="Arial" panose="020B0604020202020204" pitchFamily="34" charset="0"/>
-              </a:rPr>
-              <a:t>This research set out to enhance engagement in computer programming, a known difficult subject area for 1</a:t>
-            </a:r>
-            <a:r>
-              <a:rPr lang="en-GB" sz="2400" baseline="30000" dirty="0">
-                <a:solidFill>
-                  <a:schemeClr val="tx1"/>
-                </a:solidFill>
-                <a:latin typeface="Arial" panose="020B0604020202020204" pitchFamily="34" charset="0"/>
-                <a:cs typeface="Arial" panose="020B0604020202020204" pitchFamily="34" charset="0"/>
-              </a:rPr>
-              <a:t>st</a:t>
-            </a:r>
-            <a:r>
-              <a:rPr lang="en-GB" sz="2400" dirty="0">
-                <a:solidFill>
-                  <a:schemeClr val="tx1"/>
-                </a:solidFill>
-                <a:latin typeface="Arial" panose="020B0604020202020204" pitchFamily="34" charset="0"/>
-                <a:cs typeface="Arial" panose="020B0604020202020204" pitchFamily="34" charset="0"/>
-              </a:rPr>
-              <a:t> year BSc in IT students. Programming lecturing staff had strong reservations about introducing group work in their classes, </a:t>
-            </a:r>
-            <a:r>
-              <a:rPr lang="en-IE" sz="2400" dirty="0">
-                <a:solidFill>
-                  <a:schemeClr val="tx1"/>
-                </a:solidFill>
-                <a:latin typeface="Arial" panose="020B0604020202020204" pitchFamily="34" charset="0"/>
-                <a:cs typeface="Arial" panose="020B0604020202020204" pitchFamily="34" charset="0"/>
-              </a:rPr>
-              <a:t>claiming group work was a counter-productive learning approach.</a:t>
-            </a:r>
-            <a:r>
-              <a:rPr lang="en-GB" sz="2400" dirty="0">
-                <a:solidFill>
-                  <a:schemeClr val="tx1"/>
-                </a:solidFill>
-                <a:latin typeface="Arial" panose="020B0604020202020204" pitchFamily="34" charset="0"/>
-                <a:cs typeface="Arial" panose="020B0604020202020204" pitchFamily="34" charset="0"/>
-              </a:rPr>
-              <a:t>  The study was framed on a mixed methods action research approach, and a number of interventions, centred on reflective learning and social learning, were introduced. The findings indicate a strong preference by students to work in groups when tackling computer programming problems, but no strong evidence was found that reflective or social learning activities enhance programming skill level. </a:t>
-            </a:r>
-            <a:r>
-              <a:rPr lang="en-IE" sz="2400" dirty="0">
-                <a:solidFill>
-                  <a:schemeClr val="tx1"/>
-                </a:solidFill>
-                <a:latin typeface="Arial" panose="020B0604020202020204" pitchFamily="34" charset="0"/>
-                <a:cs typeface="Arial" panose="020B0604020202020204" pitchFamily="34" charset="0"/>
-              </a:rPr>
-              <a:t>A key contribution to practice was the introduction of a student mentoring academy within the institution, with programming as a central theme.</a:t>
-            </a:r>
-          </a:p>
-          <a:p>
-            <a:endParaRPr lang="en-US" dirty="0"/>
-          </a:p>
-        </p:txBody>
-      </p:sp>
-      <p:sp>
-        <p:nvSpPr>
-          <p:cNvPr id="3" name="Text Placeholder 2"/>
-          <p:cNvSpPr>
-            <a:spLocks noGrp="1"/>
-          </p:cNvSpPr>
-          <p:nvPr>
-            <p:ph type="body" sz="quarter" idx="11"/>
-          </p:nvPr>
-        </p:nvSpPr>
-        <p:spPr/>
-        <p:txBody>
-          <a:bodyPr/>
-          <a:lstStyle/>
-          <a:p>
-            <a:r>
-              <a:rPr lang="en-US" dirty="0">
-                <a:solidFill>
-                  <a:schemeClr val="tx2"/>
-                </a:solidFill>
-                <a:latin typeface="Arial" panose="020B0604020202020204" pitchFamily="34" charset="0"/>
-                <a:cs typeface="Arial" panose="020B0604020202020204" pitchFamily="34" charset="0"/>
-              </a:rPr>
-              <a:t>ABSTRACT</a:t>
-            </a:r>
-          </a:p>
-        </p:txBody>
-      </p:sp>
-      <p:sp>
-        <p:nvSpPr>
-          <p:cNvPr id="4" name="Text Placeholder 3"/>
-          <p:cNvSpPr>
-            <a:spLocks noGrp="1"/>
-          </p:cNvSpPr>
-          <p:nvPr>
-            <p:ph type="body" sz="quarter" idx="20"/>
-          </p:nvPr>
-        </p:nvSpPr>
-        <p:spPr>
-          <a:xfrm>
-            <a:off x="509578" y="18648837"/>
-            <a:ext cx="10050462" cy="754045"/>
-          </a:xfrm>
-        </p:spPr>
-        <p:txBody>
-          <a:bodyPr/>
-          <a:lstStyle/>
-          <a:p>
-            <a:r>
-              <a:rPr lang="en-US" dirty="0">
-                <a:solidFill>
-                  <a:schemeClr val="tx2"/>
-                </a:solidFill>
-                <a:latin typeface="Arial" panose="020B0604020202020204" pitchFamily="34" charset="0"/>
-                <a:cs typeface="Arial" panose="020B0604020202020204" pitchFamily="34" charset="0"/>
-              </a:rPr>
-              <a:t>CONCEPTUAL FRAMEWORK</a:t>
-            </a:r>
-          </a:p>
-        </p:txBody>
-      </p:sp>
-      <p:sp>
-        <p:nvSpPr>
-          <p:cNvPr id="5" name="Text Placeholder 4"/>
-          <p:cNvSpPr>
-            <a:spLocks noGrp="1"/>
-          </p:cNvSpPr>
-          <p:nvPr>
-            <p:ph type="body" sz="quarter" idx="21"/>
-          </p:nvPr>
-        </p:nvSpPr>
-        <p:spPr>
-          <a:xfrm>
-            <a:off x="11441111" y="6092185"/>
-            <a:ext cx="10048874" cy="3046966"/>
-          </a:xfrm>
-        </p:spPr>
-        <p:txBody>
-          <a:bodyPr/>
-          <a:lstStyle/>
-          <a:p>
-            <a:r>
-              <a:rPr lang="en-GB" sz="2400" dirty="0">
-                <a:solidFill>
-                  <a:schemeClr val="tx1"/>
-                </a:solidFill>
-                <a:latin typeface="Arial" panose="020B0604020202020204" pitchFamily="34" charset="0"/>
-                <a:cs typeface="Arial" panose="020B0604020202020204" pitchFamily="34" charset="0"/>
-              </a:rPr>
-              <a:t>The empirical research studies were based on an interpretative approach, which allowed for greater freedom to include personal views and interpretations, and to form knowledge inductively from views and experiences of participants. The diagram below characterises the research paradigm for this study, which can be described as a loose collection of logically related assumptions, concepts, or propositions that orient thinking and research (Bogdan and Biklen, 1998).</a:t>
-            </a:r>
-            <a:endParaRPr lang="en-US" sz="2400" dirty="0">
-              <a:solidFill>
-                <a:schemeClr val="tx1"/>
-              </a:solidFill>
-              <a:latin typeface="Arial" panose="020B0604020202020204" pitchFamily="34" charset="0"/>
-              <a:cs typeface="Arial" panose="020B0604020202020204" pitchFamily="34" charset="0"/>
-            </a:endParaRPr>
-          </a:p>
-        </p:txBody>
-      </p:sp>
-      <p:sp>
-        <p:nvSpPr>
-          <p:cNvPr id="6" name="Text Placeholder 5"/>
-          <p:cNvSpPr>
-            <a:spLocks noGrp="1"/>
-          </p:cNvSpPr>
-          <p:nvPr>
-            <p:ph type="body" sz="quarter" idx="22"/>
-          </p:nvPr>
-        </p:nvSpPr>
-        <p:spPr/>
-        <p:txBody>
-          <a:bodyPr/>
-          <a:lstStyle/>
-          <a:p>
-            <a:r>
-              <a:rPr lang="en-US" dirty="0">
-                <a:solidFill>
-                  <a:schemeClr val="tx2"/>
-                </a:solidFill>
-                <a:latin typeface="Arial" panose="020B0604020202020204" pitchFamily="34" charset="0"/>
-                <a:cs typeface="Arial" panose="020B0604020202020204" pitchFamily="34" charset="0"/>
-              </a:rPr>
-              <a:t>RESEARCH PARADIGM</a:t>
-            </a:r>
-          </a:p>
-        </p:txBody>
-      </p:sp>
-      <p:sp>
-        <p:nvSpPr>
-          <p:cNvPr id="8" name="Text Placeholder 7"/>
-          <p:cNvSpPr>
-            <a:spLocks noGrp="1"/>
-          </p:cNvSpPr>
-          <p:nvPr>
-            <p:ph type="body" sz="quarter" idx="24"/>
-          </p:nvPr>
-        </p:nvSpPr>
-        <p:spPr/>
-        <p:txBody>
-          <a:bodyPr/>
-          <a:lstStyle/>
-          <a:p>
-            <a:r>
-              <a:rPr lang="en-US" dirty="0">
-                <a:solidFill>
-                  <a:schemeClr val="tx2"/>
-                </a:solidFill>
-                <a:latin typeface="Arial" panose="020B0604020202020204" pitchFamily="34" charset="0"/>
-                <a:cs typeface="Arial" panose="020B0604020202020204" pitchFamily="34" charset="0"/>
-              </a:rPr>
-              <a:t>FINDINGS</a:t>
-            </a:r>
-          </a:p>
-        </p:txBody>
-      </p:sp>
-      <p:sp>
-        <p:nvSpPr>
-          <p:cNvPr id="9" name="Text Placeholder 8"/>
-          <p:cNvSpPr>
-            <a:spLocks noGrp="1"/>
-          </p:cNvSpPr>
-          <p:nvPr>
-            <p:ph type="body" sz="quarter" idx="25"/>
-          </p:nvPr>
-        </p:nvSpPr>
-        <p:spPr>
-          <a:xfrm>
-            <a:off x="33346443" y="21931197"/>
-            <a:ext cx="10047018" cy="677100"/>
-          </a:xfrm>
-        </p:spPr>
-        <p:txBody>
-          <a:bodyPr/>
-          <a:lstStyle/>
-          <a:p>
-            <a:r>
-              <a:rPr lang="en-US" sz="3200" dirty="0">
-                <a:solidFill>
-                  <a:schemeClr val="tx2"/>
-                </a:solidFill>
-                <a:latin typeface="Arial" panose="020B0604020202020204" pitchFamily="34" charset="0"/>
-                <a:cs typeface="Arial" panose="020B0604020202020204" pitchFamily="34" charset="0"/>
-              </a:rPr>
-              <a:t>CONCLUSIONS</a:t>
-            </a:r>
-          </a:p>
-        </p:txBody>
-      </p:sp>
-      <p:sp>
-        <p:nvSpPr>
-          <p:cNvPr id="11" name="Text Placeholder 10"/>
-          <p:cNvSpPr>
-            <a:spLocks noGrp="1"/>
-          </p:cNvSpPr>
-          <p:nvPr>
-            <p:ph type="body" sz="quarter" idx="27"/>
-          </p:nvPr>
-        </p:nvSpPr>
-        <p:spPr>
-          <a:xfrm>
-            <a:off x="33392567" y="28504101"/>
-            <a:ext cx="10047018" cy="754045"/>
-          </a:xfrm>
-        </p:spPr>
-        <p:txBody>
-          <a:bodyPr/>
-          <a:lstStyle/>
-          <a:p>
-            <a:r>
-              <a:rPr lang="en-US" dirty="0">
-                <a:solidFill>
-                  <a:schemeClr val="tx2"/>
-                </a:solidFill>
-                <a:latin typeface="Arial" panose="020B0604020202020204" pitchFamily="34" charset="0"/>
-                <a:cs typeface="Arial" panose="020B0604020202020204" pitchFamily="34" charset="0"/>
-              </a:rPr>
-              <a:t>REFERENCES</a:t>
-            </a:r>
-          </a:p>
-        </p:txBody>
-      </p:sp>
-      <p:sp>
-        <p:nvSpPr>
-          <p:cNvPr id="16" name="Text Placeholder 15"/>
-          <p:cNvSpPr>
-            <a:spLocks noGrp="1"/>
-          </p:cNvSpPr>
-          <p:nvPr>
-            <p:ph type="body" sz="quarter" idx="150"/>
-          </p:nvPr>
-        </p:nvSpPr>
-        <p:spPr/>
-        <p:txBody>
-          <a:bodyPr>
-            <a:normAutofit/>
-          </a:bodyPr>
-          <a:lstStyle/>
-          <a:p>
-            <a:r>
-              <a:rPr lang="en-US" sz="4800" b="1">
-                <a:latin typeface="Arial" panose="020B0604020202020204" pitchFamily="34" charset="0"/>
-                <a:cs typeface="Arial" panose="020B0604020202020204" pitchFamily="34" charset="0"/>
-              </a:rPr>
-              <a:t>Yumiko Bejarano, </a:t>
-            </a:r>
-            <a:r>
-              <a:rPr lang="en-US" sz="4800" b="1" dirty="0">
-                <a:latin typeface="Arial" panose="020B0604020202020204" pitchFamily="34" charset="0"/>
-                <a:cs typeface="Arial" panose="020B0604020202020204" pitchFamily="34" charset="0"/>
-              </a:rPr>
-              <a:t>CCT College Dublin / University of Hertfordshire,  May 2019</a:t>
-            </a:r>
-          </a:p>
-        </p:txBody>
-      </p:sp>
-      <p:sp>
-        <p:nvSpPr>
-          <p:cNvPr id="18" name="Text Placeholder 17"/>
-          <p:cNvSpPr>
-            <a:spLocks noGrp="1"/>
-          </p:cNvSpPr>
-          <p:nvPr>
-            <p:ph type="body" sz="quarter" idx="153"/>
-          </p:nvPr>
-        </p:nvSpPr>
-        <p:spPr>
-          <a:xfrm>
-            <a:off x="509578" y="817503"/>
-            <a:ext cx="42901013" cy="2277387"/>
-          </a:xfrm>
-        </p:spPr>
-        <p:txBody>
-          <a:bodyPr>
-            <a:normAutofit fontScale="85000" lnSpcReduction="10000"/>
-          </a:bodyPr>
-          <a:lstStyle/>
-          <a:p>
-            <a:pPr indent="0" algn="ctr" defTabSz="4388760">
-              <a:lnSpc>
-                <a:spcPct val="100000"/>
-              </a:lnSpc>
-              <a:spcBef>
-                <a:spcPts val="2299"/>
-              </a:spcBef>
-              <a:buNone/>
-              <a:tabLst>
-                <a:tab pos="0" algn="l"/>
-              </a:tabLst>
-            </a:pPr>
-            <a:r>
-              <a:rPr lang="en-US" sz="11500" b="1" strike="noStrike" cap="small" spc="-1" dirty="0">
-                <a:solidFill>
-                  <a:schemeClr val="lt1"/>
-                </a:solidFill>
-                <a:latin typeface="Arial"/>
-              </a:rPr>
-              <a:t>Predicting the European Wage Gap Using KNN, CART and SVC Models</a:t>
-            </a:r>
-            <a:endParaRPr lang="es-MX" sz="11500" b="0" strike="noStrike" spc="-1" dirty="0">
-              <a:solidFill>
-                <a:srgbClr val="FFFFFF"/>
-              </a:solidFill>
-              <a:latin typeface="Arial"/>
-            </a:endParaRPr>
-          </a:p>
-        </p:txBody>
-      </p:sp>
-      <p:pic>
-        <p:nvPicPr>
-          <p:cNvPr id="20" name="Picture 19"/>
-          <p:cNvPicPr/>
-          <p:nvPr/>
-        </p:nvPicPr>
-        <p:blipFill>
-          <a:blip r:embed="rId3"/>
-          <a:stretch>
-            <a:fillRect/>
-          </a:stretch>
-        </p:blipFill>
-        <p:spPr>
-          <a:xfrm>
-            <a:off x="11564480" y="19170327"/>
-            <a:ext cx="9795691" cy="6370877"/>
-          </a:xfrm>
-          <a:prstGeom prst="rect">
-            <a:avLst/>
-          </a:prstGeom>
-          <a:ln w="12700">
-            <a:solidFill>
-              <a:schemeClr val="tx1"/>
-            </a:solidFill>
-          </a:ln>
-        </p:spPr>
-      </p:pic>
-      <p:pic>
-        <p:nvPicPr>
-          <p:cNvPr id="22" name="Picture 21"/>
-          <p:cNvPicPr/>
-          <p:nvPr/>
-        </p:nvPicPr>
-        <p:blipFill>
-          <a:blip r:embed="rId4"/>
-          <a:stretch>
-            <a:fillRect/>
-          </a:stretch>
-        </p:blipFill>
-        <p:spPr>
-          <a:xfrm>
-            <a:off x="11573593" y="9728372"/>
-            <a:ext cx="9795691" cy="7450859"/>
-          </a:xfrm>
-          <a:prstGeom prst="rect">
-            <a:avLst/>
-          </a:prstGeom>
-          <a:ln w="12700">
-            <a:solidFill>
-              <a:schemeClr val="tx1"/>
-            </a:solidFill>
-          </a:ln>
-        </p:spPr>
-      </p:pic>
-      <p:pic>
-        <p:nvPicPr>
-          <p:cNvPr id="4099" name="Picture 3"/>
-          <p:cNvPicPr>
-            <a:picLocks noChangeAspect="1" noChangeArrowheads="1"/>
-          </p:cNvPicPr>
-          <p:nvPr/>
-        </p:nvPicPr>
-        <p:blipFill>
-          <a:blip r:embed="rId5">
-            <a:extLst>
-              <a:ext uri="{28A0092B-C50C-407E-A947-70E740481C1C}">
-                <a14:useLocalDpi xmlns:a14="http://schemas.microsoft.com/office/drawing/2010/main" val="0"/>
-              </a:ext>
-            </a:extLst>
-          </a:blip>
-          <a:srcRect/>
-          <a:stretch>
-            <a:fillRect/>
-          </a:stretch>
-        </p:blipFill>
-        <p:spPr bwMode="auto">
-          <a:xfrm>
-            <a:off x="918274" y="23540279"/>
-            <a:ext cx="9197276" cy="8438364"/>
-          </a:xfrm>
-          <a:prstGeom prst="rect">
-            <a:avLst/>
-          </a:prstGeom>
-          <a:noFill/>
-          <a:ln>
-            <a:noFill/>
-          </a:ln>
-          <a:extLst>
-            <a:ext uri="{909E8E84-426E-40DD-AFC4-6F175D3DCCD1}">
-              <a14:hiddenFill xmlns:a14="http://schemas.microsoft.com/office/drawing/2010/main">
-                <a:solidFill>
-                  <a:schemeClr val="accent1"/>
-                </a:solidFill>
-              </a14:hiddenFill>
-            </a:ext>
-            <a:ext uri="{91240B29-F687-4F45-9708-019B960494DF}">
-              <a14:hiddenLine xmlns:a14="http://schemas.microsoft.com/office/drawing/2010/main" w="9525">
-                <a:solidFill>
-                  <a:schemeClr val="tx1"/>
-                </a:solidFill>
-                <a:miter lim="800000"/>
-                <a:headEnd/>
-                <a:tailEnd/>
-              </a14:hiddenLine>
-            </a:ext>
-          </a:extLst>
-        </p:spPr>
-      </p:pic>
-      <p:pic>
-        <p:nvPicPr>
-          <p:cNvPr id="4098" name="Picture 2"/>
-          <p:cNvPicPr>
-            <a:picLocks noChangeAspect="1" noChangeArrowheads="1"/>
-          </p:cNvPicPr>
-          <p:nvPr/>
-        </p:nvPicPr>
-        <p:blipFill>
-          <a:blip r:embed="rId6">
-            <a:extLst>
-              <a:ext uri="{28A0092B-C50C-407E-A947-70E740481C1C}">
-                <a14:useLocalDpi xmlns:a14="http://schemas.microsoft.com/office/drawing/2010/main" val="0"/>
-              </a:ext>
-            </a:extLst>
-          </a:blip>
-          <a:srcRect/>
-          <a:stretch>
-            <a:fillRect/>
-          </a:stretch>
-        </p:blipFill>
-        <p:spPr bwMode="auto">
-          <a:xfrm>
-            <a:off x="33408415" y="10820362"/>
-            <a:ext cx="9841664" cy="5223653"/>
-          </a:xfrm>
-          <a:prstGeom prst="rect">
-            <a:avLst/>
-          </a:prstGeom>
-          <a:noFill/>
-          <a:ln>
-            <a:noFill/>
-          </a:ln>
-          <a:extLst>
-            <a:ext uri="{909E8E84-426E-40DD-AFC4-6F175D3DCCD1}">
-              <a14:hiddenFill xmlns:a14="http://schemas.microsoft.com/office/drawing/2010/main">
-                <a:solidFill>
-                  <a:schemeClr val="accent1"/>
-                </a:solidFill>
-              </a14:hiddenFill>
-            </a:ext>
-            <a:ext uri="{91240B29-F687-4F45-9708-019B960494DF}">
-              <a14:hiddenLine xmlns:a14="http://schemas.microsoft.com/office/drawing/2010/main" w="9525">
-                <a:solidFill>
-                  <a:schemeClr val="tx1"/>
-                </a:solidFill>
-                <a:miter lim="800000"/>
-                <a:headEnd/>
-                <a:tailEnd/>
-              </a14:hiddenLine>
-            </a:ext>
-          </a:extLst>
-        </p:spPr>
-      </p:pic>
-      <p:pic>
-        <p:nvPicPr>
-          <p:cNvPr id="19" name="Picture 3"/>
-          <p:cNvPicPr>
-            <a:picLocks noChangeAspect="1" noChangeArrowheads="1"/>
-          </p:cNvPicPr>
-          <p:nvPr/>
-        </p:nvPicPr>
-        <p:blipFill>
-          <a:blip r:embed="rId7">
-            <a:extLst>
-              <a:ext uri="{28A0092B-C50C-407E-A947-70E740481C1C}">
-                <a14:useLocalDpi xmlns:a14="http://schemas.microsoft.com/office/drawing/2010/main" val="0"/>
-              </a:ext>
-            </a:extLst>
-          </a:blip>
-          <a:srcRect/>
-          <a:stretch>
-            <a:fillRect/>
-          </a:stretch>
-        </p:blipFill>
-        <p:spPr bwMode="auto">
-          <a:xfrm>
-            <a:off x="33392567" y="16426199"/>
-            <a:ext cx="9857512" cy="5248213"/>
-          </a:xfrm>
-          <a:prstGeom prst="rect">
-            <a:avLst/>
-          </a:prstGeom>
-          <a:noFill/>
-          <a:ln>
-            <a:noFill/>
-          </a:ln>
-          <a:extLst>
-            <a:ext uri="{909E8E84-426E-40DD-AFC4-6F175D3DCCD1}">
-              <a14:hiddenFill xmlns:a14="http://schemas.microsoft.com/office/drawing/2010/main">
-                <a:solidFill>
-                  <a:schemeClr val="accent1"/>
-                </a:solidFill>
-              </a14:hiddenFill>
-            </a:ext>
-            <a:ext uri="{91240B29-F687-4F45-9708-019B960494DF}">
-              <a14:hiddenLine xmlns:a14="http://schemas.microsoft.com/office/drawing/2010/main" w="9525">
-                <a:solidFill>
-                  <a:schemeClr val="tx1"/>
-                </a:solidFill>
-                <a:miter lim="800000"/>
-                <a:headEnd/>
-                <a:tailEnd/>
-              </a14:hiddenLine>
-            </a:ext>
-          </a:extLst>
-        </p:spPr>
-      </p:pic>
-      <p:pic>
-        <p:nvPicPr>
-          <p:cNvPr id="4100" name="Picture 4"/>
-          <p:cNvPicPr>
-            <a:picLocks noChangeAspect="1" noChangeArrowheads="1"/>
-          </p:cNvPicPr>
-          <p:nvPr/>
-        </p:nvPicPr>
-        <p:blipFill>
-          <a:blip r:embed="rId8">
-            <a:extLst>
-              <a:ext uri="{28A0092B-C50C-407E-A947-70E740481C1C}">
-                <a14:useLocalDpi xmlns:a14="http://schemas.microsoft.com/office/drawing/2010/main" val="0"/>
-              </a:ext>
-            </a:extLst>
-          </a:blip>
-          <a:srcRect/>
-          <a:stretch>
-            <a:fillRect/>
-          </a:stretch>
-        </p:blipFill>
-        <p:spPr bwMode="auto">
-          <a:xfrm>
-            <a:off x="22401443" y="17642446"/>
-            <a:ext cx="9965607" cy="7063141"/>
-          </a:xfrm>
-          <a:prstGeom prst="rect">
-            <a:avLst/>
-          </a:prstGeom>
-          <a:noFill/>
-          <a:ln>
-            <a:noFill/>
-          </a:ln>
-          <a:extLst>
-            <a:ext uri="{909E8E84-426E-40DD-AFC4-6F175D3DCCD1}">
-              <a14:hiddenFill xmlns:a14="http://schemas.microsoft.com/office/drawing/2010/main">
-                <a:solidFill>
-                  <a:schemeClr val="accent1"/>
-                </a:solidFill>
-              </a14:hiddenFill>
-            </a:ext>
-            <a:ext uri="{91240B29-F687-4F45-9708-019B960494DF}">
-              <a14:hiddenLine xmlns:a14="http://schemas.microsoft.com/office/drawing/2010/main" w="9525">
-                <a:solidFill>
-                  <a:schemeClr val="tx1"/>
-                </a:solidFill>
-                <a:miter lim="800000"/>
-                <a:headEnd/>
-                <a:tailEnd/>
-              </a14:hiddenLine>
-            </a:ext>
-          </a:extLst>
-        </p:spPr>
-      </p:pic>
-      <p:sp>
-        <p:nvSpPr>
-          <p:cNvPr id="27" name="Text Placeholder 6"/>
-          <p:cNvSpPr>
-            <a:spLocks noGrp="1"/>
-          </p:cNvSpPr>
-          <p:nvPr>
-            <p:ph type="body" sz="quarter" idx="23"/>
-          </p:nvPr>
-        </p:nvSpPr>
-        <p:spPr>
-          <a:xfrm>
-            <a:off x="22414720" y="11807392"/>
-            <a:ext cx="10048874" cy="846363"/>
-          </a:xfrm>
-        </p:spPr>
-        <p:txBody>
-          <a:bodyPr/>
-          <a:lstStyle/>
-          <a:p>
-            <a:r>
-              <a:rPr lang="en-US" i="1" u="sng" dirty="0">
-                <a:latin typeface="Arial" panose="020B0604020202020204" pitchFamily="34" charset="0"/>
-                <a:cs typeface="Arial" panose="020B0604020202020204" pitchFamily="34" charset="0"/>
-              </a:rPr>
-              <a:t>Student Engagement</a:t>
-            </a:r>
-          </a:p>
-        </p:txBody>
-      </p:sp>
-      <p:sp>
-        <p:nvSpPr>
-          <p:cNvPr id="28" name="Text Placeholder 6"/>
-          <p:cNvSpPr>
-            <a:spLocks noGrp="1"/>
-          </p:cNvSpPr>
-          <p:nvPr>
-            <p:ph type="body" sz="quarter" idx="23"/>
-          </p:nvPr>
-        </p:nvSpPr>
-        <p:spPr>
-          <a:xfrm>
-            <a:off x="22415504" y="6392906"/>
-            <a:ext cx="10048874" cy="846363"/>
-          </a:xfrm>
-        </p:spPr>
-        <p:txBody>
-          <a:bodyPr/>
-          <a:lstStyle/>
-          <a:p>
-            <a:r>
-              <a:rPr lang="en-US" i="1" u="sng" dirty="0">
-                <a:latin typeface="Arial" panose="020B0604020202020204" pitchFamily="34" charset="0"/>
-                <a:cs typeface="Arial" panose="020B0604020202020204" pitchFamily="34" charset="0"/>
-              </a:rPr>
-              <a:t>Reflective Learning</a:t>
-            </a:r>
-          </a:p>
-        </p:txBody>
-      </p:sp>
-      <p:sp>
-        <p:nvSpPr>
-          <p:cNvPr id="29" name="Text Placeholder 6"/>
-          <p:cNvSpPr>
-            <a:spLocks noGrp="1"/>
-          </p:cNvSpPr>
-          <p:nvPr>
-            <p:ph type="body" sz="quarter" idx="23"/>
-          </p:nvPr>
-        </p:nvSpPr>
-        <p:spPr>
-          <a:xfrm>
-            <a:off x="22401444" y="25388262"/>
-            <a:ext cx="10048874" cy="846363"/>
-          </a:xfrm>
-        </p:spPr>
-        <p:txBody>
-          <a:bodyPr/>
-          <a:lstStyle/>
-          <a:p>
-            <a:r>
-              <a:rPr lang="en-US" i="1" u="sng" dirty="0">
-                <a:latin typeface="Arial" panose="020B0604020202020204" pitchFamily="34" charset="0"/>
-                <a:cs typeface="Arial" panose="020B0604020202020204" pitchFamily="34" charset="0"/>
-              </a:rPr>
-              <a:t>Social Learning (PBL and PAL activities)</a:t>
-            </a:r>
-          </a:p>
-        </p:txBody>
-      </p:sp>
-      <p:sp>
-        <p:nvSpPr>
-          <p:cNvPr id="30" name="Text Placeholder 6"/>
-          <p:cNvSpPr>
-            <a:spLocks noGrp="1"/>
-          </p:cNvSpPr>
-          <p:nvPr>
-            <p:ph type="body" sz="quarter" idx="23"/>
-          </p:nvPr>
-        </p:nvSpPr>
-        <p:spPr>
-          <a:xfrm>
-            <a:off x="33371596" y="5536712"/>
-            <a:ext cx="10048874" cy="846363"/>
-          </a:xfrm>
-        </p:spPr>
-        <p:txBody>
-          <a:bodyPr/>
-          <a:lstStyle/>
-          <a:p>
-            <a:r>
-              <a:rPr lang="en-US" i="1" u="sng" dirty="0">
-                <a:solidFill>
-                  <a:schemeClr val="tx2"/>
-                </a:solidFill>
-                <a:latin typeface="Arial" panose="020B0604020202020204" pitchFamily="34" charset="0"/>
-                <a:cs typeface="Arial" panose="020B0604020202020204" pitchFamily="34" charset="0"/>
-              </a:rPr>
-              <a:t>Self Efficacy</a:t>
-            </a:r>
-          </a:p>
-        </p:txBody>
-      </p:sp>
-      <p:sp>
-        <p:nvSpPr>
-          <p:cNvPr id="31" name="Text Placeholder 11"/>
-          <p:cNvSpPr>
-            <a:spLocks noGrp="1"/>
-          </p:cNvSpPr>
-          <p:nvPr>
-            <p:ph type="body" sz="quarter" idx="28"/>
-          </p:nvPr>
-        </p:nvSpPr>
-        <p:spPr>
-          <a:xfrm>
-            <a:off x="33382622" y="6056596"/>
-            <a:ext cx="10052050" cy="4693570"/>
-          </a:xfrm>
-        </p:spPr>
-        <p:txBody>
-          <a:bodyPr/>
-          <a:lstStyle/>
-          <a:p>
-            <a:r>
-              <a:rPr lang="en-IE" dirty="0">
-                <a:solidFill>
-                  <a:schemeClr val="tx1"/>
-                </a:solidFill>
-                <a:latin typeface="Arial" panose="020B0604020202020204" pitchFamily="34" charset="0"/>
-                <a:cs typeface="Arial" panose="020B0604020202020204" pitchFamily="34" charset="0"/>
-              </a:rPr>
-              <a:t>Participants were provided a self-efficacy questionnaire, based on a approach suggested by Bandura (2006), to complete at the start and end of a semester. A social learning intervention was introduced to a treatment group, and the overall self-efficacy group score comparison revealed very little, other than a slight increase in the treatment group score.  However, a significant finding was found when comparing the final four questions measuring the perceived ability to work within a group. To illustrate this, the first figure below represents the start of semester self-efficacy group score for both groups, followed by the second figure representing the end of semester self-efficacy score reversal.</a:t>
-            </a:r>
-            <a:endParaRPr lang="en-US" dirty="0">
-              <a:solidFill>
-                <a:schemeClr val="tx1"/>
-              </a:solidFill>
-              <a:latin typeface="Arial" panose="020B0604020202020204" pitchFamily="34" charset="0"/>
-              <a:cs typeface="Arial" panose="020B0604020202020204" pitchFamily="34" charset="0"/>
-            </a:endParaRPr>
-          </a:p>
-        </p:txBody>
-      </p:sp>
-      <p:sp>
-        <p:nvSpPr>
-          <p:cNvPr id="32" name="Content Placeholder 2"/>
-          <p:cNvSpPr txBox="1">
-            <a:spLocks/>
-          </p:cNvSpPr>
-          <p:nvPr/>
-        </p:nvSpPr>
-        <p:spPr>
-          <a:xfrm>
-            <a:off x="718249" y="19594272"/>
-            <a:ext cx="9397301" cy="979718"/>
-          </a:xfrm>
-          <a:prstGeom prst="rect">
-            <a:avLst/>
-          </a:prstGeom>
-        </p:spPr>
-        <p:txBody>
-          <a:bodyPr>
-            <a:noAutofit/>
-          </a:bodyPr>
-          <a:lstStyle>
-            <a:lvl1pPr marL="1645838" indent="-1645838" algn="l" defTabSz="4388900" rtl="0" eaLnBrk="1" latinLnBrk="0" hangingPunct="1">
-              <a:spcBef>
-                <a:spcPct val="20000"/>
-              </a:spcBef>
-              <a:buFont typeface="Arial" pitchFamily="34" charset="0"/>
-              <a:buChar char="•"/>
-              <a:defRPr sz="15400" kern="1200">
-                <a:solidFill>
-                  <a:schemeClr val="tx1"/>
-                </a:solidFill>
-                <a:latin typeface="+mn-lt"/>
-                <a:ea typeface="+mn-ea"/>
-                <a:cs typeface="+mn-cs"/>
-              </a:defRPr>
-            </a:lvl1pPr>
-            <a:lvl2pPr marL="3565982" indent="-1371531" algn="l" defTabSz="4388900" rtl="0" eaLnBrk="1" latinLnBrk="0" hangingPunct="1">
-              <a:spcBef>
-                <a:spcPct val="20000"/>
-              </a:spcBef>
-              <a:buFont typeface="Arial" pitchFamily="34" charset="0"/>
-              <a:buChar char="–"/>
-              <a:defRPr sz="13500" kern="1200">
-                <a:solidFill>
-                  <a:schemeClr val="tx1"/>
-                </a:solidFill>
-                <a:latin typeface="+mn-lt"/>
-                <a:ea typeface="+mn-ea"/>
-                <a:cs typeface="+mn-cs"/>
-              </a:defRPr>
-            </a:lvl2pPr>
-            <a:lvl3pPr marL="5486126" indent="-1097226" algn="l" defTabSz="4388900" rtl="0" eaLnBrk="1" latinLnBrk="0" hangingPunct="1">
-              <a:spcBef>
-                <a:spcPct val="20000"/>
-              </a:spcBef>
-              <a:buFont typeface="Arial" pitchFamily="34" charset="0"/>
-              <a:buChar char="•"/>
-              <a:defRPr sz="11600" kern="1200">
-                <a:solidFill>
-                  <a:schemeClr val="tx1"/>
-                </a:solidFill>
-                <a:latin typeface="+mn-lt"/>
-                <a:ea typeface="+mn-ea"/>
-                <a:cs typeface="+mn-cs"/>
-              </a:defRPr>
-            </a:lvl3pPr>
-            <a:lvl4pPr marL="7680577" indent="-1097226" algn="l" defTabSz="4388900" rtl="0" eaLnBrk="1" latinLnBrk="0" hangingPunct="1">
-              <a:spcBef>
-                <a:spcPct val="20000"/>
-              </a:spcBef>
-              <a:buFont typeface="Arial" pitchFamily="34" charset="0"/>
-              <a:buChar char="–"/>
-              <a:defRPr sz="9600" kern="1200">
-                <a:solidFill>
-                  <a:schemeClr val="tx1"/>
-                </a:solidFill>
-                <a:latin typeface="+mn-lt"/>
-                <a:ea typeface="+mn-ea"/>
-                <a:cs typeface="+mn-cs"/>
-              </a:defRPr>
-            </a:lvl4pPr>
-            <a:lvl5pPr marL="9875026" indent="-1097226" algn="l" defTabSz="4388900" rtl="0" eaLnBrk="1" latinLnBrk="0" hangingPunct="1">
-              <a:spcBef>
-                <a:spcPct val="20000"/>
-              </a:spcBef>
-              <a:buFont typeface="Arial" pitchFamily="34" charset="0"/>
-              <a:buChar char="»"/>
-              <a:defRPr sz="9600" kern="1200">
-                <a:solidFill>
-                  <a:schemeClr val="tx1"/>
-                </a:solidFill>
-                <a:latin typeface="+mn-lt"/>
-                <a:ea typeface="+mn-ea"/>
-                <a:cs typeface="+mn-cs"/>
-              </a:defRPr>
-            </a:lvl5pPr>
-            <a:lvl6pPr marL="12069477" indent="-1097226" algn="l" defTabSz="4388900" rtl="0" eaLnBrk="1" latinLnBrk="0" hangingPunct="1">
-              <a:spcBef>
-                <a:spcPct val="20000"/>
-              </a:spcBef>
-              <a:buFont typeface="Arial" pitchFamily="34" charset="0"/>
-              <a:buChar char="•"/>
-              <a:defRPr sz="9600" kern="1200">
-                <a:solidFill>
-                  <a:schemeClr val="tx1"/>
-                </a:solidFill>
-                <a:latin typeface="+mn-lt"/>
-                <a:ea typeface="+mn-ea"/>
-                <a:cs typeface="+mn-cs"/>
-              </a:defRPr>
-            </a:lvl6pPr>
-            <a:lvl7pPr marL="14263926" indent="-1097226" algn="l" defTabSz="4388900" rtl="0" eaLnBrk="1" latinLnBrk="0" hangingPunct="1">
-              <a:spcBef>
-                <a:spcPct val="20000"/>
-              </a:spcBef>
-              <a:buFont typeface="Arial" pitchFamily="34" charset="0"/>
-              <a:buChar char="•"/>
-              <a:defRPr sz="9600" kern="1200">
-                <a:solidFill>
-                  <a:schemeClr val="tx1"/>
-                </a:solidFill>
-                <a:latin typeface="+mn-lt"/>
-                <a:ea typeface="+mn-ea"/>
-                <a:cs typeface="+mn-cs"/>
-              </a:defRPr>
-            </a:lvl7pPr>
-            <a:lvl8pPr marL="16458377" indent="-1097226" algn="l" defTabSz="4388900" rtl="0" eaLnBrk="1" latinLnBrk="0" hangingPunct="1">
-              <a:spcBef>
-                <a:spcPct val="20000"/>
-              </a:spcBef>
-              <a:buFont typeface="Arial" pitchFamily="34" charset="0"/>
-              <a:buChar char="•"/>
-              <a:defRPr sz="9600" kern="1200">
-                <a:solidFill>
-                  <a:schemeClr val="tx1"/>
-                </a:solidFill>
-                <a:latin typeface="+mn-lt"/>
-                <a:ea typeface="+mn-ea"/>
-                <a:cs typeface="+mn-cs"/>
-              </a:defRPr>
-            </a:lvl8pPr>
-            <a:lvl9pPr marL="18652827" indent="-1097226" algn="l" defTabSz="4388900" rtl="0" eaLnBrk="1" latinLnBrk="0" hangingPunct="1">
-              <a:spcBef>
-                <a:spcPct val="20000"/>
-              </a:spcBef>
-              <a:buFont typeface="Arial" pitchFamily="34" charset="0"/>
-              <a:buChar char="•"/>
-              <a:defRPr sz="9600" kern="1200">
-                <a:solidFill>
-                  <a:schemeClr val="tx1"/>
-                </a:solidFill>
-                <a:latin typeface="+mn-lt"/>
-                <a:ea typeface="+mn-ea"/>
-                <a:cs typeface="+mn-cs"/>
-              </a:defRPr>
-            </a:lvl9pPr>
-          </a:lstStyle>
-          <a:p>
-            <a:pPr marL="0" indent="0">
-              <a:buNone/>
-            </a:pPr>
-            <a:r>
-              <a:rPr lang="en-GB" sz="2400" dirty="0">
-                <a:latin typeface="Arial" panose="020B0604020202020204" pitchFamily="34" charset="0"/>
-                <a:cs typeface="Arial" panose="020B0604020202020204" pitchFamily="34" charset="0"/>
-              </a:rPr>
-              <a:t>The conceptual framework below, was developed from Bandura’s (1986) Reciprocal Determinism model, in which Behaviour, Environmental Factors and Personal Factors were replaced with Self-Efficacy, Social Learning and Reflection, which became the basis for developing implementation strategies to enhance student engagement.</a:t>
-            </a:r>
-            <a:endParaRPr lang="en-IE" sz="2400" dirty="0">
-              <a:latin typeface="Arial" panose="020B0604020202020204" pitchFamily="34" charset="0"/>
-              <a:cs typeface="Arial" panose="020B0604020202020204" pitchFamily="34" charset="0"/>
-            </a:endParaRPr>
-          </a:p>
-        </p:txBody>
-      </p:sp>
-      <p:sp>
-        <p:nvSpPr>
-          <p:cNvPr id="25" name="Rectangle 24"/>
-          <p:cNvSpPr/>
-          <p:nvPr/>
-        </p:nvSpPr>
-        <p:spPr>
-          <a:xfrm>
-            <a:off x="1543050" y="32318325"/>
-            <a:ext cx="2828925" cy="438150"/>
-          </a:xfrm>
-          <a:prstGeom prst="rect">
-            <a:avLst/>
-          </a:prstGeom>
-          <a:solidFill>
-            <a:schemeClr val="accent5">
-              <a:lumMod val="50000"/>
-            </a:schemeClr>
-          </a:solidFill>
-          <a:ln>
-            <a:noFill/>
-          </a:ln>
-        </p:spPr>
-        <p:style>
-          <a:lnRef idx="2">
-            <a:schemeClr val="accent1">
-              <a:shade val="50000"/>
-            </a:schemeClr>
-          </a:lnRef>
-          <a:fillRef idx="1">
-            <a:schemeClr val="accent1"/>
-          </a:fillRef>
-          <a:effectRef idx="0">
-            <a:schemeClr val="accent1"/>
-          </a:effectRef>
-          <a:fontRef idx="minor">
-            <a:schemeClr val="lt1"/>
-          </a:fontRef>
-        </p:style>
-        <p:txBody>
-          <a:bodyPr rtlCol="0" anchor="ctr"/>
-          <a:lstStyle/>
-          <a:p>
-            <a:pPr algn="ctr"/>
-            <a:endParaRPr lang="en-IE"/>
-          </a:p>
-        </p:txBody>
-      </p:sp>
-      <p:sp>
-        <p:nvSpPr>
-          <p:cNvPr id="36" name="Content Placeholder 2"/>
-          <p:cNvSpPr txBox="1">
-            <a:spLocks/>
-          </p:cNvSpPr>
-          <p:nvPr/>
-        </p:nvSpPr>
-        <p:spPr>
-          <a:xfrm>
-            <a:off x="22534004" y="7077748"/>
-            <a:ext cx="9795691" cy="5522693"/>
-          </a:xfrm>
-          <a:prstGeom prst="rect">
-            <a:avLst/>
-          </a:prstGeom>
-        </p:spPr>
-        <p:txBody>
-          <a:bodyPr>
-            <a:noAutofit/>
-          </a:bodyPr>
-          <a:lstStyle>
-            <a:lvl1pPr marL="1645838" indent="-1645838" algn="l" defTabSz="4388900" rtl="0" eaLnBrk="1" latinLnBrk="0" hangingPunct="1">
-              <a:spcBef>
-                <a:spcPct val="20000"/>
-              </a:spcBef>
-              <a:buFont typeface="Arial" pitchFamily="34" charset="0"/>
-              <a:buChar char="•"/>
-              <a:defRPr sz="15400" kern="1200">
-                <a:solidFill>
-                  <a:schemeClr val="tx1"/>
-                </a:solidFill>
-                <a:latin typeface="+mn-lt"/>
-                <a:ea typeface="+mn-ea"/>
-                <a:cs typeface="+mn-cs"/>
-              </a:defRPr>
-            </a:lvl1pPr>
-            <a:lvl2pPr marL="3565982" indent="-1371531" algn="l" defTabSz="4388900" rtl="0" eaLnBrk="1" latinLnBrk="0" hangingPunct="1">
-              <a:spcBef>
-                <a:spcPct val="20000"/>
-              </a:spcBef>
-              <a:buFont typeface="Arial" pitchFamily="34" charset="0"/>
-              <a:buChar char="–"/>
-              <a:defRPr sz="13500" kern="1200">
-                <a:solidFill>
-                  <a:schemeClr val="tx1"/>
-                </a:solidFill>
-                <a:latin typeface="+mn-lt"/>
-                <a:ea typeface="+mn-ea"/>
-                <a:cs typeface="+mn-cs"/>
-              </a:defRPr>
-            </a:lvl2pPr>
-            <a:lvl3pPr marL="5486126" indent="-1097226" algn="l" defTabSz="4388900" rtl="0" eaLnBrk="1" latinLnBrk="0" hangingPunct="1">
-              <a:spcBef>
-                <a:spcPct val="20000"/>
-              </a:spcBef>
-              <a:buFont typeface="Arial" pitchFamily="34" charset="0"/>
-              <a:buChar char="•"/>
-              <a:defRPr sz="11600" kern="1200">
-                <a:solidFill>
-                  <a:schemeClr val="tx1"/>
-                </a:solidFill>
-                <a:latin typeface="+mn-lt"/>
-                <a:ea typeface="+mn-ea"/>
-                <a:cs typeface="+mn-cs"/>
-              </a:defRPr>
-            </a:lvl3pPr>
-            <a:lvl4pPr marL="7680577" indent="-1097226" algn="l" defTabSz="4388900" rtl="0" eaLnBrk="1" latinLnBrk="0" hangingPunct="1">
-              <a:spcBef>
-                <a:spcPct val="20000"/>
-              </a:spcBef>
-              <a:buFont typeface="Arial" pitchFamily="34" charset="0"/>
-              <a:buChar char="–"/>
-              <a:defRPr sz="9600" kern="1200">
-                <a:solidFill>
-                  <a:schemeClr val="tx1"/>
-                </a:solidFill>
-                <a:latin typeface="+mn-lt"/>
-                <a:ea typeface="+mn-ea"/>
-                <a:cs typeface="+mn-cs"/>
-              </a:defRPr>
-            </a:lvl4pPr>
-            <a:lvl5pPr marL="9875026" indent="-1097226" algn="l" defTabSz="4388900" rtl="0" eaLnBrk="1" latinLnBrk="0" hangingPunct="1">
-              <a:spcBef>
-                <a:spcPct val="20000"/>
-              </a:spcBef>
-              <a:buFont typeface="Arial" pitchFamily="34" charset="0"/>
-              <a:buChar char="»"/>
-              <a:defRPr sz="9600" kern="1200">
-                <a:solidFill>
-                  <a:schemeClr val="tx1"/>
-                </a:solidFill>
-                <a:latin typeface="+mn-lt"/>
-                <a:ea typeface="+mn-ea"/>
-                <a:cs typeface="+mn-cs"/>
-              </a:defRPr>
-            </a:lvl5pPr>
-            <a:lvl6pPr marL="12069477" indent="-1097226" algn="l" defTabSz="4388900" rtl="0" eaLnBrk="1" latinLnBrk="0" hangingPunct="1">
-              <a:spcBef>
-                <a:spcPct val="20000"/>
-              </a:spcBef>
-              <a:buFont typeface="Arial" pitchFamily="34" charset="0"/>
-              <a:buChar char="•"/>
-              <a:defRPr sz="9600" kern="1200">
-                <a:solidFill>
-                  <a:schemeClr val="tx1"/>
-                </a:solidFill>
-                <a:latin typeface="+mn-lt"/>
-                <a:ea typeface="+mn-ea"/>
-                <a:cs typeface="+mn-cs"/>
-              </a:defRPr>
-            </a:lvl6pPr>
-            <a:lvl7pPr marL="14263926" indent="-1097226" algn="l" defTabSz="4388900" rtl="0" eaLnBrk="1" latinLnBrk="0" hangingPunct="1">
-              <a:spcBef>
-                <a:spcPct val="20000"/>
-              </a:spcBef>
-              <a:buFont typeface="Arial" pitchFamily="34" charset="0"/>
-              <a:buChar char="•"/>
-              <a:defRPr sz="9600" kern="1200">
-                <a:solidFill>
-                  <a:schemeClr val="tx1"/>
-                </a:solidFill>
-                <a:latin typeface="+mn-lt"/>
-                <a:ea typeface="+mn-ea"/>
-                <a:cs typeface="+mn-cs"/>
-              </a:defRPr>
-            </a:lvl7pPr>
-            <a:lvl8pPr marL="16458377" indent="-1097226" algn="l" defTabSz="4388900" rtl="0" eaLnBrk="1" latinLnBrk="0" hangingPunct="1">
-              <a:spcBef>
-                <a:spcPct val="20000"/>
-              </a:spcBef>
-              <a:buFont typeface="Arial" pitchFamily="34" charset="0"/>
-              <a:buChar char="•"/>
-              <a:defRPr sz="9600" kern="1200">
-                <a:solidFill>
-                  <a:schemeClr val="tx1"/>
-                </a:solidFill>
-                <a:latin typeface="+mn-lt"/>
-                <a:ea typeface="+mn-ea"/>
-                <a:cs typeface="+mn-cs"/>
-              </a:defRPr>
-            </a:lvl8pPr>
-            <a:lvl9pPr marL="18652827" indent="-1097226" algn="l" defTabSz="4388900" rtl="0" eaLnBrk="1" latinLnBrk="0" hangingPunct="1">
-              <a:spcBef>
-                <a:spcPct val="20000"/>
-              </a:spcBef>
-              <a:buFont typeface="Arial" pitchFamily="34" charset="0"/>
-              <a:buChar char="•"/>
-              <a:defRPr sz="9600" kern="1200">
-                <a:solidFill>
-                  <a:schemeClr val="tx1"/>
-                </a:solidFill>
-                <a:latin typeface="+mn-lt"/>
-                <a:ea typeface="+mn-ea"/>
-                <a:cs typeface="+mn-cs"/>
-              </a:defRPr>
-            </a:lvl9pPr>
-          </a:lstStyle>
-          <a:p>
-            <a:pPr marL="0" indent="0">
-              <a:buNone/>
-            </a:pPr>
-            <a:r>
-              <a:rPr lang="en-IE" sz="2500" dirty="0"/>
-              <a:t>A reflective learning journal was provided to student participants in two of the action research studies, participants were asked to complete this journal on a weekly basis over the course of a semester.  There was mixed opinions on the use of the journal, with the majority questioning its usefulness.  Students were not convinced of the benefits of using the journal over a long period of time, and found the activity a burden in some cases.  Some viewed it as a piece of additional assessment that had no grade, furthering most to question the benefits.   While some positive benefits were noticed, careful consideration is required if using such a tool for a class cohort, some individuals seemed to adapt better to this type of journaling activity than others.   </a:t>
-            </a:r>
-          </a:p>
-        </p:txBody>
-      </p:sp>
-      <p:sp>
-        <p:nvSpPr>
-          <p:cNvPr id="38" name="Text Placeholder 11"/>
-          <p:cNvSpPr>
-            <a:spLocks noGrp="1"/>
-          </p:cNvSpPr>
-          <p:nvPr>
-            <p:ph type="body" sz="quarter" idx="28"/>
-          </p:nvPr>
-        </p:nvSpPr>
-        <p:spPr>
-          <a:xfrm>
-            <a:off x="22407466" y="25936012"/>
-            <a:ext cx="10052050" cy="6490985"/>
-          </a:xfrm>
-        </p:spPr>
-        <p:txBody>
-          <a:bodyPr/>
-          <a:lstStyle/>
-          <a:p>
-            <a:r>
-              <a:rPr lang="en-IE" dirty="0">
-                <a:solidFill>
-                  <a:schemeClr val="tx1"/>
-                </a:solidFill>
-                <a:latin typeface="Arial" panose="020B0604020202020204" pitchFamily="34" charset="0"/>
-                <a:cs typeface="Arial" panose="020B0604020202020204" pitchFamily="34" charset="0"/>
-              </a:rPr>
-              <a:t>Problem Based Learning (PBL) and Peer Assisted Learning (PAL) were introduced to a treatment group over the course of a semester.  The quotes below represent a small sample of the overall positive feedback the participants expressed in terms of their enjoyment in participating in groups when solving programming problems:</a:t>
-            </a:r>
-          </a:p>
-          <a:p>
-            <a:endParaRPr lang="en-IE" dirty="0">
-              <a:solidFill>
-                <a:schemeClr val="tx1"/>
-              </a:solidFill>
-              <a:latin typeface="Arial" panose="020B0604020202020204" pitchFamily="34" charset="0"/>
-              <a:cs typeface="Arial" panose="020B0604020202020204" pitchFamily="34" charset="0"/>
-            </a:endParaRPr>
-          </a:p>
-          <a:p>
-            <a:r>
-              <a:rPr lang="en-IE" sz="1600" i="1" dirty="0">
-                <a:solidFill>
-                  <a:schemeClr val="tx1"/>
-                </a:solidFill>
-                <a:latin typeface="Arial" panose="020B0604020202020204" pitchFamily="34" charset="0"/>
-                <a:cs typeface="Arial" panose="020B0604020202020204" pitchFamily="34" charset="0"/>
-              </a:rPr>
-              <a:t>“I learned I can work in a group. Although I most of the times would rather work alone, working in a group does make problem solving a lot easier”.</a:t>
-            </a:r>
-          </a:p>
-          <a:p>
-            <a:endParaRPr lang="en-IE" sz="1600" i="1" dirty="0">
-              <a:solidFill>
-                <a:schemeClr val="tx1"/>
-              </a:solidFill>
-              <a:latin typeface="Arial" panose="020B0604020202020204" pitchFamily="34" charset="0"/>
-              <a:cs typeface="Arial" panose="020B0604020202020204" pitchFamily="34" charset="0"/>
-            </a:endParaRPr>
-          </a:p>
-          <a:p>
-            <a:r>
-              <a:rPr lang="en-IE" sz="1600" i="1" dirty="0">
-                <a:solidFill>
-                  <a:schemeClr val="tx1"/>
-                </a:solidFill>
-                <a:latin typeface="Arial" panose="020B0604020202020204" pitchFamily="34" charset="0"/>
-                <a:cs typeface="Arial" panose="020B0604020202020204" pitchFamily="34" charset="0"/>
-              </a:rPr>
-              <a:t>“I enjoy programming but I’m 100% aware that my planning skills are way better than my programming skills. I wish we had more opportunities like this one to practice”.</a:t>
-            </a:r>
-          </a:p>
-          <a:p>
-            <a:endParaRPr lang="en-IE" sz="1600" i="1" dirty="0">
-              <a:solidFill>
-                <a:schemeClr val="tx1"/>
-              </a:solidFill>
-              <a:latin typeface="Arial" panose="020B0604020202020204" pitchFamily="34" charset="0"/>
-              <a:cs typeface="Arial" panose="020B0604020202020204" pitchFamily="34" charset="0"/>
-            </a:endParaRPr>
-          </a:p>
-          <a:p>
-            <a:r>
-              <a:rPr lang="en-IE" sz="1600" i="1" dirty="0">
-                <a:solidFill>
-                  <a:schemeClr val="tx1"/>
-                </a:solidFill>
-                <a:latin typeface="Arial" panose="020B0604020202020204" pitchFamily="34" charset="0"/>
-                <a:cs typeface="Arial" panose="020B0604020202020204" pitchFamily="34" charset="0"/>
-              </a:rPr>
-              <a:t>“Really enjoyable as I am better working with people.  (I’m a really nervous person and individual evaluations makes me so nervous that I cannot concentrate)”.</a:t>
-            </a:r>
-          </a:p>
-          <a:p>
-            <a:endParaRPr lang="en-IE" sz="1600" i="1" dirty="0">
-              <a:solidFill>
-                <a:schemeClr val="tx1"/>
-              </a:solidFill>
-              <a:latin typeface="Arial" panose="020B0604020202020204" pitchFamily="34" charset="0"/>
-              <a:cs typeface="Arial" panose="020B0604020202020204" pitchFamily="34" charset="0"/>
-            </a:endParaRPr>
-          </a:p>
-          <a:p>
-            <a:r>
-              <a:rPr lang="en-IE" sz="1600" i="1" dirty="0">
-                <a:solidFill>
-                  <a:schemeClr val="tx1"/>
-                </a:solidFill>
-                <a:latin typeface="Arial" panose="020B0604020202020204" pitchFamily="34" charset="0"/>
-                <a:cs typeface="Arial" panose="020B0604020202020204" pitchFamily="34" charset="0"/>
-              </a:rPr>
-              <a:t>“These activities really makes more interaction among friends and for a given problem, we can solve it with many the best ways.  And need to be continued in the coming weeks”.</a:t>
-            </a:r>
-          </a:p>
-          <a:p>
-            <a:endParaRPr lang="en-IE" sz="1600" i="1" dirty="0">
-              <a:solidFill>
-                <a:schemeClr val="tx1"/>
-              </a:solidFill>
-              <a:latin typeface="Arial" panose="020B0604020202020204" pitchFamily="34" charset="0"/>
-              <a:cs typeface="Arial" panose="020B0604020202020204" pitchFamily="34" charset="0"/>
-            </a:endParaRPr>
-          </a:p>
-          <a:p>
-            <a:endParaRPr lang="en-IE" sz="1600" i="1" dirty="0">
-              <a:solidFill>
-                <a:schemeClr val="tx1"/>
-              </a:solidFill>
-              <a:latin typeface="Arial" panose="020B0604020202020204" pitchFamily="34" charset="0"/>
-              <a:cs typeface="Arial" panose="020B0604020202020204" pitchFamily="34" charset="0"/>
-            </a:endParaRPr>
-          </a:p>
-        </p:txBody>
-      </p:sp>
-      <p:sp>
-        <p:nvSpPr>
-          <p:cNvPr id="40" name="Text Placeholder 3"/>
-          <p:cNvSpPr>
-            <a:spLocks noGrp="1"/>
-          </p:cNvSpPr>
-          <p:nvPr>
-            <p:ph type="body" sz="quarter" idx="20"/>
-          </p:nvPr>
-        </p:nvSpPr>
-        <p:spPr>
-          <a:xfrm>
-            <a:off x="521484" y="12794208"/>
-            <a:ext cx="10026754" cy="754045"/>
-          </a:xfrm>
-        </p:spPr>
-        <p:txBody>
-          <a:bodyPr/>
-          <a:lstStyle/>
-          <a:p>
-            <a:r>
-              <a:rPr lang="en-US" dirty="0">
-                <a:solidFill>
-                  <a:schemeClr val="tx2"/>
-                </a:solidFill>
-                <a:latin typeface="Arial" panose="020B0604020202020204" pitchFamily="34" charset="0"/>
-                <a:cs typeface="Arial" panose="020B0604020202020204" pitchFamily="34" charset="0"/>
-              </a:rPr>
-              <a:t>RESEARCH QUESTIONS</a:t>
-            </a:r>
-          </a:p>
-        </p:txBody>
-      </p:sp>
-      <p:sp>
-        <p:nvSpPr>
-          <p:cNvPr id="41" name="Content Placeholder 2"/>
-          <p:cNvSpPr txBox="1">
-            <a:spLocks/>
-          </p:cNvSpPr>
-          <p:nvPr/>
-        </p:nvSpPr>
-        <p:spPr>
-          <a:xfrm>
-            <a:off x="578634" y="13812808"/>
-            <a:ext cx="9736942" cy="5276211"/>
-          </a:xfrm>
-          <a:prstGeom prst="rect">
-            <a:avLst/>
-          </a:prstGeom>
-        </p:spPr>
-        <p:txBody>
-          <a:bodyPr>
-            <a:noAutofit/>
-          </a:bodyPr>
-          <a:lstStyle>
-            <a:lvl1pPr marL="1645838" indent="-1645838" algn="l" defTabSz="4388900" rtl="0" eaLnBrk="1" latinLnBrk="0" hangingPunct="1">
-              <a:spcBef>
-                <a:spcPct val="20000"/>
-              </a:spcBef>
-              <a:buFont typeface="Arial" pitchFamily="34" charset="0"/>
-              <a:buChar char="•"/>
-              <a:defRPr sz="15400" kern="1200">
-                <a:solidFill>
-                  <a:schemeClr val="tx1"/>
-                </a:solidFill>
-                <a:latin typeface="+mn-lt"/>
-                <a:ea typeface="+mn-ea"/>
-                <a:cs typeface="+mn-cs"/>
-              </a:defRPr>
-            </a:lvl1pPr>
-            <a:lvl2pPr marL="3565982" indent="-1371531" algn="l" defTabSz="4388900" rtl="0" eaLnBrk="1" latinLnBrk="0" hangingPunct="1">
-              <a:spcBef>
-                <a:spcPct val="20000"/>
-              </a:spcBef>
-              <a:buFont typeface="Arial" pitchFamily="34" charset="0"/>
-              <a:buChar char="–"/>
-              <a:defRPr sz="13500" kern="1200">
-                <a:solidFill>
-                  <a:schemeClr val="tx1"/>
-                </a:solidFill>
-                <a:latin typeface="+mn-lt"/>
-                <a:ea typeface="+mn-ea"/>
-                <a:cs typeface="+mn-cs"/>
-              </a:defRPr>
-            </a:lvl2pPr>
-            <a:lvl3pPr marL="5486126" indent="-1097226" algn="l" defTabSz="4388900" rtl="0" eaLnBrk="1" latinLnBrk="0" hangingPunct="1">
-              <a:spcBef>
-                <a:spcPct val="20000"/>
-              </a:spcBef>
-              <a:buFont typeface="Arial" pitchFamily="34" charset="0"/>
-              <a:buChar char="•"/>
-              <a:defRPr sz="11600" kern="1200">
-                <a:solidFill>
-                  <a:schemeClr val="tx1"/>
-                </a:solidFill>
-                <a:latin typeface="+mn-lt"/>
-                <a:ea typeface="+mn-ea"/>
-                <a:cs typeface="+mn-cs"/>
-              </a:defRPr>
-            </a:lvl3pPr>
-            <a:lvl4pPr marL="7680577" indent="-1097226" algn="l" defTabSz="4388900" rtl="0" eaLnBrk="1" latinLnBrk="0" hangingPunct="1">
-              <a:spcBef>
-                <a:spcPct val="20000"/>
-              </a:spcBef>
-              <a:buFont typeface="Arial" pitchFamily="34" charset="0"/>
-              <a:buChar char="–"/>
-              <a:defRPr sz="9600" kern="1200">
-                <a:solidFill>
-                  <a:schemeClr val="tx1"/>
-                </a:solidFill>
-                <a:latin typeface="+mn-lt"/>
-                <a:ea typeface="+mn-ea"/>
-                <a:cs typeface="+mn-cs"/>
-              </a:defRPr>
-            </a:lvl4pPr>
-            <a:lvl5pPr marL="9875026" indent="-1097226" algn="l" defTabSz="4388900" rtl="0" eaLnBrk="1" latinLnBrk="0" hangingPunct="1">
-              <a:spcBef>
-                <a:spcPct val="20000"/>
-              </a:spcBef>
-              <a:buFont typeface="Arial" pitchFamily="34" charset="0"/>
-              <a:buChar char="»"/>
-              <a:defRPr sz="9600" kern="1200">
-                <a:solidFill>
-                  <a:schemeClr val="tx1"/>
-                </a:solidFill>
-                <a:latin typeface="+mn-lt"/>
-                <a:ea typeface="+mn-ea"/>
-                <a:cs typeface="+mn-cs"/>
-              </a:defRPr>
-            </a:lvl5pPr>
-            <a:lvl6pPr marL="12069477" indent="-1097226" algn="l" defTabSz="4388900" rtl="0" eaLnBrk="1" latinLnBrk="0" hangingPunct="1">
-              <a:spcBef>
-                <a:spcPct val="20000"/>
-              </a:spcBef>
-              <a:buFont typeface="Arial" pitchFamily="34" charset="0"/>
-              <a:buChar char="•"/>
-              <a:defRPr sz="9600" kern="1200">
-                <a:solidFill>
-                  <a:schemeClr val="tx1"/>
-                </a:solidFill>
-                <a:latin typeface="+mn-lt"/>
-                <a:ea typeface="+mn-ea"/>
-                <a:cs typeface="+mn-cs"/>
-              </a:defRPr>
-            </a:lvl6pPr>
-            <a:lvl7pPr marL="14263926" indent="-1097226" algn="l" defTabSz="4388900" rtl="0" eaLnBrk="1" latinLnBrk="0" hangingPunct="1">
-              <a:spcBef>
-                <a:spcPct val="20000"/>
-              </a:spcBef>
-              <a:buFont typeface="Arial" pitchFamily="34" charset="0"/>
-              <a:buChar char="•"/>
-              <a:defRPr sz="9600" kern="1200">
-                <a:solidFill>
-                  <a:schemeClr val="tx1"/>
-                </a:solidFill>
-                <a:latin typeface="+mn-lt"/>
-                <a:ea typeface="+mn-ea"/>
-                <a:cs typeface="+mn-cs"/>
-              </a:defRPr>
-            </a:lvl7pPr>
-            <a:lvl8pPr marL="16458377" indent="-1097226" algn="l" defTabSz="4388900" rtl="0" eaLnBrk="1" latinLnBrk="0" hangingPunct="1">
-              <a:spcBef>
-                <a:spcPct val="20000"/>
-              </a:spcBef>
-              <a:buFont typeface="Arial" pitchFamily="34" charset="0"/>
-              <a:buChar char="•"/>
-              <a:defRPr sz="9600" kern="1200">
-                <a:solidFill>
-                  <a:schemeClr val="tx1"/>
-                </a:solidFill>
-                <a:latin typeface="+mn-lt"/>
-                <a:ea typeface="+mn-ea"/>
-                <a:cs typeface="+mn-cs"/>
-              </a:defRPr>
-            </a:lvl8pPr>
-            <a:lvl9pPr marL="18652827" indent="-1097226" algn="l" defTabSz="4388900" rtl="0" eaLnBrk="1" latinLnBrk="0" hangingPunct="1">
-              <a:spcBef>
-                <a:spcPct val="20000"/>
-              </a:spcBef>
-              <a:buFont typeface="Arial" pitchFamily="34" charset="0"/>
-              <a:buChar char="•"/>
-              <a:defRPr sz="9600" kern="1200">
-                <a:solidFill>
-                  <a:schemeClr val="tx1"/>
-                </a:solidFill>
-                <a:latin typeface="+mn-lt"/>
-                <a:ea typeface="+mn-ea"/>
-                <a:cs typeface="+mn-cs"/>
-              </a:defRPr>
-            </a:lvl9pPr>
-          </a:lstStyle>
-          <a:p>
-            <a:pPr marL="0" indent="0" algn="just" defTabSz="895350">
-              <a:buFont typeface="Arial" pitchFamily="34" charset="0"/>
-              <a:buNone/>
-            </a:pPr>
-            <a:r>
-              <a:rPr lang="en-IE" sz="2400" dirty="0">
-                <a:latin typeface="Arial" panose="020B0604020202020204" pitchFamily="34" charset="0"/>
-                <a:cs typeface="Arial" panose="020B0604020202020204" pitchFamily="34" charset="0"/>
-              </a:rPr>
-              <a:t>The four  questions below represent the core focus of the entire study:</a:t>
-            </a:r>
-            <a:endParaRPr lang="en-IE" sz="2400" b="1" dirty="0">
-              <a:latin typeface="Arial" panose="020B0604020202020204" pitchFamily="34" charset="0"/>
-              <a:cs typeface="Arial" panose="020B0604020202020204" pitchFamily="34" charset="0"/>
-            </a:endParaRPr>
-          </a:p>
-          <a:p>
-            <a:pPr marL="0" indent="0" algn="just" defTabSz="895350">
-              <a:buFont typeface="Arial" pitchFamily="34" charset="0"/>
-              <a:buNone/>
-            </a:pPr>
-            <a:endParaRPr lang="en-IE" sz="2400" b="1" dirty="0">
-              <a:latin typeface="Arial" panose="020B0604020202020204" pitchFamily="34" charset="0"/>
-              <a:cs typeface="Arial" panose="020B0604020202020204" pitchFamily="34" charset="0"/>
-            </a:endParaRPr>
-          </a:p>
-          <a:p>
-            <a:pPr marL="0" indent="0" algn="just" defTabSz="895350">
-              <a:buFont typeface="Arial" pitchFamily="34" charset="0"/>
-              <a:buNone/>
-            </a:pPr>
-            <a:r>
-              <a:rPr lang="en-IE" sz="2400" b="1" dirty="0">
-                <a:latin typeface="Arial" panose="020B0604020202020204" pitchFamily="34" charset="0"/>
-                <a:cs typeface="Arial" panose="020B0604020202020204" pitchFamily="34" charset="0"/>
-              </a:rPr>
-              <a:t>Q.1.</a:t>
-            </a:r>
-            <a:r>
-              <a:rPr lang="en-IE" sz="2400" dirty="0">
-                <a:latin typeface="Arial" panose="020B0604020202020204" pitchFamily="34" charset="0"/>
-                <a:cs typeface="Arial" panose="020B0604020202020204" pitchFamily="34" charset="0"/>
-              </a:rPr>
-              <a:t> 	Is a </a:t>
-            </a:r>
-            <a:r>
-              <a:rPr lang="en-IE" sz="2400" b="1" dirty="0">
-                <a:latin typeface="Arial" panose="020B0604020202020204" pitchFamily="34" charset="0"/>
-                <a:cs typeface="Arial" panose="020B0604020202020204" pitchFamily="34" charset="0"/>
-              </a:rPr>
-              <a:t>Reflective Learning Journal </a:t>
-            </a:r>
-            <a:r>
-              <a:rPr lang="en-IE" sz="2400" dirty="0">
-                <a:latin typeface="Arial" panose="020B0604020202020204" pitchFamily="34" charset="0"/>
-                <a:cs typeface="Arial" panose="020B0604020202020204" pitchFamily="34" charset="0"/>
-              </a:rPr>
-              <a:t>a useful and effective tool 	for engaging students in computer programming?</a:t>
-            </a:r>
-          </a:p>
-          <a:p>
-            <a:pPr marL="0" indent="0" algn="just" defTabSz="895350">
-              <a:buFont typeface="Arial" pitchFamily="34" charset="0"/>
-              <a:buNone/>
-            </a:pPr>
-            <a:r>
-              <a:rPr lang="en-IE" sz="2400" b="1" dirty="0">
-                <a:latin typeface="Arial" panose="020B0604020202020204" pitchFamily="34" charset="0"/>
-                <a:cs typeface="Arial" panose="020B0604020202020204" pitchFamily="34" charset="0"/>
-              </a:rPr>
-              <a:t>Q.2</a:t>
-            </a:r>
-            <a:r>
-              <a:rPr lang="en-IE" sz="2400" dirty="0">
-                <a:latin typeface="Arial" panose="020B0604020202020204" pitchFamily="34" charset="0"/>
-                <a:cs typeface="Arial" panose="020B0604020202020204" pitchFamily="34" charset="0"/>
-              </a:rPr>
-              <a:t>. 	Can the use of social learning strategies enhance </a:t>
-            </a:r>
-            <a:r>
-              <a:rPr lang="en-IE" sz="2400" b="1" dirty="0">
-                <a:latin typeface="Arial" panose="020B0604020202020204" pitchFamily="34" charset="0"/>
-                <a:cs typeface="Arial" panose="020B0604020202020204" pitchFamily="34" charset="0"/>
-              </a:rPr>
-              <a:t>student 	engagement</a:t>
-            </a:r>
-            <a:r>
-              <a:rPr lang="en-IE" sz="2400" dirty="0">
-                <a:latin typeface="Arial" panose="020B0604020202020204" pitchFamily="34" charset="0"/>
-                <a:cs typeface="Arial" panose="020B0604020202020204" pitchFamily="34" charset="0"/>
-              </a:rPr>
-              <a:t>?</a:t>
-            </a:r>
-          </a:p>
-          <a:p>
-            <a:pPr marL="0" indent="0" algn="just" defTabSz="895350">
-              <a:buFont typeface="Arial" pitchFamily="34" charset="0"/>
-              <a:buNone/>
-            </a:pPr>
-            <a:r>
-              <a:rPr lang="en-IE" sz="2400" b="1" dirty="0">
-                <a:latin typeface="Arial" panose="020B0604020202020204" pitchFamily="34" charset="0"/>
-                <a:cs typeface="Arial" panose="020B0604020202020204" pitchFamily="34" charset="0"/>
-              </a:rPr>
-              <a:t>Q.3 	</a:t>
-            </a:r>
-            <a:r>
-              <a:rPr lang="en-IE" sz="2400" dirty="0">
-                <a:latin typeface="Arial" panose="020B0604020202020204" pitchFamily="34" charset="0"/>
-                <a:cs typeface="Arial" panose="020B0604020202020204" pitchFamily="34" charset="0"/>
-              </a:rPr>
-              <a:t>Are social learning strategies, such as </a:t>
-            </a:r>
-            <a:r>
-              <a:rPr lang="en-IE" sz="2400" b="1" dirty="0">
-                <a:latin typeface="Arial" panose="020B0604020202020204" pitchFamily="34" charset="0"/>
-                <a:cs typeface="Arial" panose="020B0604020202020204" pitchFamily="34" charset="0"/>
-              </a:rPr>
-              <a:t>Problem Based 	Learning and Peer Assisted Learning</a:t>
-            </a:r>
-            <a:r>
-              <a:rPr lang="en-IE" sz="2400" dirty="0">
-                <a:latin typeface="Arial" panose="020B0604020202020204" pitchFamily="34" charset="0"/>
-                <a:cs typeface="Arial" panose="020B0604020202020204" pitchFamily="34" charset="0"/>
-              </a:rPr>
-              <a:t>, effective tools in 	engaging students in computer 	programming?</a:t>
-            </a:r>
-          </a:p>
-          <a:p>
-            <a:pPr marL="0" indent="0" algn="just" defTabSz="895350">
-              <a:buFont typeface="Arial" pitchFamily="34" charset="0"/>
-              <a:buNone/>
-            </a:pPr>
-            <a:r>
-              <a:rPr lang="en-IE" sz="2400" b="1" dirty="0">
-                <a:latin typeface="Arial" panose="020B0604020202020204" pitchFamily="34" charset="0"/>
-                <a:cs typeface="Arial" panose="020B0604020202020204" pitchFamily="34" charset="0"/>
-              </a:rPr>
-              <a:t>Q.4</a:t>
-            </a:r>
-            <a:r>
-              <a:rPr lang="en-IE" sz="2400" dirty="0">
-                <a:latin typeface="Arial" panose="020B0604020202020204" pitchFamily="34" charset="0"/>
-                <a:cs typeface="Arial" panose="020B0604020202020204" pitchFamily="34" charset="0"/>
-              </a:rPr>
-              <a:t>	Can the use of social learning strategies enhance </a:t>
-            </a:r>
-            <a:r>
-              <a:rPr lang="en-IE" sz="2400" b="1" dirty="0">
-                <a:latin typeface="Arial" panose="020B0604020202020204" pitchFamily="34" charset="0"/>
-                <a:cs typeface="Arial" panose="020B0604020202020204" pitchFamily="34" charset="0"/>
-              </a:rPr>
-              <a:t>self-	efficacy </a:t>
-            </a:r>
-            <a:r>
-              <a:rPr lang="en-IE" sz="2400" dirty="0">
-                <a:latin typeface="Arial" panose="020B0604020202020204" pitchFamily="34" charset="0"/>
-                <a:cs typeface="Arial" panose="020B0604020202020204" pitchFamily="34" charset="0"/>
-              </a:rPr>
-              <a:t>in computer programming?</a:t>
-            </a:r>
-          </a:p>
-        </p:txBody>
-      </p:sp>
-      <p:sp>
-        <p:nvSpPr>
-          <p:cNvPr id="42" name="Content Placeholder 2"/>
-          <p:cNvSpPr txBox="1">
-            <a:spLocks/>
-          </p:cNvSpPr>
-          <p:nvPr/>
-        </p:nvSpPr>
-        <p:spPr>
-          <a:xfrm>
-            <a:off x="33513137" y="22823005"/>
-            <a:ext cx="9736942" cy="5408649"/>
-          </a:xfrm>
-          <a:prstGeom prst="rect">
-            <a:avLst/>
-          </a:prstGeom>
-        </p:spPr>
-        <p:txBody>
-          <a:bodyPr>
-            <a:noAutofit/>
-          </a:bodyPr>
-          <a:lstStyle>
-            <a:lvl1pPr marL="1645838" indent="-1645838" algn="l" defTabSz="4388900" rtl="0" eaLnBrk="1" latinLnBrk="0" hangingPunct="1">
-              <a:spcBef>
-                <a:spcPct val="20000"/>
-              </a:spcBef>
-              <a:buFont typeface="Arial" pitchFamily="34" charset="0"/>
-              <a:buChar char="•"/>
-              <a:defRPr sz="15400" kern="1200">
-                <a:solidFill>
-                  <a:schemeClr val="tx1"/>
-                </a:solidFill>
-                <a:latin typeface="+mn-lt"/>
-                <a:ea typeface="+mn-ea"/>
-                <a:cs typeface="+mn-cs"/>
-              </a:defRPr>
-            </a:lvl1pPr>
-            <a:lvl2pPr marL="3565982" indent="-1371531" algn="l" defTabSz="4388900" rtl="0" eaLnBrk="1" latinLnBrk="0" hangingPunct="1">
-              <a:spcBef>
-                <a:spcPct val="20000"/>
-              </a:spcBef>
-              <a:buFont typeface="Arial" pitchFamily="34" charset="0"/>
-              <a:buChar char="–"/>
-              <a:defRPr sz="13500" kern="1200">
-                <a:solidFill>
-                  <a:schemeClr val="tx1"/>
-                </a:solidFill>
-                <a:latin typeface="+mn-lt"/>
-                <a:ea typeface="+mn-ea"/>
-                <a:cs typeface="+mn-cs"/>
-              </a:defRPr>
-            </a:lvl2pPr>
-            <a:lvl3pPr marL="5486126" indent="-1097226" algn="l" defTabSz="4388900" rtl="0" eaLnBrk="1" latinLnBrk="0" hangingPunct="1">
-              <a:spcBef>
-                <a:spcPct val="20000"/>
-              </a:spcBef>
-              <a:buFont typeface="Arial" pitchFamily="34" charset="0"/>
-              <a:buChar char="•"/>
-              <a:defRPr sz="11600" kern="1200">
-                <a:solidFill>
-                  <a:schemeClr val="tx1"/>
-                </a:solidFill>
-                <a:latin typeface="+mn-lt"/>
-                <a:ea typeface="+mn-ea"/>
-                <a:cs typeface="+mn-cs"/>
-              </a:defRPr>
-            </a:lvl3pPr>
-            <a:lvl4pPr marL="7680577" indent="-1097226" algn="l" defTabSz="4388900" rtl="0" eaLnBrk="1" latinLnBrk="0" hangingPunct="1">
-              <a:spcBef>
-                <a:spcPct val="20000"/>
-              </a:spcBef>
-              <a:buFont typeface="Arial" pitchFamily="34" charset="0"/>
-              <a:buChar char="–"/>
-              <a:defRPr sz="9600" kern="1200">
-                <a:solidFill>
-                  <a:schemeClr val="tx1"/>
-                </a:solidFill>
-                <a:latin typeface="+mn-lt"/>
-                <a:ea typeface="+mn-ea"/>
-                <a:cs typeface="+mn-cs"/>
-              </a:defRPr>
-            </a:lvl4pPr>
-            <a:lvl5pPr marL="9875026" indent="-1097226" algn="l" defTabSz="4388900" rtl="0" eaLnBrk="1" latinLnBrk="0" hangingPunct="1">
-              <a:spcBef>
-                <a:spcPct val="20000"/>
-              </a:spcBef>
-              <a:buFont typeface="Arial" pitchFamily="34" charset="0"/>
-              <a:buChar char="»"/>
-              <a:defRPr sz="9600" kern="1200">
-                <a:solidFill>
-                  <a:schemeClr val="tx1"/>
-                </a:solidFill>
-                <a:latin typeface="+mn-lt"/>
-                <a:ea typeface="+mn-ea"/>
-                <a:cs typeface="+mn-cs"/>
-              </a:defRPr>
-            </a:lvl5pPr>
-            <a:lvl6pPr marL="12069477" indent="-1097226" algn="l" defTabSz="4388900" rtl="0" eaLnBrk="1" latinLnBrk="0" hangingPunct="1">
-              <a:spcBef>
-                <a:spcPct val="20000"/>
-              </a:spcBef>
-              <a:buFont typeface="Arial" pitchFamily="34" charset="0"/>
-              <a:buChar char="•"/>
-              <a:defRPr sz="9600" kern="1200">
-                <a:solidFill>
-                  <a:schemeClr val="tx1"/>
-                </a:solidFill>
-                <a:latin typeface="+mn-lt"/>
-                <a:ea typeface="+mn-ea"/>
-                <a:cs typeface="+mn-cs"/>
-              </a:defRPr>
-            </a:lvl6pPr>
-            <a:lvl7pPr marL="14263926" indent="-1097226" algn="l" defTabSz="4388900" rtl="0" eaLnBrk="1" latinLnBrk="0" hangingPunct="1">
-              <a:spcBef>
-                <a:spcPct val="20000"/>
-              </a:spcBef>
-              <a:buFont typeface="Arial" pitchFamily="34" charset="0"/>
-              <a:buChar char="•"/>
-              <a:defRPr sz="9600" kern="1200">
-                <a:solidFill>
-                  <a:schemeClr val="tx1"/>
-                </a:solidFill>
-                <a:latin typeface="+mn-lt"/>
-                <a:ea typeface="+mn-ea"/>
-                <a:cs typeface="+mn-cs"/>
-              </a:defRPr>
-            </a:lvl7pPr>
-            <a:lvl8pPr marL="16458377" indent="-1097226" algn="l" defTabSz="4388900" rtl="0" eaLnBrk="1" latinLnBrk="0" hangingPunct="1">
-              <a:spcBef>
-                <a:spcPct val="20000"/>
-              </a:spcBef>
-              <a:buFont typeface="Arial" pitchFamily="34" charset="0"/>
-              <a:buChar char="•"/>
-              <a:defRPr sz="9600" kern="1200">
-                <a:solidFill>
-                  <a:schemeClr val="tx1"/>
-                </a:solidFill>
-                <a:latin typeface="+mn-lt"/>
-                <a:ea typeface="+mn-ea"/>
-                <a:cs typeface="+mn-cs"/>
-              </a:defRPr>
-            </a:lvl8pPr>
-            <a:lvl9pPr marL="18652827" indent="-1097226" algn="l" defTabSz="4388900" rtl="0" eaLnBrk="1" latinLnBrk="0" hangingPunct="1">
-              <a:spcBef>
-                <a:spcPct val="20000"/>
-              </a:spcBef>
-              <a:buFont typeface="Arial" pitchFamily="34" charset="0"/>
-              <a:buChar char="•"/>
-              <a:defRPr sz="9600" kern="1200">
-                <a:solidFill>
-                  <a:schemeClr val="tx1"/>
-                </a:solidFill>
-                <a:latin typeface="+mn-lt"/>
-                <a:ea typeface="+mn-ea"/>
-                <a:cs typeface="+mn-cs"/>
-              </a:defRPr>
-            </a:lvl9pPr>
-          </a:lstStyle>
-          <a:p>
-            <a:pPr marL="0" indent="0" algn="just" defTabSz="895350">
-              <a:buFont typeface="Arial" pitchFamily="34" charset="0"/>
-              <a:buNone/>
-            </a:pPr>
-            <a:r>
-              <a:rPr lang="en-IE" sz="2400" dirty="0">
-                <a:latin typeface="Arial" panose="020B0604020202020204" pitchFamily="34" charset="0"/>
-                <a:cs typeface="Arial" panose="020B0604020202020204" pitchFamily="34" charset="0"/>
-              </a:rPr>
-              <a:t>A summarised answer to the research questions are presented below:</a:t>
-            </a:r>
-          </a:p>
-          <a:p>
-            <a:pPr marL="0" indent="0" algn="just" defTabSz="895350">
-              <a:buFont typeface="Arial" pitchFamily="34" charset="0"/>
-              <a:buNone/>
-            </a:pPr>
-            <a:endParaRPr lang="en-IE" sz="1000" dirty="0">
-              <a:latin typeface="Arial" panose="020B0604020202020204" pitchFamily="34" charset="0"/>
-              <a:cs typeface="Arial" panose="020B0604020202020204" pitchFamily="34" charset="0"/>
-            </a:endParaRPr>
-          </a:p>
-          <a:p>
-            <a:pPr marL="0" indent="0" defTabSz="895350">
-              <a:buFont typeface="Arial" pitchFamily="34" charset="0"/>
-              <a:buNone/>
-            </a:pPr>
-            <a:r>
-              <a:rPr lang="en-IE" sz="2200" b="1" dirty="0">
-                <a:latin typeface="Arial" panose="020B0604020202020204" pitchFamily="34" charset="0"/>
-                <a:cs typeface="Arial" panose="020B0604020202020204" pitchFamily="34" charset="0"/>
-              </a:rPr>
-              <a:t>Q.1.</a:t>
-            </a:r>
-            <a:r>
-              <a:rPr lang="en-IE" sz="2200" dirty="0">
-                <a:latin typeface="Arial" panose="020B0604020202020204" pitchFamily="34" charset="0"/>
-                <a:cs typeface="Arial" panose="020B0604020202020204" pitchFamily="34" charset="0"/>
-              </a:rPr>
-              <a:t> 	</a:t>
-            </a:r>
-            <a:r>
-              <a:rPr lang="en-IE" sz="2200" i="1" dirty="0">
-                <a:latin typeface="Arial" panose="020B0604020202020204" pitchFamily="34" charset="0"/>
-                <a:cs typeface="Arial" panose="020B0604020202020204" pitchFamily="34" charset="0"/>
-              </a:rPr>
-              <a:t>Both of the studies on the use of a reflective learning journal were 	mostly negative, in that students did not find it beneficial, and in some 	cases, saw it as an additional ungraded piece of assessment .</a:t>
-            </a:r>
-          </a:p>
-          <a:p>
-            <a:pPr marL="0" indent="0" defTabSz="895350">
-              <a:buFont typeface="Arial" pitchFamily="34" charset="0"/>
-              <a:buNone/>
-            </a:pPr>
-            <a:r>
-              <a:rPr lang="en-IE" sz="2200" b="1" dirty="0">
-                <a:latin typeface="Arial" panose="020B0604020202020204" pitchFamily="34" charset="0"/>
-                <a:cs typeface="Arial" panose="020B0604020202020204" pitchFamily="34" charset="0"/>
-              </a:rPr>
-              <a:t>Q.2. </a:t>
-            </a:r>
-            <a:r>
-              <a:rPr lang="en-IE" sz="2200" dirty="0">
-                <a:latin typeface="Arial" panose="020B0604020202020204" pitchFamily="34" charset="0"/>
-                <a:cs typeface="Arial" panose="020B0604020202020204" pitchFamily="34" charset="0"/>
-              </a:rPr>
-              <a:t>	There was </a:t>
-            </a:r>
-            <a:r>
-              <a:rPr lang="en-IE" sz="2200" i="1" dirty="0">
-                <a:latin typeface="Arial" panose="020B0604020202020204" pitchFamily="34" charset="0"/>
-                <a:cs typeface="Arial" panose="020B0604020202020204" pitchFamily="34" charset="0"/>
-              </a:rPr>
-              <a:t>evidence to suggest it does, specifically relating to 	group based activities, and communicating with peers.  However, it is 	difficult to say positive findings were directly linked to the social 	learning activities introduced over the semester.</a:t>
-            </a:r>
-            <a:endParaRPr lang="en-IE" sz="2200" dirty="0">
-              <a:latin typeface="Arial" panose="020B0604020202020204" pitchFamily="34" charset="0"/>
-              <a:cs typeface="Arial" panose="020B0604020202020204" pitchFamily="34" charset="0"/>
-            </a:endParaRPr>
-          </a:p>
-          <a:p>
-            <a:pPr marL="0" indent="0" defTabSz="895350">
-              <a:buFont typeface="Arial" pitchFamily="34" charset="0"/>
-              <a:buNone/>
-            </a:pPr>
-            <a:r>
-              <a:rPr lang="en-IE" sz="2200" b="1" dirty="0">
-                <a:latin typeface="Arial" panose="020B0604020202020204" pitchFamily="34" charset="0"/>
-                <a:cs typeface="Arial" panose="020B0604020202020204" pitchFamily="34" charset="0"/>
-              </a:rPr>
-              <a:t>Q.3 </a:t>
-            </a:r>
-            <a:r>
-              <a:rPr lang="en-IE" sz="2200" dirty="0">
-                <a:latin typeface="Arial" panose="020B0604020202020204" pitchFamily="34" charset="0"/>
-                <a:cs typeface="Arial" panose="020B0604020202020204" pitchFamily="34" charset="0"/>
-              </a:rPr>
-              <a:t>	</a:t>
-            </a:r>
-            <a:r>
-              <a:rPr lang="en-IE" sz="2200" i="1" dirty="0">
-                <a:latin typeface="Arial" panose="020B0604020202020204" pitchFamily="34" charset="0"/>
-                <a:cs typeface="Arial" panose="020B0604020202020204" pitchFamily="34" charset="0"/>
-              </a:rPr>
-              <a:t>The use of PBL and PAL was very successful in engaging students in 	computer programming, the students engaged in the activities and 	requested more of these activities in the future.</a:t>
-            </a:r>
-          </a:p>
-          <a:p>
-            <a:pPr marL="0" indent="0" defTabSz="895350">
-              <a:buFont typeface="Arial" pitchFamily="34" charset="0"/>
-              <a:buNone/>
-            </a:pPr>
-            <a:r>
-              <a:rPr lang="en-IE" sz="2200" b="1" dirty="0">
-                <a:latin typeface="Arial" panose="020B0604020202020204" pitchFamily="34" charset="0"/>
-                <a:cs typeface="Arial" panose="020B0604020202020204" pitchFamily="34" charset="0"/>
-              </a:rPr>
-              <a:t>Q.4</a:t>
-            </a:r>
-            <a:r>
-              <a:rPr lang="en-IE" sz="2200" dirty="0">
-                <a:latin typeface="Arial" panose="020B0604020202020204" pitchFamily="34" charset="0"/>
-                <a:cs typeface="Arial" panose="020B0604020202020204" pitchFamily="34" charset="0"/>
-              </a:rPr>
-              <a:t>	</a:t>
-            </a:r>
-            <a:r>
-              <a:rPr lang="en-IE" sz="2200" i="1" dirty="0">
-                <a:latin typeface="Arial" panose="020B0604020202020204" pitchFamily="34" charset="0"/>
-                <a:cs typeface="Arial" panose="020B0604020202020204" pitchFamily="34" charset="0"/>
-              </a:rPr>
-              <a:t>There was no strong evidence to suggest social learning improved 	self-efficacy in computer programming, however, there was strong 	evidence found that participating in group work enhances self-efficacy 	in working with others in group activities.</a:t>
-            </a:r>
-          </a:p>
-        </p:txBody>
-      </p:sp>
-      <p:graphicFrame>
-        <p:nvGraphicFramePr>
-          <p:cNvPr id="37" name="Table 36"/>
-          <p:cNvGraphicFramePr>
-            <a:graphicFrameLocks noGrp="1"/>
-          </p:cNvGraphicFramePr>
-          <p:nvPr>
-            <p:extLst>
-              <p:ext uri="{D42A27DB-BD31-4B8C-83A1-F6EECF244321}">
-                <p14:modId xmlns:p14="http://schemas.microsoft.com/office/powerpoint/2010/main" val="3349645228"/>
-              </p:ext>
-            </p:extLst>
-          </p:nvPr>
-        </p:nvGraphicFramePr>
-        <p:xfrm>
-          <a:off x="11653912" y="26870112"/>
-          <a:ext cx="9742489" cy="5042448"/>
-        </p:xfrm>
-        <a:graphic>
-          <a:graphicData uri="http://schemas.openxmlformats.org/drawingml/2006/table">
-            <a:tbl>
-              <a:tblPr firstRow="1" firstCol="1" bandRow="1">
-                <a:tableStyleId>{5C22544A-7EE6-4342-B048-85BDC9FD1C3A}</a:tableStyleId>
-              </a:tblPr>
-              <a:tblGrid>
-                <a:gridCol w="7314070">
-                  <a:extLst>
-                    <a:ext uri="{9D8B030D-6E8A-4147-A177-3AD203B41FA5}">
-                      <a16:colId xmlns:a16="http://schemas.microsoft.com/office/drawing/2014/main" val="20000"/>
-                    </a:ext>
-                  </a:extLst>
-                </a:gridCol>
-                <a:gridCol w="1447800">
-                  <a:extLst>
-                    <a:ext uri="{9D8B030D-6E8A-4147-A177-3AD203B41FA5}">
-                      <a16:colId xmlns:a16="http://schemas.microsoft.com/office/drawing/2014/main" val="20001"/>
-                    </a:ext>
-                  </a:extLst>
-                </a:gridCol>
-                <a:gridCol w="980619">
-                  <a:extLst>
-                    <a:ext uri="{9D8B030D-6E8A-4147-A177-3AD203B41FA5}">
-                      <a16:colId xmlns:a16="http://schemas.microsoft.com/office/drawing/2014/main" val="20002"/>
-                    </a:ext>
-                  </a:extLst>
-                </a:gridCol>
-              </a:tblGrid>
-              <a:tr h="337853">
-                <a:tc gridSpan="3">
-                  <a:txBody>
-                    <a:bodyPr/>
-                    <a:lstStyle/>
-                    <a:p>
-                      <a:pPr>
-                        <a:spcAft>
-                          <a:spcPts val="0"/>
-                        </a:spcAft>
-                      </a:pPr>
-                      <a:endParaRPr lang="en-IE" sz="1000" dirty="0">
-                        <a:solidFill>
-                          <a:schemeClr val="tx1"/>
-                        </a:solidFill>
-                        <a:effectLst/>
-                        <a:latin typeface="Arial" panose="020B0604020202020204" pitchFamily="34" charset="0"/>
-                        <a:ea typeface="Times New Roman"/>
-                        <a:cs typeface="Arial" panose="020B0604020202020204" pitchFamily="34" charset="0"/>
-                      </a:endParaRPr>
-                    </a:p>
-                  </a:txBody>
-                  <a:tcPr marL="68580" marR="68580" marT="0" marB="0" anchor="ctr">
-                    <a:noFill/>
-                  </a:tcPr>
-                </a:tc>
-                <a:tc hMerge="1">
-                  <a:txBody>
-                    <a:bodyPr/>
-                    <a:lstStyle/>
-                    <a:p>
-                      <a:endParaRPr lang="en-IE"/>
-                    </a:p>
-                  </a:txBody>
-                  <a:tcPr/>
-                </a:tc>
-                <a:tc hMerge="1">
-                  <a:txBody>
-                    <a:bodyPr/>
-                    <a:lstStyle/>
-                    <a:p>
-                      <a:endParaRPr lang="en-IE"/>
-                    </a:p>
-                  </a:txBody>
-                  <a:tcPr/>
-                </a:tc>
-                <a:extLst>
-                  <a:ext uri="{0D108BD9-81ED-4DB2-BD59-A6C34878D82A}">
-                    <a16:rowId xmlns:a16="http://schemas.microsoft.com/office/drawing/2014/main" val="10000"/>
-                  </a:ext>
-                </a:extLst>
-              </a:tr>
-              <a:tr h="398339">
-                <a:tc>
-                  <a:txBody>
-                    <a:bodyPr/>
-                    <a:lstStyle/>
-                    <a:p>
-                      <a:pPr>
-                        <a:spcAft>
-                          <a:spcPts val="0"/>
-                        </a:spcAft>
-                      </a:pPr>
-                      <a:r>
-                        <a:rPr lang="en-IE" sz="1800" dirty="0">
-                          <a:solidFill>
-                            <a:schemeClr val="tx1"/>
-                          </a:solidFill>
-                          <a:effectLst/>
-                          <a:latin typeface="Arial" panose="020B0604020202020204" pitchFamily="34" charset="0"/>
-                          <a:ea typeface="Times New Roman"/>
-                          <a:cs typeface="Arial" panose="020B0604020202020204" pitchFamily="34" charset="0"/>
-                        </a:rPr>
-                        <a:t>Pilot Study -</a:t>
-                      </a:r>
-                      <a:r>
-                        <a:rPr lang="en-IE" sz="1800" baseline="0" dirty="0">
-                          <a:solidFill>
-                            <a:schemeClr val="tx1"/>
-                          </a:solidFill>
-                          <a:effectLst/>
-                          <a:latin typeface="Arial" panose="020B0604020202020204" pitchFamily="34" charset="0"/>
-                          <a:ea typeface="Times New Roman"/>
-                          <a:cs typeface="Arial" panose="020B0604020202020204" pitchFamily="34" charset="0"/>
-                        </a:rPr>
-                        <a:t> 2014</a:t>
-                      </a:r>
-                      <a:endParaRPr lang="en-IE" sz="1800" dirty="0">
-                        <a:solidFill>
-                          <a:schemeClr val="tx1"/>
-                        </a:solidFill>
-                        <a:effectLst/>
-                        <a:latin typeface="Arial" panose="020B0604020202020204" pitchFamily="34" charset="0"/>
-                        <a:ea typeface="Times New Roman"/>
-                        <a:cs typeface="Arial" panose="020B0604020202020204" pitchFamily="34" charset="0"/>
-                      </a:endParaRPr>
-                    </a:p>
-                  </a:txBody>
-                  <a:tcPr marL="68580" marR="68580" marT="0" marB="0" anchor="ctr">
-                    <a:solidFill>
-                      <a:schemeClr val="accent1"/>
-                    </a:solidFill>
-                  </a:tcPr>
-                </a:tc>
-                <a:tc>
-                  <a:txBody>
-                    <a:bodyPr/>
-                    <a:lstStyle/>
-                    <a:p>
-                      <a:pPr>
-                        <a:spcAft>
-                          <a:spcPts val="0"/>
-                        </a:spcAft>
-                      </a:pPr>
-                      <a:r>
-                        <a:rPr lang="en-GB" sz="1800" b="1" dirty="0">
-                          <a:solidFill>
-                            <a:schemeClr val="bg1"/>
-                          </a:solidFill>
-                          <a:effectLst/>
-                        </a:rPr>
-                        <a:t>Analysis</a:t>
-                      </a:r>
-                      <a:endParaRPr lang="en-IE" sz="1800" b="1" dirty="0">
-                        <a:solidFill>
-                          <a:schemeClr val="bg1"/>
-                        </a:solidFill>
-                        <a:effectLst/>
-                        <a:latin typeface="Times New Roman"/>
-                        <a:ea typeface="Times New Roman"/>
-                        <a:cs typeface="Times New Roman"/>
-                      </a:endParaRPr>
-                    </a:p>
-                  </a:txBody>
-                  <a:tcPr marL="68580" marR="68580" marT="0" marB="0" anchor="ctr">
-                    <a:solidFill>
-                      <a:schemeClr val="accent1"/>
-                    </a:solidFill>
-                  </a:tcPr>
-                </a:tc>
-                <a:tc>
-                  <a:txBody>
-                    <a:bodyPr/>
-                    <a:lstStyle/>
-                    <a:p>
-                      <a:pPr>
-                        <a:spcAft>
-                          <a:spcPts val="0"/>
-                        </a:spcAft>
-                      </a:pPr>
-                      <a:r>
-                        <a:rPr lang="en-GB" sz="1800" b="1" dirty="0">
-                          <a:solidFill>
-                            <a:schemeClr val="bg1"/>
-                          </a:solidFill>
-                          <a:effectLst/>
-                        </a:rPr>
-                        <a:t>Sample</a:t>
-                      </a:r>
-                      <a:endParaRPr lang="en-IE" sz="1800" b="1" dirty="0">
-                        <a:solidFill>
-                          <a:schemeClr val="bg1"/>
-                        </a:solidFill>
-                        <a:effectLst/>
-                        <a:latin typeface="Times New Roman"/>
-                        <a:ea typeface="Times New Roman"/>
-                        <a:cs typeface="Times New Roman"/>
-                      </a:endParaRPr>
-                    </a:p>
-                  </a:txBody>
-                  <a:tcPr marL="68580" marR="68580" marT="0" marB="0" anchor="ctr">
-                    <a:solidFill>
-                      <a:schemeClr val="accent1"/>
-                    </a:solidFill>
-                  </a:tcPr>
-                </a:tc>
-                <a:extLst>
-                  <a:ext uri="{0D108BD9-81ED-4DB2-BD59-A6C34878D82A}">
-                    <a16:rowId xmlns:a16="http://schemas.microsoft.com/office/drawing/2014/main" val="10001"/>
-                  </a:ext>
-                </a:extLst>
-              </a:tr>
-              <a:tr h="288187">
-                <a:tc>
-                  <a:txBody>
-                    <a:bodyPr/>
-                    <a:lstStyle/>
-                    <a:p>
-                      <a:pPr>
-                        <a:spcAft>
-                          <a:spcPts val="0"/>
-                        </a:spcAft>
-                      </a:pPr>
-                      <a:r>
-                        <a:rPr lang="en-GB" sz="1600" b="0" dirty="0">
-                          <a:solidFill>
-                            <a:schemeClr val="tx1"/>
-                          </a:solidFill>
-                          <a:effectLst/>
-                          <a:latin typeface="Arial" panose="020B0604020202020204" pitchFamily="34" charset="0"/>
-                          <a:cs typeface="Arial" panose="020B0604020202020204" pitchFamily="34" charset="0"/>
-                        </a:rPr>
-                        <a:t>Student study habits questionnaire</a:t>
-                      </a:r>
-                      <a:endParaRPr lang="en-IE" sz="1600" b="0" dirty="0">
-                        <a:solidFill>
-                          <a:schemeClr val="tx1"/>
-                        </a:solidFill>
-                        <a:effectLst/>
-                        <a:latin typeface="Arial" panose="020B0604020202020204" pitchFamily="34" charset="0"/>
-                        <a:ea typeface="Times New Roman"/>
-                        <a:cs typeface="Arial" panose="020B0604020202020204" pitchFamily="34" charset="0"/>
-                      </a:endParaRPr>
-                    </a:p>
-                  </a:txBody>
-                  <a:tcPr marL="68580" marR="68580" marT="0" marB="0" anchor="ctr">
-                    <a:solidFill>
-                      <a:schemeClr val="bg1">
-                        <a:lumMod val="85000"/>
-                      </a:schemeClr>
-                    </a:solidFill>
-                  </a:tcPr>
-                </a:tc>
-                <a:tc>
-                  <a:txBody>
-                    <a:bodyPr/>
-                    <a:lstStyle/>
-                    <a:p>
-                      <a:pPr>
-                        <a:spcAft>
-                          <a:spcPts val="0"/>
-                        </a:spcAft>
-                      </a:pPr>
-                      <a:r>
-                        <a:rPr lang="en-GB" sz="1600" b="0" dirty="0">
-                          <a:solidFill>
-                            <a:schemeClr val="tx1"/>
-                          </a:solidFill>
-                          <a:effectLst/>
-                          <a:latin typeface="Arial" panose="020B0604020202020204" pitchFamily="34" charset="0"/>
-                          <a:cs typeface="Arial" panose="020B0604020202020204" pitchFamily="34" charset="0"/>
-                        </a:rPr>
-                        <a:t>Quantitative</a:t>
-                      </a:r>
-                      <a:endParaRPr lang="en-IE" sz="1600" b="0" dirty="0">
-                        <a:solidFill>
-                          <a:schemeClr val="tx1"/>
-                        </a:solidFill>
-                        <a:effectLst/>
-                        <a:latin typeface="Arial" panose="020B0604020202020204" pitchFamily="34" charset="0"/>
-                        <a:ea typeface="Times New Roman"/>
-                        <a:cs typeface="Arial" panose="020B0604020202020204" pitchFamily="34" charset="0"/>
-                      </a:endParaRPr>
-                    </a:p>
-                  </a:txBody>
-                  <a:tcPr marL="68580" marR="68580" marT="0" marB="0" anchor="ctr">
-                    <a:solidFill>
-                      <a:schemeClr val="bg1">
-                        <a:lumMod val="85000"/>
-                      </a:schemeClr>
-                    </a:solidFill>
-                  </a:tcPr>
-                </a:tc>
-                <a:tc>
-                  <a:txBody>
-                    <a:bodyPr/>
-                    <a:lstStyle/>
-                    <a:p>
-                      <a:pPr algn="r">
-                        <a:spcAft>
-                          <a:spcPts val="0"/>
-                        </a:spcAft>
-                      </a:pPr>
-                      <a:r>
-                        <a:rPr lang="en-GB" sz="1600" b="0" dirty="0">
-                          <a:solidFill>
-                            <a:schemeClr val="tx1"/>
-                          </a:solidFill>
-                          <a:effectLst/>
-                          <a:latin typeface="Arial" panose="020B0604020202020204" pitchFamily="34" charset="0"/>
-                          <a:cs typeface="Arial" panose="020B0604020202020204" pitchFamily="34" charset="0"/>
-                        </a:rPr>
-                        <a:t>31</a:t>
-                      </a:r>
-                      <a:endParaRPr lang="en-IE" sz="1600" b="0" dirty="0">
-                        <a:solidFill>
-                          <a:schemeClr val="tx1"/>
-                        </a:solidFill>
-                        <a:effectLst/>
-                        <a:latin typeface="Arial" panose="020B0604020202020204" pitchFamily="34" charset="0"/>
-                        <a:ea typeface="Times New Roman"/>
-                        <a:cs typeface="Arial" panose="020B0604020202020204" pitchFamily="34" charset="0"/>
-                      </a:endParaRPr>
-                    </a:p>
-                  </a:txBody>
-                  <a:tcPr marL="68580" marR="68580" marT="0" marB="0">
-                    <a:solidFill>
-                      <a:schemeClr val="bg1">
-                        <a:lumMod val="85000"/>
-                      </a:schemeClr>
-                    </a:solidFill>
-                  </a:tcPr>
-                </a:tc>
-                <a:extLst>
-                  <a:ext uri="{0D108BD9-81ED-4DB2-BD59-A6C34878D82A}">
-                    <a16:rowId xmlns:a16="http://schemas.microsoft.com/office/drawing/2014/main" val="10002"/>
-                  </a:ext>
-                </a:extLst>
-              </a:tr>
-              <a:tr h="287383">
-                <a:tc>
-                  <a:txBody>
-                    <a:bodyPr/>
-                    <a:lstStyle/>
-                    <a:p>
-                      <a:pPr>
-                        <a:spcAft>
-                          <a:spcPts val="0"/>
-                        </a:spcAft>
-                      </a:pPr>
-                      <a:r>
-                        <a:rPr lang="en-GB" sz="1600" b="0" dirty="0">
-                          <a:solidFill>
-                            <a:schemeClr val="tx1"/>
-                          </a:solidFill>
-                          <a:effectLst/>
-                          <a:latin typeface="Arial" panose="020B0604020202020204" pitchFamily="34" charset="0"/>
-                          <a:cs typeface="Arial" panose="020B0604020202020204" pitchFamily="34" charset="0"/>
-                        </a:rPr>
-                        <a:t>Reflective Learning Journal</a:t>
-                      </a:r>
-                      <a:endParaRPr lang="en-IE" sz="1600" b="0" dirty="0">
-                        <a:solidFill>
-                          <a:schemeClr val="tx1"/>
-                        </a:solidFill>
-                        <a:effectLst/>
-                        <a:latin typeface="Arial" panose="020B0604020202020204" pitchFamily="34" charset="0"/>
-                        <a:ea typeface="Times New Roman"/>
-                        <a:cs typeface="Arial" panose="020B0604020202020204" pitchFamily="34" charset="0"/>
-                      </a:endParaRPr>
-                    </a:p>
-                  </a:txBody>
-                  <a:tcPr marL="68580" marR="68580" marT="0" marB="0" anchor="ctr">
-                    <a:solidFill>
-                      <a:schemeClr val="bg1">
-                        <a:lumMod val="85000"/>
-                      </a:schemeClr>
-                    </a:solidFill>
-                  </a:tcPr>
-                </a:tc>
-                <a:tc>
-                  <a:txBody>
-                    <a:bodyPr/>
-                    <a:lstStyle/>
-                    <a:p>
-                      <a:pPr>
-                        <a:spcAft>
-                          <a:spcPts val="0"/>
-                        </a:spcAft>
-                      </a:pPr>
-                      <a:r>
-                        <a:rPr lang="en-GB" sz="1600" b="0" dirty="0">
-                          <a:solidFill>
-                            <a:schemeClr val="tx1"/>
-                          </a:solidFill>
-                          <a:effectLst/>
-                          <a:latin typeface="Arial" panose="020B0604020202020204" pitchFamily="34" charset="0"/>
-                          <a:cs typeface="Arial" panose="020B0604020202020204" pitchFamily="34" charset="0"/>
-                        </a:rPr>
-                        <a:t>Qualitative</a:t>
-                      </a:r>
-                      <a:endParaRPr lang="en-IE" sz="1600" b="0" dirty="0">
-                        <a:solidFill>
-                          <a:schemeClr val="tx1"/>
-                        </a:solidFill>
-                        <a:effectLst/>
-                        <a:latin typeface="Arial" panose="020B0604020202020204" pitchFamily="34" charset="0"/>
-                        <a:ea typeface="Times New Roman"/>
-                        <a:cs typeface="Arial" panose="020B0604020202020204" pitchFamily="34" charset="0"/>
-                      </a:endParaRPr>
-                    </a:p>
-                  </a:txBody>
-                  <a:tcPr marL="68580" marR="68580" marT="0" marB="0" anchor="ctr">
-                    <a:solidFill>
-                      <a:schemeClr val="bg1">
-                        <a:lumMod val="85000"/>
-                      </a:schemeClr>
-                    </a:solidFill>
-                  </a:tcPr>
-                </a:tc>
-                <a:tc>
-                  <a:txBody>
-                    <a:bodyPr/>
-                    <a:lstStyle/>
-                    <a:p>
-                      <a:pPr algn="r">
-                        <a:spcAft>
-                          <a:spcPts val="0"/>
-                        </a:spcAft>
-                      </a:pPr>
-                      <a:r>
-                        <a:rPr lang="en-GB" sz="1600" b="0" dirty="0">
-                          <a:solidFill>
-                            <a:schemeClr val="tx1"/>
-                          </a:solidFill>
-                          <a:effectLst/>
-                          <a:latin typeface="Arial" panose="020B0604020202020204" pitchFamily="34" charset="0"/>
-                          <a:cs typeface="Arial" panose="020B0604020202020204" pitchFamily="34" charset="0"/>
-                        </a:rPr>
-                        <a:t>77</a:t>
-                      </a:r>
-                      <a:endParaRPr lang="en-IE" sz="1600" b="0" dirty="0">
-                        <a:solidFill>
-                          <a:schemeClr val="tx1"/>
-                        </a:solidFill>
-                        <a:effectLst/>
-                        <a:latin typeface="Arial" panose="020B0604020202020204" pitchFamily="34" charset="0"/>
-                        <a:ea typeface="Times New Roman"/>
-                        <a:cs typeface="Arial" panose="020B0604020202020204" pitchFamily="34" charset="0"/>
-                      </a:endParaRPr>
-                    </a:p>
-                  </a:txBody>
-                  <a:tcPr marL="68580" marR="68580" marT="0" marB="0">
-                    <a:solidFill>
-                      <a:schemeClr val="bg1">
-                        <a:lumMod val="85000"/>
-                      </a:schemeClr>
-                    </a:solidFill>
-                  </a:tcPr>
-                </a:tc>
-                <a:extLst>
-                  <a:ext uri="{0D108BD9-81ED-4DB2-BD59-A6C34878D82A}">
-                    <a16:rowId xmlns:a16="http://schemas.microsoft.com/office/drawing/2014/main" val="10003"/>
-                  </a:ext>
-                </a:extLst>
-              </a:tr>
-              <a:tr h="300446">
-                <a:tc>
-                  <a:txBody>
-                    <a:bodyPr/>
-                    <a:lstStyle/>
-                    <a:p>
-                      <a:pPr>
-                        <a:spcAft>
-                          <a:spcPts val="0"/>
-                        </a:spcAft>
-                      </a:pPr>
-                      <a:r>
-                        <a:rPr lang="en-GB" sz="1600" b="0" dirty="0">
-                          <a:solidFill>
-                            <a:schemeClr val="tx1"/>
-                          </a:solidFill>
-                          <a:effectLst/>
-                          <a:latin typeface="Arial" panose="020B0604020202020204" pitchFamily="34" charset="0"/>
-                          <a:cs typeface="Arial" panose="020B0604020202020204" pitchFamily="34" charset="0"/>
-                        </a:rPr>
-                        <a:t>Focus group (reflective journal evaluation)</a:t>
-                      </a:r>
-                      <a:endParaRPr lang="en-IE" sz="1600" b="0" dirty="0">
-                        <a:solidFill>
-                          <a:schemeClr val="tx1"/>
-                        </a:solidFill>
-                        <a:effectLst/>
-                        <a:latin typeface="Arial" panose="020B0604020202020204" pitchFamily="34" charset="0"/>
-                        <a:ea typeface="Times New Roman"/>
-                        <a:cs typeface="Arial" panose="020B0604020202020204" pitchFamily="34" charset="0"/>
-                      </a:endParaRPr>
-                    </a:p>
-                  </a:txBody>
-                  <a:tcPr marL="68580" marR="68580" marT="0" marB="0" anchor="ctr">
-                    <a:solidFill>
-                      <a:schemeClr val="bg1">
-                        <a:lumMod val="85000"/>
-                      </a:schemeClr>
-                    </a:solidFill>
-                  </a:tcPr>
-                </a:tc>
-                <a:tc>
-                  <a:txBody>
-                    <a:bodyPr/>
-                    <a:lstStyle/>
-                    <a:p>
-                      <a:pPr>
-                        <a:spcAft>
-                          <a:spcPts val="0"/>
-                        </a:spcAft>
-                      </a:pPr>
-                      <a:r>
-                        <a:rPr lang="en-GB" sz="1600" b="0" dirty="0">
-                          <a:solidFill>
-                            <a:schemeClr val="tx1"/>
-                          </a:solidFill>
-                          <a:effectLst/>
-                          <a:latin typeface="Arial" panose="020B0604020202020204" pitchFamily="34" charset="0"/>
-                          <a:cs typeface="Arial" panose="020B0604020202020204" pitchFamily="34" charset="0"/>
-                        </a:rPr>
-                        <a:t>Qualitative</a:t>
-                      </a:r>
-                      <a:endParaRPr lang="en-IE" sz="1600" b="0" dirty="0">
-                        <a:solidFill>
-                          <a:schemeClr val="tx1"/>
-                        </a:solidFill>
-                        <a:effectLst/>
-                        <a:latin typeface="Arial" panose="020B0604020202020204" pitchFamily="34" charset="0"/>
-                        <a:ea typeface="Times New Roman"/>
-                        <a:cs typeface="Arial" panose="020B0604020202020204" pitchFamily="34" charset="0"/>
-                      </a:endParaRPr>
-                    </a:p>
-                  </a:txBody>
-                  <a:tcPr marL="68580" marR="68580" marT="0" marB="0" anchor="ctr">
-                    <a:solidFill>
-                      <a:schemeClr val="bg1">
-                        <a:lumMod val="85000"/>
-                      </a:schemeClr>
-                    </a:solidFill>
-                  </a:tcPr>
-                </a:tc>
-                <a:tc>
-                  <a:txBody>
-                    <a:bodyPr/>
-                    <a:lstStyle/>
-                    <a:p>
-                      <a:pPr algn="r">
-                        <a:spcAft>
-                          <a:spcPts val="0"/>
-                        </a:spcAft>
-                      </a:pPr>
-                      <a:r>
-                        <a:rPr lang="en-GB" sz="1600" b="0" dirty="0">
-                          <a:solidFill>
-                            <a:schemeClr val="tx1"/>
-                          </a:solidFill>
-                          <a:effectLst/>
-                          <a:latin typeface="Arial" panose="020B0604020202020204" pitchFamily="34" charset="0"/>
-                          <a:cs typeface="Arial" panose="020B0604020202020204" pitchFamily="34" charset="0"/>
-                        </a:rPr>
-                        <a:t>7</a:t>
-                      </a:r>
-                      <a:endParaRPr lang="en-IE" sz="1600" b="0" dirty="0">
-                        <a:solidFill>
-                          <a:schemeClr val="tx1"/>
-                        </a:solidFill>
-                        <a:effectLst/>
-                        <a:latin typeface="Arial" panose="020B0604020202020204" pitchFamily="34" charset="0"/>
-                        <a:ea typeface="Times New Roman"/>
-                        <a:cs typeface="Arial" panose="020B0604020202020204" pitchFamily="34" charset="0"/>
-                      </a:endParaRPr>
-                    </a:p>
-                  </a:txBody>
-                  <a:tcPr marL="68580" marR="68580" marT="0" marB="0">
-                    <a:solidFill>
-                      <a:schemeClr val="bg1">
-                        <a:lumMod val="85000"/>
-                      </a:schemeClr>
-                    </a:solidFill>
-                  </a:tcPr>
-                </a:tc>
-                <a:extLst>
-                  <a:ext uri="{0D108BD9-81ED-4DB2-BD59-A6C34878D82A}">
-                    <a16:rowId xmlns:a16="http://schemas.microsoft.com/office/drawing/2014/main" val="10004"/>
-                  </a:ext>
-                </a:extLst>
-              </a:tr>
-              <a:tr h="0">
-                <a:tc gridSpan="3">
-                  <a:txBody>
-                    <a:bodyPr/>
-                    <a:lstStyle/>
-                    <a:p>
-                      <a:pPr>
-                        <a:spcAft>
-                          <a:spcPts val="0"/>
-                        </a:spcAft>
-                      </a:pPr>
-                      <a:endParaRPr lang="en-IE" sz="800" dirty="0">
-                        <a:solidFill>
-                          <a:schemeClr val="tx1"/>
-                        </a:solidFill>
-                        <a:effectLst/>
-                        <a:latin typeface="Arial" panose="020B0604020202020204" pitchFamily="34" charset="0"/>
-                        <a:ea typeface="Times New Roman"/>
-                        <a:cs typeface="Arial" panose="020B0604020202020204" pitchFamily="34" charset="0"/>
-                      </a:endParaRPr>
-                    </a:p>
-                  </a:txBody>
-                  <a:tcPr marL="68580" marR="68580" marT="0" marB="0" anchor="ctr">
-                    <a:noFill/>
-                  </a:tcPr>
-                </a:tc>
-                <a:tc hMerge="1">
-                  <a:txBody>
-                    <a:bodyPr/>
-                    <a:lstStyle/>
-                    <a:p>
-                      <a:endParaRPr lang="en-IE"/>
-                    </a:p>
-                  </a:txBody>
-                  <a:tcPr/>
-                </a:tc>
-                <a:tc hMerge="1">
-                  <a:txBody>
-                    <a:bodyPr/>
-                    <a:lstStyle/>
-                    <a:p>
-                      <a:endParaRPr lang="en-IE"/>
-                    </a:p>
-                  </a:txBody>
-                  <a:tcPr/>
-                </a:tc>
-                <a:extLst>
-                  <a:ext uri="{0D108BD9-81ED-4DB2-BD59-A6C34878D82A}">
-                    <a16:rowId xmlns:a16="http://schemas.microsoft.com/office/drawing/2014/main" val="10006"/>
-                  </a:ext>
-                </a:extLst>
-              </a:tr>
-              <a:tr h="398339">
-                <a:tc>
-                  <a:txBody>
-                    <a:bodyPr/>
-                    <a:lstStyle/>
-                    <a:p>
-                      <a:pPr>
-                        <a:spcAft>
-                          <a:spcPts val="0"/>
-                        </a:spcAft>
-                      </a:pPr>
-                      <a:r>
-                        <a:rPr lang="en-IE" sz="1800" dirty="0">
-                          <a:solidFill>
-                            <a:schemeClr val="tx1"/>
-                          </a:solidFill>
-                          <a:effectLst/>
-                          <a:latin typeface="Arial" panose="020B0604020202020204" pitchFamily="34" charset="0"/>
-                          <a:ea typeface="Times New Roman"/>
-                          <a:cs typeface="Arial" panose="020B0604020202020204" pitchFamily="34" charset="0"/>
-                        </a:rPr>
-                        <a:t>Secondary Study - 2015</a:t>
-                      </a:r>
-                    </a:p>
-                  </a:txBody>
-                  <a:tcPr marL="68580" marR="68580" marT="0" marB="0" anchor="ctr"/>
-                </a:tc>
-                <a:tc>
-                  <a:txBody>
-                    <a:bodyPr/>
-                    <a:lstStyle/>
-                    <a:p>
-                      <a:pPr marL="0" algn="l" defTabSz="4388900" rtl="0" eaLnBrk="1" latinLnBrk="0" hangingPunct="1">
-                        <a:spcAft>
-                          <a:spcPts val="0"/>
-                        </a:spcAft>
-                      </a:pPr>
-                      <a:r>
-                        <a:rPr lang="en-GB" sz="1800" b="1" kern="1200" dirty="0">
-                          <a:solidFill>
-                            <a:schemeClr val="lt1"/>
-                          </a:solidFill>
-                          <a:effectLst/>
-                          <a:latin typeface="+mn-lt"/>
-                          <a:ea typeface="+mn-ea"/>
-                          <a:cs typeface="+mn-cs"/>
-                        </a:rPr>
-                        <a:t>Analysis</a:t>
-                      </a:r>
-                      <a:endParaRPr lang="en-IE" sz="1800" b="1" kern="1200" dirty="0">
-                        <a:solidFill>
-                          <a:schemeClr val="lt1"/>
-                        </a:solidFill>
-                        <a:effectLst/>
-                        <a:latin typeface="+mn-lt"/>
-                        <a:ea typeface="+mn-ea"/>
-                        <a:cs typeface="+mn-cs"/>
-                      </a:endParaRPr>
-                    </a:p>
-                  </a:txBody>
-                  <a:tcPr marL="68580" marR="68580" marT="0" marB="0" anchor="ctr">
-                    <a:solidFill>
-                      <a:schemeClr val="accent1"/>
-                    </a:solidFill>
-                  </a:tcPr>
-                </a:tc>
-                <a:tc>
-                  <a:txBody>
-                    <a:bodyPr/>
-                    <a:lstStyle/>
-                    <a:p>
-                      <a:pPr marL="0" algn="l" defTabSz="4388900" rtl="0" eaLnBrk="1" latinLnBrk="0" hangingPunct="1">
-                        <a:spcAft>
-                          <a:spcPts val="0"/>
-                        </a:spcAft>
-                      </a:pPr>
-                      <a:r>
-                        <a:rPr lang="en-GB" sz="1800" b="1" kern="1200" dirty="0">
-                          <a:solidFill>
-                            <a:schemeClr val="lt1"/>
-                          </a:solidFill>
-                          <a:effectLst/>
-                          <a:latin typeface="+mn-lt"/>
-                          <a:ea typeface="+mn-ea"/>
-                          <a:cs typeface="+mn-cs"/>
-                        </a:rPr>
-                        <a:t>Sample</a:t>
-                      </a:r>
-                      <a:endParaRPr lang="en-IE" sz="1800" b="1" kern="1200" dirty="0">
-                        <a:solidFill>
-                          <a:schemeClr val="lt1"/>
-                        </a:solidFill>
-                        <a:effectLst/>
-                        <a:latin typeface="+mn-lt"/>
-                        <a:ea typeface="+mn-ea"/>
-                        <a:cs typeface="+mn-cs"/>
-                      </a:endParaRPr>
-                    </a:p>
-                  </a:txBody>
-                  <a:tcPr marL="68580" marR="68580" marT="0" marB="0" anchor="ctr">
-                    <a:solidFill>
-                      <a:schemeClr val="accent1"/>
-                    </a:solidFill>
-                  </a:tcPr>
-                </a:tc>
-                <a:extLst>
-                  <a:ext uri="{0D108BD9-81ED-4DB2-BD59-A6C34878D82A}">
-                    <a16:rowId xmlns:a16="http://schemas.microsoft.com/office/drawing/2014/main" val="10007"/>
-                  </a:ext>
-                </a:extLst>
-              </a:tr>
-              <a:tr h="289638">
-                <a:tc>
-                  <a:txBody>
-                    <a:bodyPr/>
-                    <a:lstStyle/>
-                    <a:p>
-                      <a:pPr>
-                        <a:spcAft>
-                          <a:spcPts val="0"/>
-                        </a:spcAft>
-                      </a:pPr>
-                      <a:r>
-                        <a:rPr lang="en-GB" sz="1600" b="0" dirty="0">
-                          <a:solidFill>
-                            <a:schemeClr val="tx1"/>
-                          </a:solidFill>
-                          <a:effectLst/>
-                          <a:latin typeface="Arial" panose="020B0604020202020204" pitchFamily="34" charset="0"/>
-                          <a:cs typeface="Arial" panose="020B0604020202020204" pitchFamily="34" charset="0"/>
-                        </a:rPr>
-                        <a:t>Student study habits questionnaire</a:t>
-                      </a:r>
-                      <a:endParaRPr lang="en-IE" sz="1600" b="0" dirty="0">
-                        <a:solidFill>
-                          <a:schemeClr val="tx1"/>
-                        </a:solidFill>
-                        <a:effectLst/>
-                        <a:latin typeface="Arial" panose="020B0604020202020204" pitchFamily="34" charset="0"/>
-                        <a:ea typeface="Times New Roman"/>
-                        <a:cs typeface="Arial" panose="020B0604020202020204" pitchFamily="34" charset="0"/>
-                      </a:endParaRPr>
-                    </a:p>
-                  </a:txBody>
-                  <a:tcPr marL="68580" marR="68580" marT="0" marB="0" anchor="ctr">
-                    <a:noFill/>
-                  </a:tcPr>
-                </a:tc>
-                <a:tc>
-                  <a:txBody>
-                    <a:bodyPr/>
-                    <a:lstStyle/>
-                    <a:p>
-                      <a:pPr>
-                        <a:spcAft>
-                          <a:spcPts val="0"/>
-                        </a:spcAft>
-                      </a:pPr>
-                      <a:r>
-                        <a:rPr lang="en-GB" sz="1600" b="0" dirty="0">
-                          <a:solidFill>
-                            <a:schemeClr val="tx1"/>
-                          </a:solidFill>
-                          <a:effectLst/>
-                          <a:latin typeface="Arial" panose="020B0604020202020204" pitchFamily="34" charset="0"/>
-                          <a:cs typeface="Arial" panose="020B0604020202020204" pitchFamily="34" charset="0"/>
-                        </a:rPr>
-                        <a:t>Quantitative</a:t>
-                      </a:r>
-                      <a:endParaRPr lang="en-IE" sz="1600" b="0" dirty="0">
-                        <a:solidFill>
-                          <a:schemeClr val="tx1"/>
-                        </a:solidFill>
-                        <a:effectLst/>
-                        <a:latin typeface="Arial" panose="020B0604020202020204" pitchFamily="34" charset="0"/>
-                        <a:ea typeface="Times New Roman"/>
-                        <a:cs typeface="Arial" panose="020B0604020202020204" pitchFamily="34" charset="0"/>
-                      </a:endParaRPr>
-                    </a:p>
-                  </a:txBody>
-                  <a:tcPr marL="68580" marR="68580" marT="0" marB="0" anchor="ctr">
-                    <a:noFill/>
-                  </a:tcPr>
-                </a:tc>
-                <a:tc>
-                  <a:txBody>
-                    <a:bodyPr/>
-                    <a:lstStyle/>
-                    <a:p>
-                      <a:pPr algn="r">
-                        <a:spcAft>
-                          <a:spcPts val="0"/>
-                        </a:spcAft>
-                      </a:pPr>
-                      <a:r>
-                        <a:rPr lang="en-GB" sz="1600" b="0" dirty="0">
-                          <a:solidFill>
-                            <a:schemeClr val="tx1"/>
-                          </a:solidFill>
-                          <a:effectLst/>
-                          <a:latin typeface="Arial" panose="020B0604020202020204" pitchFamily="34" charset="0"/>
-                          <a:cs typeface="Arial" panose="020B0604020202020204" pitchFamily="34" charset="0"/>
-                        </a:rPr>
-                        <a:t>53</a:t>
-                      </a:r>
-                      <a:endParaRPr lang="en-IE" sz="1600" b="0" dirty="0">
-                        <a:solidFill>
-                          <a:schemeClr val="tx1"/>
-                        </a:solidFill>
-                        <a:effectLst/>
-                        <a:latin typeface="Arial" panose="020B0604020202020204" pitchFamily="34" charset="0"/>
-                        <a:ea typeface="Times New Roman"/>
-                        <a:cs typeface="Arial" panose="020B0604020202020204" pitchFamily="34" charset="0"/>
-                      </a:endParaRPr>
-                    </a:p>
-                  </a:txBody>
-                  <a:tcPr marL="68580" marR="68580" marT="0" marB="0" anchor="ctr">
-                    <a:noFill/>
-                  </a:tcPr>
-                </a:tc>
-                <a:extLst>
-                  <a:ext uri="{0D108BD9-81ED-4DB2-BD59-A6C34878D82A}">
-                    <a16:rowId xmlns:a16="http://schemas.microsoft.com/office/drawing/2014/main" val="10008"/>
-                  </a:ext>
-                </a:extLst>
-              </a:tr>
-              <a:tr h="300445">
-                <a:tc>
-                  <a:txBody>
-                    <a:bodyPr/>
-                    <a:lstStyle/>
-                    <a:p>
-                      <a:pPr>
-                        <a:spcAft>
-                          <a:spcPts val="0"/>
-                        </a:spcAft>
-                      </a:pPr>
-                      <a:r>
-                        <a:rPr lang="en-GB" sz="1600" b="0" dirty="0">
-                          <a:solidFill>
-                            <a:schemeClr val="tx1"/>
-                          </a:solidFill>
-                          <a:effectLst/>
-                          <a:latin typeface="Arial" panose="020B0604020202020204" pitchFamily="34" charset="0"/>
-                          <a:cs typeface="Arial" panose="020B0604020202020204" pitchFamily="34" charset="0"/>
-                        </a:rPr>
-                        <a:t>Reflective Learning Journal</a:t>
-                      </a:r>
-                      <a:endParaRPr lang="en-IE" sz="1600" b="0" dirty="0">
-                        <a:solidFill>
-                          <a:schemeClr val="tx1"/>
-                        </a:solidFill>
-                        <a:effectLst/>
-                        <a:latin typeface="Arial" panose="020B0604020202020204" pitchFamily="34" charset="0"/>
-                        <a:ea typeface="Times New Roman"/>
-                        <a:cs typeface="Arial" panose="020B0604020202020204" pitchFamily="34" charset="0"/>
-                      </a:endParaRPr>
-                    </a:p>
-                  </a:txBody>
-                  <a:tcPr marL="68580" marR="68580" marT="0" marB="0" anchor="ctr">
-                    <a:noFill/>
-                  </a:tcPr>
-                </a:tc>
-                <a:tc>
-                  <a:txBody>
-                    <a:bodyPr/>
-                    <a:lstStyle/>
-                    <a:p>
-                      <a:pPr>
-                        <a:spcAft>
-                          <a:spcPts val="0"/>
-                        </a:spcAft>
-                      </a:pPr>
-                      <a:r>
-                        <a:rPr lang="en-GB" sz="1600" b="0" dirty="0">
-                          <a:solidFill>
-                            <a:schemeClr val="tx1"/>
-                          </a:solidFill>
-                          <a:effectLst/>
-                          <a:latin typeface="Arial" panose="020B0604020202020204" pitchFamily="34" charset="0"/>
-                          <a:cs typeface="Arial" panose="020B0604020202020204" pitchFamily="34" charset="0"/>
-                        </a:rPr>
-                        <a:t>Qualitative</a:t>
-                      </a:r>
-                      <a:endParaRPr lang="en-IE" sz="1600" b="0" dirty="0">
-                        <a:solidFill>
-                          <a:schemeClr val="tx1"/>
-                        </a:solidFill>
-                        <a:effectLst/>
-                        <a:latin typeface="Arial" panose="020B0604020202020204" pitchFamily="34" charset="0"/>
-                        <a:ea typeface="Times New Roman"/>
-                        <a:cs typeface="Arial" panose="020B0604020202020204" pitchFamily="34" charset="0"/>
-                      </a:endParaRPr>
-                    </a:p>
-                  </a:txBody>
-                  <a:tcPr marL="68580" marR="68580" marT="0" marB="0" anchor="ctr">
-                    <a:noFill/>
-                  </a:tcPr>
-                </a:tc>
-                <a:tc>
-                  <a:txBody>
-                    <a:bodyPr/>
-                    <a:lstStyle/>
-                    <a:p>
-                      <a:pPr algn="r">
-                        <a:spcAft>
-                          <a:spcPts val="0"/>
-                        </a:spcAft>
-                      </a:pPr>
-                      <a:r>
-                        <a:rPr lang="en-GB" sz="1600" b="0" dirty="0">
-                          <a:solidFill>
-                            <a:schemeClr val="tx1"/>
-                          </a:solidFill>
-                          <a:effectLst/>
-                          <a:latin typeface="Arial" panose="020B0604020202020204" pitchFamily="34" charset="0"/>
-                          <a:cs typeface="Arial" panose="020B0604020202020204" pitchFamily="34" charset="0"/>
-                        </a:rPr>
-                        <a:t>18</a:t>
-                      </a:r>
-                      <a:endParaRPr lang="en-IE" sz="1600" b="0" dirty="0">
-                        <a:solidFill>
-                          <a:schemeClr val="tx1"/>
-                        </a:solidFill>
-                        <a:effectLst/>
-                        <a:latin typeface="Arial" panose="020B0604020202020204" pitchFamily="34" charset="0"/>
-                        <a:ea typeface="Times New Roman"/>
-                        <a:cs typeface="Arial" panose="020B0604020202020204" pitchFamily="34" charset="0"/>
-                      </a:endParaRPr>
-                    </a:p>
-                  </a:txBody>
-                  <a:tcPr marL="68580" marR="68580" marT="0" marB="0" anchor="ctr">
-                    <a:noFill/>
-                  </a:tcPr>
-                </a:tc>
-                <a:extLst>
-                  <a:ext uri="{0D108BD9-81ED-4DB2-BD59-A6C34878D82A}">
-                    <a16:rowId xmlns:a16="http://schemas.microsoft.com/office/drawing/2014/main" val="10009"/>
-                  </a:ext>
-                </a:extLst>
-              </a:tr>
-              <a:tr h="274320">
-                <a:tc>
-                  <a:txBody>
-                    <a:bodyPr/>
-                    <a:lstStyle/>
-                    <a:p>
-                      <a:pPr>
-                        <a:spcAft>
-                          <a:spcPts val="0"/>
-                        </a:spcAft>
-                      </a:pPr>
-                      <a:r>
-                        <a:rPr lang="en-GB" sz="1600" b="0" dirty="0">
-                          <a:solidFill>
-                            <a:schemeClr val="tx1"/>
-                          </a:solidFill>
-                          <a:effectLst/>
-                          <a:latin typeface="Arial" panose="020B0604020202020204" pitchFamily="34" charset="0"/>
-                          <a:cs typeface="Arial" panose="020B0604020202020204" pitchFamily="34" charset="0"/>
-                        </a:rPr>
-                        <a:t>Interview (Journal evaluation and Study habits)</a:t>
-                      </a:r>
-                      <a:endParaRPr lang="en-IE" sz="1600" b="0" dirty="0">
-                        <a:solidFill>
-                          <a:schemeClr val="tx1"/>
-                        </a:solidFill>
-                        <a:effectLst/>
-                        <a:latin typeface="Arial" panose="020B0604020202020204" pitchFamily="34" charset="0"/>
-                        <a:ea typeface="Times New Roman"/>
-                        <a:cs typeface="Arial" panose="020B0604020202020204" pitchFamily="34" charset="0"/>
-                      </a:endParaRPr>
-                    </a:p>
-                  </a:txBody>
-                  <a:tcPr marL="68580" marR="68580" marT="0" marB="0" anchor="ctr">
-                    <a:noFill/>
-                  </a:tcPr>
-                </a:tc>
-                <a:tc>
-                  <a:txBody>
-                    <a:bodyPr/>
-                    <a:lstStyle/>
-                    <a:p>
-                      <a:pPr>
-                        <a:spcAft>
-                          <a:spcPts val="0"/>
-                        </a:spcAft>
-                      </a:pPr>
-                      <a:r>
-                        <a:rPr lang="en-GB" sz="1600" b="0" dirty="0">
-                          <a:solidFill>
-                            <a:schemeClr val="tx1"/>
-                          </a:solidFill>
-                          <a:effectLst/>
-                          <a:latin typeface="Arial" panose="020B0604020202020204" pitchFamily="34" charset="0"/>
-                          <a:cs typeface="Arial" panose="020B0604020202020204" pitchFamily="34" charset="0"/>
-                        </a:rPr>
-                        <a:t>Qualitative</a:t>
-                      </a:r>
-                      <a:endParaRPr lang="en-IE" sz="1600" b="0" dirty="0">
-                        <a:solidFill>
-                          <a:schemeClr val="tx1"/>
-                        </a:solidFill>
-                        <a:effectLst/>
-                        <a:latin typeface="Arial" panose="020B0604020202020204" pitchFamily="34" charset="0"/>
-                        <a:ea typeface="Times New Roman"/>
-                        <a:cs typeface="Arial" panose="020B0604020202020204" pitchFamily="34" charset="0"/>
-                      </a:endParaRPr>
-                    </a:p>
-                  </a:txBody>
-                  <a:tcPr marL="68580" marR="68580" marT="0" marB="0" anchor="ctr">
-                    <a:noFill/>
-                  </a:tcPr>
-                </a:tc>
-                <a:tc>
-                  <a:txBody>
-                    <a:bodyPr/>
-                    <a:lstStyle/>
-                    <a:p>
-                      <a:pPr algn="r">
-                        <a:spcAft>
-                          <a:spcPts val="0"/>
-                        </a:spcAft>
-                      </a:pPr>
-                      <a:r>
-                        <a:rPr lang="en-GB" sz="1600" b="0" dirty="0">
-                          <a:solidFill>
-                            <a:schemeClr val="tx1"/>
-                          </a:solidFill>
-                          <a:effectLst/>
-                          <a:latin typeface="Arial" panose="020B0604020202020204" pitchFamily="34" charset="0"/>
-                          <a:cs typeface="Arial" panose="020B0604020202020204" pitchFamily="34" charset="0"/>
-                        </a:rPr>
-                        <a:t>4</a:t>
-                      </a:r>
-                      <a:endParaRPr lang="en-IE" sz="1600" b="0" dirty="0">
-                        <a:solidFill>
-                          <a:schemeClr val="tx1"/>
-                        </a:solidFill>
-                        <a:effectLst/>
-                        <a:latin typeface="Arial" panose="020B0604020202020204" pitchFamily="34" charset="0"/>
-                        <a:ea typeface="Times New Roman"/>
-                        <a:cs typeface="Arial" panose="020B0604020202020204" pitchFamily="34" charset="0"/>
-                      </a:endParaRPr>
-                    </a:p>
-                  </a:txBody>
-                  <a:tcPr marL="68580" marR="68580" marT="0" marB="0" anchor="ctr">
-                    <a:noFill/>
-                  </a:tcPr>
-                </a:tc>
-                <a:extLst>
-                  <a:ext uri="{0D108BD9-81ED-4DB2-BD59-A6C34878D82A}">
-                    <a16:rowId xmlns:a16="http://schemas.microsoft.com/office/drawing/2014/main" val="10010"/>
-                  </a:ext>
-                </a:extLst>
-              </a:tr>
-              <a:tr h="0">
-                <a:tc gridSpan="3">
-                  <a:txBody>
-                    <a:bodyPr/>
-                    <a:lstStyle/>
-                    <a:p>
-                      <a:pPr>
-                        <a:spcAft>
-                          <a:spcPts val="0"/>
-                        </a:spcAft>
-                      </a:pPr>
-                      <a:endParaRPr lang="en-IE" sz="800" dirty="0">
-                        <a:solidFill>
-                          <a:schemeClr val="tx1"/>
-                        </a:solidFill>
-                        <a:effectLst/>
-                        <a:latin typeface="Arial" panose="020B0604020202020204" pitchFamily="34" charset="0"/>
-                        <a:ea typeface="Times New Roman"/>
-                        <a:cs typeface="Arial" panose="020B0604020202020204" pitchFamily="34" charset="0"/>
-                      </a:endParaRPr>
-                    </a:p>
-                  </a:txBody>
-                  <a:tcPr marL="68580" marR="68580" marT="0" marB="0" anchor="ctr">
-                    <a:noFill/>
-                  </a:tcPr>
-                </a:tc>
-                <a:tc hMerge="1">
-                  <a:txBody>
-                    <a:bodyPr/>
-                    <a:lstStyle/>
-                    <a:p>
-                      <a:endParaRPr lang="en-IE"/>
-                    </a:p>
-                  </a:txBody>
-                  <a:tcPr/>
-                </a:tc>
-                <a:tc hMerge="1">
-                  <a:txBody>
-                    <a:bodyPr/>
-                    <a:lstStyle/>
-                    <a:p>
-                      <a:endParaRPr lang="en-IE"/>
-                    </a:p>
-                  </a:txBody>
-                  <a:tcPr/>
-                </a:tc>
-                <a:extLst>
-                  <a:ext uri="{0D108BD9-81ED-4DB2-BD59-A6C34878D82A}">
-                    <a16:rowId xmlns:a16="http://schemas.microsoft.com/office/drawing/2014/main" val="10012"/>
-                  </a:ext>
-                </a:extLst>
-              </a:tr>
-              <a:tr h="398339">
-                <a:tc>
-                  <a:txBody>
-                    <a:bodyPr/>
-                    <a:lstStyle/>
-                    <a:p>
-                      <a:pPr>
-                        <a:spcAft>
-                          <a:spcPts val="0"/>
-                        </a:spcAft>
-                      </a:pPr>
-                      <a:r>
-                        <a:rPr lang="en-IE" sz="1800" dirty="0">
-                          <a:solidFill>
-                            <a:schemeClr val="tx1"/>
-                          </a:solidFill>
-                          <a:effectLst/>
-                          <a:latin typeface="Arial" panose="020B0604020202020204" pitchFamily="34" charset="0"/>
-                          <a:ea typeface="Times New Roman"/>
-                          <a:cs typeface="Arial" panose="020B0604020202020204" pitchFamily="34" charset="0"/>
-                        </a:rPr>
-                        <a:t>Principal Study - 2016</a:t>
-                      </a:r>
-                    </a:p>
-                  </a:txBody>
-                  <a:tcPr marL="68580" marR="68580" marT="0" marB="0" anchor="ctr"/>
-                </a:tc>
-                <a:tc>
-                  <a:txBody>
-                    <a:bodyPr/>
-                    <a:lstStyle/>
-                    <a:p>
-                      <a:pPr marL="0" algn="l" defTabSz="4388900" rtl="0" eaLnBrk="1" latinLnBrk="0" hangingPunct="1">
-                        <a:spcAft>
-                          <a:spcPts val="0"/>
-                        </a:spcAft>
-                      </a:pPr>
-                      <a:r>
-                        <a:rPr lang="en-GB" sz="2000" b="1" kern="1200" dirty="0">
-                          <a:solidFill>
-                            <a:schemeClr val="lt1"/>
-                          </a:solidFill>
-                          <a:effectLst/>
-                          <a:latin typeface="+mn-lt"/>
-                          <a:ea typeface="+mn-ea"/>
-                          <a:cs typeface="+mn-cs"/>
-                        </a:rPr>
-                        <a:t>Analysis</a:t>
-                      </a:r>
-                      <a:endParaRPr lang="en-IE" sz="2000" b="1" kern="1200" dirty="0">
-                        <a:solidFill>
-                          <a:schemeClr val="lt1"/>
-                        </a:solidFill>
-                        <a:effectLst/>
-                        <a:latin typeface="+mn-lt"/>
-                        <a:ea typeface="+mn-ea"/>
-                        <a:cs typeface="+mn-cs"/>
-                      </a:endParaRPr>
-                    </a:p>
-                  </a:txBody>
-                  <a:tcPr marL="68580" marR="68580" marT="0" marB="0" anchor="ctr">
-                    <a:solidFill>
-                      <a:schemeClr val="accent1"/>
-                    </a:solidFill>
-                  </a:tcPr>
-                </a:tc>
-                <a:tc>
-                  <a:txBody>
-                    <a:bodyPr/>
-                    <a:lstStyle/>
-                    <a:p>
-                      <a:pPr marL="0" algn="l" defTabSz="4388900" rtl="0" eaLnBrk="1" latinLnBrk="0" hangingPunct="1">
-                        <a:spcAft>
-                          <a:spcPts val="0"/>
-                        </a:spcAft>
-                      </a:pPr>
-                      <a:r>
-                        <a:rPr lang="en-GB" sz="2000" b="1" kern="1200" dirty="0">
-                          <a:solidFill>
-                            <a:schemeClr val="lt1"/>
-                          </a:solidFill>
-                          <a:effectLst/>
-                          <a:latin typeface="+mn-lt"/>
-                          <a:ea typeface="+mn-ea"/>
-                          <a:cs typeface="+mn-cs"/>
-                        </a:rPr>
-                        <a:t>Sample</a:t>
-                      </a:r>
-                      <a:endParaRPr lang="en-IE" sz="2000" b="1" kern="1200" dirty="0">
-                        <a:solidFill>
-                          <a:schemeClr val="lt1"/>
-                        </a:solidFill>
-                        <a:effectLst/>
-                        <a:latin typeface="+mn-lt"/>
-                        <a:ea typeface="+mn-ea"/>
-                        <a:cs typeface="+mn-cs"/>
-                      </a:endParaRPr>
-                    </a:p>
-                  </a:txBody>
-                  <a:tcPr marL="68580" marR="68580" marT="0" marB="0" anchor="ctr">
-                    <a:solidFill>
-                      <a:schemeClr val="accent1"/>
-                    </a:solidFill>
-                  </a:tcPr>
-                </a:tc>
-                <a:extLst>
-                  <a:ext uri="{0D108BD9-81ED-4DB2-BD59-A6C34878D82A}">
-                    <a16:rowId xmlns:a16="http://schemas.microsoft.com/office/drawing/2014/main" val="10013"/>
-                  </a:ext>
-                </a:extLst>
-              </a:tr>
-              <a:tr h="289639">
-                <a:tc>
-                  <a:txBody>
-                    <a:bodyPr/>
-                    <a:lstStyle/>
-                    <a:p>
-                      <a:pPr marL="0" algn="l" defTabSz="4388900" rtl="0" eaLnBrk="1" latinLnBrk="0" hangingPunct="1">
-                        <a:spcAft>
-                          <a:spcPts val="0"/>
-                        </a:spcAft>
-                      </a:pPr>
-                      <a:r>
-                        <a:rPr lang="en-IE" sz="1600" b="0" kern="1200" dirty="0">
-                          <a:solidFill>
-                            <a:schemeClr val="tx1"/>
-                          </a:solidFill>
-                          <a:effectLst/>
-                          <a:latin typeface="Arial" panose="020B0604020202020204" pitchFamily="34" charset="0"/>
-                          <a:ea typeface="+mn-ea"/>
-                          <a:cs typeface="Arial" panose="020B0604020202020204" pitchFamily="34" charset="0"/>
-                        </a:rPr>
-                        <a:t>Student Engagement &amp; Self-Efficacy Questionnaire – (Treatment</a:t>
-                      </a:r>
-                      <a:r>
-                        <a:rPr lang="en-IE" sz="1600" b="0" kern="1200" baseline="0" dirty="0">
-                          <a:solidFill>
-                            <a:schemeClr val="tx1"/>
-                          </a:solidFill>
-                          <a:effectLst/>
-                          <a:latin typeface="Arial" panose="020B0604020202020204" pitchFamily="34" charset="0"/>
-                          <a:ea typeface="+mn-ea"/>
-                          <a:cs typeface="Arial" panose="020B0604020202020204" pitchFamily="34" charset="0"/>
-                        </a:rPr>
-                        <a:t> Group)</a:t>
-                      </a:r>
-                      <a:endParaRPr lang="en-IE" sz="1600" b="0" kern="1200" dirty="0">
-                        <a:solidFill>
-                          <a:schemeClr val="tx1"/>
-                        </a:solidFill>
-                        <a:effectLst/>
-                        <a:latin typeface="Arial" panose="020B0604020202020204" pitchFamily="34" charset="0"/>
-                        <a:ea typeface="+mn-ea"/>
-                        <a:cs typeface="Arial" panose="020B0604020202020204" pitchFamily="34" charset="0"/>
-                      </a:endParaRPr>
-                    </a:p>
-                  </a:txBody>
-                  <a:tcPr marL="68580" marR="68580" marT="0" marB="0" anchor="ctr">
-                    <a:noFill/>
-                  </a:tcPr>
-                </a:tc>
-                <a:tc>
-                  <a:txBody>
-                    <a:bodyPr/>
-                    <a:lstStyle/>
-                    <a:p>
-                      <a:pPr>
-                        <a:spcAft>
-                          <a:spcPts val="0"/>
-                        </a:spcAft>
-                      </a:pPr>
-                      <a:r>
-                        <a:rPr lang="en-GB" sz="1600" b="0" dirty="0">
-                          <a:solidFill>
-                            <a:schemeClr val="tx1"/>
-                          </a:solidFill>
-                          <a:effectLst/>
-                          <a:latin typeface="Arial" panose="020B0604020202020204" pitchFamily="34" charset="0"/>
-                          <a:cs typeface="Arial" panose="020B0604020202020204" pitchFamily="34" charset="0"/>
-                        </a:rPr>
-                        <a:t>Quantitative</a:t>
-                      </a:r>
-                      <a:endParaRPr lang="en-IE" sz="1600" b="0" dirty="0">
-                        <a:solidFill>
-                          <a:schemeClr val="tx1"/>
-                        </a:solidFill>
-                        <a:effectLst/>
-                        <a:latin typeface="Arial" panose="020B0604020202020204" pitchFamily="34" charset="0"/>
-                        <a:ea typeface="Times New Roman"/>
-                        <a:cs typeface="Arial" panose="020B0604020202020204" pitchFamily="34" charset="0"/>
-                      </a:endParaRPr>
-                    </a:p>
-                  </a:txBody>
-                  <a:tcPr marL="68580" marR="68580" marT="0" marB="0" anchor="ctr">
-                    <a:noFill/>
-                  </a:tcPr>
-                </a:tc>
-                <a:tc>
-                  <a:txBody>
-                    <a:bodyPr/>
-                    <a:lstStyle/>
-                    <a:p>
-                      <a:pPr algn="r">
-                        <a:spcAft>
-                          <a:spcPts val="0"/>
-                        </a:spcAft>
-                      </a:pPr>
-                      <a:r>
-                        <a:rPr lang="en-GB" sz="1600" b="0" dirty="0">
-                          <a:solidFill>
-                            <a:schemeClr val="tx1"/>
-                          </a:solidFill>
-                          <a:effectLst/>
-                          <a:latin typeface="Arial" panose="020B0604020202020204" pitchFamily="34" charset="0"/>
-                          <a:cs typeface="Arial" panose="020B0604020202020204" pitchFamily="34" charset="0"/>
-                        </a:rPr>
-                        <a:t>44</a:t>
-                      </a:r>
-                      <a:endParaRPr lang="en-IE" sz="1600" b="0" dirty="0">
-                        <a:solidFill>
-                          <a:schemeClr val="tx1"/>
-                        </a:solidFill>
-                        <a:effectLst/>
-                        <a:latin typeface="Arial" panose="020B0604020202020204" pitchFamily="34" charset="0"/>
-                        <a:ea typeface="Times New Roman"/>
-                        <a:cs typeface="Arial" panose="020B0604020202020204" pitchFamily="34" charset="0"/>
-                      </a:endParaRPr>
-                    </a:p>
-                  </a:txBody>
-                  <a:tcPr marL="68580" marR="68580" marT="0" marB="0" anchor="ctr">
-                    <a:noFill/>
-                  </a:tcPr>
-                </a:tc>
-                <a:extLst>
-                  <a:ext uri="{0D108BD9-81ED-4DB2-BD59-A6C34878D82A}">
-                    <a16:rowId xmlns:a16="http://schemas.microsoft.com/office/drawing/2014/main" val="10014"/>
-                  </a:ext>
-                </a:extLst>
-              </a:tr>
-              <a:tr h="326571">
-                <a:tc>
-                  <a:txBody>
-                    <a:bodyPr/>
-                    <a:lstStyle/>
-                    <a:p>
-                      <a:pPr marL="0" algn="l" defTabSz="4388900" rtl="0" eaLnBrk="1" latinLnBrk="0" hangingPunct="1">
-                        <a:spcAft>
-                          <a:spcPts val="0"/>
-                        </a:spcAft>
-                      </a:pPr>
-                      <a:r>
-                        <a:rPr lang="en-IE" sz="1600" b="0" kern="1200" dirty="0">
-                          <a:solidFill>
-                            <a:schemeClr val="tx1"/>
-                          </a:solidFill>
-                          <a:effectLst/>
-                          <a:latin typeface="Arial" panose="020B0604020202020204" pitchFamily="34" charset="0"/>
-                          <a:ea typeface="+mn-ea"/>
-                          <a:cs typeface="Arial" panose="020B0604020202020204" pitchFamily="34" charset="0"/>
-                        </a:rPr>
-                        <a:t>Student Engagement &amp; Self-Efficacy Questionnaire –(Control)</a:t>
-                      </a:r>
-                    </a:p>
-                  </a:txBody>
-                  <a:tcPr marL="68580" marR="68580" marT="0" marB="0" anchor="ctr">
-                    <a:noFill/>
-                  </a:tcPr>
-                </a:tc>
-                <a:tc>
-                  <a:txBody>
-                    <a:bodyPr/>
-                    <a:lstStyle/>
-                    <a:p>
-                      <a:pPr>
-                        <a:spcAft>
-                          <a:spcPts val="0"/>
-                        </a:spcAft>
-                      </a:pPr>
-                      <a:r>
-                        <a:rPr lang="en-GB" sz="1600" b="0" dirty="0">
-                          <a:solidFill>
-                            <a:schemeClr val="tx1"/>
-                          </a:solidFill>
-                          <a:effectLst/>
-                          <a:latin typeface="Arial" panose="020B0604020202020204" pitchFamily="34" charset="0"/>
-                          <a:cs typeface="Arial" panose="020B0604020202020204" pitchFamily="34" charset="0"/>
-                        </a:rPr>
-                        <a:t>Quantitative</a:t>
-                      </a:r>
-                      <a:endParaRPr lang="en-IE" sz="1600" b="0" dirty="0">
-                        <a:solidFill>
-                          <a:schemeClr val="tx1"/>
-                        </a:solidFill>
-                        <a:effectLst/>
-                        <a:latin typeface="Arial" panose="020B0604020202020204" pitchFamily="34" charset="0"/>
-                        <a:ea typeface="Times New Roman"/>
-                        <a:cs typeface="Arial" panose="020B0604020202020204" pitchFamily="34" charset="0"/>
-                      </a:endParaRPr>
-                    </a:p>
-                  </a:txBody>
-                  <a:tcPr marL="68580" marR="68580" marT="0" marB="0" anchor="ctr">
-                    <a:noFill/>
-                  </a:tcPr>
-                </a:tc>
-                <a:tc>
-                  <a:txBody>
-                    <a:bodyPr/>
-                    <a:lstStyle/>
-                    <a:p>
-                      <a:pPr algn="r">
-                        <a:spcAft>
-                          <a:spcPts val="0"/>
-                        </a:spcAft>
-                      </a:pPr>
-                      <a:r>
-                        <a:rPr lang="en-GB" sz="1600" b="0" dirty="0">
-                          <a:solidFill>
-                            <a:schemeClr val="tx1"/>
-                          </a:solidFill>
-                          <a:effectLst/>
-                          <a:latin typeface="Arial" panose="020B0604020202020204" pitchFamily="34" charset="0"/>
-                          <a:cs typeface="Arial" panose="020B0604020202020204" pitchFamily="34" charset="0"/>
-                        </a:rPr>
-                        <a:t>31</a:t>
-                      </a:r>
-                      <a:endParaRPr lang="en-IE" sz="1600" b="0" dirty="0">
-                        <a:solidFill>
-                          <a:schemeClr val="tx1"/>
-                        </a:solidFill>
-                        <a:effectLst/>
-                        <a:latin typeface="Arial" panose="020B0604020202020204" pitchFamily="34" charset="0"/>
-                        <a:ea typeface="Times New Roman"/>
-                        <a:cs typeface="Arial" panose="020B0604020202020204" pitchFamily="34" charset="0"/>
-                      </a:endParaRPr>
-                    </a:p>
-                  </a:txBody>
-                  <a:tcPr marL="68580" marR="68580" marT="0" marB="0" anchor="ctr">
-                    <a:noFill/>
-                  </a:tcPr>
-                </a:tc>
-                <a:extLst>
-                  <a:ext uri="{0D108BD9-81ED-4DB2-BD59-A6C34878D82A}">
-                    <a16:rowId xmlns:a16="http://schemas.microsoft.com/office/drawing/2014/main" val="10015"/>
-                  </a:ext>
-                </a:extLst>
-              </a:tr>
-              <a:tr h="300446">
-                <a:tc>
-                  <a:txBody>
-                    <a:bodyPr/>
-                    <a:lstStyle/>
-                    <a:p>
-                      <a:pPr>
-                        <a:spcAft>
-                          <a:spcPts val="0"/>
-                        </a:spcAft>
-                      </a:pPr>
-                      <a:r>
-                        <a:rPr lang="en-IE" sz="1600" b="0" dirty="0">
-                          <a:solidFill>
-                            <a:schemeClr val="tx1"/>
-                          </a:solidFill>
-                          <a:effectLst/>
-                          <a:latin typeface="Arial" panose="020B0604020202020204" pitchFamily="34" charset="0"/>
-                          <a:cs typeface="Arial" panose="020B0604020202020204" pitchFamily="34" charset="0"/>
-                        </a:rPr>
-                        <a:t>Interview (start and end of semester with principal programming lecturer )</a:t>
-                      </a:r>
-                      <a:endParaRPr lang="en-IE" sz="1600" b="0" dirty="0">
-                        <a:solidFill>
-                          <a:schemeClr val="tx1"/>
-                        </a:solidFill>
-                        <a:effectLst/>
-                        <a:latin typeface="Arial" panose="020B0604020202020204" pitchFamily="34" charset="0"/>
-                        <a:ea typeface="Times New Roman"/>
-                        <a:cs typeface="Arial" panose="020B0604020202020204" pitchFamily="34" charset="0"/>
-                      </a:endParaRPr>
-                    </a:p>
-                  </a:txBody>
-                  <a:tcPr marL="68580" marR="68580" marT="0" marB="0" anchor="ctr">
-                    <a:noFill/>
-                  </a:tcPr>
-                </a:tc>
-                <a:tc>
-                  <a:txBody>
-                    <a:bodyPr/>
-                    <a:lstStyle/>
-                    <a:p>
-                      <a:pPr>
-                        <a:spcAft>
-                          <a:spcPts val="0"/>
-                        </a:spcAft>
-                      </a:pPr>
-                      <a:r>
-                        <a:rPr lang="en-GB" sz="1600" b="0" dirty="0">
-                          <a:solidFill>
-                            <a:schemeClr val="tx1"/>
-                          </a:solidFill>
-                          <a:effectLst/>
-                          <a:latin typeface="Arial" panose="020B0604020202020204" pitchFamily="34" charset="0"/>
-                          <a:cs typeface="Arial" panose="020B0604020202020204" pitchFamily="34" charset="0"/>
-                        </a:rPr>
-                        <a:t>Qualitative</a:t>
-                      </a:r>
-                      <a:endParaRPr lang="en-IE" sz="1600" b="0" dirty="0">
-                        <a:solidFill>
-                          <a:schemeClr val="tx1"/>
-                        </a:solidFill>
-                        <a:effectLst/>
-                        <a:latin typeface="Arial" panose="020B0604020202020204" pitchFamily="34" charset="0"/>
-                        <a:ea typeface="Times New Roman"/>
-                        <a:cs typeface="Arial" panose="020B0604020202020204" pitchFamily="34" charset="0"/>
-                      </a:endParaRPr>
-                    </a:p>
-                  </a:txBody>
-                  <a:tcPr marL="68580" marR="68580" marT="0" marB="0" anchor="ctr">
-                    <a:noFill/>
-                  </a:tcPr>
-                </a:tc>
-                <a:tc>
-                  <a:txBody>
-                    <a:bodyPr/>
-                    <a:lstStyle/>
-                    <a:p>
-                      <a:pPr algn="r">
-                        <a:spcAft>
-                          <a:spcPts val="0"/>
-                        </a:spcAft>
-                      </a:pPr>
-                      <a:r>
-                        <a:rPr lang="en-GB" sz="1600" b="0" dirty="0">
-                          <a:solidFill>
-                            <a:schemeClr val="tx1"/>
-                          </a:solidFill>
-                          <a:effectLst/>
-                          <a:latin typeface="Arial" panose="020B0604020202020204" pitchFamily="34" charset="0"/>
-                          <a:cs typeface="Arial" panose="020B0604020202020204" pitchFamily="34" charset="0"/>
-                        </a:rPr>
-                        <a:t>1</a:t>
-                      </a:r>
-                      <a:endParaRPr lang="en-IE" sz="1600" b="0" dirty="0">
-                        <a:solidFill>
-                          <a:schemeClr val="tx1"/>
-                        </a:solidFill>
-                        <a:effectLst/>
-                        <a:latin typeface="Arial" panose="020B0604020202020204" pitchFamily="34" charset="0"/>
-                        <a:ea typeface="Times New Roman"/>
-                        <a:cs typeface="Arial" panose="020B0604020202020204" pitchFamily="34" charset="0"/>
-                      </a:endParaRPr>
-                    </a:p>
-                  </a:txBody>
-                  <a:tcPr marL="68580" marR="68580" marT="0" marB="0" anchor="ctr">
-                    <a:noFill/>
-                  </a:tcPr>
-                </a:tc>
-                <a:extLst>
-                  <a:ext uri="{0D108BD9-81ED-4DB2-BD59-A6C34878D82A}">
-                    <a16:rowId xmlns:a16="http://schemas.microsoft.com/office/drawing/2014/main" val="10016"/>
-                  </a:ext>
-                </a:extLst>
-              </a:tr>
-              <a:tr h="300445">
-                <a:tc>
-                  <a:txBody>
-                    <a:bodyPr/>
-                    <a:lstStyle/>
-                    <a:p>
-                      <a:pPr>
-                        <a:spcAft>
-                          <a:spcPts val="0"/>
-                        </a:spcAft>
-                      </a:pPr>
-                      <a:r>
-                        <a:rPr lang="en-IE" sz="1600" b="0" dirty="0">
-                          <a:solidFill>
-                            <a:schemeClr val="tx1"/>
-                          </a:solidFill>
-                          <a:effectLst/>
-                          <a:latin typeface="Arial" panose="020B0604020202020204" pitchFamily="34" charset="0"/>
-                          <a:cs typeface="Arial" panose="020B0604020202020204" pitchFamily="34" charset="0"/>
-                        </a:rPr>
-                        <a:t>Interview (end of semester with treatment group participants)</a:t>
-                      </a:r>
-                      <a:endParaRPr lang="en-IE" sz="1600" b="0" dirty="0">
-                        <a:solidFill>
-                          <a:schemeClr val="tx1"/>
-                        </a:solidFill>
-                        <a:effectLst/>
-                        <a:latin typeface="Arial" panose="020B0604020202020204" pitchFamily="34" charset="0"/>
-                        <a:ea typeface="Times New Roman"/>
-                        <a:cs typeface="Arial" panose="020B0604020202020204" pitchFamily="34" charset="0"/>
-                      </a:endParaRPr>
-                    </a:p>
-                  </a:txBody>
-                  <a:tcPr marL="68580" marR="68580" marT="0" marB="0" anchor="ctr">
-                    <a:noFill/>
-                  </a:tcPr>
-                </a:tc>
-                <a:tc>
-                  <a:txBody>
-                    <a:bodyPr/>
-                    <a:lstStyle/>
-                    <a:p>
-                      <a:pPr>
-                        <a:spcAft>
-                          <a:spcPts val="0"/>
-                        </a:spcAft>
-                      </a:pPr>
-                      <a:r>
-                        <a:rPr lang="en-GB" sz="1600" b="0" dirty="0">
-                          <a:solidFill>
-                            <a:schemeClr val="tx1"/>
-                          </a:solidFill>
-                          <a:effectLst/>
-                          <a:latin typeface="Arial" panose="020B0604020202020204" pitchFamily="34" charset="0"/>
-                          <a:cs typeface="Arial" panose="020B0604020202020204" pitchFamily="34" charset="0"/>
-                        </a:rPr>
-                        <a:t>Qualitative</a:t>
-                      </a:r>
-                      <a:endParaRPr lang="en-IE" sz="1600" b="0" dirty="0">
-                        <a:solidFill>
-                          <a:schemeClr val="tx1"/>
-                        </a:solidFill>
-                        <a:effectLst/>
-                        <a:latin typeface="Arial" panose="020B0604020202020204" pitchFamily="34" charset="0"/>
-                        <a:ea typeface="Times New Roman"/>
-                        <a:cs typeface="Arial" panose="020B0604020202020204" pitchFamily="34" charset="0"/>
-                      </a:endParaRPr>
-                    </a:p>
-                  </a:txBody>
-                  <a:tcPr marL="68580" marR="68580" marT="0" marB="0" anchor="ctr">
-                    <a:noFill/>
-                  </a:tcPr>
-                </a:tc>
-                <a:tc>
-                  <a:txBody>
-                    <a:bodyPr/>
-                    <a:lstStyle/>
-                    <a:p>
-                      <a:pPr algn="r">
-                        <a:spcAft>
-                          <a:spcPts val="0"/>
-                        </a:spcAft>
-                      </a:pPr>
-                      <a:r>
-                        <a:rPr lang="en-GB" sz="1600" b="0" dirty="0">
-                          <a:solidFill>
-                            <a:schemeClr val="tx1"/>
-                          </a:solidFill>
-                          <a:effectLst/>
-                          <a:latin typeface="Arial" panose="020B0604020202020204" pitchFamily="34" charset="0"/>
-                          <a:cs typeface="Arial" panose="020B0604020202020204" pitchFamily="34" charset="0"/>
-                        </a:rPr>
-                        <a:t>4</a:t>
-                      </a:r>
-                      <a:endParaRPr lang="en-IE" sz="1600" b="0" dirty="0">
-                        <a:solidFill>
-                          <a:schemeClr val="tx1"/>
-                        </a:solidFill>
-                        <a:effectLst/>
-                        <a:latin typeface="Arial" panose="020B0604020202020204" pitchFamily="34" charset="0"/>
-                        <a:ea typeface="Times New Roman"/>
-                        <a:cs typeface="Arial" panose="020B0604020202020204" pitchFamily="34" charset="0"/>
-                      </a:endParaRPr>
-                    </a:p>
-                  </a:txBody>
-                  <a:tcPr marL="68580" marR="68580" marT="0" marB="0" anchor="ctr">
-                    <a:noFill/>
-                  </a:tcPr>
-                </a:tc>
-                <a:extLst>
-                  <a:ext uri="{0D108BD9-81ED-4DB2-BD59-A6C34878D82A}">
-                    <a16:rowId xmlns:a16="http://schemas.microsoft.com/office/drawing/2014/main" val="10017"/>
-                  </a:ext>
-                </a:extLst>
-              </a:tr>
-              <a:tr h="308218">
-                <a:tc>
-                  <a:txBody>
-                    <a:bodyPr/>
-                    <a:lstStyle/>
-                    <a:p>
-                      <a:pPr>
-                        <a:spcAft>
-                          <a:spcPts val="0"/>
-                        </a:spcAft>
-                      </a:pPr>
-                      <a:r>
-                        <a:rPr lang="en-IE" sz="1600" b="0" dirty="0">
-                          <a:solidFill>
-                            <a:schemeClr val="tx1"/>
-                          </a:solidFill>
-                          <a:effectLst/>
-                          <a:latin typeface="Arial" panose="020B0604020202020204" pitchFamily="34" charset="0"/>
-                          <a:cs typeface="Arial" panose="020B0604020202020204" pitchFamily="34" charset="0"/>
-                        </a:rPr>
-                        <a:t>PBL/PAL activity feedback forms (5x sessions)</a:t>
-                      </a:r>
-                      <a:endParaRPr lang="en-IE" sz="1600" b="0" dirty="0">
-                        <a:solidFill>
-                          <a:schemeClr val="tx1"/>
-                        </a:solidFill>
-                        <a:effectLst/>
-                        <a:latin typeface="Arial" panose="020B0604020202020204" pitchFamily="34" charset="0"/>
-                        <a:ea typeface="Times New Roman"/>
-                        <a:cs typeface="Arial" panose="020B0604020202020204" pitchFamily="34" charset="0"/>
-                      </a:endParaRPr>
-                    </a:p>
-                  </a:txBody>
-                  <a:tcPr marL="68580" marR="68580" marT="0" marB="0" anchor="ctr">
-                    <a:noFill/>
-                  </a:tcPr>
-                </a:tc>
-                <a:tc>
-                  <a:txBody>
-                    <a:bodyPr/>
-                    <a:lstStyle/>
-                    <a:p>
-                      <a:pPr>
-                        <a:spcAft>
-                          <a:spcPts val="0"/>
-                        </a:spcAft>
-                      </a:pPr>
-                      <a:r>
-                        <a:rPr lang="en-GB" sz="1600" b="0" dirty="0">
-                          <a:solidFill>
-                            <a:schemeClr val="tx1"/>
-                          </a:solidFill>
-                          <a:effectLst/>
-                          <a:latin typeface="Arial" panose="020B0604020202020204" pitchFamily="34" charset="0"/>
-                          <a:cs typeface="Arial" panose="020B0604020202020204" pitchFamily="34" charset="0"/>
-                        </a:rPr>
-                        <a:t>Qualitative</a:t>
-                      </a:r>
-                      <a:endParaRPr lang="en-IE" sz="1600" b="0" dirty="0">
-                        <a:solidFill>
-                          <a:schemeClr val="tx1"/>
-                        </a:solidFill>
-                        <a:effectLst/>
-                        <a:latin typeface="Arial" panose="020B0604020202020204" pitchFamily="34" charset="0"/>
-                        <a:ea typeface="Times New Roman"/>
-                        <a:cs typeface="Arial" panose="020B0604020202020204" pitchFamily="34" charset="0"/>
-                      </a:endParaRPr>
-                    </a:p>
-                  </a:txBody>
-                  <a:tcPr marL="68580" marR="68580" marT="0" marB="0" anchor="ctr">
-                    <a:noFill/>
-                  </a:tcPr>
-                </a:tc>
-                <a:tc>
-                  <a:txBody>
-                    <a:bodyPr/>
-                    <a:lstStyle/>
-                    <a:p>
-                      <a:pPr algn="r">
-                        <a:spcAft>
-                          <a:spcPts val="0"/>
-                        </a:spcAft>
-                      </a:pPr>
-                      <a:r>
-                        <a:rPr lang="en-GB" sz="1600" b="0" dirty="0">
-                          <a:solidFill>
-                            <a:schemeClr val="tx1"/>
-                          </a:solidFill>
-                          <a:effectLst/>
-                          <a:latin typeface="Arial" panose="020B0604020202020204" pitchFamily="34" charset="0"/>
-                          <a:cs typeface="Arial" panose="020B0604020202020204" pitchFamily="34" charset="0"/>
-                        </a:rPr>
-                        <a:t>46</a:t>
-                      </a:r>
-                      <a:endParaRPr lang="en-IE" sz="1600" b="0" dirty="0">
-                        <a:solidFill>
-                          <a:schemeClr val="tx1"/>
-                        </a:solidFill>
-                        <a:effectLst/>
-                        <a:latin typeface="Arial" panose="020B0604020202020204" pitchFamily="34" charset="0"/>
-                        <a:ea typeface="Times New Roman"/>
-                        <a:cs typeface="Arial" panose="020B0604020202020204" pitchFamily="34" charset="0"/>
-                      </a:endParaRPr>
-                    </a:p>
-                  </a:txBody>
-                  <a:tcPr marL="68580" marR="68580" marT="0" marB="0" anchor="ctr">
-                    <a:noFill/>
-                  </a:tcPr>
-                </a:tc>
-                <a:extLst>
-                  <a:ext uri="{0D108BD9-81ED-4DB2-BD59-A6C34878D82A}">
-                    <a16:rowId xmlns:a16="http://schemas.microsoft.com/office/drawing/2014/main" val="10018"/>
-                  </a:ext>
-                </a:extLst>
-              </a:tr>
-            </a:tbl>
-          </a:graphicData>
-        </a:graphic>
-      </p:graphicFrame>
-      <p:sp>
-        <p:nvSpPr>
-          <p:cNvPr id="45" name="Text Placeholder 4"/>
-          <p:cNvSpPr>
-            <a:spLocks noGrp="1"/>
-          </p:cNvSpPr>
-          <p:nvPr>
-            <p:ph type="body" sz="quarter" idx="21"/>
-          </p:nvPr>
-        </p:nvSpPr>
-        <p:spPr>
-          <a:xfrm>
-            <a:off x="11459293" y="25496880"/>
-            <a:ext cx="10048874" cy="846363"/>
-          </a:xfrm>
-        </p:spPr>
-        <p:txBody>
-          <a:bodyPr/>
-          <a:lstStyle/>
-          <a:p>
-            <a:r>
-              <a:rPr lang="en-US" b="1" i="1" u="sng" dirty="0">
-                <a:solidFill>
-                  <a:schemeClr val="tx2"/>
-                </a:solidFill>
-                <a:latin typeface="Arial" panose="020B0604020202020204" pitchFamily="34" charset="0"/>
-                <a:cs typeface="Arial" panose="020B0604020202020204" pitchFamily="34" charset="0"/>
-              </a:rPr>
-              <a:t>Data Collection</a:t>
-            </a:r>
-          </a:p>
-        </p:txBody>
-      </p:sp>
-      <p:sp>
-        <p:nvSpPr>
-          <p:cNvPr id="39" name="Content Placeholder 2">
-            <a:extLst>
-              <a:ext uri="{FF2B5EF4-FFF2-40B4-BE49-F238E27FC236}">
-                <a16:creationId xmlns:a16="http://schemas.microsoft.com/office/drawing/2014/main" id="{2EFFBC5F-0C09-40DB-9DFE-B704854ECCA6}"/>
-              </a:ext>
-            </a:extLst>
-          </p:cNvPr>
-          <p:cNvSpPr txBox="1">
-            <a:spLocks/>
-          </p:cNvSpPr>
-          <p:nvPr/>
-        </p:nvSpPr>
-        <p:spPr>
-          <a:xfrm>
-            <a:off x="11693941" y="8028377"/>
-            <a:ext cx="9662432" cy="979718"/>
-          </a:xfrm>
-          <a:prstGeom prst="rect">
-            <a:avLst/>
-          </a:prstGeom>
-        </p:spPr>
-        <p:txBody>
-          <a:bodyPr>
-            <a:normAutofit fontScale="70000" lnSpcReduction="20000"/>
-          </a:bodyPr>
-          <a:lstStyle>
-            <a:lvl1pPr marL="1645838" indent="-1645838" algn="l" defTabSz="4388900" rtl="0" eaLnBrk="1" latinLnBrk="0" hangingPunct="1">
-              <a:spcBef>
-                <a:spcPct val="20000"/>
-              </a:spcBef>
-              <a:buFont typeface="Arial" pitchFamily="34" charset="0"/>
-              <a:buChar char="•"/>
-              <a:defRPr sz="15400" kern="1200">
-                <a:solidFill>
-                  <a:schemeClr val="tx1"/>
-                </a:solidFill>
-                <a:latin typeface="+mn-lt"/>
-                <a:ea typeface="+mn-ea"/>
-                <a:cs typeface="+mn-cs"/>
-              </a:defRPr>
-            </a:lvl1pPr>
-            <a:lvl2pPr marL="3565982" indent="-1371531" algn="l" defTabSz="4388900" rtl="0" eaLnBrk="1" latinLnBrk="0" hangingPunct="1">
-              <a:spcBef>
-                <a:spcPct val="20000"/>
-              </a:spcBef>
-              <a:buFont typeface="Arial" pitchFamily="34" charset="0"/>
-              <a:buChar char="–"/>
-              <a:defRPr sz="13500" kern="1200">
-                <a:solidFill>
-                  <a:schemeClr val="tx1"/>
-                </a:solidFill>
-                <a:latin typeface="+mn-lt"/>
-                <a:ea typeface="+mn-ea"/>
-                <a:cs typeface="+mn-cs"/>
-              </a:defRPr>
-            </a:lvl2pPr>
-            <a:lvl3pPr marL="5486126" indent="-1097226" algn="l" defTabSz="4388900" rtl="0" eaLnBrk="1" latinLnBrk="0" hangingPunct="1">
-              <a:spcBef>
-                <a:spcPct val="20000"/>
-              </a:spcBef>
-              <a:buFont typeface="Arial" pitchFamily="34" charset="0"/>
-              <a:buChar char="•"/>
-              <a:defRPr sz="11600" kern="1200">
-                <a:solidFill>
-                  <a:schemeClr val="tx1"/>
-                </a:solidFill>
-                <a:latin typeface="+mn-lt"/>
-                <a:ea typeface="+mn-ea"/>
-                <a:cs typeface="+mn-cs"/>
-              </a:defRPr>
-            </a:lvl3pPr>
-            <a:lvl4pPr marL="7680577" indent="-1097226" algn="l" defTabSz="4388900" rtl="0" eaLnBrk="1" latinLnBrk="0" hangingPunct="1">
-              <a:spcBef>
-                <a:spcPct val="20000"/>
-              </a:spcBef>
-              <a:buFont typeface="Arial" pitchFamily="34" charset="0"/>
-              <a:buChar char="–"/>
-              <a:defRPr sz="9600" kern="1200">
-                <a:solidFill>
-                  <a:schemeClr val="tx1"/>
-                </a:solidFill>
-                <a:latin typeface="+mn-lt"/>
-                <a:ea typeface="+mn-ea"/>
-                <a:cs typeface="+mn-cs"/>
-              </a:defRPr>
-            </a:lvl4pPr>
-            <a:lvl5pPr marL="9875026" indent="-1097226" algn="l" defTabSz="4388900" rtl="0" eaLnBrk="1" latinLnBrk="0" hangingPunct="1">
-              <a:spcBef>
-                <a:spcPct val="20000"/>
-              </a:spcBef>
-              <a:buFont typeface="Arial" pitchFamily="34" charset="0"/>
-              <a:buChar char="»"/>
-              <a:defRPr sz="9600" kern="1200">
-                <a:solidFill>
-                  <a:schemeClr val="tx1"/>
-                </a:solidFill>
-                <a:latin typeface="+mn-lt"/>
-                <a:ea typeface="+mn-ea"/>
-                <a:cs typeface="+mn-cs"/>
-              </a:defRPr>
-            </a:lvl5pPr>
-            <a:lvl6pPr marL="12069477" indent="-1097226" algn="l" defTabSz="4388900" rtl="0" eaLnBrk="1" latinLnBrk="0" hangingPunct="1">
-              <a:spcBef>
-                <a:spcPct val="20000"/>
-              </a:spcBef>
-              <a:buFont typeface="Arial" pitchFamily="34" charset="0"/>
-              <a:buChar char="•"/>
-              <a:defRPr sz="9600" kern="1200">
-                <a:solidFill>
-                  <a:schemeClr val="tx1"/>
-                </a:solidFill>
-                <a:latin typeface="+mn-lt"/>
-                <a:ea typeface="+mn-ea"/>
-                <a:cs typeface="+mn-cs"/>
-              </a:defRPr>
-            </a:lvl6pPr>
-            <a:lvl7pPr marL="14263926" indent="-1097226" algn="l" defTabSz="4388900" rtl="0" eaLnBrk="1" latinLnBrk="0" hangingPunct="1">
-              <a:spcBef>
-                <a:spcPct val="20000"/>
-              </a:spcBef>
-              <a:buFont typeface="Arial" pitchFamily="34" charset="0"/>
-              <a:buChar char="•"/>
-              <a:defRPr sz="9600" kern="1200">
-                <a:solidFill>
-                  <a:schemeClr val="tx1"/>
-                </a:solidFill>
-                <a:latin typeface="+mn-lt"/>
-                <a:ea typeface="+mn-ea"/>
-                <a:cs typeface="+mn-cs"/>
-              </a:defRPr>
-            </a:lvl7pPr>
-            <a:lvl8pPr marL="16458377" indent="-1097226" algn="l" defTabSz="4388900" rtl="0" eaLnBrk="1" latinLnBrk="0" hangingPunct="1">
-              <a:spcBef>
-                <a:spcPct val="20000"/>
-              </a:spcBef>
-              <a:buFont typeface="Arial" pitchFamily="34" charset="0"/>
-              <a:buChar char="•"/>
-              <a:defRPr sz="9600" kern="1200">
-                <a:solidFill>
-                  <a:schemeClr val="tx1"/>
-                </a:solidFill>
-                <a:latin typeface="+mn-lt"/>
-                <a:ea typeface="+mn-ea"/>
-                <a:cs typeface="+mn-cs"/>
-              </a:defRPr>
-            </a:lvl8pPr>
-            <a:lvl9pPr marL="18652827" indent="-1097226" algn="l" defTabSz="4388900" rtl="0" eaLnBrk="1" latinLnBrk="0" hangingPunct="1">
-              <a:spcBef>
-                <a:spcPct val="20000"/>
-              </a:spcBef>
-              <a:buFont typeface="Arial" pitchFamily="34" charset="0"/>
-              <a:buChar char="•"/>
-              <a:defRPr sz="9600" kern="1200">
-                <a:solidFill>
-                  <a:schemeClr val="tx1"/>
-                </a:solidFill>
-                <a:latin typeface="+mn-lt"/>
-                <a:ea typeface="+mn-ea"/>
-                <a:cs typeface="+mn-cs"/>
-              </a:defRPr>
-            </a:lvl9pPr>
-          </a:lstStyle>
-          <a:p>
-            <a:pPr marL="0" indent="0" algn="just">
-              <a:buNone/>
-            </a:pPr>
-            <a:endParaRPr lang="en-IE" sz="9600" dirty="0">
-              <a:latin typeface="Arial" panose="020B0604020202020204" pitchFamily="34" charset="0"/>
-              <a:cs typeface="Arial" panose="020B0604020202020204" pitchFamily="34" charset="0"/>
-            </a:endParaRPr>
-          </a:p>
-        </p:txBody>
-      </p:sp>
-      <p:sp>
-        <p:nvSpPr>
-          <p:cNvPr id="34" name="Text Placeholder 4"/>
-          <p:cNvSpPr>
-            <a:spLocks noGrp="1"/>
-          </p:cNvSpPr>
-          <p:nvPr>
-            <p:ph type="body" sz="quarter" idx="21"/>
-          </p:nvPr>
-        </p:nvSpPr>
-        <p:spPr>
-          <a:xfrm>
-            <a:off x="11453400" y="17075571"/>
-            <a:ext cx="10048874" cy="846363"/>
-          </a:xfrm>
-        </p:spPr>
-        <p:txBody>
-          <a:bodyPr/>
-          <a:lstStyle/>
-          <a:p>
-            <a:r>
-              <a:rPr lang="en-US" b="1" i="1" u="sng" dirty="0">
-                <a:solidFill>
-                  <a:schemeClr val="tx2"/>
-                </a:solidFill>
-                <a:latin typeface="Arial" panose="020B0604020202020204" pitchFamily="34" charset="0"/>
-                <a:cs typeface="Arial" panose="020B0604020202020204" pitchFamily="34" charset="0"/>
-              </a:rPr>
-              <a:t>Research Methods</a:t>
-            </a:r>
-          </a:p>
-        </p:txBody>
-      </p:sp>
-      <p:sp>
-        <p:nvSpPr>
-          <p:cNvPr id="35" name="Text Placeholder 4">
-            <a:extLst>
-              <a:ext uri="{FF2B5EF4-FFF2-40B4-BE49-F238E27FC236}">
-                <a16:creationId xmlns:a16="http://schemas.microsoft.com/office/drawing/2014/main" id="{9000B3FD-55D3-45AB-92CB-10A741BAA0B3}"/>
-              </a:ext>
-            </a:extLst>
-          </p:cNvPr>
-          <p:cNvSpPr txBox="1">
-            <a:spLocks/>
-          </p:cNvSpPr>
-          <p:nvPr/>
-        </p:nvSpPr>
-        <p:spPr>
-          <a:xfrm>
-            <a:off x="11449319" y="17642446"/>
-            <a:ext cx="10048874" cy="1200306"/>
-          </a:xfrm>
-          <a:prstGeom prst="rect">
-            <a:avLst/>
-          </a:prstGeom>
-        </p:spPr>
-        <p:txBody>
-          <a:bodyPr wrap="square" lIns="228589" tIns="228589" rIns="228589" bIns="228589">
-            <a:spAutoFit/>
-          </a:bodyPr>
-          <a:lstStyle>
-            <a:lvl1pPr marL="0" indent="0" algn="l" defTabSz="4388900" rtl="0" eaLnBrk="1" latinLnBrk="0" hangingPunct="1">
-              <a:spcBef>
-                <a:spcPct val="20000"/>
-              </a:spcBef>
-              <a:buFont typeface="Arial" pitchFamily="34" charset="0"/>
-              <a:buNone/>
-              <a:defRPr sz="2500" kern="1200">
-                <a:solidFill>
-                  <a:schemeClr val="accent5">
-                    <a:lumMod val="50000"/>
-                  </a:schemeClr>
-                </a:solidFill>
-                <a:latin typeface="Times New Roman" pitchFamily="18" charset="0"/>
-                <a:ea typeface="+mn-ea"/>
-                <a:cs typeface="Times New Roman" pitchFamily="18" charset="0"/>
-              </a:defRPr>
-            </a:lvl1pPr>
-            <a:lvl2pPr marL="1485825" indent="-571471" algn="l" defTabSz="4388900" rtl="0" eaLnBrk="1" latinLnBrk="0" hangingPunct="1">
-              <a:spcBef>
-                <a:spcPct val="20000"/>
-              </a:spcBef>
-              <a:buFont typeface="Arial" pitchFamily="34" charset="0"/>
-              <a:buChar char="–"/>
-              <a:defRPr sz="2500" kern="1200">
-                <a:solidFill>
-                  <a:schemeClr val="tx1"/>
-                </a:solidFill>
-                <a:latin typeface="Trebuchet MS" pitchFamily="34" charset="0"/>
-                <a:ea typeface="+mn-ea"/>
-                <a:cs typeface="+mn-cs"/>
-              </a:defRPr>
-            </a:lvl2pPr>
-            <a:lvl3pPr marL="2057297" indent="-571471" algn="l" defTabSz="4388900" rtl="0" eaLnBrk="1" latinLnBrk="0" hangingPunct="1">
-              <a:spcBef>
-                <a:spcPct val="20000"/>
-              </a:spcBef>
-              <a:buFont typeface="Arial" pitchFamily="34" charset="0"/>
-              <a:buChar char="•"/>
-              <a:defRPr sz="2500" kern="1200">
-                <a:solidFill>
-                  <a:schemeClr val="tx1"/>
-                </a:solidFill>
-                <a:latin typeface="Trebuchet MS" pitchFamily="34" charset="0"/>
-                <a:ea typeface="+mn-ea"/>
-                <a:cs typeface="+mn-cs"/>
-              </a:defRPr>
-            </a:lvl3pPr>
-            <a:lvl4pPr marL="2685916" indent="-628619" algn="l" defTabSz="4388900" rtl="0" eaLnBrk="1" latinLnBrk="0" hangingPunct="1">
-              <a:spcBef>
-                <a:spcPct val="20000"/>
-              </a:spcBef>
-              <a:buFont typeface="Arial" pitchFamily="34" charset="0"/>
-              <a:buChar char="–"/>
-              <a:defRPr sz="2500" kern="1200">
-                <a:solidFill>
-                  <a:schemeClr val="tx1"/>
-                </a:solidFill>
-                <a:latin typeface="Trebuchet MS" pitchFamily="34" charset="0"/>
-                <a:ea typeface="+mn-ea"/>
-                <a:cs typeface="+mn-cs"/>
-              </a:defRPr>
-            </a:lvl4pPr>
-            <a:lvl5pPr marL="3143093" indent="-457177" algn="l" defTabSz="4388900" rtl="0" eaLnBrk="1" latinLnBrk="0" hangingPunct="1">
-              <a:spcBef>
-                <a:spcPct val="20000"/>
-              </a:spcBef>
-              <a:buFont typeface="Arial" pitchFamily="34" charset="0"/>
-              <a:buChar char="»"/>
-              <a:defRPr sz="2500" kern="1200">
-                <a:solidFill>
-                  <a:schemeClr val="tx1"/>
-                </a:solidFill>
-                <a:latin typeface="Trebuchet MS" pitchFamily="34" charset="0"/>
-                <a:ea typeface="+mn-ea"/>
-                <a:cs typeface="+mn-cs"/>
-              </a:defRPr>
-            </a:lvl5pPr>
-            <a:lvl6pPr marL="12069477" indent="-1097226" algn="l" defTabSz="4388900" rtl="0" eaLnBrk="1" latinLnBrk="0" hangingPunct="1">
-              <a:spcBef>
-                <a:spcPct val="20000"/>
-              </a:spcBef>
-              <a:buFont typeface="Arial" pitchFamily="34" charset="0"/>
-              <a:buChar char="•"/>
-              <a:defRPr sz="9600" kern="1200">
-                <a:solidFill>
-                  <a:schemeClr val="tx1"/>
-                </a:solidFill>
-                <a:latin typeface="+mn-lt"/>
-                <a:ea typeface="+mn-ea"/>
-                <a:cs typeface="+mn-cs"/>
-              </a:defRPr>
-            </a:lvl6pPr>
-            <a:lvl7pPr marL="14263926" indent="-1097226" algn="l" defTabSz="4388900" rtl="0" eaLnBrk="1" latinLnBrk="0" hangingPunct="1">
-              <a:spcBef>
-                <a:spcPct val="20000"/>
-              </a:spcBef>
-              <a:buFont typeface="Arial" pitchFamily="34" charset="0"/>
-              <a:buChar char="•"/>
-              <a:defRPr sz="9600" kern="1200">
-                <a:solidFill>
-                  <a:schemeClr val="tx1"/>
-                </a:solidFill>
-                <a:latin typeface="+mn-lt"/>
-                <a:ea typeface="+mn-ea"/>
-                <a:cs typeface="+mn-cs"/>
-              </a:defRPr>
-            </a:lvl7pPr>
-            <a:lvl8pPr marL="16458377" indent="-1097226" algn="l" defTabSz="4388900" rtl="0" eaLnBrk="1" latinLnBrk="0" hangingPunct="1">
-              <a:spcBef>
-                <a:spcPct val="20000"/>
-              </a:spcBef>
-              <a:buFont typeface="Arial" pitchFamily="34" charset="0"/>
-              <a:buChar char="•"/>
-              <a:defRPr sz="9600" kern="1200">
-                <a:solidFill>
-                  <a:schemeClr val="tx1"/>
-                </a:solidFill>
-                <a:latin typeface="+mn-lt"/>
-                <a:ea typeface="+mn-ea"/>
-                <a:cs typeface="+mn-cs"/>
-              </a:defRPr>
-            </a:lvl8pPr>
-            <a:lvl9pPr marL="18652827" indent="-1097226" algn="l" defTabSz="4388900" rtl="0" eaLnBrk="1" latinLnBrk="0" hangingPunct="1">
-              <a:spcBef>
-                <a:spcPct val="20000"/>
-              </a:spcBef>
-              <a:buFont typeface="Arial" pitchFamily="34" charset="0"/>
-              <a:buChar char="•"/>
-              <a:defRPr sz="9600" kern="1200">
-                <a:solidFill>
-                  <a:schemeClr val="tx1"/>
-                </a:solidFill>
-                <a:latin typeface="+mn-lt"/>
-                <a:ea typeface="+mn-ea"/>
-                <a:cs typeface="+mn-cs"/>
-              </a:defRPr>
-            </a:lvl9pPr>
-          </a:lstStyle>
-          <a:p>
-            <a:r>
-              <a:rPr lang="en-GB" sz="2400" dirty="0">
-                <a:solidFill>
-                  <a:schemeClr val="tx1"/>
-                </a:solidFill>
-                <a:latin typeface="Arial" panose="020B0604020202020204" pitchFamily="34" charset="0"/>
-                <a:cs typeface="Arial" panose="020B0604020202020204" pitchFamily="34" charset="0"/>
-              </a:rPr>
-              <a:t>The diagram below highlights the methods and tools used over the course of the action research study. </a:t>
-            </a:r>
-            <a:endParaRPr lang="en-US" sz="2400" dirty="0">
-              <a:solidFill>
-                <a:schemeClr val="tx1"/>
-              </a:solidFill>
-              <a:latin typeface="Arial" panose="020B0604020202020204" pitchFamily="34" charset="0"/>
-              <a:cs typeface="Arial" panose="020B0604020202020204" pitchFamily="34" charset="0"/>
-            </a:endParaRPr>
-          </a:p>
-        </p:txBody>
-      </p:sp>
-      <p:sp>
-        <p:nvSpPr>
-          <p:cNvPr id="43" name="Text Placeholder 4">
-            <a:extLst>
-              <a:ext uri="{FF2B5EF4-FFF2-40B4-BE49-F238E27FC236}">
-                <a16:creationId xmlns:a16="http://schemas.microsoft.com/office/drawing/2014/main" id="{D01E89C6-0794-4157-9DEF-383030D60FAB}"/>
-              </a:ext>
-            </a:extLst>
-          </p:cNvPr>
-          <p:cNvSpPr txBox="1">
-            <a:spLocks/>
-          </p:cNvSpPr>
-          <p:nvPr/>
-        </p:nvSpPr>
-        <p:spPr>
-          <a:xfrm>
-            <a:off x="11447321" y="26027104"/>
-            <a:ext cx="10048874" cy="830975"/>
-          </a:xfrm>
-          <a:prstGeom prst="rect">
-            <a:avLst/>
-          </a:prstGeom>
-        </p:spPr>
-        <p:txBody>
-          <a:bodyPr wrap="square" lIns="228589" tIns="228589" rIns="228589" bIns="228589">
-            <a:spAutoFit/>
-          </a:bodyPr>
-          <a:lstStyle>
-            <a:lvl1pPr marL="0" indent="0" algn="l" defTabSz="4388900" rtl="0" eaLnBrk="1" latinLnBrk="0" hangingPunct="1">
-              <a:spcBef>
-                <a:spcPct val="20000"/>
-              </a:spcBef>
-              <a:buFont typeface="Arial" pitchFamily="34" charset="0"/>
-              <a:buNone/>
-              <a:defRPr sz="2500" kern="1200">
-                <a:solidFill>
-                  <a:schemeClr val="accent5">
-                    <a:lumMod val="50000"/>
-                  </a:schemeClr>
-                </a:solidFill>
-                <a:latin typeface="Times New Roman" pitchFamily="18" charset="0"/>
-                <a:ea typeface="+mn-ea"/>
-                <a:cs typeface="Times New Roman" pitchFamily="18" charset="0"/>
-              </a:defRPr>
-            </a:lvl1pPr>
-            <a:lvl2pPr marL="1485825" indent="-571471" algn="l" defTabSz="4388900" rtl="0" eaLnBrk="1" latinLnBrk="0" hangingPunct="1">
-              <a:spcBef>
-                <a:spcPct val="20000"/>
-              </a:spcBef>
-              <a:buFont typeface="Arial" pitchFamily="34" charset="0"/>
-              <a:buChar char="–"/>
-              <a:defRPr sz="2500" kern="1200">
-                <a:solidFill>
-                  <a:schemeClr val="tx1"/>
-                </a:solidFill>
-                <a:latin typeface="Trebuchet MS" pitchFamily="34" charset="0"/>
-                <a:ea typeface="+mn-ea"/>
-                <a:cs typeface="+mn-cs"/>
-              </a:defRPr>
-            </a:lvl2pPr>
-            <a:lvl3pPr marL="2057297" indent="-571471" algn="l" defTabSz="4388900" rtl="0" eaLnBrk="1" latinLnBrk="0" hangingPunct="1">
-              <a:spcBef>
-                <a:spcPct val="20000"/>
-              </a:spcBef>
-              <a:buFont typeface="Arial" pitchFamily="34" charset="0"/>
-              <a:buChar char="•"/>
-              <a:defRPr sz="2500" kern="1200">
-                <a:solidFill>
-                  <a:schemeClr val="tx1"/>
-                </a:solidFill>
-                <a:latin typeface="Trebuchet MS" pitchFamily="34" charset="0"/>
-                <a:ea typeface="+mn-ea"/>
-                <a:cs typeface="+mn-cs"/>
-              </a:defRPr>
-            </a:lvl3pPr>
-            <a:lvl4pPr marL="2685916" indent="-628619" algn="l" defTabSz="4388900" rtl="0" eaLnBrk="1" latinLnBrk="0" hangingPunct="1">
-              <a:spcBef>
-                <a:spcPct val="20000"/>
-              </a:spcBef>
-              <a:buFont typeface="Arial" pitchFamily="34" charset="0"/>
-              <a:buChar char="–"/>
-              <a:defRPr sz="2500" kern="1200">
-                <a:solidFill>
-                  <a:schemeClr val="tx1"/>
-                </a:solidFill>
-                <a:latin typeface="Trebuchet MS" pitchFamily="34" charset="0"/>
-                <a:ea typeface="+mn-ea"/>
-                <a:cs typeface="+mn-cs"/>
-              </a:defRPr>
-            </a:lvl4pPr>
-            <a:lvl5pPr marL="3143093" indent="-457177" algn="l" defTabSz="4388900" rtl="0" eaLnBrk="1" latinLnBrk="0" hangingPunct="1">
-              <a:spcBef>
-                <a:spcPct val="20000"/>
-              </a:spcBef>
-              <a:buFont typeface="Arial" pitchFamily="34" charset="0"/>
-              <a:buChar char="»"/>
-              <a:defRPr sz="2500" kern="1200">
-                <a:solidFill>
-                  <a:schemeClr val="tx1"/>
-                </a:solidFill>
-                <a:latin typeface="Trebuchet MS" pitchFamily="34" charset="0"/>
-                <a:ea typeface="+mn-ea"/>
-                <a:cs typeface="+mn-cs"/>
-              </a:defRPr>
-            </a:lvl5pPr>
-            <a:lvl6pPr marL="12069477" indent="-1097226" algn="l" defTabSz="4388900" rtl="0" eaLnBrk="1" latinLnBrk="0" hangingPunct="1">
-              <a:spcBef>
-                <a:spcPct val="20000"/>
-              </a:spcBef>
-              <a:buFont typeface="Arial" pitchFamily="34" charset="0"/>
-              <a:buChar char="•"/>
-              <a:defRPr sz="9600" kern="1200">
-                <a:solidFill>
-                  <a:schemeClr val="tx1"/>
-                </a:solidFill>
-                <a:latin typeface="+mn-lt"/>
-                <a:ea typeface="+mn-ea"/>
-                <a:cs typeface="+mn-cs"/>
-              </a:defRPr>
-            </a:lvl6pPr>
-            <a:lvl7pPr marL="14263926" indent="-1097226" algn="l" defTabSz="4388900" rtl="0" eaLnBrk="1" latinLnBrk="0" hangingPunct="1">
-              <a:spcBef>
-                <a:spcPct val="20000"/>
-              </a:spcBef>
-              <a:buFont typeface="Arial" pitchFamily="34" charset="0"/>
-              <a:buChar char="•"/>
-              <a:defRPr sz="9600" kern="1200">
-                <a:solidFill>
-                  <a:schemeClr val="tx1"/>
-                </a:solidFill>
-                <a:latin typeface="+mn-lt"/>
-                <a:ea typeface="+mn-ea"/>
-                <a:cs typeface="+mn-cs"/>
-              </a:defRPr>
-            </a:lvl7pPr>
-            <a:lvl8pPr marL="16458377" indent="-1097226" algn="l" defTabSz="4388900" rtl="0" eaLnBrk="1" latinLnBrk="0" hangingPunct="1">
-              <a:spcBef>
-                <a:spcPct val="20000"/>
-              </a:spcBef>
-              <a:buFont typeface="Arial" pitchFamily="34" charset="0"/>
-              <a:buChar char="•"/>
-              <a:defRPr sz="9600" kern="1200">
-                <a:solidFill>
-                  <a:schemeClr val="tx1"/>
-                </a:solidFill>
-                <a:latin typeface="+mn-lt"/>
-                <a:ea typeface="+mn-ea"/>
-                <a:cs typeface="+mn-cs"/>
-              </a:defRPr>
-            </a:lvl8pPr>
-            <a:lvl9pPr marL="18652827" indent="-1097226" algn="l" defTabSz="4388900" rtl="0" eaLnBrk="1" latinLnBrk="0" hangingPunct="1">
-              <a:spcBef>
-                <a:spcPct val="20000"/>
-              </a:spcBef>
-              <a:buFont typeface="Arial" pitchFamily="34" charset="0"/>
-              <a:buChar char="•"/>
-              <a:defRPr sz="9600" kern="1200">
-                <a:solidFill>
-                  <a:schemeClr val="tx1"/>
-                </a:solidFill>
-                <a:latin typeface="+mn-lt"/>
-                <a:ea typeface="+mn-ea"/>
-                <a:cs typeface="+mn-cs"/>
-              </a:defRPr>
-            </a:lvl9pPr>
-          </a:lstStyle>
-          <a:p>
-            <a:r>
-              <a:rPr lang="en-GB" sz="2400" dirty="0">
-                <a:solidFill>
-                  <a:schemeClr val="tx1"/>
-                </a:solidFill>
-                <a:latin typeface="Arial" panose="020B0604020202020204" pitchFamily="34" charset="0"/>
-                <a:cs typeface="Arial" panose="020B0604020202020204" pitchFamily="34" charset="0"/>
-              </a:rPr>
-              <a:t>The table below is a summary of the data collected for the study.</a:t>
-            </a:r>
-            <a:endParaRPr lang="en-US" sz="2400" dirty="0">
-              <a:solidFill>
-                <a:schemeClr val="tx1"/>
-              </a:solidFill>
-              <a:latin typeface="Arial" panose="020B0604020202020204" pitchFamily="34" charset="0"/>
-              <a:cs typeface="Arial" panose="020B0604020202020204" pitchFamily="34" charset="0"/>
-            </a:endParaRPr>
-          </a:p>
-        </p:txBody>
-      </p:sp>
-      <p:sp>
-        <p:nvSpPr>
-          <p:cNvPr id="46" name="Content Placeholder 2">
-            <a:extLst>
-              <a:ext uri="{FF2B5EF4-FFF2-40B4-BE49-F238E27FC236}">
-                <a16:creationId xmlns:a16="http://schemas.microsoft.com/office/drawing/2014/main" id="{BA7BC14E-5C68-4BFC-B8B8-A1CD9BF3BFC9}"/>
-              </a:ext>
-            </a:extLst>
-          </p:cNvPr>
-          <p:cNvSpPr txBox="1">
-            <a:spLocks/>
-          </p:cNvSpPr>
-          <p:nvPr/>
-        </p:nvSpPr>
-        <p:spPr>
-          <a:xfrm>
-            <a:off x="22531031" y="12554206"/>
-            <a:ext cx="9795691" cy="5522693"/>
-          </a:xfrm>
-          <a:prstGeom prst="rect">
-            <a:avLst/>
-          </a:prstGeom>
-        </p:spPr>
-        <p:txBody>
-          <a:bodyPr>
-            <a:noAutofit/>
-          </a:bodyPr>
-          <a:lstStyle>
-            <a:lvl1pPr marL="1645838" indent="-1645838" algn="l" defTabSz="4388900" rtl="0" eaLnBrk="1" latinLnBrk="0" hangingPunct="1">
-              <a:spcBef>
-                <a:spcPct val="20000"/>
-              </a:spcBef>
-              <a:buFont typeface="Arial" pitchFamily="34" charset="0"/>
-              <a:buChar char="•"/>
-              <a:defRPr sz="15400" kern="1200">
-                <a:solidFill>
-                  <a:schemeClr val="tx1"/>
-                </a:solidFill>
-                <a:latin typeface="+mn-lt"/>
-                <a:ea typeface="+mn-ea"/>
-                <a:cs typeface="+mn-cs"/>
-              </a:defRPr>
-            </a:lvl1pPr>
-            <a:lvl2pPr marL="3565982" indent="-1371531" algn="l" defTabSz="4388900" rtl="0" eaLnBrk="1" latinLnBrk="0" hangingPunct="1">
-              <a:spcBef>
-                <a:spcPct val="20000"/>
-              </a:spcBef>
-              <a:buFont typeface="Arial" pitchFamily="34" charset="0"/>
-              <a:buChar char="–"/>
-              <a:defRPr sz="13500" kern="1200">
-                <a:solidFill>
-                  <a:schemeClr val="tx1"/>
-                </a:solidFill>
-                <a:latin typeface="+mn-lt"/>
-                <a:ea typeface="+mn-ea"/>
-                <a:cs typeface="+mn-cs"/>
-              </a:defRPr>
-            </a:lvl2pPr>
-            <a:lvl3pPr marL="5486126" indent="-1097226" algn="l" defTabSz="4388900" rtl="0" eaLnBrk="1" latinLnBrk="0" hangingPunct="1">
-              <a:spcBef>
-                <a:spcPct val="20000"/>
-              </a:spcBef>
-              <a:buFont typeface="Arial" pitchFamily="34" charset="0"/>
-              <a:buChar char="•"/>
-              <a:defRPr sz="11600" kern="1200">
-                <a:solidFill>
-                  <a:schemeClr val="tx1"/>
-                </a:solidFill>
-                <a:latin typeface="+mn-lt"/>
-                <a:ea typeface="+mn-ea"/>
-                <a:cs typeface="+mn-cs"/>
-              </a:defRPr>
-            </a:lvl3pPr>
-            <a:lvl4pPr marL="7680577" indent="-1097226" algn="l" defTabSz="4388900" rtl="0" eaLnBrk="1" latinLnBrk="0" hangingPunct="1">
-              <a:spcBef>
-                <a:spcPct val="20000"/>
-              </a:spcBef>
-              <a:buFont typeface="Arial" pitchFamily="34" charset="0"/>
-              <a:buChar char="–"/>
-              <a:defRPr sz="9600" kern="1200">
-                <a:solidFill>
-                  <a:schemeClr val="tx1"/>
-                </a:solidFill>
-                <a:latin typeface="+mn-lt"/>
-                <a:ea typeface="+mn-ea"/>
-                <a:cs typeface="+mn-cs"/>
-              </a:defRPr>
-            </a:lvl4pPr>
-            <a:lvl5pPr marL="9875026" indent="-1097226" algn="l" defTabSz="4388900" rtl="0" eaLnBrk="1" latinLnBrk="0" hangingPunct="1">
-              <a:spcBef>
-                <a:spcPct val="20000"/>
-              </a:spcBef>
-              <a:buFont typeface="Arial" pitchFamily="34" charset="0"/>
-              <a:buChar char="»"/>
-              <a:defRPr sz="9600" kern="1200">
-                <a:solidFill>
-                  <a:schemeClr val="tx1"/>
-                </a:solidFill>
-                <a:latin typeface="+mn-lt"/>
-                <a:ea typeface="+mn-ea"/>
-                <a:cs typeface="+mn-cs"/>
-              </a:defRPr>
-            </a:lvl5pPr>
-            <a:lvl6pPr marL="12069477" indent="-1097226" algn="l" defTabSz="4388900" rtl="0" eaLnBrk="1" latinLnBrk="0" hangingPunct="1">
-              <a:spcBef>
-                <a:spcPct val="20000"/>
-              </a:spcBef>
-              <a:buFont typeface="Arial" pitchFamily="34" charset="0"/>
-              <a:buChar char="•"/>
-              <a:defRPr sz="9600" kern="1200">
-                <a:solidFill>
-                  <a:schemeClr val="tx1"/>
-                </a:solidFill>
-                <a:latin typeface="+mn-lt"/>
-                <a:ea typeface="+mn-ea"/>
-                <a:cs typeface="+mn-cs"/>
-              </a:defRPr>
-            </a:lvl6pPr>
-            <a:lvl7pPr marL="14263926" indent="-1097226" algn="l" defTabSz="4388900" rtl="0" eaLnBrk="1" latinLnBrk="0" hangingPunct="1">
-              <a:spcBef>
-                <a:spcPct val="20000"/>
-              </a:spcBef>
-              <a:buFont typeface="Arial" pitchFamily="34" charset="0"/>
-              <a:buChar char="•"/>
-              <a:defRPr sz="9600" kern="1200">
-                <a:solidFill>
-                  <a:schemeClr val="tx1"/>
-                </a:solidFill>
-                <a:latin typeface="+mn-lt"/>
-                <a:ea typeface="+mn-ea"/>
-                <a:cs typeface="+mn-cs"/>
-              </a:defRPr>
-            </a:lvl7pPr>
-            <a:lvl8pPr marL="16458377" indent="-1097226" algn="l" defTabSz="4388900" rtl="0" eaLnBrk="1" latinLnBrk="0" hangingPunct="1">
-              <a:spcBef>
-                <a:spcPct val="20000"/>
-              </a:spcBef>
-              <a:buFont typeface="Arial" pitchFamily="34" charset="0"/>
-              <a:buChar char="•"/>
-              <a:defRPr sz="9600" kern="1200">
-                <a:solidFill>
-                  <a:schemeClr val="tx1"/>
-                </a:solidFill>
-                <a:latin typeface="+mn-lt"/>
-                <a:ea typeface="+mn-ea"/>
-                <a:cs typeface="+mn-cs"/>
-              </a:defRPr>
-            </a:lvl8pPr>
-            <a:lvl9pPr marL="18652827" indent="-1097226" algn="l" defTabSz="4388900" rtl="0" eaLnBrk="1" latinLnBrk="0" hangingPunct="1">
-              <a:spcBef>
-                <a:spcPct val="20000"/>
-              </a:spcBef>
-              <a:buFont typeface="Arial" pitchFamily="34" charset="0"/>
-              <a:buChar char="•"/>
-              <a:defRPr sz="9600" kern="1200">
-                <a:solidFill>
-                  <a:schemeClr val="tx1"/>
-                </a:solidFill>
-                <a:latin typeface="+mn-lt"/>
-                <a:ea typeface="+mn-ea"/>
-                <a:cs typeface="+mn-cs"/>
-              </a:defRPr>
-            </a:lvl9pPr>
-          </a:lstStyle>
-          <a:p>
-            <a:pPr marL="0" indent="0">
-              <a:buNone/>
-            </a:pPr>
-            <a:r>
-              <a:rPr lang="en-IE" sz="2500" dirty="0"/>
-              <a:t>A student engagement measurement tool was provided to student participants at the start and end of a semester.  A social learning intervention was applied to a treatment group, and the engagement scores across both the control and treatment groups were measured.  The results revealed a small increase in total student engagement group score for the treatment group, but nothing significant. However, interesting findings were found in some of the individual questions, the figure below represents one an example of this, in which the treatment group had scored considerably higher than the control group in a question relating to understanding people dissimilar to themselves, which would have been influenced through the social learning activities that the treatment group participated in.  This, in itself, was an encouraging finding. </a:t>
-            </a:r>
-          </a:p>
-        </p:txBody>
-      </p:sp>
-      <p:sp>
-        <p:nvSpPr>
-          <p:cNvPr id="47" name="Content Placeholder 2">
-            <a:extLst>
-              <a:ext uri="{FF2B5EF4-FFF2-40B4-BE49-F238E27FC236}">
-                <a16:creationId xmlns:a16="http://schemas.microsoft.com/office/drawing/2014/main" id="{C12A8FE5-E10F-498E-9E7D-EC629905A877}"/>
-              </a:ext>
-            </a:extLst>
-          </p:cNvPr>
-          <p:cNvSpPr txBox="1">
-            <a:spLocks/>
-          </p:cNvSpPr>
-          <p:nvPr/>
-        </p:nvSpPr>
-        <p:spPr>
-          <a:xfrm>
-            <a:off x="33656519" y="29479722"/>
-            <a:ext cx="9736942" cy="2621175"/>
-          </a:xfrm>
-          <a:prstGeom prst="rect">
-            <a:avLst/>
-          </a:prstGeom>
-        </p:spPr>
-        <p:txBody>
-          <a:bodyPr>
-            <a:noAutofit/>
-          </a:bodyPr>
-          <a:lstStyle>
-            <a:lvl1pPr marL="1645838" indent="-1645838" algn="l" defTabSz="4388900" rtl="0" eaLnBrk="1" latinLnBrk="0" hangingPunct="1">
-              <a:spcBef>
-                <a:spcPct val="20000"/>
-              </a:spcBef>
-              <a:buFont typeface="Arial" pitchFamily="34" charset="0"/>
-              <a:buChar char="•"/>
-              <a:defRPr sz="15400" kern="1200">
-                <a:solidFill>
-                  <a:schemeClr val="tx1"/>
-                </a:solidFill>
-                <a:latin typeface="+mn-lt"/>
-                <a:ea typeface="+mn-ea"/>
-                <a:cs typeface="+mn-cs"/>
-              </a:defRPr>
-            </a:lvl1pPr>
-            <a:lvl2pPr marL="3565982" indent="-1371531" algn="l" defTabSz="4388900" rtl="0" eaLnBrk="1" latinLnBrk="0" hangingPunct="1">
-              <a:spcBef>
-                <a:spcPct val="20000"/>
-              </a:spcBef>
-              <a:buFont typeface="Arial" pitchFamily="34" charset="0"/>
-              <a:buChar char="–"/>
-              <a:defRPr sz="13500" kern="1200">
-                <a:solidFill>
-                  <a:schemeClr val="tx1"/>
-                </a:solidFill>
-                <a:latin typeface="+mn-lt"/>
-                <a:ea typeface="+mn-ea"/>
-                <a:cs typeface="+mn-cs"/>
-              </a:defRPr>
-            </a:lvl2pPr>
-            <a:lvl3pPr marL="5486126" indent="-1097226" algn="l" defTabSz="4388900" rtl="0" eaLnBrk="1" latinLnBrk="0" hangingPunct="1">
-              <a:spcBef>
-                <a:spcPct val="20000"/>
-              </a:spcBef>
-              <a:buFont typeface="Arial" pitchFamily="34" charset="0"/>
-              <a:buChar char="•"/>
-              <a:defRPr sz="11600" kern="1200">
-                <a:solidFill>
-                  <a:schemeClr val="tx1"/>
-                </a:solidFill>
-                <a:latin typeface="+mn-lt"/>
-                <a:ea typeface="+mn-ea"/>
-                <a:cs typeface="+mn-cs"/>
-              </a:defRPr>
-            </a:lvl3pPr>
-            <a:lvl4pPr marL="7680577" indent="-1097226" algn="l" defTabSz="4388900" rtl="0" eaLnBrk="1" latinLnBrk="0" hangingPunct="1">
-              <a:spcBef>
-                <a:spcPct val="20000"/>
-              </a:spcBef>
-              <a:buFont typeface="Arial" pitchFamily="34" charset="0"/>
-              <a:buChar char="–"/>
-              <a:defRPr sz="9600" kern="1200">
-                <a:solidFill>
-                  <a:schemeClr val="tx1"/>
-                </a:solidFill>
-                <a:latin typeface="+mn-lt"/>
-                <a:ea typeface="+mn-ea"/>
-                <a:cs typeface="+mn-cs"/>
-              </a:defRPr>
-            </a:lvl4pPr>
-            <a:lvl5pPr marL="9875026" indent="-1097226" algn="l" defTabSz="4388900" rtl="0" eaLnBrk="1" latinLnBrk="0" hangingPunct="1">
-              <a:spcBef>
-                <a:spcPct val="20000"/>
-              </a:spcBef>
-              <a:buFont typeface="Arial" pitchFamily="34" charset="0"/>
-              <a:buChar char="»"/>
-              <a:defRPr sz="9600" kern="1200">
-                <a:solidFill>
-                  <a:schemeClr val="tx1"/>
-                </a:solidFill>
-                <a:latin typeface="+mn-lt"/>
-                <a:ea typeface="+mn-ea"/>
-                <a:cs typeface="+mn-cs"/>
-              </a:defRPr>
-            </a:lvl5pPr>
-            <a:lvl6pPr marL="12069477" indent="-1097226" algn="l" defTabSz="4388900" rtl="0" eaLnBrk="1" latinLnBrk="0" hangingPunct="1">
-              <a:spcBef>
-                <a:spcPct val="20000"/>
-              </a:spcBef>
-              <a:buFont typeface="Arial" pitchFamily="34" charset="0"/>
-              <a:buChar char="•"/>
-              <a:defRPr sz="9600" kern="1200">
-                <a:solidFill>
-                  <a:schemeClr val="tx1"/>
-                </a:solidFill>
-                <a:latin typeface="+mn-lt"/>
-                <a:ea typeface="+mn-ea"/>
-                <a:cs typeface="+mn-cs"/>
-              </a:defRPr>
-            </a:lvl6pPr>
-            <a:lvl7pPr marL="14263926" indent="-1097226" algn="l" defTabSz="4388900" rtl="0" eaLnBrk="1" latinLnBrk="0" hangingPunct="1">
-              <a:spcBef>
-                <a:spcPct val="20000"/>
-              </a:spcBef>
-              <a:buFont typeface="Arial" pitchFamily="34" charset="0"/>
-              <a:buChar char="•"/>
-              <a:defRPr sz="9600" kern="1200">
-                <a:solidFill>
-                  <a:schemeClr val="tx1"/>
-                </a:solidFill>
-                <a:latin typeface="+mn-lt"/>
-                <a:ea typeface="+mn-ea"/>
-                <a:cs typeface="+mn-cs"/>
-              </a:defRPr>
-            </a:lvl7pPr>
-            <a:lvl8pPr marL="16458377" indent="-1097226" algn="l" defTabSz="4388900" rtl="0" eaLnBrk="1" latinLnBrk="0" hangingPunct="1">
-              <a:spcBef>
-                <a:spcPct val="20000"/>
-              </a:spcBef>
-              <a:buFont typeface="Arial" pitchFamily="34" charset="0"/>
-              <a:buChar char="•"/>
-              <a:defRPr sz="9600" kern="1200">
-                <a:solidFill>
-                  <a:schemeClr val="tx1"/>
-                </a:solidFill>
-                <a:latin typeface="+mn-lt"/>
-                <a:ea typeface="+mn-ea"/>
-                <a:cs typeface="+mn-cs"/>
-              </a:defRPr>
-            </a:lvl8pPr>
-            <a:lvl9pPr marL="18652827" indent="-1097226" algn="l" defTabSz="4388900" rtl="0" eaLnBrk="1" latinLnBrk="0" hangingPunct="1">
-              <a:spcBef>
-                <a:spcPct val="20000"/>
-              </a:spcBef>
-              <a:buFont typeface="Arial" pitchFamily="34" charset="0"/>
-              <a:buChar char="•"/>
-              <a:defRPr sz="9600" kern="1200">
-                <a:solidFill>
-                  <a:schemeClr val="tx1"/>
-                </a:solidFill>
-                <a:latin typeface="+mn-lt"/>
-                <a:ea typeface="+mn-ea"/>
-                <a:cs typeface="+mn-cs"/>
-              </a:defRPr>
-            </a:lvl9pPr>
-          </a:lstStyle>
-          <a:p>
-            <a:pPr marL="0" indent="0" algn="just" defTabSz="895350">
-              <a:buNone/>
-            </a:pPr>
-            <a:r>
-              <a:rPr lang="en-IE" sz="900" dirty="0">
-                <a:latin typeface="Arial" panose="020B0604020202020204" pitchFamily="34" charset="0"/>
-                <a:cs typeface="Arial" panose="020B0604020202020204" pitchFamily="34" charset="0"/>
-              </a:rPr>
-              <a:t>Bandura, A. (1986). Social Foundations of Thought and Action: Social Cognitive Theory. U.S.A: Pearson Education.</a:t>
-            </a:r>
-          </a:p>
-          <a:p>
-            <a:pPr marL="0" indent="0" algn="just" defTabSz="895350">
-              <a:buNone/>
-            </a:pPr>
-            <a:endParaRPr lang="en-IE" sz="900" dirty="0">
-              <a:latin typeface="Arial" panose="020B0604020202020204" pitchFamily="34" charset="0"/>
-              <a:cs typeface="Arial" panose="020B0604020202020204" pitchFamily="34" charset="0"/>
-            </a:endParaRPr>
-          </a:p>
-          <a:p>
-            <a:pPr marL="0" indent="0" algn="just" defTabSz="895350">
-              <a:buNone/>
-            </a:pPr>
-            <a:r>
-              <a:rPr lang="en-IE" sz="900" dirty="0">
-                <a:latin typeface="Arial" panose="020B0604020202020204" pitchFamily="34" charset="0"/>
-                <a:cs typeface="Arial" panose="020B0604020202020204" pitchFamily="34" charset="0"/>
-              </a:rPr>
-              <a:t>Bandura, A. (2006). Guide for constructing self-efficacy scales. In F. </a:t>
-            </a:r>
-            <a:r>
-              <a:rPr lang="en-IE" sz="900" dirty="0" err="1">
-                <a:latin typeface="Arial" panose="020B0604020202020204" pitchFamily="34" charset="0"/>
-                <a:cs typeface="Arial" panose="020B0604020202020204" pitchFamily="34" charset="0"/>
-              </a:rPr>
-              <a:t>Pajares</a:t>
-            </a:r>
-            <a:r>
-              <a:rPr lang="en-IE" sz="900" dirty="0">
-                <a:latin typeface="Arial" panose="020B0604020202020204" pitchFamily="34" charset="0"/>
-                <a:cs typeface="Arial" panose="020B0604020202020204" pitchFamily="34" charset="0"/>
-              </a:rPr>
-              <a:t>, &amp; T. </a:t>
-            </a:r>
-            <a:r>
-              <a:rPr lang="en-IE" sz="900" dirty="0" err="1">
-                <a:latin typeface="Arial" panose="020B0604020202020204" pitchFamily="34" charset="0"/>
-                <a:cs typeface="Arial" panose="020B0604020202020204" pitchFamily="34" charset="0"/>
-              </a:rPr>
-              <a:t>Urdan</a:t>
-            </a:r>
-            <a:r>
-              <a:rPr lang="en-IE" sz="900" dirty="0">
-                <a:latin typeface="Arial" panose="020B0604020202020204" pitchFamily="34" charset="0"/>
-                <a:cs typeface="Arial" panose="020B0604020202020204" pitchFamily="34" charset="0"/>
-              </a:rPr>
-              <a:t> (Eds.), Adolescence and education: Vol. 5. Self efficacy and adolescence (pp. 307-337). Greenwich, CT: Information Age.</a:t>
-            </a:r>
-          </a:p>
-          <a:p>
-            <a:pPr marL="0" indent="0" algn="just" defTabSz="895350">
-              <a:buNone/>
-            </a:pPr>
-            <a:endParaRPr lang="en-IE" sz="900" dirty="0">
-              <a:latin typeface="Arial" panose="020B0604020202020204" pitchFamily="34" charset="0"/>
-              <a:cs typeface="Arial" panose="020B0604020202020204" pitchFamily="34" charset="0"/>
-            </a:endParaRPr>
-          </a:p>
-          <a:p>
-            <a:pPr marL="0" indent="0" algn="just" defTabSz="895350">
-              <a:buNone/>
-            </a:pPr>
-            <a:r>
-              <a:rPr lang="en-IE" sz="900" dirty="0">
-                <a:latin typeface="Arial" panose="020B0604020202020204" pitchFamily="34" charset="0"/>
-                <a:cs typeface="Arial" panose="020B0604020202020204" pitchFamily="34" charset="0"/>
-              </a:rPr>
-              <a:t>Bogdan, R.C., </a:t>
-            </a:r>
-            <a:r>
-              <a:rPr lang="en-IE" sz="900" dirty="0" err="1">
-                <a:latin typeface="Arial" panose="020B0604020202020204" pitchFamily="34" charset="0"/>
-                <a:cs typeface="Arial" panose="020B0604020202020204" pitchFamily="34" charset="0"/>
-              </a:rPr>
-              <a:t>Biklin</a:t>
-            </a:r>
-            <a:r>
-              <a:rPr lang="en-IE" sz="900" dirty="0">
-                <a:latin typeface="Arial" panose="020B0604020202020204" pitchFamily="34" charset="0"/>
-                <a:cs typeface="Arial" panose="020B0604020202020204" pitchFamily="34" charset="0"/>
-              </a:rPr>
-              <a:t>, S.K. (1998). Qualitative research for education: An introduction to theory and methods. (3rd edition).  Boston: </a:t>
-            </a:r>
-            <a:r>
-              <a:rPr lang="en-IE" sz="900" dirty="0" err="1">
-                <a:latin typeface="Arial" panose="020B0604020202020204" pitchFamily="34" charset="0"/>
-                <a:cs typeface="Arial" panose="020B0604020202020204" pitchFamily="34" charset="0"/>
-              </a:rPr>
-              <a:t>Allyn</a:t>
-            </a:r>
-            <a:r>
-              <a:rPr lang="en-IE" sz="900" dirty="0">
-                <a:latin typeface="Arial" panose="020B0604020202020204" pitchFamily="34" charset="0"/>
-                <a:cs typeface="Arial" panose="020B0604020202020204" pitchFamily="34" charset="0"/>
-              </a:rPr>
-              <a:t> and Bacon.</a:t>
-            </a:r>
-          </a:p>
-          <a:p>
-            <a:pPr marL="0" indent="0" algn="just" defTabSz="895350">
-              <a:buNone/>
-            </a:pPr>
-            <a:endParaRPr lang="en-IE" sz="900" dirty="0">
-              <a:latin typeface="Arial" panose="020B0604020202020204" pitchFamily="34" charset="0"/>
-              <a:cs typeface="Arial" panose="020B0604020202020204" pitchFamily="34" charset="0"/>
-            </a:endParaRPr>
-          </a:p>
-          <a:p>
-            <a:pPr marL="0" indent="0" algn="just" defTabSz="895350">
-              <a:buNone/>
-            </a:pPr>
-            <a:r>
-              <a:rPr lang="en-IE" sz="900" dirty="0">
-                <a:latin typeface="Arial" panose="020B0604020202020204" pitchFamily="34" charset="0"/>
-                <a:cs typeface="Arial" panose="020B0604020202020204" pitchFamily="34" charset="0"/>
-              </a:rPr>
-              <a:t>Bryman, A. (2004). Social Research Methods.  U.K.: Oxford University Press.</a:t>
-            </a:r>
-          </a:p>
-          <a:p>
-            <a:pPr marL="0" indent="0" algn="just" defTabSz="895350">
-              <a:buNone/>
-            </a:pPr>
-            <a:endParaRPr lang="en-IE" sz="900" dirty="0">
-              <a:latin typeface="Arial" panose="020B0604020202020204" pitchFamily="34" charset="0"/>
-              <a:cs typeface="Arial" panose="020B0604020202020204" pitchFamily="34" charset="0"/>
-            </a:endParaRPr>
-          </a:p>
-          <a:p>
-            <a:pPr marL="0" indent="0" algn="just" defTabSz="895350">
-              <a:buNone/>
-            </a:pPr>
-            <a:r>
-              <a:rPr lang="en-IE" sz="900" dirty="0">
-                <a:latin typeface="Arial" panose="020B0604020202020204" pitchFamily="34" charset="0"/>
-                <a:cs typeface="Arial" panose="020B0604020202020204" pitchFamily="34" charset="0"/>
-              </a:rPr>
-              <a:t>Creswell, J.W., Miller, G.A. (1997).  Research Methodologies and Doctoral Process.  New Directions for Higher Education, no.99.  U.S.A.: Wiley.</a:t>
-            </a:r>
-          </a:p>
-          <a:p>
-            <a:pPr marL="0" indent="0" algn="just" defTabSz="895350">
-              <a:buNone/>
-            </a:pPr>
-            <a:endParaRPr lang="en-IE" sz="900" dirty="0">
-              <a:latin typeface="Arial" panose="020B0604020202020204" pitchFamily="34" charset="0"/>
-              <a:cs typeface="Arial" panose="020B0604020202020204" pitchFamily="34" charset="0"/>
-            </a:endParaRPr>
-          </a:p>
-          <a:p>
-            <a:pPr marL="0" indent="0" algn="just" defTabSz="895350">
-              <a:buNone/>
-            </a:pPr>
-            <a:r>
-              <a:rPr lang="en-IE" sz="900" dirty="0">
-                <a:latin typeface="Arial" panose="020B0604020202020204" pitchFamily="34" charset="0"/>
-                <a:cs typeface="Arial" panose="020B0604020202020204" pitchFamily="34" charset="0"/>
-              </a:rPr>
-              <a:t>Hamir, S., </a:t>
-            </a:r>
-            <a:r>
-              <a:rPr lang="en-IE" sz="900" dirty="0" err="1">
-                <a:latin typeface="Arial" panose="020B0604020202020204" pitchFamily="34" charset="0"/>
-                <a:cs typeface="Arial" panose="020B0604020202020204" pitchFamily="34" charset="0"/>
-              </a:rPr>
-              <a:t>Maion</a:t>
-            </a:r>
-            <a:r>
-              <a:rPr lang="en-IE" sz="900" dirty="0">
-                <a:latin typeface="Arial" panose="020B0604020202020204" pitchFamily="34" charset="0"/>
-                <a:cs typeface="Arial" panose="020B0604020202020204" pitchFamily="34" charset="0"/>
-              </a:rPr>
-              <a:t>, S., Tice, S., &amp; Wideman, A. (2015) Constructivism in</a:t>
-            </a:r>
-          </a:p>
-          <a:p>
-            <a:pPr marL="0" indent="0" algn="just" defTabSz="895350">
-              <a:buNone/>
-            </a:pPr>
-            <a:r>
-              <a:rPr lang="en-IE" sz="900" dirty="0">
-                <a:latin typeface="Arial" panose="020B0604020202020204" pitchFamily="34" charset="0"/>
-                <a:cs typeface="Arial" panose="020B0604020202020204" pitchFamily="34" charset="0"/>
-              </a:rPr>
-              <a:t>Education. Available at: http://constructivism512.weebly.com . Accessed 27th February 2018.</a:t>
-            </a:r>
-          </a:p>
-          <a:p>
-            <a:pPr marL="0" indent="0" algn="just" defTabSz="895350">
-              <a:buNone/>
-            </a:pPr>
-            <a:endParaRPr lang="en-IE" sz="900" dirty="0">
-              <a:latin typeface="Arial" panose="020B0604020202020204" pitchFamily="34" charset="0"/>
-              <a:cs typeface="Arial" panose="020B0604020202020204" pitchFamily="34" charset="0"/>
-            </a:endParaRPr>
-          </a:p>
-          <a:p>
-            <a:pPr marL="0" indent="0" algn="just" defTabSz="895350">
-              <a:buNone/>
-            </a:pPr>
-            <a:r>
-              <a:rPr lang="en-IE" sz="900" dirty="0">
-                <a:latin typeface="Arial" panose="020B0604020202020204" pitchFamily="34" charset="0"/>
-                <a:cs typeface="Arial" panose="020B0604020202020204" pitchFamily="34" charset="0"/>
-              </a:rPr>
-              <a:t>Miles, M.B., &amp; Huberman, A.M. (1994). Qualitative data analysis: A sourcebook of new methods.  Thousand Oaks, CA: Sage.</a:t>
-            </a:r>
-          </a:p>
-        </p:txBody>
-      </p:sp>
-    </p:spTree>
-    <p:extLst>
-      <p:ext uri="{BB962C8B-B14F-4D97-AF65-F5344CB8AC3E}">
-        <p14:creationId xmlns:p14="http://schemas.microsoft.com/office/powerpoint/2010/main" val="3160527046"/>
-      </p:ext>
-    </p:extLst>
-  </p:cSld>
-  <p:clrMapOvr>
-    <a:masterClrMapping/>
-  </p:clrMapOvr>
-</p:sld>
-</file>
-
-<file path=ppt/slides/slide2.xml><?xml version="1.0" encoding="utf-8"?>
-<p:sld xmlns:a="http://schemas.openxmlformats.org/drawingml/2006/main" xmlns:r="http://schemas.openxmlformats.org/officeDocument/2006/relationships" xmlns:p="http://schemas.openxmlformats.org/presentationml/2006/main">
-  <p:cSld>
     <p:bg>
       <p:bgPr>
         <a:gradFill flip="none" rotWithShape="1">
@@ -23559,137 +18395,415 @@
           <a:chExt cx="0" cy="0"/>
         </a:xfrm>
       </p:grpSpPr>
-      <p:sp>
-        <p:nvSpPr>
-          <p:cNvPr id="56" name="Rectangle 55">
+      <p:grpSp>
+        <p:nvGrpSpPr>
+          <p:cNvPr id="15" name="Group 14">
             <a:extLst>
               <a:ext uri="{FF2B5EF4-FFF2-40B4-BE49-F238E27FC236}">
-                <a16:creationId xmlns:a16="http://schemas.microsoft.com/office/drawing/2014/main" id="{EBFAE12E-50E6-0455-A8C2-CC04EED073B4}"/>
+                <a16:creationId xmlns:a16="http://schemas.microsoft.com/office/drawing/2014/main" id="{895CE9EC-414A-0FD8-E6CB-0C3FB08BBA22}"/>
               </a:ext>
             </a:extLst>
           </p:cNvPr>
-          <p:cNvSpPr/>
+          <p:cNvGrpSpPr/>
           <p:nvPr/>
-        </p:nvSpPr>
-        <p:spPr>
+        </p:nvGrpSpPr>
+        <p:grpSpPr>
           <a:xfrm>
-            <a:off x="-591671" y="83428"/>
-            <a:ext cx="44559405" cy="5000447"/>
+            <a:off x="-626641" y="-22437"/>
+            <a:ext cx="44559405" cy="32201250"/>
+            <a:chOff x="-591671" y="83428"/>
+            <a:chExt cx="44559405" cy="32201250"/>
           </a:xfrm>
-          <a:prstGeom prst="rect">
-            <a:avLst/>
-          </a:prstGeom>
-          <a:gradFill flip="none" rotWithShape="1">
-            <a:gsLst>
-              <a:gs pos="0">
-                <a:srgbClr val="CC66FF">
-                  <a:alpha val="51000"/>
-                </a:srgbClr>
-              </a:gs>
-              <a:gs pos="100000">
-                <a:schemeClr val="accent1">
-                  <a:lumMod val="45000"/>
-                  <a:lumOff val="55000"/>
-                </a:schemeClr>
-              </a:gs>
-              <a:gs pos="83000">
-                <a:srgbClr val="295493"/>
-              </a:gs>
-              <a:gs pos="100000">
-                <a:schemeClr val="accent1">
-                  <a:lumMod val="45000"/>
-                  <a:lumOff val="55000"/>
-                </a:schemeClr>
-              </a:gs>
-              <a:gs pos="100000">
-                <a:srgbClr val="7493BA"/>
-              </a:gs>
-              <a:gs pos="0">
-                <a:srgbClr val="7E68C4"/>
-              </a:gs>
-              <a:gs pos="90000">
-                <a:srgbClr val="155D7D"/>
-              </a:gs>
-              <a:gs pos="0">
-                <a:srgbClr val="9284A4">
-                  <a:alpha val="44000"/>
-                </a:srgbClr>
-              </a:gs>
-              <a:gs pos="100000">
-                <a:srgbClr val="165C7E"/>
-              </a:gs>
-              <a:gs pos="99000">
-                <a:srgbClr val="006666">
-                  <a:alpha val="94000"/>
-                </a:srgbClr>
-              </a:gs>
-            </a:gsLst>
-            <a:path path="circle">
-              <a:fillToRect l="100000" t="100000"/>
-            </a:path>
-            <a:tileRect r="-100000" b="-100000"/>
-          </a:gradFill>
-          <a:scene3d>
-            <a:camera prst="orthographicFront"/>
-            <a:lightRig rig="threePt" dir="t"/>
-          </a:scene3d>
-          <a:sp3d>
-            <a:bevelT w="165100" prst="coolSlant"/>
-          </a:sp3d>
-        </p:spPr>
-        <p:style>
-          <a:lnRef idx="2">
-            <a:schemeClr val="accent1">
-              <a:shade val="50000"/>
-            </a:schemeClr>
-          </a:lnRef>
-          <a:fillRef idx="1">
-            <a:schemeClr val="accent1"/>
-          </a:fillRef>
-          <a:effectRef idx="0">
-            <a:schemeClr val="accent1"/>
-          </a:effectRef>
-          <a:fontRef idx="minor">
-            <a:schemeClr val="lt1"/>
-          </a:fontRef>
-        </p:style>
-        <p:txBody>
-          <a:bodyPr rtlCol="0" anchor="ctr"/>
-          <a:lstStyle/>
-          <a:p>
-            <a:pPr marL="0" marR="0" lvl="0" indent="0" algn="ctr" defTabSz="914400" rtl="0" eaLnBrk="1" fontAlgn="auto" latinLnBrk="0" hangingPunct="1">
-              <a:lnSpc>
-                <a:spcPct val="100000"/>
-              </a:lnSpc>
-              <a:spcBef>
-                <a:spcPts val="0"/>
-              </a:spcBef>
-              <a:spcAft>
-                <a:spcPts val="0"/>
-              </a:spcAft>
-              <a:buClrTx/>
-              <a:buSzTx/>
-              <a:buFontTx/>
-              <a:buNone/>
-              <a:tabLst/>
-              <a:defRPr/>
-            </a:pPr>
-            <a:endParaRPr kumimoji="0" lang="en-US" sz="4400" b="1" i="0" u="none" strike="noStrike" kern="1200" cap="none" spc="0" normalizeH="0" baseline="0" noProof="0" dirty="0">
-              <a:ln>
-                <a:noFill/>
-              </a:ln>
-              <a:solidFill>
-                <a:srgbClr val="FFFFFF"/>
-              </a:solidFill>
-              <a:effectLst/>
-              <a:uLnTx/>
-              <a:uFillTx/>
-              <a:latin typeface="Arial" panose="020B0604020202020204" pitchFamily="34" charset="0"/>
-              <a:cs typeface="Arial" panose="020B0604020202020204" pitchFamily="34" charset="0"/>
-            </a:endParaRPr>
-          </a:p>
-        </p:txBody>
-      </p:sp>
+        </p:grpSpPr>
+        <p:grpSp>
+          <p:nvGrpSpPr>
+            <p:cNvPr id="16" name="Group 15">
+              <a:extLst>
+                <a:ext uri="{FF2B5EF4-FFF2-40B4-BE49-F238E27FC236}">
+                  <a16:creationId xmlns:a16="http://schemas.microsoft.com/office/drawing/2014/main" id="{A29AECC2-761B-91EB-ECA5-4BE87E88F56E}"/>
+                </a:ext>
+              </a:extLst>
+            </p:cNvPr>
+            <p:cNvGrpSpPr/>
+            <p:nvPr/>
+          </p:nvGrpSpPr>
+          <p:grpSpPr>
+            <a:xfrm>
+              <a:off x="478291" y="5494355"/>
+              <a:ext cx="42919477" cy="26790323"/>
+              <a:chOff x="480182" y="5465760"/>
+              <a:chExt cx="42919477" cy="26790323"/>
+            </a:xfrm>
+          </p:grpSpPr>
+          <p:grpSp>
+            <p:nvGrpSpPr>
+              <p:cNvPr id="18" name="Group 17">
+                <a:extLst>
+                  <a:ext uri="{FF2B5EF4-FFF2-40B4-BE49-F238E27FC236}">
+                    <a16:creationId xmlns:a16="http://schemas.microsoft.com/office/drawing/2014/main" id="{0210A99E-5019-7555-34F2-52F639838AFD}"/>
+                  </a:ext>
+                </a:extLst>
+              </p:cNvPr>
+              <p:cNvGrpSpPr/>
+              <p:nvPr/>
+            </p:nvGrpSpPr>
+            <p:grpSpPr>
+              <a:xfrm>
+                <a:off x="22372370" y="5465760"/>
+                <a:ext cx="21027289" cy="26790323"/>
+                <a:chOff x="22372370" y="5465760"/>
+                <a:chExt cx="21027289" cy="26790323"/>
+              </a:xfrm>
+            </p:grpSpPr>
+            <p:sp>
+              <p:nvSpPr>
+                <p:cNvPr id="23" name="Rectangle 22">
+                  <a:extLst>
+                    <a:ext uri="{FF2B5EF4-FFF2-40B4-BE49-F238E27FC236}">
+                      <a16:creationId xmlns:a16="http://schemas.microsoft.com/office/drawing/2014/main" id="{4C849E7A-AA61-E7A8-74FE-7738BA87DEC1}"/>
+                    </a:ext>
+                  </a:extLst>
+                </p:cNvPr>
+                <p:cNvSpPr/>
+                <p:nvPr/>
+              </p:nvSpPr>
+              <p:spPr>
+                <a:xfrm>
+                  <a:off x="22372370" y="5479175"/>
+                  <a:ext cx="10083552" cy="26776908"/>
+                </a:xfrm>
+                <a:prstGeom prst="rect">
+                  <a:avLst/>
+                </a:prstGeom>
+                <a:solidFill>
+                  <a:schemeClr val="bg1"/>
+                </a:solidFill>
+                <a:ln w="38100">
+                  <a:solidFill>
+                    <a:srgbClr val="8C7CA9"/>
+                  </a:solidFill>
+                </a:ln>
+              </p:spPr>
+              <p:style>
+                <a:lnRef idx="2">
+                  <a:schemeClr val="accent1">
+                    <a:shade val="50000"/>
+                  </a:schemeClr>
+                </a:lnRef>
+                <a:fillRef idx="1">
+                  <a:schemeClr val="accent1"/>
+                </a:fillRef>
+                <a:effectRef idx="0">
+                  <a:schemeClr val="accent1"/>
+                </a:effectRef>
+                <a:fontRef idx="minor">
+                  <a:schemeClr val="lt1"/>
+                </a:fontRef>
+              </p:style>
+              <p:txBody>
+                <a:bodyPr rtlCol="0" anchor="ctr"/>
+                <a:lstStyle/>
+                <a:p>
+                  <a:pPr algn="ctr"/>
+                  <a:endParaRPr lang="en-US"/>
+                </a:p>
+              </p:txBody>
+            </p:sp>
+            <p:sp>
+              <p:nvSpPr>
+                <p:cNvPr id="24" name="Rectangle 23">
+                  <a:extLst>
+                    <a:ext uri="{FF2B5EF4-FFF2-40B4-BE49-F238E27FC236}">
+                      <a16:creationId xmlns:a16="http://schemas.microsoft.com/office/drawing/2014/main" id="{9A3BA5BF-F84C-0ECE-7436-1B48A1E2D530}"/>
+                    </a:ext>
+                  </a:extLst>
+                </p:cNvPr>
+                <p:cNvSpPr/>
+                <p:nvPr/>
+              </p:nvSpPr>
+              <p:spPr>
+                <a:xfrm>
+                  <a:off x="33316107" y="5465760"/>
+                  <a:ext cx="10083552" cy="26776908"/>
+                </a:xfrm>
+                <a:prstGeom prst="rect">
+                  <a:avLst/>
+                </a:prstGeom>
+                <a:solidFill>
+                  <a:schemeClr val="bg1"/>
+                </a:solidFill>
+                <a:ln w="38100">
+                  <a:solidFill>
+                    <a:srgbClr val="8C7CA9"/>
+                  </a:solidFill>
+                </a:ln>
+              </p:spPr>
+              <p:style>
+                <a:lnRef idx="2">
+                  <a:schemeClr val="accent1">
+                    <a:shade val="50000"/>
+                  </a:schemeClr>
+                </a:lnRef>
+                <a:fillRef idx="1">
+                  <a:schemeClr val="accent1"/>
+                </a:fillRef>
+                <a:effectRef idx="0">
+                  <a:schemeClr val="accent1"/>
+                </a:effectRef>
+                <a:fontRef idx="minor">
+                  <a:schemeClr val="lt1"/>
+                </a:fontRef>
+              </p:style>
+              <p:txBody>
+                <a:bodyPr rtlCol="0" anchor="ctr"/>
+                <a:lstStyle/>
+                <a:p>
+                  <a:pPr algn="ctr"/>
+                  <a:endParaRPr lang="en-US" dirty="0"/>
+                </a:p>
+              </p:txBody>
+            </p:sp>
+          </p:grpSp>
+          <p:grpSp>
+            <p:nvGrpSpPr>
+              <p:cNvPr id="19" name="Group 18">
+                <a:extLst>
+                  <a:ext uri="{FF2B5EF4-FFF2-40B4-BE49-F238E27FC236}">
+                    <a16:creationId xmlns:a16="http://schemas.microsoft.com/office/drawing/2014/main" id="{D77D1FBD-F4D5-C6E6-7074-12A28AD529C7}"/>
+                  </a:ext>
+                </a:extLst>
+              </p:cNvPr>
+              <p:cNvGrpSpPr/>
+              <p:nvPr/>
+            </p:nvGrpSpPr>
+            <p:grpSpPr>
+              <a:xfrm>
+                <a:off x="480182" y="5479175"/>
+                <a:ext cx="21026135" cy="26776908"/>
+                <a:chOff x="480182" y="5479175"/>
+                <a:chExt cx="21026135" cy="26776908"/>
+              </a:xfrm>
+            </p:grpSpPr>
+            <p:sp>
+              <p:nvSpPr>
+                <p:cNvPr id="20" name="Rectangle 19">
+                  <a:extLst>
+                    <a:ext uri="{FF2B5EF4-FFF2-40B4-BE49-F238E27FC236}">
+                      <a16:creationId xmlns:a16="http://schemas.microsoft.com/office/drawing/2014/main" id="{5CE705BD-06C2-E4A9-ADCD-FC83DC106FD5}"/>
+                    </a:ext>
+                  </a:extLst>
+                </p:cNvPr>
+                <p:cNvSpPr/>
+                <p:nvPr/>
+              </p:nvSpPr>
+              <p:spPr>
+                <a:xfrm>
+                  <a:off x="11422765" y="5479175"/>
+                  <a:ext cx="10083552" cy="26776908"/>
+                </a:xfrm>
+                <a:prstGeom prst="rect">
+                  <a:avLst/>
+                </a:prstGeom>
+                <a:solidFill>
+                  <a:schemeClr val="bg1"/>
+                </a:solidFill>
+                <a:ln w="38100">
+                  <a:solidFill>
+                    <a:srgbClr val="8C7CA9"/>
+                  </a:solidFill>
+                </a:ln>
+              </p:spPr>
+              <p:style>
+                <a:lnRef idx="2">
+                  <a:schemeClr val="accent1">
+                    <a:shade val="50000"/>
+                  </a:schemeClr>
+                </a:lnRef>
+                <a:fillRef idx="1">
+                  <a:schemeClr val="accent1"/>
+                </a:fillRef>
+                <a:effectRef idx="0">
+                  <a:schemeClr val="accent1"/>
+                </a:effectRef>
+                <a:fontRef idx="minor">
+                  <a:schemeClr val="lt1"/>
+                </a:fontRef>
+              </p:style>
+              <p:txBody>
+                <a:bodyPr rtlCol="0" anchor="ctr"/>
+                <a:lstStyle/>
+                <a:p>
+                  <a:pPr algn="ctr"/>
+                  <a:endParaRPr lang="en-US"/>
+                </a:p>
+              </p:txBody>
+            </p:sp>
+            <p:sp>
+              <p:nvSpPr>
+                <p:cNvPr id="22" name="Rectangle 21">
+                  <a:extLst>
+                    <a:ext uri="{FF2B5EF4-FFF2-40B4-BE49-F238E27FC236}">
+                      <a16:creationId xmlns:a16="http://schemas.microsoft.com/office/drawing/2014/main" id="{DD71BD4D-9165-3005-09BB-C2A51508938A}"/>
+                    </a:ext>
+                  </a:extLst>
+                </p:cNvPr>
+                <p:cNvSpPr/>
+                <p:nvPr/>
+              </p:nvSpPr>
+              <p:spPr>
+                <a:xfrm>
+                  <a:off x="480182" y="5479175"/>
+                  <a:ext cx="10083552" cy="26776908"/>
+                </a:xfrm>
+                <a:prstGeom prst="rect">
+                  <a:avLst/>
+                </a:prstGeom>
+                <a:solidFill>
+                  <a:schemeClr val="bg1"/>
+                </a:solidFill>
+                <a:ln w="38100">
+                  <a:solidFill>
+                    <a:srgbClr val="8C7CA9"/>
+                  </a:solidFill>
+                </a:ln>
+              </p:spPr>
+              <p:style>
+                <a:lnRef idx="2">
+                  <a:schemeClr val="accent1">
+                    <a:shade val="50000"/>
+                  </a:schemeClr>
+                </a:lnRef>
+                <a:fillRef idx="1">
+                  <a:schemeClr val="accent1"/>
+                </a:fillRef>
+                <a:effectRef idx="0">
+                  <a:schemeClr val="accent1"/>
+                </a:effectRef>
+                <a:fontRef idx="minor">
+                  <a:schemeClr val="lt1"/>
+                </a:fontRef>
+              </p:style>
+              <p:txBody>
+                <a:bodyPr rtlCol="0" anchor="ctr"/>
+                <a:lstStyle/>
+                <a:p>
+                  <a:pPr algn="ctr"/>
+                  <a:endParaRPr lang="en-US"/>
+                </a:p>
+              </p:txBody>
+            </p:sp>
+          </p:grpSp>
+        </p:grpSp>
+        <p:sp>
+          <p:nvSpPr>
+            <p:cNvPr id="17" name="Rectangle 16">
+              <a:extLst>
+                <a:ext uri="{FF2B5EF4-FFF2-40B4-BE49-F238E27FC236}">
+                  <a16:creationId xmlns:a16="http://schemas.microsoft.com/office/drawing/2014/main" id="{98945A0A-4742-281E-6338-189684D9627E}"/>
+                </a:ext>
+              </a:extLst>
+            </p:cNvPr>
+            <p:cNvSpPr/>
+            <p:nvPr/>
+          </p:nvSpPr>
+          <p:spPr>
+            <a:xfrm>
+              <a:off x="-591671" y="83428"/>
+              <a:ext cx="44559405" cy="5000447"/>
+            </a:xfrm>
+            <a:prstGeom prst="rect">
+              <a:avLst/>
+            </a:prstGeom>
+            <a:gradFill flip="none" rotWithShape="1">
+              <a:gsLst>
+                <a:gs pos="0">
+                  <a:srgbClr val="CC66FF">
+                    <a:alpha val="51000"/>
+                  </a:srgbClr>
+                </a:gs>
+                <a:gs pos="100000">
+                  <a:schemeClr val="accent1">
+                    <a:lumMod val="45000"/>
+                    <a:lumOff val="55000"/>
+                  </a:schemeClr>
+                </a:gs>
+                <a:gs pos="83000">
+                  <a:srgbClr val="295493"/>
+                </a:gs>
+                <a:gs pos="100000">
+                  <a:schemeClr val="accent1">
+                    <a:lumMod val="45000"/>
+                    <a:lumOff val="55000"/>
+                  </a:schemeClr>
+                </a:gs>
+                <a:gs pos="100000">
+                  <a:srgbClr val="7493BA"/>
+                </a:gs>
+                <a:gs pos="0">
+                  <a:srgbClr val="7E68C4"/>
+                </a:gs>
+                <a:gs pos="90000">
+                  <a:srgbClr val="155D7D"/>
+                </a:gs>
+                <a:gs pos="0">
+                  <a:srgbClr val="9284A4">
+                    <a:alpha val="44000"/>
+                  </a:srgbClr>
+                </a:gs>
+                <a:gs pos="100000">
+                  <a:srgbClr val="165C7E"/>
+                </a:gs>
+                <a:gs pos="99000">
+                  <a:srgbClr val="006666">
+                    <a:alpha val="94000"/>
+                  </a:srgbClr>
+                </a:gs>
+              </a:gsLst>
+              <a:path path="circle">
+                <a:fillToRect l="100000" t="100000"/>
+              </a:path>
+              <a:tileRect r="-100000" b="-100000"/>
+            </a:gradFill>
+            <a:scene3d>
+              <a:camera prst="orthographicFront"/>
+              <a:lightRig rig="threePt" dir="t"/>
+            </a:scene3d>
+            <a:sp3d>
+              <a:bevelT w="165100" prst="coolSlant"/>
+            </a:sp3d>
+          </p:spPr>
+          <p:style>
+            <a:lnRef idx="2">
+              <a:schemeClr val="accent1">
+                <a:shade val="50000"/>
+              </a:schemeClr>
+            </a:lnRef>
+            <a:fillRef idx="1">
+              <a:schemeClr val="accent1"/>
+            </a:fillRef>
+            <a:effectRef idx="0">
+              <a:schemeClr val="accent1"/>
+            </a:effectRef>
+            <a:fontRef idx="minor">
+              <a:schemeClr val="lt1"/>
+            </a:fontRef>
+          </p:style>
+          <p:txBody>
+            <a:bodyPr rtlCol="0" anchor="ctr"/>
+            <a:lstStyle/>
+            <a:p>
+              <a:pPr algn="ctr"/>
+              <a:endParaRPr lang="en-US" sz="4400" b="1" dirty="0">
+                <a:solidFill>
+                  <a:schemeClr val="bg1"/>
+                </a:solidFill>
+                <a:latin typeface="Arial" panose="020B0604020202020204" pitchFamily="34" charset="0"/>
+                <a:cs typeface="Arial" panose="020B0604020202020204" pitchFamily="34" charset="0"/>
+              </a:endParaRPr>
+            </a:p>
+          </p:txBody>
+        </p:sp>
+      </p:grpSp>
       <p:sp>
         <p:nvSpPr>
           <p:cNvPr id="129" name="PlaceHolder 1">
@@ -23709,7 +18823,7 @@
         <p:spPr>
           <a:xfrm>
             <a:off x="706680" y="6268752"/>
-            <a:ext cx="9540683" cy="5861520"/>
+            <a:ext cx="4696593" cy="4780972"/>
           </a:xfrm>
           <a:prstGeom prst="rect">
             <a:avLst/>
@@ -24089,7 +19203,7 @@
         </p:nvSpPr>
         <p:spPr>
           <a:xfrm>
-            <a:off x="33331933" y="16951847"/>
+            <a:off x="33331933" y="20817266"/>
             <a:ext cx="10046160" cy="676440"/>
           </a:xfrm>
           <a:prstGeom prst="rect">
@@ -24265,14 +19379,8 @@
                 </a:solidFill>
                 <a:latin typeface="Arial"/>
               </a:rPr>
-              <a:t>University,  Nov 2024</a:t>
+              <a:t>Yumiko Bejarano, CCT College Dublin / University of Hertfordshire,  May 2019</a:t>
             </a:r>
-            <a:endParaRPr lang="es-MX" sz="4800" b="0" strike="noStrike" spc="-1" dirty="0">
-              <a:solidFill>
-                <a:srgbClr val="FFFFFF"/>
-              </a:solidFill>
-              <a:latin typeface="Arial"/>
-            </a:endParaRPr>
           </a:p>
         </p:txBody>
       </p:sp>
@@ -24294,8 +19402,8 @@
         </p:nvSpPr>
         <p:spPr>
           <a:xfrm>
-            <a:off x="3334870" y="921977"/>
-            <a:ext cx="37221459" cy="3804090"/>
+            <a:off x="3334870" y="861018"/>
+            <a:ext cx="37221459" cy="2966154"/>
           </a:xfrm>
           <a:prstGeom prst="rect">
             <a:avLst/>
@@ -24403,7 +19511,7 @@
         <p:spPr>
           <a:xfrm>
             <a:off x="718200" y="19733336"/>
-            <a:ext cx="9277280" cy="6418080"/>
+            <a:ext cx="4685073" cy="6418080"/>
           </a:xfrm>
           <a:prstGeom prst="rect">
             <a:avLst/>
@@ -24897,8 +20005,8 @@
         </p:nvSpPr>
         <p:spPr>
           <a:xfrm>
-            <a:off x="718200" y="12327828"/>
-            <a:ext cx="9277280" cy="6824689"/>
+            <a:off x="5029200" y="12327828"/>
+            <a:ext cx="4966280" cy="6824689"/>
           </a:xfrm>
           <a:prstGeom prst="rect">
             <a:avLst/>
@@ -25073,8 +20181,8 @@
         </p:nvSpPr>
         <p:spPr>
           <a:xfrm>
-            <a:off x="33498613" y="17843567"/>
-            <a:ext cx="9736200" cy="10320216"/>
+            <a:off x="33498612" y="21708986"/>
+            <a:ext cx="9730788" cy="4172127"/>
           </a:xfrm>
           <a:prstGeom prst="rect">
             <a:avLst/>
@@ -25542,150 +20650,6 @@
                 <a:latin typeface="Arial" panose="020B0604020202020204" pitchFamily="34" charset="0"/>
               </a:rPr>
               <a:t>, organizations can take actionable steps to close the gender wage gap.</a:t>
-            </a:r>
-          </a:p>
-          <a:p>
-            <a:pPr marL="0" marR="0" lvl="0" indent="0" algn="just" defTabSz="914400" rtl="0" eaLnBrk="0" fontAlgn="base" latinLnBrk="0" hangingPunct="0">
-              <a:lnSpc>
-                <a:spcPct val="100000"/>
-              </a:lnSpc>
-              <a:spcBef>
-                <a:spcPct val="0"/>
-              </a:spcBef>
-              <a:spcAft>
-                <a:spcPct val="0"/>
-              </a:spcAft>
-              <a:buClrTx/>
-              <a:buSzTx/>
-              <a:buFontTx/>
-              <a:buNone/>
-              <a:tabLst/>
-              <a:defRPr/>
-            </a:pPr>
-            <a:endParaRPr kumimoji="0" lang="en-US" altLang="en-US" sz="2000" b="0" i="1" u="none" strike="noStrike" kern="1200" cap="none" spc="0" normalizeH="0" baseline="0" noProof="0" dirty="0">
-              <a:ln>
-                <a:noFill/>
-              </a:ln>
-              <a:solidFill>
-                <a:srgbClr val="000000"/>
-              </a:solidFill>
-              <a:effectLst/>
-              <a:uLnTx/>
-              <a:uFillTx/>
-              <a:latin typeface="Arial" panose="020B0604020202020204" pitchFamily="34" charset="0"/>
-            </a:endParaRPr>
-          </a:p>
-          <a:p>
-            <a:pPr marL="0" marR="0" lvl="0" indent="0" algn="just" defTabSz="914400" rtl="0" eaLnBrk="0" fontAlgn="base" latinLnBrk="0" hangingPunct="0">
-              <a:lnSpc>
-                <a:spcPct val="100000"/>
-              </a:lnSpc>
-              <a:spcBef>
-                <a:spcPct val="0"/>
-              </a:spcBef>
-              <a:spcAft>
-                <a:spcPct val="0"/>
-              </a:spcAft>
-              <a:buClrTx/>
-              <a:buSzTx/>
-              <a:buFontTx/>
-              <a:buNone/>
-              <a:tabLst/>
-              <a:defRPr/>
-            </a:pPr>
-            <a:r>
-              <a:rPr kumimoji="0" lang="en-US" altLang="en-US" sz="2000" b="1" i="1" u="none" strike="noStrike" kern="1200" cap="none" spc="0" normalizeH="0" baseline="0" noProof="0" dirty="0">
-                <a:ln>
-                  <a:noFill/>
-                </a:ln>
-                <a:solidFill>
-                  <a:srgbClr val="000000"/>
-                </a:solidFill>
-                <a:effectLst/>
-                <a:uLnTx/>
-                <a:uFillTx/>
-                <a:latin typeface="Arial" panose="020B0604020202020204" pitchFamily="34" charset="0"/>
-              </a:rPr>
-              <a:t>Broader Impact</a:t>
-            </a:r>
-          </a:p>
-          <a:p>
-            <a:pPr marL="0" marR="0" lvl="0" indent="0" algn="just" defTabSz="914400" rtl="0" eaLnBrk="0" fontAlgn="base" latinLnBrk="0" hangingPunct="0">
-              <a:lnSpc>
-                <a:spcPct val="100000"/>
-              </a:lnSpc>
-              <a:spcBef>
-                <a:spcPct val="0"/>
-              </a:spcBef>
-              <a:spcAft>
-                <a:spcPct val="0"/>
-              </a:spcAft>
-              <a:buClrTx/>
-              <a:buSzTx/>
-              <a:buFontTx/>
-              <a:buNone/>
-              <a:tabLst/>
-              <a:defRPr/>
-            </a:pPr>
-            <a:r>
-              <a:rPr kumimoji="0" lang="en-US" altLang="en-US" sz="2000" b="1" i="1" u="none" strike="noStrike" kern="1200" cap="none" spc="0" normalizeH="0" baseline="0" noProof="0" dirty="0">
-                <a:ln>
-                  <a:noFill/>
-                </a:ln>
-                <a:solidFill>
-                  <a:srgbClr val="000000"/>
-                </a:solidFill>
-                <a:effectLst/>
-                <a:uLnTx/>
-                <a:uFillTx/>
-                <a:latin typeface="Arial" panose="020B0604020202020204" pitchFamily="34" charset="0"/>
-              </a:rPr>
-              <a:t> </a:t>
-            </a:r>
-            <a:r>
-              <a:rPr kumimoji="0" lang="en-US" altLang="en-US" sz="2000" b="0" i="1" u="none" strike="noStrike" kern="1200" cap="none" spc="0" normalizeH="0" baseline="0" noProof="0" dirty="0">
-                <a:ln>
-                  <a:noFill/>
-                </a:ln>
-                <a:solidFill>
-                  <a:srgbClr val="000000"/>
-                </a:solidFill>
-                <a:effectLst/>
-                <a:uLnTx/>
-                <a:uFillTx/>
-                <a:latin typeface="Arial" panose="020B0604020202020204" pitchFamily="34" charset="0"/>
-              </a:rPr>
-              <a:t>Implementing these recommendations can foster a more </a:t>
-            </a:r>
-            <a:r>
-              <a:rPr kumimoji="0" lang="en-US" altLang="en-US" sz="2000" b="1" i="1" u="none" strike="noStrike" kern="1200" cap="none" spc="0" normalizeH="0" baseline="0" noProof="0" dirty="0">
-                <a:ln>
-                  <a:noFill/>
-                </a:ln>
-                <a:solidFill>
-                  <a:srgbClr val="000000"/>
-                </a:solidFill>
-                <a:effectLst/>
-                <a:uLnTx/>
-                <a:uFillTx/>
-                <a:latin typeface="Arial" panose="020B0604020202020204" pitchFamily="34" charset="0"/>
-              </a:rPr>
-              <a:t>inclusive and equitable workforce</a:t>
-            </a:r>
-            <a:r>
-              <a:rPr kumimoji="0" lang="en-US" altLang="en-US" sz="2000" b="0" i="1" u="none" strike="noStrike" kern="1200" cap="none" spc="0" normalizeH="0" baseline="0" noProof="0" dirty="0">
-                <a:ln>
-                  <a:noFill/>
-                </a:ln>
-                <a:solidFill>
-                  <a:srgbClr val="000000"/>
-                </a:solidFill>
-                <a:effectLst/>
-                <a:uLnTx/>
-                <a:uFillTx/>
-                <a:latin typeface="Arial" panose="020B0604020202020204" pitchFamily="34" charset="0"/>
-              </a:rPr>
-              <a:t>, ultimately contributing to a fairer society where all individuals have equal opportunities to succeed and advance, regardless of gender.</a:t>
             </a:r>
           </a:p>
         </p:txBody>
@@ -26420,7 +21384,7 @@
         <p:spPr>
           <a:xfrm>
             <a:off x="11767072" y="21931200"/>
-            <a:ext cx="9431776" cy="6163574"/>
+            <a:ext cx="9431776" cy="3744775"/>
           </a:xfrm>
           <a:prstGeom prst="rect">
             <a:avLst/>
@@ -27907,1144 +22871,6 @@
           </a:p>
         </p:txBody>
       </p:sp>
-      <p:graphicFrame>
-        <p:nvGraphicFramePr>
-          <p:cNvPr id="66" name="Table 36">
-            <a:extLst>
-              <a:ext uri="{FF2B5EF4-FFF2-40B4-BE49-F238E27FC236}">
-                <a16:creationId xmlns:a16="http://schemas.microsoft.com/office/drawing/2014/main" id="{61ACE0FC-28E8-32F7-7F0C-0DEEFC110EF4}"/>
-              </a:ext>
-            </a:extLst>
-          </p:cNvPr>
-          <p:cNvGraphicFramePr/>
-          <p:nvPr/>
-        </p:nvGraphicFramePr>
-        <p:xfrm>
-          <a:off x="11627897" y="13988638"/>
-          <a:ext cx="9741600" cy="4785360"/>
-        </p:xfrm>
-        <a:graphic>
-          <a:graphicData uri="http://schemas.openxmlformats.org/drawingml/2006/table">
-            <a:tbl>
-              <a:tblPr/>
-              <a:tblGrid>
-                <a:gridCol w="2468988">
-                  <a:extLst>
-                    <a:ext uri="{9D8B030D-6E8A-4147-A177-3AD203B41FA5}">
-                      <a16:colId xmlns:a16="http://schemas.microsoft.com/office/drawing/2014/main" val="20000"/>
-                    </a:ext>
-                  </a:extLst>
-                </a:gridCol>
-                <a:gridCol w="2641092">
-                  <a:extLst>
-                    <a:ext uri="{9D8B030D-6E8A-4147-A177-3AD203B41FA5}">
-                      <a16:colId xmlns:a16="http://schemas.microsoft.com/office/drawing/2014/main" val="184137675"/>
-                    </a:ext>
-                  </a:extLst>
-                </a:gridCol>
-                <a:gridCol w="2230405">
-                  <a:extLst>
-                    <a:ext uri="{9D8B030D-6E8A-4147-A177-3AD203B41FA5}">
-                      <a16:colId xmlns:a16="http://schemas.microsoft.com/office/drawing/2014/main" val="20001"/>
-                    </a:ext>
-                  </a:extLst>
-                </a:gridCol>
-                <a:gridCol w="2401115">
-                  <a:extLst>
-                    <a:ext uri="{9D8B030D-6E8A-4147-A177-3AD203B41FA5}">
-                      <a16:colId xmlns:a16="http://schemas.microsoft.com/office/drawing/2014/main" val="20002"/>
-                    </a:ext>
-                  </a:extLst>
-                </a:gridCol>
-              </a:tblGrid>
-              <a:tr h="0">
-                <a:tc gridSpan="4">
-                  <a:txBody>
-                    <a:bodyPr/>
-                    <a:lstStyle/>
-                    <a:p>
-                      <a:endParaRPr lang="en-IE" sz="800" b="1" strike="noStrike" spc="-1" dirty="0">
-                        <a:solidFill>
-                          <a:schemeClr val="dk1"/>
-                        </a:solidFill>
-                        <a:latin typeface="Arial"/>
-                        <a:ea typeface="Times New Roman"/>
-                      </a:endParaRPr>
-                    </a:p>
-                  </a:txBody>
-                  <a:tcPr marL="68400" marR="68400" anchor="ctr">
-                    <a:lnL w="12240">
-                      <a:solidFill>
-                        <a:srgbClr val="FFFFFF"/>
-                      </a:solidFill>
-                      <a:prstDash val="solid"/>
-                    </a:lnL>
-                    <a:lnR w="12240">
-                      <a:solidFill>
-                        <a:srgbClr val="FFFFFF"/>
-                      </a:solidFill>
-                      <a:prstDash val="solid"/>
-                    </a:lnR>
-                    <a:lnT w="12240">
-                      <a:solidFill>
-                        <a:srgbClr val="FFFFFF"/>
-                      </a:solidFill>
-                      <a:prstDash val="solid"/>
-                    </a:lnT>
-                    <a:lnB w="12240" cap="flat" cmpd="sng" algn="ctr">
-                      <a:solidFill>
-                        <a:srgbClr val="FFFFFF"/>
-                      </a:solidFill>
-                      <a:prstDash val="solid"/>
-                      <a:round/>
-                      <a:headEnd type="none" w="med" len="med"/>
-                      <a:tailEnd type="none" w="med" len="med"/>
-                    </a:lnB>
-                    <a:noFill/>
-                  </a:tcPr>
-                </a:tc>
-                <a:tc hMerge="1">
-                  <a:txBody>
-                    <a:bodyPr/>
-                    <a:lstStyle/>
-                    <a:p>
-                      <a:endParaRPr lang="es-MX"/>
-                    </a:p>
-                  </a:txBody>
-                  <a:tcPr/>
-                </a:tc>
-                <a:tc hMerge="1">
-                  <a:txBody>
-                    <a:bodyPr/>
-                    <a:lstStyle/>
-                    <a:p>
-                      <a:endParaRPr lang="es-MX" sz="1800" b="0" strike="noStrike" spc="-1">
-                        <a:solidFill>
-                          <a:srgbClr val="000000"/>
-                        </a:solidFill>
-                        <a:latin typeface="Arial"/>
-                      </a:endParaRPr>
-                    </a:p>
-                  </a:txBody>
-                  <a:tcPr marL="90000" marR="90000">
-                    <a:lnL>
-                      <a:noFill/>
-                    </a:lnL>
-                    <a:lnR>
-                      <a:noFill/>
-                    </a:lnR>
-                    <a:lnT>
-                      <a:noFill/>
-                    </a:lnT>
-                    <a:lnB>
-                      <a:noFill/>
-                    </a:lnB>
-                    <a:solidFill>
-                      <a:srgbClr val="729FCF"/>
-                    </a:solidFill>
-                  </a:tcPr>
-                </a:tc>
-                <a:tc hMerge="1">
-                  <a:txBody>
-                    <a:bodyPr/>
-                    <a:lstStyle/>
-                    <a:p>
-                      <a:endParaRPr lang="es-MX" sz="1800" b="0" strike="noStrike" spc="-1">
-                        <a:solidFill>
-                          <a:srgbClr val="000000"/>
-                        </a:solidFill>
-                        <a:latin typeface="Arial"/>
-                      </a:endParaRPr>
-                    </a:p>
-                  </a:txBody>
-                  <a:tcPr marL="90000" marR="90000">
-                    <a:lnL>
-                      <a:noFill/>
-                    </a:lnL>
-                    <a:lnR>
-                      <a:noFill/>
-                    </a:lnR>
-                    <a:lnT>
-                      <a:noFill/>
-                    </a:lnT>
-                    <a:lnB>
-                      <a:noFill/>
-                    </a:lnB>
-                    <a:solidFill>
-                      <a:srgbClr val="729FCF"/>
-                    </a:solidFill>
-                  </a:tcPr>
-                </a:tc>
-                <a:extLst>
-                  <a:ext uri="{0D108BD9-81ED-4DB2-BD59-A6C34878D82A}">
-                    <a16:rowId xmlns:a16="http://schemas.microsoft.com/office/drawing/2014/main" val="10010"/>
-                  </a:ext>
-                </a:extLst>
-              </a:tr>
-              <a:tr h="398160">
-                <a:tc>
-                  <a:txBody>
-                    <a:bodyPr/>
-                    <a:lstStyle/>
-                    <a:p>
-                      <a:pPr algn="ctr"/>
-                      <a:r>
-                        <a:rPr lang="en-US" b="1" dirty="0">
-                          <a:solidFill>
-                            <a:schemeClr val="bg1"/>
-                          </a:solidFill>
-                        </a:rPr>
-                        <a:t>EDA Component</a:t>
-                      </a:r>
-                      <a:endParaRPr lang="en-US" dirty="0">
-                        <a:solidFill>
-                          <a:schemeClr val="bg1"/>
-                        </a:solidFill>
-                      </a:endParaRPr>
-                    </a:p>
-                  </a:txBody>
-                  <a:tcPr anchor="ctr">
-                    <a:lnL w="12240">
-                      <a:solidFill>
-                        <a:srgbClr val="FFFFFF"/>
-                      </a:solidFill>
-                      <a:prstDash val="solid"/>
-                    </a:lnL>
-                    <a:lnR w="12240">
-                      <a:solidFill>
-                        <a:srgbClr val="FFFFFF"/>
-                      </a:solidFill>
-                      <a:prstDash val="solid"/>
-                    </a:lnR>
-                    <a:lnT w="12240">
-                      <a:solidFill>
-                        <a:srgbClr val="FFFFFF"/>
-                      </a:solidFill>
-                      <a:prstDash val="solid"/>
-                    </a:lnT>
-                    <a:lnB w="12240" cap="flat" cmpd="sng" algn="ctr">
-                      <a:solidFill>
-                        <a:srgbClr val="FFFFFF"/>
-                      </a:solidFill>
-                      <a:prstDash val="solid"/>
-                      <a:round/>
-                      <a:headEnd type="none" w="med" len="med"/>
-                      <a:tailEnd type="none" w="med" len="med"/>
-                    </a:lnB>
-                    <a:solidFill>
-                      <a:srgbClr val="AFAC3A"/>
-                    </a:solidFill>
-                  </a:tcPr>
-                </a:tc>
-                <a:tc>
-                  <a:txBody>
-                    <a:bodyPr/>
-                    <a:lstStyle/>
-                    <a:p>
-                      <a:pPr algn="ctr"/>
-                      <a:r>
-                        <a:rPr lang="en-US" b="1" dirty="0">
-                          <a:solidFill>
-                            <a:schemeClr val="bg1"/>
-                          </a:solidFill>
-                        </a:rPr>
-                        <a:t>Description</a:t>
-                      </a:r>
-                      <a:endParaRPr lang="en-US" dirty="0">
-                        <a:solidFill>
-                          <a:schemeClr val="bg1"/>
-                        </a:solidFill>
-                      </a:endParaRPr>
-                    </a:p>
-                  </a:txBody>
-                  <a:tcPr anchor="ctr">
-                    <a:lnL w="12240" cap="flat" cmpd="sng" algn="ctr">
-                      <a:solidFill>
-                        <a:srgbClr val="FFFFFF"/>
-                      </a:solidFill>
-                      <a:prstDash val="solid"/>
-                      <a:round/>
-                      <a:headEnd type="none" w="med" len="med"/>
-                      <a:tailEnd type="none" w="med" len="med"/>
-                    </a:lnL>
-                    <a:lnR w="12240">
-                      <a:solidFill>
-                        <a:srgbClr val="FFFFFF"/>
-                      </a:solidFill>
-                      <a:prstDash val="solid"/>
-                    </a:lnR>
-                    <a:lnT w="12240" cap="flat" cmpd="sng" algn="ctr">
-                      <a:solidFill>
-                        <a:srgbClr val="FFFFFF"/>
-                      </a:solidFill>
-                      <a:prstDash val="solid"/>
-                      <a:round/>
-                      <a:headEnd type="none" w="med" len="med"/>
-                      <a:tailEnd type="none" w="med" len="med"/>
-                    </a:lnT>
-                    <a:lnB w="12240" cap="flat" cmpd="sng" algn="ctr">
-                      <a:solidFill>
-                        <a:srgbClr val="FFFFFF"/>
-                      </a:solidFill>
-                      <a:prstDash val="solid"/>
-                      <a:round/>
-                      <a:headEnd type="none" w="med" len="med"/>
-                      <a:tailEnd type="none" w="med" len="med"/>
-                    </a:lnB>
-                    <a:solidFill>
-                      <a:srgbClr val="AFAC3A"/>
-                    </a:solidFill>
-                  </a:tcPr>
-                </a:tc>
-                <a:tc>
-                  <a:txBody>
-                    <a:bodyPr/>
-                    <a:lstStyle/>
-                    <a:p>
-                      <a:pPr algn="ctr"/>
-                      <a:r>
-                        <a:rPr lang="en-US" b="1" dirty="0">
-                          <a:solidFill>
-                            <a:schemeClr val="bg1"/>
-                          </a:solidFill>
-                        </a:rPr>
-                        <a:t>Key Insights</a:t>
-                      </a:r>
-                      <a:endParaRPr lang="en-US" dirty="0">
-                        <a:solidFill>
-                          <a:schemeClr val="bg1"/>
-                        </a:solidFill>
-                      </a:endParaRPr>
-                    </a:p>
-                  </a:txBody>
-                  <a:tcPr anchor="ctr">
-                    <a:lnL w="12240">
-                      <a:solidFill>
-                        <a:srgbClr val="FFFFFF"/>
-                      </a:solidFill>
-                      <a:prstDash val="solid"/>
-                    </a:lnL>
-                    <a:lnR w="12240">
-                      <a:solidFill>
-                        <a:srgbClr val="FFFFFF"/>
-                      </a:solidFill>
-                      <a:prstDash val="solid"/>
-                    </a:lnR>
-                    <a:lnT w="12240">
-                      <a:solidFill>
-                        <a:srgbClr val="FFFFFF"/>
-                      </a:solidFill>
-                      <a:prstDash val="solid"/>
-                    </a:lnT>
-                    <a:lnB w="12240" cap="flat" cmpd="sng" algn="ctr">
-                      <a:solidFill>
-                        <a:srgbClr val="FFFFFF"/>
-                      </a:solidFill>
-                      <a:prstDash val="solid"/>
-                      <a:round/>
-                      <a:headEnd type="none" w="med" len="med"/>
-                      <a:tailEnd type="none" w="med" len="med"/>
-                    </a:lnB>
-                    <a:solidFill>
-                      <a:srgbClr val="AFAC3A"/>
-                    </a:solidFill>
-                  </a:tcPr>
-                </a:tc>
-                <a:tc>
-                  <a:txBody>
-                    <a:bodyPr/>
-                    <a:lstStyle/>
-                    <a:p>
-                      <a:pPr algn="ctr"/>
-                      <a:r>
-                        <a:rPr lang="en-US" b="1" dirty="0">
-                          <a:solidFill>
-                            <a:schemeClr val="bg1"/>
-                          </a:solidFill>
-                        </a:rPr>
-                        <a:t>Suggested Visualization</a:t>
-                      </a:r>
-                      <a:endParaRPr lang="en-US" dirty="0">
-                        <a:solidFill>
-                          <a:schemeClr val="bg1"/>
-                        </a:solidFill>
-                      </a:endParaRPr>
-                    </a:p>
-                  </a:txBody>
-                  <a:tcPr anchor="ctr">
-                    <a:lnL w="12240">
-                      <a:solidFill>
-                        <a:srgbClr val="FFFFFF"/>
-                      </a:solidFill>
-                      <a:prstDash val="solid"/>
-                    </a:lnL>
-                    <a:lnR w="12240">
-                      <a:solidFill>
-                        <a:srgbClr val="FFFFFF"/>
-                      </a:solidFill>
-                      <a:prstDash val="solid"/>
-                    </a:lnR>
-                    <a:lnT w="12240">
-                      <a:solidFill>
-                        <a:srgbClr val="FFFFFF"/>
-                      </a:solidFill>
-                      <a:prstDash val="solid"/>
-                    </a:lnT>
-                    <a:lnB w="12240" cap="flat" cmpd="sng" algn="ctr">
-                      <a:solidFill>
-                        <a:srgbClr val="FFFFFF"/>
-                      </a:solidFill>
-                      <a:prstDash val="solid"/>
-                      <a:round/>
-                      <a:headEnd type="none" w="med" len="med"/>
-                      <a:tailEnd type="none" w="med" len="med"/>
-                    </a:lnB>
-                    <a:solidFill>
-                      <a:srgbClr val="AFAC3A"/>
-                    </a:solidFill>
-                  </a:tcPr>
-                </a:tc>
-                <a:extLst>
-                  <a:ext uri="{0D108BD9-81ED-4DB2-BD59-A6C34878D82A}">
-                    <a16:rowId xmlns:a16="http://schemas.microsoft.com/office/drawing/2014/main" val="10011"/>
-                  </a:ext>
-                </a:extLst>
-              </a:tr>
-              <a:tr h="633388">
-                <a:tc>
-                  <a:txBody>
-                    <a:bodyPr/>
-                    <a:lstStyle/>
-                    <a:p>
-                      <a:pPr algn="ctr"/>
-                      <a:r>
-                        <a:rPr lang="en-US" b="0" i="0" dirty="0"/>
-                        <a:t>Categorical Variables</a:t>
-                      </a:r>
-                    </a:p>
-                  </a:txBody>
-                  <a:tcPr anchor="ctr">
-                    <a:lnL w="12240">
-                      <a:solidFill>
-                        <a:srgbClr val="FFFFFF"/>
-                      </a:solidFill>
-                      <a:prstDash val="solid"/>
-                    </a:lnL>
-                    <a:lnR w="12240">
-                      <a:solidFill>
-                        <a:srgbClr val="FFFFFF"/>
-                      </a:solidFill>
-                      <a:prstDash val="solid"/>
-                    </a:lnR>
-                    <a:lnT w="12240" cap="flat" cmpd="sng" algn="ctr">
-                      <a:solidFill>
-                        <a:srgbClr val="FFFFFF"/>
-                      </a:solidFill>
-                      <a:prstDash val="solid"/>
-                      <a:round/>
-                      <a:headEnd type="none" w="med" len="med"/>
-                      <a:tailEnd type="none" w="med" len="med"/>
-                    </a:lnT>
-                    <a:lnB w="12240" cap="flat" cmpd="sng" algn="ctr">
-                      <a:solidFill>
-                        <a:srgbClr val="FFFFFF"/>
-                      </a:solidFill>
-                      <a:prstDash val="solid"/>
-                      <a:round/>
-                      <a:headEnd type="none" w="med" len="med"/>
-                      <a:tailEnd type="none" w="med" len="med"/>
-                    </a:lnB>
-                    <a:noFill/>
-                  </a:tcPr>
-                </a:tc>
-                <a:tc>
-                  <a:txBody>
-                    <a:bodyPr/>
-                    <a:lstStyle/>
-                    <a:p>
-                      <a:pPr algn="ctr"/>
-                      <a:r>
-                        <a:rPr lang="en-US" b="0" i="0" dirty="0"/>
-                        <a:t>Gender, Age, Employment Indicator, Geographic Areas</a:t>
-                      </a:r>
-                    </a:p>
-                  </a:txBody>
-                  <a:tcPr anchor="ctr">
-                    <a:lnL w="12240" cap="flat" cmpd="sng" algn="ctr">
-                      <a:solidFill>
-                        <a:srgbClr val="FFFFFF"/>
-                      </a:solidFill>
-                      <a:prstDash val="solid"/>
-                      <a:round/>
-                      <a:headEnd type="none" w="med" len="med"/>
-                      <a:tailEnd type="none" w="med" len="med"/>
-                    </a:lnL>
-                    <a:lnR w="12240">
-                      <a:solidFill>
-                        <a:srgbClr val="FFFFFF"/>
-                      </a:solidFill>
-                      <a:prstDash val="solid"/>
-                    </a:lnR>
-                    <a:lnT w="12240" cap="flat" cmpd="sng" algn="ctr">
-                      <a:solidFill>
-                        <a:srgbClr val="FFFFFF"/>
-                      </a:solidFill>
-                      <a:prstDash val="solid"/>
-                      <a:round/>
-                      <a:headEnd type="none" w="med" len="med"/>
-                      <a:tailEnd type="none" w="med" len="med"/>
-                    </a:lnT>
-                    <a:lnB w="12240" cap="flat" cmpd="sng" algn="ctr">
-                      <a:solidFill>
-                        <a:srgbClr val="FFFFFF"/>
-                      </a:solidFill>
-                      <a:prstDash val="solid"/>
-                      <a:round/>
-                      <a:headEnd type="none" w="med" len="med"/>
-                      <a:tailEnd type="none" w="med" len="med"/>
-                    </a:lnB>
-                    <a:noFill/>
-                  </a:tcPr>
-                </a:tc>
-                <a:tc>
-                  <a:txBody>
-                    <a:bodyPr/>
-                    <a:lstStyle/>
-                    <a:p>
-                      <a:pPr algn="ctr"/>
-                      <a:r>
-                        <a:rPr lang="en-US" b="0" i="0" dirty="0"/>
-                        <a:t>Balanced distribution (e.g., gender 50/50)</a:t>
-                      </a:r>
-                    </a:p>
-                  </a:txBody>
-                  <a:tcPr anchor="ctr">
-                    <a:lnL w="12240">
-                      <a:solidFill>
-                        <a:srgbClr val="FFFFFF"/>
-                      </a:solidFill>
-                      <a:prstDash val="solid"/>
-                    </a:lnL>
-                    <a:lnR w="12240">
-                      <a:solidFill>
-                        <a:srgbClr val="FFFFFF"/>
-                      </a:solidFill>
-                      <a:prstDash val="solid"/>
-                    </a:lnR>
-                    <a:lnT w="12240" cap="flat" cmpd="sng" algn="ctr">
-                      <a:solidFill>
-                        <a:srgbClr val="FFFFFF"/>
-                      </a:solidFill>
-                      <a:prstDash val="solid"/>
-                      <a:round/>
-                      <a:headEnd type="none" w="med" len="med"/>
-                      <a:tailEnd type="none" w="med" len="med"/>
-                    </a:lnT>
-                    <a:lnB w="12240" cap="flat" cmpd="sng" algn="ctr">
-                      <a:solidFill>
-                        <a:srgbClr val="FFFFFF"/>
-                      </a:solidFill>
-                      <a:prstDash val="solid"/>
-                      <a:round/>
-                      <a:headEnd type="none" w="med" len="med"/>
-                      <a:tailEnd type="none" w="med" len="med"/>
-                    </a:lnB>
-                    <a:noFill/>
-                  </a:tcPr>
-                </a:tc>
-                <a:tc>
-                  <a:txBody>
-                    <a:bodyPr/>
-                    <a:lstStyle/>
-                    <a:p>
-                      <a:pPr algn="ctr"/>
-                      <a:r>
-                        <a:rPr lang="en-US" b="0" i="0" dirty="0"/>
-                        <a:t>Bar Chart for each categorical variable</a:t>
-                      </a:r>
-                    </a:p>
-                  </a:txBody>
-                  <a:tcPr anchor="ctr">
-                    <a:lnL w="12240">
-                      <a:solidFill>
-                        <a:srgbClr val="FFFFFF"/>
-                      </a:solidFill>
-                      <a:prstDash val="solid"/>
-                    </a:lnL>
-                    <a:lnR w="12240">
-                      <a:solidFill>
-                        <a:srgbClr val="FFFFFF"/>
-                      </a:solidFill>
-                      <a:prstDash val="solid"/>
-                    </a:lnR>
-                    <a:lnT w="12240" cap="flat" cmpd="sng" algn="ctr">
-                      <a:solidFill>
-                        <a:srgbClr val="FFFFFF"/>
-                      </a:solidFill>
-                      <a:prstDash val="solid"/>
-                      <a:round/>
-                      <a:headEnd type="none" w="med" len="med"/>
-                      <a:tailEnd type="none" w="med" len="med"/>
-                    </a:lnT>
-                    <a:lnB w="12240" cap="flat" cmpd="sng" algn="ctr">
-                      <a:solidFill>
-                        <a:srgbClr val="FFFFFF"/>
-                      </a:solidFill>
-                      <a:prstDash val="solid"/>
-                      <a:round/>
-                      <a:headEnd type="none" w="med" len="med"/>
-                      <a:tailEnd type="none" w="med" len="med"/>
-                    </a:lnB>
-                    <a:noFill/>
-                  </a:tcPr>
-                </a:tc>
-                <a:extLst>
-                  <a:ext uri="{0D108BD9-81ED-4DB2-BD59-A6C34878D82A}">
-                    <a16:rowId xmlns:a16="http://schemas.microsoft.com/office/drawing/2014/main" val="10012"/>
-                  </a:ext>
-                </a:extLst>
-              </a:tr>
-              <a:tr h="580281">
-                <a:tc>
-                  <a:txBody>
-                    <a:bodyPr/>
-                    <a:lstStyle/>
-                    <a:p>
-                      <a:pPr algn="ctr"/>
-                      <a:r>
-                        <a:rPr lang="en-US" b="0" i="0" dirty="0"/>
-                        <a:t>Numerical Variables</a:t>
-                      </a:r>
-                    </a:p>
-                  </a:txBody>
-                  <a:tcPr anchor="ctr">
-                    <a:lnL w="12240">
-                      <a:solidFill>
-                        <a:srgbClr val="FFFFFF"/>
-                      </a:solidFill>
-                      <a:prstDash val="solid"/>
-                    </a:lnL>
-                    <a:lnR w="12240">
-                      <a:solidFill>
-                        <a:srgbClr val="FFFFFF"/>
-                      </a:solidFill>
-                      <a:prstDash val="solid"/>
-                    </a:lnR>
-                    <a:lnT w="12240">
-                      <a:solidFill>
-                        <a:srgbClr val="FFFFFF"/>
-                      </a:solidFill>
-                      <a:prstDash val="solid"/>
-                    </a:lnT>
-                    <a:lnB w="12240" cap="flat" cmpd="sng" algn="ctr">
-                      <a:solidFill>
-                        <a:srgbClr val="FFFFFF"/>
-                      </a:solidFill>
-                      <a:prstDash val="solid"/>
-                      <a:round/>
-                      <a:headEnd type="none" w="med" len="med"/>
-                      <a:tailEnd type="none" w="med" len="med"/>
-                    </a:lnB>
-                    <a:noFill/>
-                  </a:tcPr>
-                </a:tc>
-                <a:tc>
-                  <a:txBody>
-                    <a:bodyPr/>
-                    <a:lstStyle/>
-                    <a:p>
-                      <a:pPr algn="ctr"/>
-                      <a:r>
-                        <a:rPr lang="en-US" b="0" i="0" dirty="0"/>
-                        <a:t>Wage values (Min, Max, Mean, Median, Mode)</a:t>
-                      </a:r>
-                    </a:p>
-                  </a:txBody>
-                  <a:tcPr anchor="ctr">
-                    <a:lnL w="12240" cap="flat" cmpd="sng" algn="ctr">
-                      <a:solidFill>
-                        <a:srgbClr val="FFFFFF"/>
-                      </a:solidFill>
-                      <a:prstDash val="solid"/>
-                      <a:round/>
-                      <a:headEnd type="none" w="med" len="med"/>
-                      <a:tailEnd type="none" w="med" len="med"/>
-                    </a:lnL>
-                    <a:lnR w="12240">
-                      <a:solidFill>
-                        <a:srgbClr val="FFFFFF"/>
-                      </a:solidFill>
-                      <a:prstDash val="solid"/>
-                    </a:lnR>
-                    <a:lnT w="12240" cap="flat" cmpd="sng" algn="ctr">
-                      <a:solidFill>
-                        <a:srgbClr val="FFFFFF"/>
-                      </a:solidFill>
-                      <a:prstDash val="solid"/>
-                      <a:round/>
-                      <a:headEnd type="none" w="med" len="med"/>
-                      <a:tailEnd type="none" w="med" len="med"/>
-                    </a:lnT>
-                    <a:lnB w="12240" cap="flat" cmpd="sng" algn="ctr">
-                      <a:solidFill>
-                        <a:srgbClr val="FFFFFF"/>
-                      </a:solidFill>
-                      <a:prstDash val="solid"/>
-                      <a:round/>
-                      <a:headEnd type="none" w="med" len="med"/>
-                      <a:tailEnd type="none" w="med" len="med"/>
-                    </a:lnB>
-                    <a:noFill/>
-                  </a:tcPr>
-                </a:tc>
-                <a:tc>
-                  <a:txBody>
-                    <a:bodyPr/>
-                    <a:lstStyle/>
-                    <a:p>
-                      <a:pPr algn="ctr"/>
-                      <a:r>
-                        <a:rPr lang="en-US" b="0" i="0" dirty="0"/>
-                        <a:t>Increase in records and variability post-2009</a:t>
-                      </a:r>
-                    </a:p>
-                  </a:txBody>
-                  <a:tcPr anchor="ctr">
-                    <a:lnL w="12240">
-                      <a:solidFill>
-                        <a:srgbClr val="FFFFFF"/>
-                      </a:solidFill>
-                      <a:prstDash val="solid"/>
-                    </a:lnL>
-                    <a:lnR w="12240">
-                      <a:solidFill>
-                        <a:srgbClr val="FFFFFF"/>
-                      </a:solidFill>
-                      <a:prstDash val="solid"/>
-                    </a:lnR>
-                    <a:lnT w="12240">
-                      <a:solidFill>
-                        <a:srgbClr val="FFFFFF"/>
-                      </a:solidFill>
-                      <a:prstDash val="solid"/>
-                    </a:lnT>
-                    <a:lnB w="12240" cap="flat" cmpd="sng" algn="ctr">
-                      <a:solidFill>
-                        <a:srgbClr val="FFFFFF"/>
-                      </a:solidFill>
-                      <a:prstDash val="solid"/>
-                      <a:round/>
-                      <a:headEnd type="none" w="med" len="med"/>
-                      <a:tailEnd type="none" w="med" len="med"/>
-                    </a:lnB>
-                    <a:noFill/>
-                  </a:tcPr>
-                </a:tc>
-                <a:tc>
-                  <a:txBody>
-                    <a:bodyPr/>
-                    <a:lstStyle/>
-                    <a:p>
-                      <a:pPr algn="ctr"/>
-                      <a:r>
-                        <a:rPr lang="en-US" b="0" i="0"/>
-                        <a:t>Line Chart for mean wage over years</a:t>
-                      </a:r>
-                    </a:p>
-                  </a:txBody>
-                  <a:tcPr anchor="ctr">
-                    <a:lnL w="12240">
-                      <a:solidFill>
-                        <a:srgbClr val="FFFFFF"/>
-                      </a:solidFill>
-                      <a:prstDash val="solid"/>
-                    </a:lnL>
-                    <a:lnR w="12240">
-                      <a:solidFill>
-                        <a:srgbClr val="FFFFFF"/>
-                      </a:solidFill>
-                      <a:prstDash val="solid"/>
-                    </a:lnR>
-                    <a:lnT w="12240">
-                      <a:solidFill>
-                        <a:srgbClr val="FFFFFF"/>
-                      </a:solidFill>
-                      <a:prstDash val="solid"/>
-                    </a:lnT>
-                    <a:lnB w="12240" cap="flat" cmpd="sng" algn="ctr">
-                      <a:solidFill>
-                        <a:srgbClr val="FFFFFF"/>
-                      </a:solidFill>
-                      <a:prstDash val="solid"/>
-                      <a:round/>
-                      <a:headEnd type="none" w="med" len="med"/>
-                      <a:tailEnd type="none" w="med" len="med"/>
-                    </a:lnB>
-                    <a:noFill/>
-                  </a:tcPr>
-                </a:tc>
-                <a:extLst>
-                  <a:ext uri="{0D108BD9-81ED-4DB2-BD59-A6C34878D82A}">
-                    <a16:rowId xmlns:a16="http://schemas.microsoft.com/office/drawing/2014/main" val="10013"/>
-                  </a:ext>
-                </a:extLst>
-              </a:tr>
-              <a:tr h="300240">
-                <a:tc>
-                  <a:txBody>
-                    <a:bodyPr/>
-                    <a:lstStyle/>
-                    <a:p>
-                      <a:pPr algn="ctr"/>
-                      <a:r>
-                        <a:rPr lang="en-US" b="0" i="0" dirty="0"/>
-                        <a:t>Missing Data</a:t>
-                      </a:r>
-                    </a:p>
-                  </a:txBody>
-                  <a:tcPr anchor="ctr">
-                    <a:lnL w="12240">
-                      <a:solidFill>
-                        <a:srgbClr val="FFFFFF"/>
-                      </a:solidFill>
-                      <a:prstDash val="solid"/>
-                    </a:lnL>
-                    <a:lnR w="12240">
-                      <a:solidFill>
-                        <a:srgbClr val="FFFFFF"/>
-                      </a:solidFill>
-                      <a:prstDash val="solid"/>
-                    </a:lnR>
-                    <a:lnT w="12240">
-                      <a:solidFill>
-                        <a:srgbClr val="FFFFFF"/>
-                      </a:solidFill>
-                      <a:prstDash val="solid"/>
-                    </a:lnT>
-                    <a:lnB w="12240">
-                      <a:solidFill>
-                        <a:srgbClr val="FFFFFF"/>
-                      </a:solidFill>
-                      <a:prstDash val="solid"/>
-                    </a:lnB>
-                    <a:noFill/>
-                  </a:tcPr>
-                </a:tc>
-                <a:tc>
-                  <a:txBody>
-                    <a:bodyPr/>
-                    <a:lstStyle/>
-                    <a:p>
-                      <a:pPr algn="ctr"/>
-                      <a:r>
-                        <a:rPr lang="en-US" b="0" i="0" dirty="0"/>
-                        <a:t>Significant missing values in certain years, especially pre-2009</a:t>
-                      </a:r>
-                    </a:p>
-                  </a:txBody>
-                  <a:tcPr anchor="ctr">
-                    <a:lnL w="12240" cap="flat" cmpd="sng" algn="ctr">
-                      <a:solidFill>
-                        <a:srgbClr val="FFFFFF"/>
-                      </a:solidFill>
-                      <a:prstDash val="solid"/>
-                      <a:round/>
-                      <a:headEnd type="none" w="med" len="med"/>
-                      <a:tailEnd type="none" w="med" len="med"/>
-                    </a:lnL>
-                    <a:lnR w="12240">
-                      <a:solidFill>
-                        <a:srgbClr val="FFFFFF"/>
-                      </a:solidFill>
-                      <a:prstDash val="solid"/>
-                    </a:lnR>
-                    <a:lnT w="12240" cap="flat" cmpd="sng" algn="ctr">
-                      <a:solidFill>
-                        <a:srgbClr val="FFFFFF"/>
-                      </a:solidFill>
-                      <a:prstDash val="solid"/>
-                      <a:round/>
-                      <a:headEnd type="none" w="med" len="med"/>
-                      <a:tailEnd type="none" w="med" len="med"/>
-                    </a:lnT>
-                    <a:lnB w="12240" cap="flat" cmpd="sng" algn="ctr">
-                      <a:solidFill>
-                        <a:srgbClr val="FFFFFF"/>
-                      </a:solidFill>
-                      <a:prstDash val="solid"/>
-                      <a:round/>
-                      <a:headEnd type="none" w="med" len="med"/>
-                      <a:tailEnd type="none" w="med" len="med"/>
-                    </a:lnB>
-                    <a:noFill/>
-                  </a:tcPr>
-                </a:tc>
-                <a:tc>
-                  <a:txBody>
-                    <a:bodyPr/>
-                    <a:lstStyle/>
-                    <a:p>
-                      <a:pPr algn="ctr"/>
-                      <a:r>
-                        <a:rPr lang="en-US" b="0" i="0" dirty="0"/>
-                        <a:t>Affects trend analysis and accuracy</a:t>
-                      </a:r>
-                    </a:p>
-                  </a:txBody>
-                  <a:tcPr anchor="ctr">
-                    <a:lnL w="12240">
-                      <a:solidFill>
-                        <a:srgbClr val="FFFFFF"/>
-                      </a:solidFill>
-                      <a:prstDash val="solid"/>
-                    </a:lnL>
-                    <a:lnR w="12240">
-                      <a:solidFill>
-                        <a:srgbClr val="FFFFFF"/>
-                      </a:solidFill>
-                      <a:prstDash val="solid"/>
-                    </a:lnR>
-                    <a:lnT w="12240">
-                      <a:solidFill>
-                        <a:srgbClr val="FFFFFF"/>
-                      </a:solidFill>
-                      <a:prstDash val="solid"/>
-                    </a:lnT>
-                    <a:lnB w="12240">
-                      <a:solidFill>
-                        <a:srgbClr val="FFFFFF"/>
-                      </a:solidFill>
-                      <a:prstDash val="solid"/>
-                    </a:lnB>
-                    <a:noFill/>
-                  </a:tcPr>
-                </a:tc>
-                <a:tc>
-                  <a:txBody>
-                    <a:bodyPr/>
-                    <a:lstStyle/>
-                    <a:p>
-                      <a:pPr algn="ctr"/>
-                      <a:r>
-                        <a:rPr lang="en-US" b="0" i="0" dirty="0"/>
-                        <a:t>Heatmap of missing data across years</a:t>
-                      </a:r>
-                    </a:p>
-                  </a:txBody>
-                  <a:tcPr anchor="ctr">
-                    <a:lnL w="12240">
-                      <a:solidFill>
-                        <a:srgbClr val="FFFFFF"/>
-                      </a:solidFill>
-                      <a:prstDash val="solid"/>
-                    </a:lnL>
-                    <a:lnR w="12240">
-                      <a:solidFill>
-                        <a:srgbClr val="FFFFFF"/>
-                      </a:solidFill>
-                      <a:prstDash val="solid"/>
-                    </a:lnR>
-                    <a:lnT w="12240">
-                      <a:solidFill>
-                        <a:srgbClr val="FFFFFF"/>
-                      </a:solidFill>
-                      <a:prstDash val="solid"/>
-                    </a:lnT>
-                    <a:lnB w="12240">
-                      <a:solidFill>
-                        <a:srgbClr val="FFFFFF"/>
-                      </a:solidFill>
-                      <a:prstDash val="solid"/>
-                    </a:lnB>
-                    <a:noFill/>
-                  </a:tcPr>
-                </a:tc>
-                <a:extLst>
-                  <a:ext uri="{0D108BD9-81ED-4DB2-BD59-A6C34878D82A}">
-                    <a16:rowId xmlns:a16="http://schemas.microsoft.com/office/drawing/2014/main" val="10014"/>
-                  </a:ext>
-                </a:extLst>
-              </a:tr>
-              <a:tr h="300240">
-                <a:tc>
-                  <a:txBody>
-                    <a:bodyPr/>
-                    <a:lstStyle/>
-                    <a:p>
-                      <a:pPr algn="ctr"/>
-                      <a:r>
-                        <a:rPr lang="en-US" b="0" i="0" dirty="0"/>
-                        <a:t>Outliers</a:t>
-                      </a:r>
-                    </a:p>
-                  </a:txBody>
-                  <a:tcPr anchor="ctr">
-                    <a:lnL w="12240">
-                      <a:solidFill>
-                        <a:srgbClr val="FFFFFF"/>
-                      </a:solidFill>
-                      <a:prstDash val="solid"/>
-                    </a:lnL>
-                    <a:lnR w="12240">
-                      <a:solidFill>
-                        <a:srgbClr val="FFFFFF"/>
-                      </a:solidFill>
-                      <a:prstDash val="solid"/>
-                    </a:lnR>
-                    <a:lnT w="12240">
-                      <a:solidFill>
-                        <a:srgbClr val="FFFFFF"/>
-                      </a:solidFill>
-                      <a:prstDash val="solid"/>
-                    </a:lnT>
-                    <a:lnB w="12240">
-                      <a:solidFill>
-                        <a:srgbClr val="FFFFFF"/>
-                      </a:solidFill>
-                      <a:prstDash val="solid"/>
-                    </a:lnB>
-                    <a:noFill/>
-                  </a:tcPr>
-                </a:tc>
-                <a:tc>
-                  <a:txBody>
-                    <a:bodyPr/>
-                    <a:lstStyle/>
-                    <a:p>
-                      <a:pPr algn="ctr"/>
-                      <a:r>
-                        <a:rPr lang="en-US" b="0" i="0" dirty="0"/>
-                        <a:t>Data spread with outliers from 2003-2004, concentration improves post-2005</a:t>
-                      </a:r>
-                    </a:p>
-                  </a:txBody>
-                  <a:tcPr anchor="ctr">
-                    <a:lnL w="12240" cap="flat" cmpd="sng" algn="ctr">
-                      <a:solidFill>
-                        <a:srgbClr val="FFFFFF"/>
-                      </a:solidFill>
-                      <a:prstDash val="solid"/>
-                      <a:round/>
-                      <a:headEnd type="none" w="med" len="med"/>
-                      <a:tailEnd type="none" w="med" len="med"/>
-                    </a:lnL>
-                    <a:lnR w="12240">
-                      <a:solidFill>
-                        <a:srgbClr val="FFFFFF"/>
-                      </a:solidFill>
-                      <a:prstDash val="solid"/>
-                    </a:lnR>
-                    <a:lnT w="12240" cap="flat" cmpd="sng" algn="ctr">
-                      <a:solidFill>
-                        <a:srgbClr val="FFFFFF"/>
-                      </a:solidFill>
-                      <a:prstDash val="solid"/>
-                      <a:round/>
-                      <a:headEnd type="none" w="med" len="med"/>
-                      <a:tailEnd type="none" w="med" len="med"/>
-                    </a:lnT>
-                    <a:lnB w="12240" cap="flat" cmpd="sng" algn="ctr">
-                      <a:solidFill>
-                        <a:srgbClr val="FFFFFF"/>
-                      </a:solidFill>
-                      <a:prstDash val="solid"/>
-                      <a:round/>
-                      <a:headEnd type="none" w="med" len="med"/>
-                      <a:tailEnd type="none" w="med" len="med"/>
-                    </a:lnB>
-                    <a:noFill/>
-                  </a:tcPr>
-                </a:tc>
-                <a:tc>
-                  <a:txBody>
-                    <a:bodyPr/>
-                    <a:lstStyle/>
-                    <a:p>
-                      <a:pPr algn="ctr"/>
-                      <a:r>
-                        <a:rPr lang="en-US" b="0" i="0" dirty="0"/>
-                        <a:t>Indicates increased data consistency over time</a:t>
-                      </a:r>
-                    </a:p>
-                  </a:txBody>
-                  <a:tcPr anchor="ctr">
-                    <a:lnL w="12240">
-                      <a:solidFill>
-                        <a:srgbClr val="FFFFFF"/>
-                      </a:solidFill>
-                      <a:prstDash val="solid"/>
-                    </a:lnL>
-                    <a:lnR w="12240">
-                      <a:solidFill>
-                        <a:srgbClr val="FFFFFF"/>
-                      </a:solidFill>
-                      <a:prstDash val="solid"/>
-                    </a:lnR>
-                    <a:lnT w="12240">
-                      <a:solidFill>
-                        <a:srgbClr val="FFFFFF"/>
-                      </a:solidFill>
-                      <a:prstDash val="solid"/>
-                    </a:lnT>
-                    <a:lnB w="12240">
-                      <a:solidFill>
-                        <a:srgbClr val="FFFFFF"/>
-                      </a:solidFill>
-                      <a:prstDash val="solid"/>
-                    </a:lnB>
-                    <a:noFill/>
-                  </a:tcPr>
-                </a:tc>
-                <a:tc>
-                  <a:txBody>
-                    <a:bodyPr/>
-                    <a:lstStyle/>
-                    <a:p>
-                      <a:pPr algn="ctr"/>
-                      <a:r>
-                        <a:rPr lang="en-US" b="0" i="0" dirty="0"/>
-                        <a:t>Boxplots by year for outliers</a:t>
-                      </a:r>
-                    </a:p>
-                  </a:txBody>
-                  <a:tcPr anchor="ctr">
-                    <a:lnL w="12240">
-                      <a:solidFill>
-                        <a:srgbClr val="FFFFFF"/>
-                      </a:solidFill>
-                      <a:prstDash val="solid"/>
-                    </a:lnL>
-                    <a:lnR w="12240">
-                      <a:solidFill>
-                        <a:srgbClr val="FFFFFF"/>
-                      </a:solidFill>
-                      <a:prstDash val="solid"/>
-                    </a:lnR>
-                    <a:lnT w="12240">
-                      <a:solidFill>
-                        <a:srgbClr val="FFFFFF"/>
-                      </a:solidFill>
-                      <a:prstDash val="solid"/>
-                    </a:lnT>
-                    <a:lnB w="12240">
-                      <a:solidFill>
-                        <a:srgbClr val="FFFFFF"/>
-                      </a:solidFill>
-                      <a:prstDash val="solid"/>
-                    </a:lnB>
-                    <a:noFill/>
-                  </a:tcPr>
-                </a:tc>
-                <a:extLst>
-                  <a:ext uri="{0D108BD9-81ED-4DB2-BD59-A6C34878D82A}">
-                    <a16:rowId xmlns:a16="http://schemas.microsoft.com/office/drawing/2014/main" val="10015"/>
-                  </a:ext>
-                </a:extLst>
-              </a:tr>
-            </a:tbl>
-          </a:graphicData>
-        </a:graphic>
-      </p:graphicFrame>
       <p:sp>
         <p:nvSpPr>
           <p:cNvPr id="67" name="PlaceHolder 15">
@@ -29061,7 +22887,7 @@
         </p:nvSpPr>
         <p:spPr>
           <a:xfrm>
-            <a:off x="11519100" y="28730748"/>
+            <a:off x="11519100" y="25987551"/>
             <a:ext cx="10051200" cy="3155787"/>
           </a:xfrm>
           <a:prstGeom prst="rect">
@@ -29161,7 +22987,7 @@
         </p:nvSpPr>
         <p:spPr>
           <a:xfrm>
-            <a:off x="11513080" y="28164438"/>
+            <a:off x="11513080" y="25421241"/>
             <a:ext cx="10048320" cy="845640"/>
           </a:xfrm>
           <a:prstGeom prst="rect">
@@ -29245,593 +23071,6 @@
           </a:p>
         </p:txBody>
       </p:sp>
-      <p:sp>
-        <p:nvSpPr>
-          <p:cNvPr id="72" name="PlaceHolder 4">
-            <a:extLst>
-              <a:ext uri="{FF2B5EF4-FFF2-40B4-BE49-F238E27FC236}">
-                <a16:creationId xmlns:a16="http://schemas.microsoft.com/office/drawing/2014/main" id="{F9CB2762-70A6-F777-5D73-79B734CF0686}"/>
-              </a:ext>
-            </a:extLst>
-          </p:cNvPr>
-          <p:cNvSpPr txBox="1">
-            <a:spLocks/>
-          </p:cNvSpPr>
-          <p:nvPr/>
-        </p:nvSpPr>
-        <p:spPr>
-          <a:xfrm>
-            <a:off x="22482043" y="5884883"/>
-            <a:ext cx="10048320" cy="891840"/>
-          </a:xfrm>
-          <a:prstGeom prst="rect">
-            <a:avLst/>
-          </a:prstGeom>
-          <a:noFill/>
-          <a:ln w="0">
-            <a:noFill/>
-          </a:ln>
-        </p:spPr>
-        <p:txBody>
-          <a:bodyPr lIns="228600" tIns="228600" rIns="228600" bIns="228600" anchor="t">
-            <a:noAutofit/>
-          </a:bodyPr>
-          <a:lstStyle>
-            <a:lvl1pPr algn="l" defTabSz="914400" rtl="0" eaLnBrk="1" latinLnBrk="0" hangingPunct="1">
-              <a:lnSpc>
-                <a:spcPct val="90000"/>
-              </a:lnSpc>
-              <a:spcBef>
-                <a:spcPct val="0"/>
-              </a:spcBef>
-              <a:buNone/>
-              <a:defRPr sz="4400" kern="1200">
-                <a:solidFill>
-                  <a:schemeClr val="tx1"/>
-                </a:solidFill>
-                <a:latin typeface="+mj-lt"/>
-                <a:ea typeface="+mj-ea"/>
-                <a:cs typeface="+mj-cs"/>
-              </a:defRPr>
-            </a:lvl1pPr>
-          </a:lstStyle>
-          <a:p>
-            <a:pPr marL="0" marR="0" lvl="0" indent="0" algn="l" defTabSz="4388760" rtl="0" eaLnBrk="1" fontAlgn="auto" latinLnBrk="0" hangingPunct="1">
-              <a:lnSpc>
-                <a:spcPct val="100000"/>
-              </a:lnSpc>
-              <a:spcBef>
-                <a:spcPts val="479"/>
-              </a:spcBef>
-              <a:spcAft>
-                <a:spcPts val="0"/>
-              </a:spcAft>
-              <a:buClrTx/>
-              <a:buSzTx/>
-              <a:buFontTx/>
-              <a:buNone/>
-              <a:tabLst>
-                <a:tab pos="0" algn="l"/>
-              </a:tabLst>
-              <a:defRPr/>
-            </a:pPr>
-            <a:r>
-              <a:rPr kumimoji="0" lang="en-US" sz="2400" b="1" i="0" u="none" strike="noStrike" kern="1200" cap="none" spc="-1" normalizeH="0" baseline="0" noProof="0" dirty="0">
-                <a:ln>
-                  <a:noFill/>
-                </a:ln>
-                <a:solidFill>
-                  <a:srgbClr val="000000"/>
-                </a:solidFill>
-                <a:effectLst/>
-                <a:uLnTx/>
-                <a:uFillTx/>
-                <a:latin typeface="Arial"/>
-              </a:rPr>
-              <a:t>Key Formula:</a:t>
-            </a:r>
-            <a:endParaRPr kumimoji="0" lang="es-MX" sz="2400" b="1" i="0" u="none" strike="noStrike" kern="1200" cap="none" spc="-1" normalizeH="0" baseline="0" noProof="0" dirty="0">
-              <a:ln>
-                <a:noFill/>
-              </a:ln>
-              <a:solidFill>
-                <a:srgbClr val="FFFFFF"/>
-              </a:solidFill>
-              <a:effectLst/>
-              <a:uLnTx/>
-              <a:uFillTx/>
-              <a:latin typeface="Arial"/>
-            </a:endParaRPr>
-          </a:p>
-        </p:txBody>
-      </p:sp>
-      <mc:AlternateContent xmlns:mc="http://schemas.openxmlformats.org/markup-compatibility/2006" xmlns:a14="http://schemas.microsoft.com/office/drawing/2010/main">
-        <mc:Choice Requires="a14">
-          <p:sp>
-            <p:nvSpPr>
-              <p:cNvPr id="21" name="TextBox 20">
-                <a:extLst>
-                  <a:ext uri="{FF2B5EF4-FFF2-40B4-BE49-F238E27FC236}">
-                    <a16:creationId xmlns:a16="http://schemas.microsoft.com/office/drawing/2014/main" id="{AC85EF16-2725-5E1F-98FE-82983CC85612}"/>
-                  </a:ext>
-                </a:extLst>
-              </p:cNvPr>
-              <p:cNvSpPr txBox="1"/>
-              <p:nvPr/>
-            </p:nvSpPr>
-            <p:spPr>
-              <a:xfrm>
-                <a:off x="24848485" y="5943864"/>
-                <a:ext cx="6213406" cy="847091"/>
-              </a:xfrm>
-              <a:prstGeom prst="rect">
-                <a:avLst/>
-              </a:prstGeom>
-              <a:noFill/>
-            </p:spPr>
-            <p:txBody>
-              <a:bodyPr wrap="square" lIns="0" tIns="0" rIns="0" bIns="0" rtlCol="0">
-                <a:spAutoFit/>
-              </a:bodyPr>
-              <a:lstStyle/>
-              <a:p>
-                <a:pPr marL="0" marR="0" lvl="0" indent="0" algn="l" defTabSz="914400" rtl="0" eaLnBrk="1" fontAlgn="auto" latinLnBrk="0" hangingPunct="1">
-                  <a:lnSpc>
-                    <a:spcPct val="100000"/>
-                  </a:lnSpc>
-                  <a:spcBef>
-                    <a:spcPts val="0"/>
-                  </a:spcBef>
-                  <a:spcAft>
-                    <a:spcPts val="0"/>
-                  </a:spcAft>
-                  <a:buClrTx/>
-                  <a:buSzTx/>
-                  <a:buFontTx/>
-                  <a:buNone/>
-                  <a:tabLst/>
-                  <a:defRPr/>
-                </a:pPr>
-                <a14:m>
-                  <m:oMathPara xmlns:m="http://schemas.openxmlformats.org/officeDocument/2006/math">
-                    <m:oMathParaPr>
-                      <m:jc m:val="centerGroup"/>
-                    </m:oMathParaPr>
-                    <m:oMath xmlns:m="http://schemas.openxmlformats.org/officeDocument/2006/math">
-                      <m:r>
-                        <a:rPr kumimoji="0" lang="pt-BR" sz="2400" b="0" i="1" u="none" strike="noStrike" kern="1200" cap="none" spc="0" normalizeH="0" baseline="0" noProof="0">
-                          <a:ln>
-                            <a:noFill/>
-                          </a:ln>
-                          <a:solidFill>
-                            <a:srgbClr val="000000"/>
-                          </a:solidFill>
-                          <a:effectLst/>
-                          <a:uLnTx/>
-                          <a:uFillTx/>
-                          <a:latin typeface="Cambria Math" panose="02040503050406030204" pitchFamily="18" charset="0"/>
-                        </a:rPr>
-                        <m:t>𝑊𝑎𝑔𝑒</m:t>
-                      </m:r>
-                      <m:r>
-                        <a:rPr kumimoji="0" lang="pt-BR" sz="2400" b="0" i="1" u="none" strike="noStrike" kern="1200" cap="none" spc="0" normalizeH="0" baseline="0" noProof="0">
-                          <a:ln>
-                            <a:noFill/>
-                          </a:ln>
-                          <a:solidFill>
-                            <a:srgbClr val="000000"/>
-                          </a:solidFill>
-                          <a:effectLst/>
-                          <a:uLnTx/>
-                          <a:uFillTx/>
-                          <a:latin typeface="Cambria Math" panose="02040503050406030204" pitchFamily="18" charset="0"/>
-                        </a:rPr>
-                        <m:t> </m:t>
-                      </m:r>
-                      <m:r>
-                        <a:rPr kumimoji="0" lang="pt-BR" sz="2400" b="0" i="1" u="none" strike="noStrike" kern="1200" cap="none" spc="0" normalizeH="0" baseline="0" noProof="0">
-                          <a:ln>
-                            <a:noFill/>
-                          </a:ln>
-                          <a:solidFill>
-                            <a:srgbClr val="000000"/>
-                          </a:solidFill>
-                          <a:effectLst/>
-                          <a:uLnTx/>
-                          <a:uFillTx/>
-                          <a:latin typeface="Cambria Math" panose="02040503050406030204" pitchFamily="18" charset="0"/>
-                        </a:rPr>
-                        <m:t>𝐺𝑎𝑝</m:t>
-                      </m:r>
-                      <m:r>
-                        <a:rPr kumimoji="0" lang="pt-BR" sz="2400" b="0" i="1" u="none" strike="noStrike" kern="1200" cap="none" spc="0" normalizeH="0" baseline="0" noProof="0">
-                          <a:ln>
-                            <a:noFill/>
-                          </a:ln>
-                          <a:solidFill>
-                            <a:srgbClr val="000000"/>
-                          </a:solidFill>
-                          <a:effectLst/>
-                          <a:uLnTx/>
-                          <a:uFillTx/>
-                          <a:latin typeface="Cambria Math" panose="02040503050406030204" pitchFamily="18" charset="0"/>
-                        </a:rPr>
-                        <m:t>=</m:t>
-                      </m:r>
-                      <m:f>
-                        <m:fPr>
-                          <m:ctrlPr>
-                            <a:rPr kumimoji="0" lang="pt-BR" sz="2400" b="0" i="1" u="none" strike="noStrike" kern="1200" cap="none" spc="0" normalizeH="0" baseline="0" noProof="0" smtClean="0">
-                              <a:ln>
-                                <a:noFill/>
-                              </a:ln>
-                              <a:solidFill>
-                                <a:srgbClr val="000000"/>
-                              </a:solidFill>
-                              <a:effectLst/>
-                              <a:uLnTx/>
-                              <a:uFillTx/>
-                              <a:latin typeface="Cambria Math" panose="02040503050406030204" pitchFamily="18" charset="0"/>
-                            </a:rPr>
-                          </m:ctrlPr>
-                        </m:fPr>
-                        <m:num>
-                          <m:r>
-                            <m:rPr>
-                              <m:nor/>
-                            </m:rPr>
-                            <a:rPr kumimoji="0" lang="en-US" sz="2400" b="0" i="1" u="none" strike="noStrike" kern="1200" cap="none" spc="0" normalizeH="0" baseline="0" noProof="0">
-                              <a:ln>
-                                <a:noFill/>
-                              </a:ln>
-                              <a:solidFill>
-                                <a:srgbClr val="000000"/>
-                              </a:solidFill>
-                              <a:effectLst/>
-                              <a:uLnTx/>
-                              <a:uFillTx/>
-                              <a:latin typeface="Arial"/>
-                            </a:rPr>
-                            <m:t>Men</m:t>
-                          </m:r>
-                          <m:r>
-                            <m:rPr>
-                              <m:nor/>
-                            </m:rPr>
-                            <a:rPr kumimoji="0" lang="en-US" sz="2400" b="0" i="1" u="none" strike="noStrike" kern="1200" cap="none" spc="0" normalizeH="0" baseline="0" noProof="0">
-                              <a:ln>
-                                <a:noFill/>
-                              </a:ln>
-                              <a:solidFill>
-                                <a:srgbClr val="000000"/>
-                              </a:solidFill>
-                              <a:effectLst/>
-                              <a:uLnTx/>
-                              <a:uFillTx/>
-                              <a:latin typeface="Arial"/>
-                            </a:rPr>
-                            <m:t>’</m:t>
-                          </m:r>
-                          <m:r>
-                            <m:rPr>
-                              <m:nor/>
-                            </m:rPr>
-                            <a:rPr kumimoji="0" lang="en-US" sz="2400" b="0" i="1" u="none" strike="noStrike" kern="1200" cap="none" spc="0" normalizeH="0" baseline="0" noProof="0">
-                              <a:ln>
-                                <a:noFill/>
-                              </a:ln>
-                              <a:solidFill>
-                                <a:srgbClr val="000000"/>
-                              </a:solidFill>
-                              <a:effectLst/>
-                              <a:uLnTx/>
-                              <a:uFillTx/>
-                              <a:latin typeface="Arial"/>
-                            </a:rPr>
-                            <m:t>s</m:t>
-                          </m:r>
-                          <m:r>
-                            <m:rPr>
-                              <m:nor/>
-                            </m:rPr>
-                            <a:rPr kumimoji="0" lang="en-US" sz="2400" b="0" i="1" u="none" strike="noStrike" kern="1200" cap="none" spc="0" normalizeH="0" baseline="0" noProof="0">
-                              <a:ln>
-                                <a:noFill/>
-                              </a:ln>
-                              <a:solidFill>
-                                <a:srgbClr val="000000"/>
-                              </a:solidFill>
-                              <a:effectLst/>
-                              <a:uLnTx/>
-                              <a:uFillTx/>
-                              <a:latin typeface="Arial"/>
-                            </a:rPr>
-                            <m:t> </m:t>
-                          </m:r>
-                          <m:r>
-                            <m:rPr>
-                              <m:nor/>
-                            </m:rPr>
-                            <a:rPr kumimoji="0" lang="en-US" sz="2400" b="0" i="1" u="none" strike="noStrike" kern="1200" cap="none" spc="0" normalizeH="0" baseline="0" noProof="0">
-                              <a:ln>
-                                <a:noFill/>
-                              </a:ln>
-                              <a:solidFill>
-                                <a:srgbClr val="000000"/>
-                              </a:solidFill>
-                              <a:effectLst/>
-                              <a:uLnTx/>
-                              <a:uFillTx/>
-                              <a:latin typeface="Arial"/>
-                            </a:rPr>
-                            <m:t>Wage</m:t>
-                          </m:r>
-                          <m:r>
-                            <m:rPr>
-                              <m:nor/>
-                            </m:rPr>
-                            <a:rPr kumimoji="0" lang="en-US" sz="2400" b="0" i="1" u="none" strike="noStrike" kern="1200" cap="none" spc="0" normalizeH="0" baseline="0" noProof="0">
-                              <a:ln>
-                                <a:noFill/>
-                              </a:ln>
-                              <a:solidFill>
-                                <a:srgbClr val="000000"/>
-                              </a:solidFill>
-                              <a:effectLst/>
-                              <a:uLnTx/>
-                              <a:uFillTx/>
-                              <a:latin typeface="Arial"/>
-                            </a:rPr>
-                            <m:t>−</m:t>
-                          </m:r>
-                          <m:r>
-                            <m:rPr>
-                              <m:nor/>
-                            </m:rPr>
-                            <a:rPr kumimoji="0" lang="en-US" sz="2400" b="0" i="1" u="none" strike="noStrike" kern="1200" cap="none" spc="0" normalizeH="0" baseline="0" noProof="0">
-                              <a:ln>
-                                <a:noFill/>
-                              </a:ln>
-                              <a:solidFill>
-                                <a:srgbClr val="000000"/>
-                              </a:solidFill>
-                              <a:effectLst/>
-                              <a:uLnTx/>
-                              <a:uFillTx/>
-                              <a:latin typeface="Arial"/>
-                            </a:rPr>
-                            <m:t>Women</m:t>
-                          </m:r>
-                          <m:r>
-                            <m:rPr>
-                              <m:nor/>
-                            </m:rPr>
-                            <a:rPr kumimoji="0" lang="en-US" sz="2400" b="0" i="1" u="none" strike="noStrike" kern="1200" cap="none" spc="0" normalizeH="0" baseline="0" noProof="0">
-                              <a:ln>
-                                <a:noFill/>
-                              </a:ln>
-                              <a:solidFill>
-                                <a:srgbClr val="000000"/>
-                              </a:solidFill>
-                              <a:effectLst/>
-                              <a:uLnTx/>
-                              <a:uFillTx/>
-                              <a:latin typeface="Arial"/>
-                            </a:rPr>
-                            <m:t>’</m:t>
-                          </m:r>
-                          <m:r>
-                            <m:rPr>
-                              <m:nor/>
-                            </m:rPr>
-                            <a:rPr kumimoji="0" lang="en-US" sz="2400" b="0" i="1" u="none" strike="noStrike" kern="1200" cap="none" spc="0" normalizeH="0" baseline="0" noProof="0">
-                              <a:ln>
-                                <a:noFill/>
-                              </a:ln>
-                              <a:solidFill>
-                                <a:srgbClr val="000000"/>
-                              </a:solidFill>
-                              <a:effectLst/>
-                              <a:uLnTx/>
-                              <a:uFillTx/>
-                              <a:latin typeface="Arial"/>
-                            </a:rPr>
-                            <m:t>s</m:t>
-                          </m:r>
-                          <m:r>
-                            <m:rPr>
-                              <m:nor/>
-                            </m:rPr>
-                            <a:rPr kumimoji="0" lang="en-US" sz="2400" b="0" i="1" u="none" strike="noStrike" kern="1200" cap="none" spc="0" normalizeH="0" baseline="0" noProof="0">
-                              <a:ln>
-                                <a:noFill/>
-                              </a:ln>
-                              <a:solidFill>
-                                <a:srgbClr val="000000"/>
-                              </a:solidFill>
-                              <a:effectLst/>
-                              <a:uLnTx/>
-                              <a:uFillTx/>
-                              <a:latin typeface="Arial"/>
-                            </a:rPr>
-                            <m:t> </m:t>
-                          </m:r>
-                          <m:r>
-                            <m:rPr>
-                              <m:nor/>
-                            </m:rPr>
-                            <a:rPr kumimoji="0" lang="en-US" sz="2400" b="0" i="1" u="none" strike="noStrike" kern="1200" cap="none" spc="0" normalizeH="0" baseline="0" noProof="0">
-                              <a:ln>
-                                <a:noFill/>
-                              </a:ln>
-                              <a:solidFill>
-                                <a:srgbClr val="000000"/>
-                              </a:solidFill>
-                              <a:effectLst/>
-                              <a:uLnTx/>
-                              <a:uFillTx/>
-                              <a:latin typeface="Arial"/>
-                            </a:rPr>
-                            <m:t>Wage</m:t>
-                          </m:r>
-                        </m:num>
-                        <m:den>
-                          <m:r>
-                            <m:rPr>
-                              <m:nor/>
-                            </m:rPr>
-                            <a:rPr kumimoji="0" lang="en-US" sz="2400" b="0" i="1" u="none" strike="noStrike" kern="1200" cap="none" spc="0" normalizeH="0" baseline="0" noProof="0">
-                              <a:ln>
-                                <a:noFill/>
-                              </a:ln>
-                              <a:solidFill>
-                                <a:srgbClr val="000000"/>
-                              </a:solidFill>
-                              <a:effectLst/>
-                              <a:uLnTx/>
-                              <a:uFillTx/>
-                              <a:latin typeface="Arial"/>
-                            </a:rPr>
-                            <m:t>Men</m:t>
-                          </m:r>
-                          <m:r>
-                            <m:rPr>
-                              <m:nor/>
-                            </m:rPr>
-                            <a:rPr kumimoji="0" lang="en-US" sz="2400" b="0" i="1" u="none" strike="noStrike" kern="1200" cap="none" spc="0" normalizeH="0" baseline="0" noProof="0">
-                              <a:ln>
-                                <a:noFill/>
-                              </a:ln>
-                              <a:solidFill>
-                                <a:srgbClr val="000000"/>
-                              </a:solidFill>
-                              <a:effectLst/>
-                              <a:uLnTx/>
-                              <a:uFillTx/>
-                              <a:latin typeface="Arial"/>
-                            </a:rPr>
-                            <m:t>’</m:t>
-                          </m:r>
-                          <m:r>
-                            <m:rPr>
-                              <m:nor/>
-                            </m:rPr>
-                            <a:rPr kumimoji="0" lang="en-US" sz="2400" b="0" i="1" u="none" strike="noStrike" kern="1200" cap="none" spc="0" normalizeH="0" baseline="0" noProof="0">
-                              <a:ln>
-                                <a:noFill/>
-                              </a:ln>
-                              <a:solidFill>
-                                <a:srgbClr val="000000"/>
-                              </a:solidFill>
-                              <a:effectLst/>
-                              <a:uLnTx/>
-                              <a:uFillTx/>
-                              <a:latin typeface="Arial"/>
-                            </a:rPr>
-                            <m:t>s</m:t>
-                          </m:r>
-                          <m:r>
-                            <m:rPr>
-                              <m:nor/>
-                            </m:rPr>
-                            <a:rPr kumimoji="0" lang="en-US" sz="2400" b="0" i="1" u="none" strike="noStrike" kern="1200" cap="none" spc="0" normalizeH="0" baseline="0" noProof="0">
-                              <a:ln>
-                                <a:noFill/>
-                              </a:ln>
-                              <a:solidFill>
-                                <a:srgbClr val="000000"/>
-                              </a:solidFill>
-                              <a:effectLst/>
-                              <a:uLnTx/>
-                              <a:uFillTx/>
-                              <a:latin typeface="Arial"/>
-                            </a:rPr>
-                            <m:t> </m:t>
-                          </m:r>
-                          <m:r>
-                            <m:rPr>
-                              <m:nor/>
-                            </m:rPr>
-                            <a:rPr kumimoji="0" lang="en-US" sz="2400" b="0" i="1" u="none" strike="noStrike" kern="1200" cap="none" spc="0" normalizeH="0" baseline="0" noProof="0">
-                              <a:ln>
-                                <a:noFill/>
-                              </a:ln>
-                              <a:solidFill>
-                                <a:srgbClr val="000000"/>
-                              </a:solidFill>
-                              <a:effectLst/>
-                              <a:uLnTx/>
-                              <a:uFillTx/>
-                              <a:latin typeface="Arial"/>
-                            </a:rPr>
-                            <m:t>Wage</m:t>
-                          </m:r>
-                        </m:den>
-                      </m:f>
-                    </m:oMath>
-                  </m:oMathPara>
-                </a14:m>
-                <a:endParaRPr kumimoji="0" lang="en-US" sz="2400" b="0" i="1" u="none" strike="noStrike" kern="1200" cap="none" spc="0" normalizeH="0" baseline="0" noProof="0" dirty="0">
-                  <a:ln>
-                    <a:noFill/>
-                  </a:ln>
-                  <a:solidFill>
-                    <a:srgbClr val="000000"/>
-                  </a:solidFill>
-                  <a:effectLst/>
-                  <a:uLnTx/>
-                  <a:uFillTx/>
-                  <a:latin typeface="Arial"/>
-                </a:endParaRPr>
-              </a:p>
-            </p:txBody>
-          </p:sp>
-        </mc:Choice>
-        <mc:Fallback xmlns="">
-          <p:sp>
-            <p:nvSpPr>
-              <p:cNvPr id="21" name="TextBox 20">
-                <a:extLst>
-                  <a:ext uri="{FF2B5EF4-FFF2-40B4-BE49-F238E27FC236}">
-                    <a16:creationId xmlns:a16="http://schemas.microsoft.com/office/drawing/2014/main" id="{AC85EF16-2725-5E1F-98FE-82983CC85612}"/>
-                  </a:ext>
-                </a:extLst>
-              </p:cNvPr>
-              <p:cNvSpPr txBox="1">
-                <a:spLocks noRot="1" noChangeAspect="1" noMove="1" noResize="1" noEditPoints="1" noAdjustHandles="1" noChangeArrowheads="1" noChangeShapeType="1" noTextEdit="1"/>
-              </p:cNvSpPr>
-              <p:nvPr/>
-            </p:nvSpPr>
-            <p:spPr>
-              <a:xfrm>
-                <a:off x="24848485" y="5943864"/>
-                <a:ext cx="6213406" cy="847091"/>
-              </a:xfrm>
-              <a:prstGeom prst="rect">
-                <a:avLst/>
-              </a:prstGeom>
-              <a:blipFill>
-                <a:blip r:embed="rId5"/>
-                <a:stretch>
-                  <a:fillRect/>
-                </a:stretch>
-              </a:blipFill>
-            </p:spPr>
-            <p:txBody>
-              <a:bodyPr/>
-              <a:lstStyle/>
-              <a:p>
-                <a:r>
-                  <a:rPr lang="en-IE">
-                    <a:noFill/>
-                  </a:rPr>
-                  <a:t> </a:t>
-                </a:r>
-              </a:p>
-            </p:txBody>
-          </p:sp>
-        </mc:Fallback>
-      </mc:AlternateContent>
       <p:sp>
         <p:nvSpPr>
           <p:cNvPr id="76" name="PlaceHolder 15">
@@ -30226,26 +23465,28 @@
       </p:sp>
       <p:pic>
         <p:nvPicPr>
-          <p:cNvPr id="88" name="Picture 87">
+          <p:cNvPr id="5" name="Picture 4">
             <a:extLst>
               <a:ext uri="{FF2B5EF4-FFF2-40B4-BE49-F238E27FC236}">
-                <a16:creationId xmlns:a16="http://schemas.microsoft.com/office/drawing/2014/main" id="{08D1BDF9-BC9F-E787-5011-6837973F6756}"/>
+                <a16:creationId xmlns:a16="http://schemas.microsoft.com/office/drawing/2014/main" id="{AAAF5C37-588C-A27D-0B8A-B624AAFB92A5}"/>
               </a:ext>
             </a:extLst>
           </p:cNvPr>
-          <p:cNvPicPr/>
+          <p:cNvPicPr>
+            <a:picLocks noChangeAspect="1"/>
+          </p:cNvPicPr>
           <p:nvPr/>
         </p:nvPicPr>
         <p:blipFill>
-          <a:blip r:embed="rId6"/>
+          <a:blip r:embed="rId5"/>
           <a:stretch>
             <a:fillRect/>
           </a:stretch>
         </p:blipFill>
         <p:spPr>
           <a:xfrm>
-            <a:off x="33595977" y="14104497"/>
-            <a:ext cx="5750932" cy="2522987"/>
+            <a:off x="1181246" y="32256785"/>
+            <a:ext cx="3362794" cy="419158"/>
           </a:xfrm>
           <a:prstGeom prst="rect">
             <a:avLst/>
@@ -30254,10 +23495,37 @@
       </p:pic>
       <p:pic>
         <p:nvPicPr>
-          <p:cNvPr id="89" name="Picture 88">
+          <p:cNvPr id="30" name="Picture 29">
             <a:extLst>
               <a:ext uri="{FF2B5EF4-FFF2-40B4-BE49-F238E27FC236}">
-                <a16:creationId xmlns:a16="http://schemas.microsoft.com/office/drawing/2014/main" id="{2FE9A96A-848C-9764-1E29-209449FE341C}"/>
+                <a16:creationId xmlns:a16="http://schemas.microsoft.com/office/drawing/2014/main" id="{99CF96F6-DF2B-8927-5718-FCCB4F0F69AB}"/>
+              </a:ext>
+            </a:extLst>
+          </p:cNvPr>
+          <p:cNvPicPr/>
+          <p:nvPr/>
+        </p:nvPicPr>
+        <p:blipFill rotWithShape="1">
+          <a:blip r:embed="rId6"/>
+          <a:srcRect r="14137"/>
+          <a:stretch/>
+        </p:blipFill>
+        <p:spPr>
+          <a:xfrm>
+            <a:off x="33421410" y="13132378"/>
+            <a:ext cx="4927595" cy="3685671"/>
+          </a:xfrm>
+          <a:prstGeom prst="rect">
+            <a:avLst/>
+          </a:prstGeom>
+        </p:spPr>
+      </p:pic>
+      <p:pic>
+        <p:nvPicPr>
+          <p:cNvPr id="33" name="Picture 32">
+            <a:extLst>
+              <a:ext uri="{FF2B5EF4-FFF2-40B4-BE49-F238E27FC236}">
+                <a16:creationId xmlns:a16="http://schemas.microsoft.com/office/drawing/2014/main" id="{CD3C519B-851B-5CC6-120A-C81928D70D5D}"/>
               </a:ext>
             </a:extLst>
           </p:cNvPr>
@@ -30272,8 +23540,8 @@
         </p:blipFill>
         <p:spPr>
           <a:xfrm>
-            <a:off x="39562954" y="14104497"/>
-            <a:ext cx="3506137" cy="2522987"/>
+            <a:off x="38734487" y="13170694"/>
+            <a:ext cx="4274216" cy="3558957"/>
           </a:xfrm>
           <a:prstGeom prst="rect">
             <a:avLst/>
@@ -30282,10 +23550,10 @@
       </p:pic>
       <p:pic>
         <p:nvPicPr>
-          <p:cNvPr id="5" name="Picture 4">
+          <p:cNvPr id="34" name="Picture 33">
             <a:extLst>
               <a:ext uri="{FF2B5EF4-FFF2-40B4-BE49-F238E27FC236}">
-                <a16:creationId xmlns:a16="http://schemas.microsoft.com/office/drawing/2014/main" id="{AAAF5C37-588C-A27D-0B8A-B624AAFB92A5}"/>
+                <a16:creationId xmlns:a16="http://schemas.microsoft.com/office/drawing/2014/main" id="{CF53C5D0-07FF-6D8D-1F3F-5E719C4A1698}"/>
               </a:ext>
             </a:extLst>
           </p:cNvPr>
@@ -30302,14 +23570,472 @@
         </p:blipFill>
         <p:spPr>
           <a:xfrm>
-            <a:off x="1181246" y="32256785"/>
-            <a:ext cx="3362794" cy="419158"/>
+            <a:off x="33591505" y="17053111"/>
+            <a:ext cx="9460213" cy="3415055"/>
           </a:xfrm>
           <a:prstGeom prst="rect">
             <a:avLst/>
           </a:prstGeom>
         </p:spPr>
       </p:pic>
+      <p:pic>
+        <p:nvPicPr>
+          <p:cNvPr id="35" name="Picture 34">
+            <a:extLst>
+              <a:ext uri="{FF2B5EF4-FFF2-40B4-BE49-F238E27FC236}">
+                <a16:creationId xmlns:a16="http://schemas.microsoft.com/office/drawing/2014/main" id="{CE599A9C-C344-B080-8679-342BF292E934}"/>
+              </a:ext>
+            </a:extLst>
+          </p:cNvPr>
+          <p:cNvPicPr/>
+          <p:nvPr/>
+        </p:nvPicPr>
+        <p:blipFill>
+          <a:blip r:embed="rId9"/>
+          <a:stretch>
+            <a:fillRect/>
+          </a:stretch>
+        </p:blipFill>
+        <p:spPr>
+          <a:xfrm>
+            <a:off x="22430485" y="6603168"/>
+            <a:ext cx="9813037" cy="6529210"/>
+          </a:xfrm>
+          <a:prstGeom prst="rect">
+            <a:avLst/>
+          </a:prstGeom>
+        </p:spPr>
+      </p:pic>
+      <p:grpSp>
+        <p:nvGrpSpPr>
+          <p:cNvPr id="38" name="Group 37">
+            <a:extLst>
+              <a:ext uri="{FF2B5EF4-FFF2-40B4-BE49-F238E27FC236}">
+                <a16:creationId xmlns:a16="http://schemas.microsoft.com/office/drawing/2014/main" id="{1ACE9D84-A965-4F46-C75E-6CF268645DB4}"/>
+              </a:ext>
+            </a:extLst>
+          </p:cNvPr>
+          <p:cNvGrpSpPr/>
+          <p:nvPr/>
+        </p:nvGrpSpPr>
+        <p:grpSpPr>
+          <a:xfrm>
+            <a:off x="12244473" y="29626520"/>
+            <a:ext cx="8306283" cy="1507526"/>
+            <a:chOff x="12349937" y="30127074"/>
+            <a:chExt cx="8306283" cy="1507526"/>
+          </a:xfrm>
+        </p:grpSpPr>
+        <p:sp>
+          <p:nvSpPr>
+            <p:cNvPr id="39" name="PlaceHolder 4">
+              <a:extLst>
+                <a:ext uri="{FF2B5EF4-FFF2-40B4-BE49-F238E27FC236}">
+                  <a16:creationId xmlns:a16="http://schemas.microsoft.com/office/drawing/2014/main" id="{293E9B89-639E-4120-346D-67B3F53ED108}"/>
+                </a:ext>
+              </a:extLst>
+            </p:cNvPr>
+            <p:cNvSpPr txBox="1">
+              <a:spLocks/>
+            </p:cNvSpPr>
+            <p:nvPr/>
+          </p:nvSpPr>
+          <p:spPr>
+            <a:xfrm>
+              <a:off x="12349937" y="30496780"/>
+              <a:ext cx="2548820" cy="891840"/>
+            </a:xfrm>
+            <a:prstGeom prst="rect">
+              <a:avLst/>
+            </a:prstGeom>
+            <a:noFill/>
+            <a:ln w="0">
+              <a:noFill/>
+            </a:ln>
+          </p:spPr>
+          <p:txBody>
+            <a:bodyPr lIns="228600" tIns="228600" rIns="228600" bIns="228600" anchor="t">
+              <a:noAutofit/>
+            </a:bodyPr>
+            <a:lstStyle>
+              <a:lvl1pPr algn="l" defTabSz="914400" rtl="0" eaLnBrk="1" latinLnBrk="0" hangingPunct="1">
+                <a:lnSpc>
+                  <a:spcPct val="90000"/>
+                </a:lnSpc>
+                <a:spcBef>
+                  <a:spcPct val="0"/>
+                </a:spcBef>
+                <a:buNone/>
+                <a:defRPr sz="4400" kern="1200">
+                  <a:solidFill>
+                    <a:schemeClr val="tx1"/>
+                  </a:solidFill>
+                  <a:latin typeface="+mj-lt"/>
+                  <a:ea typeface="+mj-ea"/>
+                  <a:cs typeface="+mj-cs"/>
+                </a:defRPr>
+              </a:lvl1pPr>
+            </a:lstStyle>
+            <a:p>
+              <a:pPr defTabSz="4388760">
+                <a:lnSpc>
+                  <a:spcPct val="100000"/>
+                </a:lnSpc>
+                <a:spcBef>
+                  <a:spcPts val="479"/>
+                </a:spcBef>
+                <a:tabLst>
+                  <a:tab pos="0" algn="l"/>
+                </a:tabLst>
+              </a:pPr>
+              <a:r>
+                <a:rPr lang="en-US" sz="2400" b="1" spc="-1" dirty="0">
+                  <a:solidFill>
+                    <a:schemeClr val="dk1"/>
+                  </a:solidFill>
+                </a:rPr>
+                <a:t>Key Formula:</a:t>
+              </a:r>
+              <a:endParaRPr lang="es-MX" sz="2400" b="1" spc="-1" dirty="0">
+                <a:solidFill>
+                  <a:srgbClr val="FFFFFF"/>
+                </a:solidFill>
+                <a:latin typeface="Arial"/>
+              </a:endParaRPr>
+            </a:p>
+          </p:txBody>
+        </p:sp>
+        <mc:AlternateContent xmlns:mc="http://schemas.openxmlformats.org/markup-compatibility/2006">
+          <mc:Choice xmlns:a14="http://schemas.microsoft.com/office/drawing/2010/main" Requires="a14">
+            <p:sp>
+              <p:nvSpPr>
+                <p:cNvPr id="40" name="TextBox 39">
+                  <a:extLst>
+                    <a:ext uri="{FF2B5EF4-FFF2-40B4-BE49-F238E27FC236}">
+                      <a16:creationId xmlns:a16="http://schemas.microsoft.com/office/drawing/2014/main" id="{1EFB956F-DC00-B31B-33EF-4DA3DC1D74D8}"/>
+                    </a:ext>
+                  </a:extLst>
+                </p:cNvPr>
+                <p:cNvSpPr txBox="1"/>
+                <p:nvPr/>
+              </p:nvSpPr>
+              <p:spPr>
+                <a:xfrm>
+                  <a:off x="14385971" y="30519155"/>
+                  <a:ext cx="6213406" cy="847091"/>
+                </a:xfrm>
+                <a:prstGeom prst="rect">
+                  <a:avLst/>
+                </a:prstGeom>
+                <a:noFill/>
+              </p:spPr>
+              <p:txBody>
+                <a:bodyPr wrap="square" lIns="0" tIns="0" rIns="0" bIns="0" rtlCol="0">
+                  <a:spAutoFit/>
+                </a:bodyPr>
+                <a:lstStyle/>
+                <a:p>
+                  <a:pPr/>
+                  <a14:m>
+                    <m:oMathPara xmlns:m="http://schemas.openxmlformats.org/officeDocument/2006/math">
+                      <m:oMathParaPr>
+                        <m:jc m:val="centerGroup"/>
+                      </m:oMathParaPr>
+                      <m:oMath xmlns:m="http://schemas.openxmlformats.org/officeDocument/2006/math">
+                        <m:r>
+                          <a:rPr lang="pt-BR" sz="2400" i="1">
+                            <a:latin typeface="Cambria Math" panose="02040503050406030204" pitchFamily="18" charset="0"/>
+                          </a:rPr>
+                          <m:t>𝑊𝑎𝑔𝑒</m:t>
+                        </m:r>
+                        <m:r>
+                          <a:rPr lang="pt-BR" sz="2400" i="1">
+                            <a:latin typeface="Cambria Math" panose="02040503050406030204" pitchFamily="18" charset="0"/>
+                          </a:rPr>
+                          <m:t> </m:t>
+                        </m:r>
+                        <m:r>
+                          <a:rPr lang="pt-BR" sz="2400" i="1">
+                            <a:latin typeface="Cambria Math" panose="02040503050406030204" pitchFamily="18" charset="0"/>
+                          </a:rPr>
+                          <m:t>𝐺𝑎𝑝</m:t>
+                        </m:r>
+                        <m:r>
+                          <a:rPr lang="pt-BR" sz="2400" i="1">
+                            <a:latin typeface="Cambria Math" panose="02040503050406030204" pitchFamily="18" charset="0"/>
+                          </a:rPr>
+                          <m:t>=</m:t>
+                        </m:r>
+                        <m:f>
+                          <m:fPr>
+                            <m:ctrlPr>
+                              <a:rPr lang="pt-BR" sz="2400" i="1" smtClean="0">
+                                <a:latin typeface="Cambria Math" panose="02040503050406030204" pitchFamily="18" charset="0"/>
+                              </a:rPr>
+                            </m:ctrlPr>
+                          </m:fPr>
+                          <m:num>
+                            <m:r>
+                              <m:rPr>
+                                <m:nor/>
+                              </m:rPr>
+                              <a:rPr lang="en-US" sz="2400" i="1">
+                                <a:latin typeface="+mj-lt"/>
+                              </a:rPr>
+                              <m:t>Men</m:t>
+                            </m:r>
+                            <m:r>
+                              <m:rPr>
+                                <m:nor/>
+                              </m:rPr>
+                              <a:rPr lang="en-US" sz="2400" i="1">
+                                <a:latin typeface="+mj-lt"/>
+                              </a:rPr>
+                              <m:t>’</m:t>
+                            </m:r>
+                            <m:r>
+                              <m:rPr>
+                                <m:nor/>
+                              </m:rPr>
+                              <a:rPr lang="en-US" sz="2400" i="1">
+                                <a:latin typeface="+mj-lt"/>
+                              </a:rPr>
+                              <m:t>s</m:t>
+                            </m:r>
+                            <m:r>
+                              <m:rPr>
+                                <m:nor/>
+                              </m:rPr>
+                              <a:rPr lang="en-US" sz="2400" i="1">
+                                <a:latin typeface="+mj-lt"/>
+                              </a:rPr>
+                              <m:t> </m:t>
+                            </m:r>
+                            <m:r>
+                              <m:rPr>
+                                <m:nor/>
+                              </m:rPr>
+                              <a:rPr lang="en-US" sz="2400" i="1">
+                                <a:latin typeface="+mj-lt"/>
+                              </a:rPr>
+                              <m:t>Wage</m:t>
+                            </m:r>
+                            <m:r>
+                              <m:rPr>
+                                <m:nor/>
+                              </m:rPr>
+                              <a:rPr lang="en-US" sz="2400" i="1">
+                                <a:latin typeface="+mj-lt"/>
+                              </a:rPr>
+                              <m:t>−</m:t>
+                            </m:r>
+                            <m:r>
+                              <m:rPr>
+                                <m:nor/>
+                              </m:rPr>
+                              <a:rPr lang="en-US" sz="2400" i="1">
+                                <a:latin typeface="+mj-lt"/>
+                              </a:rPr>
+                              <m:t>Women</m:t>
+                            </m:r>
+                            <m:r>
+                              <m:rPr>
+                                <m:nor/>
+                              </m:rPr>
+                              <a:rPr lang="en-US" sz="2400" i="1">
+                                <a:latin typeface="+mj-lt"/>
+                              </a:rPr>
+                              <m:t>’</m:t>
+                            </m:r>
+                            <m:r>
+                              <m:rPr>
+                                <m:nor/>
+                              </m:rPr>
+                              <a:rPr lang="en-US" sz="2400" i="1">
+                                <a:latin typeface="+mj-lt"/>
+                              </a:rPr>
+                              <m:t>s</m:t>
+                            </m:r>
+                            <m:r>
+                              <m:rPr>
+                                <m:nor/>
+                              </m:rPr>
+                              <a:rPr lang="en-US" sz="2400" i="1">
+                                <a:latin typeface="+mj-lt"/>
+                              </a:rPr>
+                              <m:t> </m:t>
+                            </m:r>
+                            <m:r>
+                              <m:rPr>
+                                <m:nor/>
+                              </m:rPr>
+                              <a:rPr lang="en-US" sz="2400" i="1">
+                                <a:latin typeface="+mj-lt"/>
+                              </a:rPr>
+                              <m:t>Wage</m:t>
+                            </m:r>
+                          </m:num>
+                          <m:den>
+                            <m:r>
+                              <m:rPr>
+                                <m:nor/>
+                              </m:rPr>
+                              <a:rPr lang="en-US" sz="2400" i="1">
+                                <a:latin typeface="+mj-lt"/>
+                              </a:rPr>
+                              <m:t>Men</m:t>
+                            </m:r>
+                            <m:r>
+                              <m:rPr>
+                                <m:nor/>
+                              </m:rPr>
+                              <a:rPr lang="en-US" sz="2400" i="1">
+                                <a:latin typeface="+mj-lt"/>
+                              </a:rPr>
+                              <m:t>’</m:t>
+                            </m:r>
+                            <m:r>
+                              <m:rPr>
+                                <m:nor/>
+                              </m:rPr>
+                              <a:rPr lang="en-US" sz="2400" i="1">
+                                <a:latin typeface="+mj-lt"/>
+                              </a:rPr>
+                              <m:t>s</m:t>
+                            </m:r>
+                            <m:r>
+                              <m:rPr>
+                                <m:nor/>
+                              </m:rPr>
+                              <a:rPr lang="en-US" sz="2400" i="1">
+                                <a:latin typeface="+mj-lt"/>
+                              </a:rPr>
+                              <m:t> </m:t>
+                            </m:r>
+                            <m:r>
+                              <m:rPr>
+                                <m:nor/>
+                              </m:rPr>
+                              <a:rPr lang="en-US" sz="2400" i="1">
+                                <a:latin typeface="+mj-lt"/>
+                              </a:rPr>
+                              <m:t>Wage</m:t>
+                            </m:r>
+                          </m:den>
+                        </m:f>
+                      </m:oMath>
+                    </m:oMathPara>
+                  </a14:m>
+                  <a:endParaRPr lang="en-US" sz="2400" i="1" dirty="0">
+                    <a:latin typeface="+mj-lt"/>
+                  </a:endParaRPr>
+                </a:p>
+              </p:txBody>
+            </p:sp>
+          </mc:Choice>
+          <mc:Fallback>
+            <p:sp>
+              <p:nvSpPr>
+                <p:cNvPr id="40" name="TextBox 39">
+                  <a:extLst>
+                    <a:ext uri="{FF2B5EF4-FFF2-40B4-BE49-F238E27FC236}">
+                      <a16:creationId xmlns:a16="http://schemas.microsoft.com/office/drawing/2014/main" id="{1EFB956F-DC00-B31B-33EF-4DA3DC1D74D8}"/>
+                    </a:ext>
+                  </a:extLst>
+                </p:cNvPr>
+                <p:cNvSpPr txBox="1">
+                  <a:spLocks noRot="1" noChangeAspect="1" noMove="1" noResize="1" noEditPoints="1" noAdjustHandles="1" noChangeArrowheads="1" noChangeShapeType="1" noTextEdit="1"/>
+                </p:cNvSpPr>
+                <p:nvPr/>
+              </p:nvSpPr>
+              <p:spPr>
+                <a:xfrm>
+                  <a:off x="14385971" y="30519155"/>
+                  <a:ext cx="6213406" cy="847091"/>
+                </a:xfrm>
+                <a:prstGeom prst="rect">
+                  <a:avLst/>
+                </a:prstGeom>
+                <a:blipFill>
+                  <a:blip r:embed="rId10"/>
+                  <a:stretch>
+                    <a:fillRect/>
+                  </a:stretch>
+                </a:blipFill>
+              </p:spPr>
+              <p:txBody>
+                <a:bodyPr/>
+                <a:lstStyle/>
+                <a:p>
+                  <a:r>
+                    <a:rPr lang="en-IE">
+                      <a:noFill/>
+                    </a:rPr>
+                    <a:t> </a:t>
+                  </a:r>
+                </a:p>
+              </p:txBody>
+            </p:sp>
+          </mc:Fallback>
+        </mc:AlternateContent>
+        <p:sp>
+          <p:nvSpPr>
+            <p:cNvPr id="41" name="Rectangle 40">
+              <a:extLst>
+                <a:ext uri="{FF2B5EF4-FFF2-40B4-BE49-F238E27FC236}">
+                  <a16:creationId xmlns:a16="http://schemas.microsoft.com/office/drawing/2014/main" id="{81F19CF4-4388-6EF4-AB2F-825FAD6596CC}"/>
+                </a:ext>
+              </a:extLst>
+            </p:cNvPr>
+            <p:cNvSpPr/>
+            <p:nvPr/>
+          </p:nvSpPr>
+          <p:spPr>
+            <a:xfrm>
+              <a:off x="12349937" y="30127074"/>
+              <a:ext cx="8306283" cy="1507526"/>
+            </a:xfrm>
+            <a:prstGeom prst="rect">
+              <a:avLst/>
+            </a:prstGeom>
+            <a:solidFill>
+              <a:srgbClr val="BD6FBD">
+                <a:alpha val="13000"/>
+              </a:srgbClr>
+            </a:solidFill>
+            <a:ln w="57150">
+              <a:solidFill>
+                <a:srgbClr val="BD6FBD"/>
+              </a:solidFill>
+              <a:prstDash val="dash"/>
+            </a:ln>
+          </p:spPr>
+          <p:style>
+            <a:lnRef idx="2">
+              <a:schemeClr val="accent1">
+                <a:shade val="50000"/>
+              </a:schemeClr>
+            </a:lnRef>
+            <a:fillRef idx="1">
+              <a:schemeClr val="accent1"/>
+            </a:fillRef>
+            <a:effectRef idx="0">
+              <a:schemeClr val="accent1"/>
+            </a:effectRef>
+            <a:fontRef idx="minor">
+              <a:schemeClr val="lt1"/>
+            </a:fontRef>
+          </p:style>
+          <p:txBody>
+            <a:bodyPr rtlCol="0" anchor="ctr"/>
+            <a:lstStyle/>
+            <a:p>
+              <a:pPr algn="ctr"/>
+              <a:endParaRPr lang="en-US"/>
+            </a:p>
+          </p:txBody>
+        </p:sp>
+      </p:grpSp>
     </p:spTree>
     <p:extLst>
       <p:ext uri="{BB962C8B-B14F-4D97-AF65-F5344CB8AC3E}">

--- a/Capstone Proposal CA3_Poster presentation.pptx
+++ b/Capstone Proposal CA3_Poster presentation.pptx
@@ -278,7 +278,7 @@
             <a:fld id="{0158C5BC-9A70-462C-B28D-9600239EAC64}" type="datetimeFigureOut">
               <a:rPr lang="en-US" smtClean="0"/>
               <a:pPr/>
-              <a:t>11/5/2024</a:t>
+              <a:t>11/6/2024</a:t>
             </a:fld>
             <a:endParaRPr lang="en-US"/>
           </a:p>
@@ -445,7 +445,7 @@
             <a:fld id="{E6CC2317-6751-4CD4-9995-8782DD78E936}" type="datetimeFigureOut">
               <a:rPr lang="en-US" smtClean="0"/>
               <a:pPr/>
-              <a:t>11/5/2024</a:t>
+              <a:t>11/6/2024</a:t>
             </a:fld>
             <a:endParaRPr lang="en-US" dirty="0"/>
           </a:p>
@@ -18397,10 +18397,10 @@
       </p:grpSpPr>
       <p:grpSp>
         <p:nvGrpSpPr>
-          <p:cNvPr id="15" name="Group 14">
+          <p:cNvPr id="6" name="Group 5">
             <a:extLst>
               <a:ext uri="{FF2B5EF4-FFF2-40B4-BE49-F238E27FC236}">
-                <a16:creationId xmlns:a16="http://schemas.microsoft.com/office/drawing/2014/main" id="{895CE9EC-414A-0FD8-E6CB-0C3FB08BBA22}"/>
+                <a16:creationId xmlns:a16="http://schemas.microsoft.com/office/drawing/2014/main" id="{943BB52E-8153-6B62-FB80-4AC3D0C7FC1E}"/>
               </a:ext>
             </a:extLst>
           </p:cNvPr>
@@ -18409,10 +18409,10 @@
         </p:nvGrpSpPr>
         <p:grpSpPr>
           <a:xfrm>
-            <a:off x="-626641" y="-22437"/>
-            <a:ext cx="44559405" cy="32201250"/>
-            <a:chOff x="-591671" y="83428"/>
-            <a:chExt cx="44559405" cy="32201250"/>
+            <a:off x="0" y="-22437"/>
+            <a:ext cx="43932764" cy="32201250"/>
+            <a:chOff x="0" y="-22437"/>
+            <a:chExt cx="43932764" cy="32201250"/>
           </a:xfrm>
         </p:grpSpPr>
         <p:grpSp>
@@ -18429,7 +18429,7 @@
           </p:nvGrpSpPr>
           <p:grpSpPr>
             <a:xfrm>
-              <a:off x="478291" y="5494355"/>
+              <a:off x="443321" y="5388490"/>
               <a:ext cx="42919477" cy="26790323"/>
               <a:chOff x="480182" y="5465760"/>
               <a:chExt cx="42919477" cy="26790323"/>
@@ -18449,10 +18449,10 @@
             </p:nvGrpSpPr>
             <p:grpSpPr>
               <a:xfrm>
-                <a:off x="22372370" y="5465760"/>
-                <a:ext cx="21027289" cy="26790323"/>
-                <a:chOff x="22372370" y="5465760"/>
-                <a:chExt cx="21027289" cy="26790323"/>
+                <a:off x="22412127" y="5465760"/>
+                <a:ext cx="20987532" cy="26790323"/>
+                <a:chOff x="22412127" y="5465760"/>
+                <a:chExt cx="20987532" cy="26790323"/>
               </a:xfrm>
             </p:grpSpPr>
             <p:sp>
@@ -18469,7 +18469,7 @@
               </p:nvSpPr>
               <p:spPr>
                 <a:xfrm>
-                  <a:off x="22372370" y="5479175"/>
+                  <a:off x="22412127" y="5479175"/>
                   <a:ext cx="10083552" cy="26776908"/>
                 </a:xfrm>
                 <a:prstGeom prst="rect">
@@ -18579,9 +18579,9 @@
             <p:grpSpPr>
               <a:xfrm>
                 <a:off x="480182" y="5479175"/>
-                <a:ext cx="21026135" cy="26776908"/>
+                <a:ext cx="21065892" cy="26776908"/>
                 <a:chOff x="480182" y="5479175"/>
-                <a:chExt cx="21026135" cy="26776908"/>
+                <a:chExt cx="21065892" cy="26776908"/>
               </a:xfrm>
             </p:grpSpPr>
             <p:sp>
@@ -18598,7 +18598,7 @@
               </p:nvSpPr>
               <p:spPr>
                 <a:xfrm>
-                  <a:off x="11422765" y="5479175"/>
+                  <a:off x="11462522" y="5479175"/>
                   <a:ext cx="10083552" cy="26776908"/>
                 </a:xfrm>
                 <a:prstGeom prst="rect">
@@ -18708,8 +18708,8 @@
           </p:nvSpPr>
           <p:spPr>
             <a:xfrm>
-              <a:off x="-591671" y="83428"/>
-              <a:ext cx="44559405" cy="5000447"/>
+              <a:off x="0" y="-22437"/>
+              <a:ext cx="43932764" cy="5000447"/>
             </a:xfrm>
             <a:prstGeom prst="rect">
               <a:avLst/>
@@ -18822,8 +18822,8 @@
         </p:nvSpPr>
         <p:spPr>
           <a:xfrm>
-            <a:off x="706680" y="6268752"/>
-            <a:ext cx="4696593" cy="4780972"/>
+            <a:off x="706680" y="6268751"/>
+            <a:ext cx="4945243" cy="5331423"/>
           </a:xfrm>
           <a:prstGeom prst="rect">
             <a:avLst/>
@@ -18854,13 +18854,16 @@
               </a:tabLst>
             </a:pPr>
             <a:r>
-              <a:rPr lang="en-US" sz="2400" dirty="0"/>
-              <a:t>The gender wage gap remains a persistent issue across Europe, where disparities in income between men and women are evident. This project uses a machine learning approach to examine wage differences across various demographics using Eurostat data. The goal is to identify and analyze the factors contributing to these to promote gender equity in the workforce.</a:t>
+              <a:rPr lang="en-US" sz="2400" dirty="0">
+                <a:latin typeface="Arial Nova Light" panose="020B0304020202020204" pitchFamily="34" charset="0"/>
+              </a:rPr>
+              <a:t>This project tackles Europe’s persistent gender wage gap using Eurostat data and machine learning models. It analyzes factors like gender, age, and employment type to understand income disparities and identify contributors to wage inequality. By providing a quantitative assessment, the study aims to inform policies and organizational practices that promote fairer compensation and gender equity..</a:t>
             </a:r>
             <a:endParaRPr lang="es-MX" sz="2400" b="0" strike="noStrike" spc="-1" dirty="0">
               <a:solidFill>
                 <a:srgbClr val="FFFFFF"/>
               </a:solidFill>
+              <a:latin typeface="Arial Nova Light" panose="020B0304020202020204" pitchFamily="34" charset="0"/>
             </a:endParaRPr>
           </a:p>
         </p:txBody>
@@ -18928,72 +18931,6 @@
                 </a:schemeClr>
               </a:solidFill>
               <a:latin typeface="Arial"/>
-            </a:endParaRPr>
-          </a:p>
-        </p:txBody>
-      </p:sp>
-      <p:sp>
-        <p:nvSpPr>
-          <p:cNvPr id="131" name="PlaceHolder 3">
-            <a:extLst>
-              <a:ext uri="{FF2B5EF4-FFF2-40B4-BE49-F238E27FC236}">
-                <a16:creationId xmlns:a16="http://schemas.microsoft.com/office/drawing/2014/main" id="{40A71144-39A7-19F9-037B-C736254A7F1F}"/>
-              </a:ext>
-            </a:extLst>
-          </p:cNvPr>
-          <p:cNvSpPr>
-            <a:spLocks noGrp="1"/>
-          </p:cNvSpPr>
-          <p:nvPr>
-            <p:ph/>
-          </p:nvPr>
-        </p:nvSpPr>
-        <p:spPr>
-          <a:xfrm>
-            <a:off x="509400" y="19053081"/>
-            <a:ext cx="10049760" cy="753480"/>
-          </a:xfrm>
-          <a:prstGeom prst="rect">
-            <a:avLst/>
-          </a:prstGeom>
-          <a:noFill/>
-          <a:ln w="0">
-            <a:noFill/>
-          </a:ln>
-        </p:spPr>
-        <p:txBody>
-          <a:bodyPr lIns="91440" tIns="91440" rIns="91440" bIns="91440" anchor="ctr">
-            <a:noAutofit/>
-          </a:bodyPr>
-          <a:lstStyle/>
-          <a:p>
-            <a:pPr algn="ctr" defTabSz="4388760">
-              <a:lnSpc>
-                <a:spcPct val="100000"/>
-              </a:lnSpc>
-              <a:spcBef>
-                <a:spcPts val="740"/>
-              </a:spcBef>
-              <a:tabLst>
-                <a:tab pos="0" algn="l"/>
-              </a:tabLst>
-            </a:pPr>
-            <a:r>
-              <a:rPr lang="en-US" sz="3200" b="1" u="sng" spc="-1" dirty="0">
-                <a:solidFill>
-                  <a:schemeClr val="accent6">
-                    <a:lumMod val="25000"/>
-                  </a:schemeClr>
-                </a:solidFill>
-              </a:rPr>
-              <a:t>TECHNOLOGIES USED</a:t>
-            </a:r>
-            <a:endParaRPr lang="es-MX" sz="3200" b="0" strike="noStrike" spc="-1" dirty="0">
-              <a:solidFill>
-                <a:schemeClr val="accent6">
-                  <a:lumMod val="25000"/>
-                </a:schemeClr>
-              </a:solidFill>
             </a:endParaRPr>
           </a:p>
         </p:txBody>
@@ -19373,14 +19310,20 @@
               </a:tabLst>
             </a:pPr>
             <a:r>
-              <a:rPr lang="en-US" sz="4800" b="1" strike="noStrike" spc="-1" dirty="0">
+              <a:rPr lang="en-US" sz="4800" b="1" spc="-1" dirty="0">
                 <a:solidFill>
                   <a:schemeClr val="lt1"/>
                 </a:solidFill>
                 <a:latin typeface="Arial"/>
               </a:rPr>
-              <a:t>Yumiko Bejarano, CCT College Dublin / University of Hertfordshire,  May 2019</a:t>
+              <a:t>YMBA</a:t>
             </a:r>
+            <a:endParaRPr lang="en-US" sz="4800" b="1" strike="noStrike" spc="-1" dirty="0">
+              <a:solidFill>
+                <a:schemeClr val="lt1"/>
+              </a:solidFill>
+              <a:latin typeface="Arial"/>
+            </a:endParaRPr>
           </a:p>
         </p:txBody>
       </p:sp>
@@ -19510,8 +19453,8 @@
         </p:nvSpPr>
         <p:spPr>
           <a:xfrm>
-            <a:off x="718200" y="19733336"/>
-            <a:ext cx="4685073" cy="6418080"/>
+            <a:off x="443321" y="20265533"/>
+            <a:ext cx="10047667" cy="1494874"/>
           </a:xfrm>
           <a:prstGeom prst="rect">
             <a:avLst/>
@@ -19534,12 +19477,12 @@
           <a:fontRef idx="minor"/>
         </p:style>
         <p:txBody>
-          <a:bodyPr lIns="90000" tIns="45000" rIns="90000" bIns="45000" anchor="t">
+          <a:bodyPr lIns="230400" tIns="230400" rIns="230400" bIns="230400" anchor="t">
             <a:noAutofit/>
           </a:bodyPr>
           <a:lstStyle/>
           <a:p>
-            <a:pPr marL="0" marR="0" lvl="0" indent="0" algn="just" defTabSz="914400" rtl="0" eaLnBrk="1" fontAlgn="auto" latinLnBrk="0" hangingPunct="1">
+            <a:pPr marR="0" lvl="0" algn="just" defTabSz="914400" rtl="0" eaLnBrk="1" fontAlgn="auto" latinLnBrk="0" hangingPunct="1">
               <a:lnSpc>
                 <a:spcPct val="100000"/>
               </a:lnSpc>
@@ -19551,137 +19494,6 @@
               </a:spcAft>
               <a:buClrTx/>
               <a:buSzTx/>
-              <a:buFontTx/>
-              <a:buNone/>
-              <a:tabLst/>
-              <a:defRPr/>
-            </a:pPr>
-            <a:r>
-              <a:rPr kumimoji="0" lang="en-US" sz="2400" b="1" i="0" u="none" strike="noStrike" kern="1200" cap="none" spc="0" normalizeH="0" baseline="0" noProof="0" dirty="0">
-                <a:ln>
-                  <a:noFill/>
-                </a:ln>
-                <a:solidFill>
-                  <a:srgbClr val="2644A7"/>
-                </a:solidFill>
-                <a:effectLst/>
-                <a:uLnTx/>
-                <a:uFillTx/>
-                <a:latin typeface="Arial"/>
-              </a:rPr>
-              <a:t>Models</a:t>
-            </a:r>
-            <a:endParaRPr kumimoji="0" lang="en-US" sz="2400" b="0" i="0" u="none" strike="noStrike" kern="1200" cap="none" spc="0" normalizeH="0" baseline="0" noProof="0" dirty="0">
-              <a:ln>
-                <a:noFill/>
-              </a:ln>
-              <a:solidFill>
-                <a:srgbClr val="2644A7"/>
-              </a:solidFill>
-              <a:effectLst/>
-              <a:uLnTx/>
-              <a:uFillTx/>
-              <a:latin typeface="Arial"/>
-            </a:endParaRPr>
-          </a:p>
-          <a:p>
-            <a:pPr marL="342900" marR="0" lvl="0" indent="-342900" algn="just" defTabSz="914400" rtl="0" eaLnBrk="1" fontAlgn="auto" latinLnBrk="0" hangingPunct="1">
-              <a:lnSpc>
-                <a:spcPct val="100000"/>
-              </a:lnSpc>
-              <a:spcBef>
-                <a:spcPts val="0"/>
-              </a:spcBef>
-              <a:spcAft>
-                <a:spcPts val="0"/>
-              </a:spcAft>
-              <a:buClrTx/>
-              <a:buSzTx/>
-              <a:buFont typeface="Arial" panose="020B0604020202020204" pitchFamily="34" charset="0"/>
-              <a:buChar char="•"/>
-              <a:tabLst/>
-              <a:defRPr/>
-            </a:pPr>
-            <a:r>
-              <a:rPr kumimoji="0" lang="en-US" sz="2400" b="1" i="0" u="none" strike="noStrike" kern="1200" cap="none" spc="0" normalizeH="0" baseline="0" noProof="0" dirty="0">
-                <a:ln>
-                  <a:noFill/>
-                </a:ln>
-                <a:solidFill>
-                  <a:srgbClr val="000000"/>
-                </a:solidFill>
-                <a:effectLst/>
-                <a:uLnTx/>
-                <a:uFillTx/>
-                <a:latin typeface="Arial"/>
-              </a:rPr>
-              <a:t>K-Nearest Neighbors (KNN)</a:t>
-            </a:r>
-            <a:r>
-              <a:rPr kumimoji="0" lang="en-US" sz="2400" b="0" i="0" u="none" strike="noStrike" kern="1200" cap="none" spc="0" normalizeH="0" baseline="0" noProof="0" dirty="0">
-                <a:ln>
-                  <a:noFill/>
-                </a:ln>
-                <a:solidFill>
-                  <a:srgbClr val="000000"/>
-                </a:solidFill>
-                <a:effectLst/>
-                <a:uLnTx/>
-                <a:uFillTx/>
-                <a:latin typeface="Arial"/>
-              </a:rPr>
-              <a:t>: Classifies and predicts wage disparities based on similarity.</a:t>
-            </a:r>
-          </a:p>
-          <a:p>
-            <a:pPr marL="0" marR="0" lvl="0" indent="0" algn="just" defTabSz="914400" rtl="0" eaLnBrk="1" fontAlgn="auto" latinLnBrk="0" hangingPunct="1">
-              <a:lnSpc>
-                <a:spcPct val="100000"/>
-              </a:lnSpc>
-              <a:spcBef>
-                <a:spcPts val="0"/>
-              </a:spcBef>
-              <a:spcAft>
-                <a:spcPts val="0"/>
-              </a:spcAft>
-              <a:buClrTx/>
-              <a:buSzTx/>
-              <a:buFontTx/>
-              <a:buNone/>
-              <a:tabLst/>
-              <a:defRPr/>
-            </a:pPr>
-            <a:r>
-              <a:rPr kumimoji="0" lang="en-US" sz="2400" b="1" i="0" u="none" strike="noStrike" kern="1200" cap="none" spc="0" normalizeH="0" baseline="0" noProof="0" dirty="0">
-                <a:ln>
-                  <a:noFill/>
-                </a:ln>
-                <a:solidFill>
-                  <a:srgbClr val="2644A7"/>
-                </a:solidFill>
-                <a:effectLst/>
-                <a:uLnTx/>
-                <a:uFillTx/>
-                <a:latin typeface="Arial"/>
-              </a:rPr>
-              <a:t>Machine Learning Algorithms</a:t>
-            </a:r>
-          </a:p>
-          <a:p>
-            <a:pPr marL="0" marR="0" lvl="0" indent="0" algn="just" defTabSz="914400" rtl="0" eaLnBrk="1" fontAlgn="auto" latinLnBrk="0" hangingPunct="1">
-              <a:lnSpc>
-                <a:spcPct val="100000"/>
-              </a:lnSpc>
-              <a:spcBef>
-                <a:spcPts val="0"/>
-              </a:spcBef>
-              <a:spcAft>
-                <a:spcPts val="0"/>
-              </a:spcAft>
-              <a:buClrTx/>
-              <a:buSzTx/>
-              <a:buFontTx/>
-              <a:buNone/>
               <a:tabLst/>
               <a:defRPr/>
             </a:pPr>
@@ -19696,89 +19508,24 @@
                 <a:effectLst/>
                 <a:uLnTx/>
                 <a:uFillTx/>
-                <a:latin typeface="Arial"/>
+                <a:latin typeface="Arial Nova Light" panose="020B0304020202020204" pitchFamily="34" charset="0"/>
               </a:rPr>
-              <a:t>Three models (KNN, CART, SVC) provide comparative insights on wage disparity predictions.</a:t>
+              <a:t>We used tools like </a:t>
             </a:r>
-          </a:p>
-          <a:p>
-            <a:pPr marL="0" marR="0" lvl="0" indent="0" algn="just" defTabSz="914400" rtl="0" eaLnBrk="1" fontAlgn="auto" latinLnBrk="0" hangingPunct="1">
-              <a:lnSpc>
-                <a:spcPct val="100000"/>
-              </a:lnSpc>
-              <a:spcBef>
-                <a:spcPts val="0"/>
-              </a:spcBef>
-              <a:spcAft>
-                <a:spcPts val="0"/>
-              </a:spcAft>
-              <a:buClrTx/>
-              <a:buSzTx/>
-              <a:buFontTx/>
-              <a:buNone/>
-              <a:tabLst/>
-              <a:defRPr/>
-            </a:pPr>
             <a:r>
               <a:rPr kumimoji="0" lang="en-US" sz="2400" b="1" i="0" u="none" strike="noStrike" kern="1200" cap="none" spc="0" normalizeH="0" baseline="0" noProof="0" dirty="0">
                 <a:ln>
                   <a:noFill/>
                 </a:ln>
                 <a:solidFill>
-                  <a:srgbClr val="2644A7"/>
+                  <a:srgbClr val="000000"/>
                 </a:solidFill>
                 <a:effectLst/>
                 <a:uLnTx/>
                 <a:uFillTx/>
-                <a:latin typeface="Arial"/>
+                <a:latin typeface="Arial Nova Light" panose="020B0304020202020204" pitchFamily="34" charset="0"/>
               </a:rPr>
-              <a:t>Optimization</a:t>
-            </a:r>
-            <a:endParaRPr kumimoji="0" lang="en-US" sz="2400" b="0" i="0" u="none" strike="noStrike" kern="1200" cap="none" spc="0" normalizeH="0" baseline="0" noProof="0" dirty="0">
-              <a:ln>
-                <a:noFill/>
-              </a:ln>
-              <a:solidFill>
-                <a:srgbClr val="2644A7"/>
-              </a:solidFill>
-              <a:effectLst/>
-              <a:uLnTx/>
-              <a:uFillTx/>
-              <a:latin typeface="Arial"/>
-            </a:endParaRPr>
-          </a:p>
-          <a:p>
-            <a:pPr marL="0" marR="0" lvl="0" indent="0" algn="just" defTabSz="914400" rtl="0" eaLnBrk="1" fontAlgn="auto" latinLnBrk="0" hangingPunct="1">
-              <a:lnSpc>
-                <a:spcPct val="100000"/>
-              </a:lnSpc>
-              <a:spcBef>
-                <a:spcPts val="0"/>
-              </a:spcBef>
-              <a:spcAft>
-                <a:spcPts val="0"/>
-              </a:spcAft>
-              <a:buClrTx/>
-              <a:buSzTx/>
-              <a:buFontTx/>
-              <a:buNone/>
-              <a:tabLst/>
-              <a:defRPr/>
-            </a:pPr>
-            <a:r>
-              <a:rPr kumimoji="0" lang="en-US" sz="2400" b="1" i="0" u="none" strike="noStrike" kern="1200" cap="none" spc="0" normalizeH="0" baseline="0" noProof="0" dirty="0">
-                <a:ln>
-                  <a:noFill/>
-                </a:ln>
-                <a:solidFill>
-                  <a:srgbClr val="000000"/>
-                </a:solidFill>
-                <a:effectLst/>
-                <a:uLnTx/>
-                <a:uFillTx/>
-                <a:latin typeface="Arial"/>
-              </a:rPr>
-              <a:t>Cross-Validation</a:t>
+              <a:t>Python, Pandas, Scikit-Learn</a:t>
             </a:r>
             <a:r>
               <a:rPr kumimoji="0" lang="en-US" sz="2400" b="0" i="0" u="none" strike="noStrike" kern="1200" cap="none" spc="0" normalizeH="0" baseline="0" noProof="0" dirty="0">
@@ -19791,29 +19538,10 @@
                 <a:effectLst/>
                 <a:uLnTx/>
                 <a:uFillTx/>
-                <a:latin typeface="Arial"/>
+                <a:latin typeface="Arial Nova Light" panose="020B0304020202020204" pitchFamily="34" charset="0"/>
               </a:rPr>
-              <a:t>: 5-fold to ensure robust model performance.</a:t>
+              <a:t> for machine learning models, and Matplotlib for creating charts. </a:t>
             </a:r>
-          </a:p>
-          <a:p>
-            <a:pPr marL="0" marR="0" lvl="0" indent="0" algn="just" defTabSz="914400" rtl="0" eaLnBrk="1" fontAlgn="auto" latinLnBrk="0" hangingPunct="1">
-              <a:lnSpc>
-                <a:spcPct val="100000"/>
-              </a:lnSpc>
-              <a:spcBef>
-                <a:spcPts val="0"/>
-              </a:spcBef>
-              <a:spcAft>
-                <a:spcPts val="0"/>
-              </a:spcAft>
-              <a:buClrTx/>
-              <a:buSzTx/>
-              <a:buFontTx/>
-              <a:buNone/>
-              <a:tabLst/>
-              <a:defRPr/>
-            </a:pPr>
             <a:r>
               <a:rPr kumimoji="0" lang="en-US" sz="2400" b="1" i="0" u="none" strike="noStrike" kern="1200" cap="none" spc="0" normalizeH="0" baseline="0" noProof="0" dirty="0">
                 <a:ln>
@@ -19825,9 +19553,39 @@
                 <a:effectLst/>
                 <a:uLnTx/>
                 <a:uFillTx/>
-                <a:latin typeface="Arial"/>
+                <a:latin typeface="Arial Nova Light" panose="020B0304020202020204" pitchFamily="34" charset="0"/>
               </a:rPr>
-              <a:t>Hyperparameter Tuning</a:t>
+              <a:t>J\</a:t>
+            </a:r>
+            <a:r>
+              <a:rPr kumimoji="0" lang="en-US" sz="2400" b="1" i="0" u="none" strike="noStrike" kern="1200" cap="none" spc="0" normalizeH="0" baseline="0" noProof="0" dirty="0" err="1">
+                <a:ln>
+                  <a:noFill/>
+                </a:ln>
+                <a:solidFill>
+                  <a:srgbClr val="000000"/>
+                </a:solidFill>
+                <a:effectLst/>
+                <a:uLnTx/>
+                <a:uFillTx/>
+                <a:latin typeface="Arial Nova Light" panose="020B0304020202020204" pitchFamily="34" charset="0"/>
+              </a:rPr>
+              <a:t>upyter</a:t>
+            </a:r>
+            <a:r>
+              <a:rPr kumimoji="0" lang="en-US" sz="2400" b="1" i="0" u="none" strike="noStrike" kern="1200" cap="none" spc="0" normalizeH="0" baseline="0" noProof="0" dirty="0">
+                <a:ln>
+                  <a:noFill/>
+                </a:ln>
+                <a:solidFill>
+                  <a:srgbClr val="000000"/>
+                </a:solidFill>
+                <a:effectLst/>
+                <a:uLnTx/>
+                <a:uFillTx/>
+                <a:latin typeface="Arial Nova Light" panose="020B0304020202020204" pitchFamily="34" charset="0"/>
+              </a:rPr>
+              <a:t> Notebooks </a:t>
             </a:r>
             <a:r>
               <a:rPr kumimoji="0" lang="en-US" sz="2400" b="0" i="0" u="none" strike="noStrike" kern="1200" cap="none" spc="0" normalizeH="0" baseline="0" noProof="0" dirty="0">
@@ -19840,9 +19598,9 @@
                 <a:effectLst/>
                 <a:uLnTx/>
                 <a:uFillTx/>
-                <a:latin typeface="Arial"/>
+                <a:latin typeface="Arial Nova Light" panose="020B0304020202020204" pitchFamily="34" charset="0"/>
               </a:rPr>
-              <a:t>: Adjusted key parameters in each model for improved accuracy.</a:t>
+              <a:t>was used for the whole data analysis process.</a:t>
             </a:r>
           </a:p>
         </p:txBody>
@@ -19942,7 +19700,7 @@
         </p:nvSpPr>
         <p:spPr>
           <a:xfrm>
-            <a:off x="520904" y="11475570"/>
+            <a:off x="520904" y="11799420"/>
             <a:ext cx="10026000" cy="753480"/>
           </a:xfrm>
           <a:prstGeom prst="rect">
@@ -20005,8 +19763,8 @@
         </p:nvSpPr>
         <p:spPr>
           <a:xfrm>
-            <a:off x="5029200" y="12327828"/>
-            <a:ext cx="4966280" cy="6824689"/>
+            <a:off x="4921672" y="12590846"/>
+            <a:ext cx="5569316" cy="7197978"/>
           </a:xfrm>
           <a:prstGeom prst="rect">
             <a:avLst/>
@@ -20029,10 +19787,157 @@
           <a:fontRef idx="minor"/>
         </p:style>
         <p:txBody>
-          <a:bodyPr lIns="90000" tIns="45000" rIns="90000" bIns="45000" anchor="t">
+          <a:bodyPr lIns="230400" tIns="230400" rIns="230400" bIns="230400" anchor="t">
             <a:noAutofit/>
           </a:bodyPr>
           <a:lstStyle/>
+          <a:p>
+            <a:pPr marL="0" marR="0" lvl="0" indent="0" algn="just" defTabSz="914400" rtl="0" eaLnBrk="1" fontAlgn="auto" latinLnBrk="0" hangingPunct="1">
+              <a:lnSpc>
+                <a:spcPct val="100000"/>
+              </a:lnSpc>
+              <a:spcBef>
+                <a:spcPts val="600"/>
+              </a:spcBef>
+              <a:spcAft>
+                <a:spcPts val="600"/>
+              </a:spcAft>
+              <a:buClrTx/>
+              <a:buSzTx/>
+              <a:buFontTx/>
+              <a:buNone/>
+              <a:tabLst/>
+              <a:defRPr/>
+            </a:pPr>
+            <a:r>
+              <a:rPr kumimoji="0" lang="en-US" sz="2400" b="1" i="0" u="none" strike="noStrike" kern="1200" cap="none" spc="0" normalizeH="0" baseline="0" noProof="0" dirty="0">
+                <a:ln>
+                  <a:noFill/>
+                </a:ln>
+                <a:solidFill>
+                  <a:srgbClr val="2644A7"/>
+                </a:solidFill>
+                <a:effectLst/>
+                <a:uLnTx/>
+                <a:uFillTx/>
+                <a:latin typeface="Arial Nova Light" panose="020B0304020202020204" pitchFamily="34" charset="0"/>
+              </a:rPr>
+              <a:t>Hypothesis: </a:t>
+            </a:r>
+            <a:r>
+              <a:rPr kumimoji="0" lang="en-US" sz="2400" b="0" i="0" u="none" strike="noStrike" kern="1200" cap="none" spc="0" normalizeH="0" baseline="0" noProof="0" dirty="0">
+                <a:ln>
+                  <a:noFill/>
+                </a:ln>
+                <a:solidFill>
+                  <a:srgbClr val="000000"/>
+                </a:solidFill>
+                <a:effectLst/>
+                <a:uLnTx/>
+                <a:uFillTx/>
+                <a:latin typeface="Arial Nova Light" panose="020B0304020202020204" pitchFamily="34" charset="0"/>
+              </a:rPr>
+              <a:t>There are significant differences in job opportunities and wages between men and women, caused by social and systemic issues.</a:t>
+            </a:r>
+          </a:p>
+          <a:p>
+            <a:pPr marL="0" marR="0" lvl="0" indent="0" algn="just" defTabSz="914400" rtl="0" eaLnBrk="1" fontAlgn="auto" latinLnBrk="0" hangingPunct="1">
+              <a:lnSpc>
+                <a:spcPct val="100000"/>
+              </a:lnSpc>
+              <a:spcBef>
+                <a:spcPts val="600"/>
+              </a:spcBef>
+              <a:spcAft>
+                <a:spcPts val="600"/>
+              </a:spcAft>
+              <a:buClrTx/>
+              <a:buSzTx/>
+              <a:buFontTx/>
+              <a:buNone/>
+              <a:tabLst/>
+              <a:defRPr/>
+            </a:pPr>
+            <a:r>
+              <a:rPr kumimoji="0" lang="en-US" sz="2400" b="1" i="0" u="none" strike="noStrike" kern="1200" cap="none" spc="0" normalizeH="0" baseline="0" noProof="0" dirty="0">
+                <a:ln>
+                  <a:noFill/>
+                </a:ln>
+                <a:solidFill>
+                  <a:srgbClr val="2644A7"/>
+                </a:solidFill>
+                <a:effectLst/>
+                <a:uLnTx/>
+                <a:uFillTx/>
+                <a:latin typeface="Arial Nova Light" panose="020B0304020202020204" pitchFamily="34" charset="0"/>
+              </a:rPr>
+              <a:t>General Goal: </a:t>
+            </a:r>
+            <a:r>
+              <a:rPr kumimoji="0" lang="en-US" sz="2400" b="0" i="0" u="none" strike="noStrike" kern="1200" cap="none" spc="0" normalizeH="0" baseline="0" noProof="0" dirty="0">
+                <a:ln>
+                  <a:noFill/>
+                </a:ln>
+                <a:solidFill>
+                  <a:srgbClr val="000000"/>
+                </a:solidFill>
+                <a:effectLst/>
+                <a:uLnTx/>
+                <a:uFillTx/>
+                <a:latin typeface="Arial Nova Light" panose="020B0304020202020204" pitchFamily="34" charset="0"/>
+              </a:rPr>
+              <a:t>The goal is to find and understand the reasons for the gender gap in work participation and income. We use data analysis to find these differences and build machine learning models to predict and understand the causes.</a:t>
+            </a:r>
+          </a:p>
+          <a:p>
+            <a:pPr marL="0" marR="0" lvl="0" indent="0" algn="just" defTabSz="914400" rtl="0" eaLnBrk="1" fontAlgn="auto" latinLnBrk="0" hangingPunct="1">
+              <a:lnSpc>
+                <a:spcPct val="100000"/>
+              </a:lnSpc>
+              <a:spcBef>
+                <a:spcPts val="600"/>
+              </a:spcBef>
+              <a:spcAft>
+                <a:spcPts val="600"/>
+              </a:spcAft>
+              <a:buClrTx/>
+              <a:buSzTx/>
+              <a:buFontTx/>
+              <a:buNone/>
+              <a:tabLst/>
+              <a:defRPr/>
+            </a:pPr>
+            <a:r>
+              <a:rPr kumimoji="0" lang="en-US" sz="2400" b="1" i="0" u="none" strike="noStrike" kern="1200" cap="none" spc="0" normalizeH="0" baseline="0" noProof="0" dirty="0">
+                <a:ln>
+                  <a:noFill/>
+                </a:ln>
+                <a:solidFill>
+                  <a:srgbClr val="2644A7"/>
+                </a:solidFill>
+                <a:effectLst/>
+                <a:uLnTx/>
+                <a:uFillTx/>
+                <a:latin typeface="Arial Nova Light" panose="020B0304020202020204" pitchFamily="34" charset="0"/>
+              </a:rPr>
+              <a:t>Success Criteria: </a:t>
+            </a:r>
+            <a:r>
+              <a:rPr kumimoji="0" lang="en-US" sz="2400" b="0" i="0" u="none" strike="noStrike" kern="1200" cap="none" spc="0" normalizeH="0" baseline="0" noProof="0" dirty="0">
+                <a:ln>
+                  <a:noFill/>
+                </a:ln>
+                <a:solidFill>
+                  <a:srgbClr val="000000"/>
+                </a:solidFill>
+                <a:effectLst/>
+                <a:uLnTx/>
+                <a:uFillTx/>
+                <a:latin typeface="Arial Nova Light" panose="020B0304020202020204" pitchFamily="34" charset="0"/>
+              </a:rPr>
+              <a:t>We will be successful if our machine learning models are accurate, help us understand the main reasons for the gap, and can suggest good strategies to reduce these inequalities. </a:t>
+            </a:r>
+          </a:p>
           <a:p>
             <a:pPr marL="0" marR="0" lvl="0" indent="0" algn="just" defTabSz="914400" rtl="0" eaLnBrk="1" fontAlgn="auto" latinLnBrk="0" hangingPunct="1">
               <a:lnSpc>
@@ -20064,105 +19969,7 @@
                 <a:uFillTx/>
                 <a:latin typeface="Arial"/>
               </a:rPr>
-              <a:t>This study explores wage disparities between men and women in Europe through data analysis, using the Eurostat dataset to uncover factors driving income inequality and suggesting strategies % accuracy in predicting wage disparities.</a:t>
-            </a:r>
-          </a:p>
-          <a:p>
-            <a:pPr marL="342900" marR="0" lvl="0" indent="-342900" algn="just" defTabSz="914400" rtl="0" eaLnBrk="1" fontAlgn="auto" latinLnBrk="0" hangingPunct="1">
-              <a:lnSpc>
-                <a:spcPct val="100000"/>
-              </a:lnSpc>
-              <a:spcBef>
-                <a:spcPts val="0"/>
-              </a:spcBef>
-              <a:spcAft>
-                <a:spcPts val="0"/>
-              </a:spcAft>
-              <a:buClrTx/>
-              <a:buSzTx/>
-              <a:buFont typeface="Arial" panose="020B0604020202020204" pitchFamily="34" charset="0"/>
-              <a:buChar char="•"/>
-              <a:tabLst/>
-              <a:defRPr/>
-            </a:pPr>
-            <a:r>
-              <a:rPr kumimoji="0" lang="en-US" sz="2400" b="1" i="0" u="none" strike="noStrike" kern="1200" cap="none" spc="0" normalizeH="0" baseline="0" noProof="0" dirty="0">
-                <a:ln>
-                  <a:noFill/>
-                </a:ln>
-                <a:solidFill>
-                  <a:srgbClr val="000000"/>
-                </a:solidFill>
-                <a:effectLst/>
-                <a:uLnTx/>
-                <a:uFillTx/>
-                <a:latin typeface="Arial"/>
-              </a:rPr>
-              <a:t>Data Completeness</a:t>
-            </a:r>
-            <a:r>
-              <a:rPr kumimoji="0" lang="en-US" sz="2400" b="0" i="0" u="none" strike="noStrike" kern="1200" cap="none" spc="0" normalizeH="0" baseline="0" noProof="0" dirty="0">
-                <a:ln>
-                  <a:noFill/>
-                </a:ln>
-                <a:solidFill>
-                  <a:srgbClr val="000000"/>
-                </a:solidFill>
-                <a:effectLst/>
-                <a:uLnTx/>
-                <a:uFillTx/>
-                <a:latin typeface="Arial"/>
-              </a:rPr>
-              <a:t>: Ensuring data gaps are below 15% after cleaning and imputation.</a:t>
-            </a:r>
-          </a:p>
-          <a:p>
-            <a:pPr marL="342900" marR="0" lvl="0" indent="-342900" algn="just" defTabSz="914400" rtl="0" eaLnBrk="1" fontAlgn="auto" latinLnBrk="0" hangingPunct="1">
-              <a:lnSpc>
-                <a:spcPct val="100000"/>
-              </a:lnSpc>
-              <a:spcBef>
-                <a:spcPts val="0"/>
-              </a:spcBef>
-              <a:spcAft>
-                <a:spcPts val="0"/>
-              </a:spcAft>
-              <a:buClrTx/>
-              <a:buSzTx/>
-              <a:buFont typeface="Arial" panose="020B0604020202020204" pitchFamily="34" charset="0"/>
-              <a:buChar char="•"/>
-              <a:tabLst/>
-              <a:defRPr/>
-            </a:pPr>
-            <a:r>
-              <a:rPr kumimoji="0" lang="en-US" sz="2400" b="1" i="0" u="none" strike="noStrike" kern="1200" cap="none" spc="0" normalizeH="0" baseline="0" noProof="0" dirty="0">
-                <a:ln>
-                  <a:noFill/>
-                </a:ln>
-                <a:solidFill>
-                  <a:srgbClr val="000000"/>
-                </a:solidFill>
-                <a:effectLst/>
-                <a:uLnTx/>
-                <a:uFillTx/>
-                <a:latin typeface="Arial"/>
-              </a:rPr>
-              <a:t>Bias Reduction</a:t>
-            </a:r>
-            <a:r>
-              <a:rPr kumimoji="0" lang="en-US" sz="2400" b="0" i="0" u="none" strike="noStrike" kern="1200" cap="none" spc="0" normalizeH="0" baseline="0" noProof="0" dirty="0">
-                <a:ln>
-                  <a:noFill/>
-                </a:ln>
-                <a:solidFill>
-                  <a:srgbClr val="000000"/>
-                </a:solidFill>
-                <a:effectLst/>
-                <a:uLnTx/>
-                <a:uFillTx/>
-                <a:latin typeface="Arial"/>
-              </a:rPr>
-              <a:t>: Achieving balanced representation across wage categories through class balancing techniques.</a:t>
+              <a:t> </a:t>
             </a:r>
           </a:p>
         </p:txBody>
@@ -21376,15 +21183,20 @@
           <p:nvPr/>
         </p:nvPicPr>
         <p:blipFill>
-          <a:blip r:embed="rId3"/>
-          <a:stretch>
-            <a:fillRect/>
-          </a:stretch>
+          <a:blip r:embed="rId3">
+            <a:extLst>
+              <a:ext uri="{28A0092B-C50C-407E-A947-70E740481C1C}">
+                <a14:useLocalDpi xmlns:a14="http://schemas.microsoft.com/office/drawing/2010/main" val="0"/>
+              </a:ext>
+            </a:extLst>
+          </a:blip>
+          <a:srcRect/>
+          <a:stretch/>
         </p:blipFill>
         <p:spPr>
           <a:xfrm>
-            <a:off x="11767072" y="21931200"/>
-            <a:ext cx="9431776" cy="3744775"/>
+            <a:off x="12399331" y="21931200"/>
+            <a:ext cx="8167258" cy="3744775"/>
           </a:xfrm>
           <a:prstGeom prst="rect">
             <a:avLst/>
@@ -21506,15 +21318,20 @@
           <p:nvPr/>
         </p:nvPicPr>
         <p:blipFill>
-          <a:blip r:embed="rId4"/>
-          <a:stretch>
-            <a:fillRect/>
-          </a:stretch>
+          <a:blip r:embed="rId4">
+            <a:extLst>
+              <a:ext uri="{28A0092B-C50C-407E-A947-70E740481C1C}">
+                <a14:useLocalDpi xmlns:a14="http://schemas.microsoft.com/office/drawing/2010/main" val="0"/>
+              </a:ext>
+            </a:extLst>
+          </a:blip>
+          <a:srcRect/>
+          <a:stretch/>
         </p:blipFill>
         <p:spPr>
           <a:xfrm>
-            <a:off x="23327876" y="16839535"/>
-            <a:ext cx="8265273" cy="5515771"/>
+            <a:off x="23348348" y="16839535"/>
+            <a:ext cx="8224329" cy="5515771"/>
           </a:xfrm>
           <a:prstGeom prst="rect">
             <a:avLst/>
@@ -21826,7 +21643,7 @@
         </p:nvSpPr>
         <p:spPr>
           <a:xfrm>
-            <a:off x="859080" y="27254649"/>
+            <a:off x="11691808" y="26144012"/>
             <a:ext cx="9540683" cy="4846191"/>
           </a:xfrm>
           <a:prstGeom prst="rect">
@@ -22249,7 +22066,7 @@
         </p:nvSpPr>
         <p:spPr>
           <a:xfrm>
-            <a:off x="661800" y="26534577"/>
+            <a:off x="11253443" y="25504373"/>
             <a:ext cx="10048320" cy="753480"/>
           </a:xfrm>
           <a:prstGeom prst="rect">
@@ -22887,8 +22704,8 @@
         </p:nvSpPr>
         <p:spPr>
           <a:xfrm>
-            <a:off x="11519100" y="25987551"/>
-            <a:ext cx="10051200" cy="3155787"/>
+            <a:off x="416958" y="22467803"/>
+            <a:ext cx="10083552" cy="1507527"/>
           </a:xfrm>
           <a:prstGeom prst="rect">
             <a:avLst/>
@@ -22952,9 +22769,9 @@
                 <a:effectLst/>
                 <a:uLnTx/>
                 <a:uFillTx/>
-                <a:latin typeface="Arial"/>
+                <a:latin typeface="Arial Nova Light" panose="020B0304020202020204" pitchFamily="34" charset="0"/>
               </a:rPr>
-              <a:t>The wage gap analysis demonstrates a persistent trend where women generally earn less than men across countries and years. This disparity is captured in an average wage gap of 15.9% between genders, calculated as the difference between men’s and women’s wages divided by men’s wages. Line charts illustrating wage trends for both genders underscore the need for addressing systemic gender wage disparities across regions.</a:t>
+              <a:t>The gender wage gap measures the difference in earnings between men and women across different countries and years. This gap is calculated using the average wages for each gender. </a:t>
             </a:r>
             <a:endParaRPr kumimoji="0" lang="es-MX" sz="2400" b="0" i="0" u="none" strike="noStrike" kern="1200" cap="none" spc="-1" normalizeH="0" baseline="0" noProof="0" dirty="0">
               <a:ln>
@@ -22966,107 +22783,7 @@
               <a:effectLst/>
               <a:uLnTx/>
               <a:uFillTx/>
-              <a:latin typeface="Arial"/>
-            </a:endParaRPr>
-          </a:p>
-        </p:txBody>
-      </p:sp>
-      <p:sp>
-        <p:nvSpPr>
-          <p:cNvPr id="68" name="PlaceHolder 11">
-            <a:extLst>
-              <a:ext uri="{FF2B5EF4-FFF2-40B4-BE49-F238E27FC236}">
-                <a16:creationId xmlns:a16="http://schemas.microsoft.com/office/drawing/2014/main" id="{9FE7DEC5-200E-FABC-6944-B0998D3397C0}"/>
-              </a:ext>
-            </a:extLst>
-          </p:cNvPr>
-          <p:cNvSpPr txBox="1">
-            <a:spLocks/>
-          </p:cNvSpPr>
-          <p:nvPr/>
-        </p:nvSpPr>
-        <p:spPr>
-          <a:xfrm>
-            <a:off x="11513080" y="25421241"/>
-            <a:ext cx="10048320" cy="845640"/>
-          </a:xfrm>
-          <a:prstGeom prst="rect">
-            <a:avLst/>
-          </a:prstGeom>
-          <a:noFill/>
-          <a:ln w="0">
-            <a:noFill/>
-          </a:ln>
-        </p:spPr>
-        <p:txBody>
-          <a:bodyPr lIns="228600" tIns="228600" rIns="228600" bIns="228600" anchor="t">
-            <a:noAutofit/>
-          </a:bodyPr>
-          <a:lstStyle>
-            <a:lvl1pPr algn="l" defTabSz="914400" rtl="0" eaLnBrk="1" latinLnBrk="0" hangingPunct="1">
-              <a:lnSpc>
-                <a:spcPct val="90000"/>
-              </a:lnSpc>
-              <a:spcBef>
-                <a:spcPct val="0"/>
-              </a:spcBef>
-              <a:buNone/>
-              <a:defRPr sz="4400" kern="1200">
-                <a:solidFill>
-                  <a:schemeClr val="tx1"/>
-                </a:solidFill>
-                <a:latin typeface="+mj-lt"/>
-                <a:ea typeface="+mj-ea"/>
-                <a:cs typeface="+mj-cs"/>
-              </a:defRPr>
-            </a:lvl1pPr>
-          </a:lstStyle>
-          <a:p>
-            <a:pPr marL="0" marR="0" lvl="0" indent="0" algn="l" defTabSz="4388760" rtl="0" eaLnBrk="1" fontAlgn="auto" latinLnBrk="0" hangingPunct="1">
-              <a:lnSpc>
-                <a:spcPct val="100000"/>
-              </a:lnSpc>
-              <a:spcBef>
-                <a:spcPts val="499"/>
-              </a:spcBef>
-              <a:spcAft>
-                <a:spcPts val="0"/>
-              </a:spcAft>
-              <a:buClrTx/>
-              <a:buSzTx/>
-              <a:buFontTx/>
-              <a:buNone/>
-              <a:tabLst>
-                <a:tab pos="0" algn="l"/>
-              </a:tabLst>
-              <a:defRPr/>
-            </a:pPr>
-            <a:r>
-              <a:rPr kumimoji="0" lang="en-US" sz="2500" b="0" i="1" u="sng" strike="noStrike" kern="1200" cap="none" spc="-1" normalizeH="0" baseline="0" noProof="0" dirty="0">
-                <a:ln>
-                  <a:noFill/>
-                </a:ln>
-                <a:solidFill>
-                  <a:srgbClr val="981088"/>
-                </a:solidFill>
-                <a:effectLst/>
-                <a:uLnTx/>
-                <a:uFillTx/>
-                <a:latin typeface="Arial"/>
-              </a:rPr>
-              <a:t>Wage Gap Analysis</a:t>
-            </a:r>
-            <a:endParaRPr kumimoji="0" lang="es-MX" sz="2500" b="0" i="0" u="none" strike="noStrike" kern="1200" cap="none" spc="-1" normalizeH="0" baseline="0" noProof="0" dirty="0">
-              <a:ln>
-                <a:noFill/>
-              </a:ln>
-              <a:solidFill>
-                <a:srgbClr val="981088"/>
-              </a:solidFill>
-              <a:effectLst/>
-              <a:uLnTx/>
-              <a:uFillTx/>
-              <a:latin typeface="Arial"/>
+              <a:latin typeface="Arial Nova Light" panose="020B0304020202020204" pitchFamily="34" charset="0"/>
             </a:endParaRPr>
           </a:p>
         </p:txBody>
@@ -23620,7 +23337,7 @@
         </p:nvGrpSpPr>
         <p:grpSpPr>
           <a:xfrm>
-            <a:off x="12244473" y="29626520"/>
+            <a:off x="1181246" y="24169357"/>
             <a:ext cx="8306283" cy="1507526"/>
             <a:chOff x="12349937" y="30127074"/>
             <a:chExt cx="8306283" cy="1507526"/>
@@ -23705,8 +23422,8 @@
             </a:p>
           </p:txBody>
         </p:sp>
-        <mc:AlternateContent xmlns:mc="http://schemas.openxmlformats.org/markup-compatibility/2006">
-          <mc:Choice xmlns:a14="http://schemas.microsoft.com/office/drawing/2010/main" Requires="a14">
+        <mc:AlternateContent xmlns:mc="http://schemas.openxmlformats.org/markup-compatibility/2006" xmlns:a14="http://schemas.microsoft.com/office/drawing/2010/main">
+          <mc:Choice Requires="a14">
             <p:sp>
               <p:nvSpPr>
                 <p:cNvPr id="40" name="TextBox 39">
@@ -23933,7 +23650,7 @@
               </p:txBody>
             </p:sp>
           </mc:Choice>
-          <mc:Fallback>
+          <mc:Fallback xmlns="">
             <p:sp>
               <p:nvSpPr>
                 <p:cNvPr id="40" name="TextBox 39">
@@ -24031,11 +23748,1212 @@
             <a:lstStyle/>
             <a:p>
               <a:pPr algn="ctr"/>
-              <a:endParaRPr lang="en-US"/>
+              <a:endParaRPr lang="en-US" dirty="0"/>
             </a:p>
           </p:txBody>
         </p:sp>
       </p:grpSp>
+      <p:graphicFrame>
+        <p:nvGraphicFramePr>
+          <p:cNvPr id="4" name="Table 36">
+            <a:extLst>
+              <a:ext uri="{FF2B5EF4-FFF2-40B4-BE49-F238E27FC236}">
+                <a16:creationId xmlns:a16="http://schemas.microsoft.com/office/drawing/2014/main" id="{F6E0E89F-7ECC-0303-6B1F-A92B04A879AD}"/>
+              </a:ext>
+            </a:extLst>
+          </p:cNvPr>
+          <p:cNvGraphicFramePr/>
+          <p:nvPr/>
+        </p:nvGraphicFramePr>
+        <p:xfrm>
+          <a:off x="11601269" y="13595467"/>
+          <a:ext cx="9741600" cy="4572000"/>
+        </p:xfrm>
+        <a:graphic>
+          <a:graphicData uri="http://schemas.openxmlformats.org/drawingml/2006/table">
+            <a:tbl>
+              <a:tblPr>
+                <a:tableStyleId>{7DF18680-E054-41AD-8BC1-D1AEF772440D}</a:tableStyleId>
+              </a:tblPr>
+              <a:tblGrid>
+                <a:gridCol w="2468988">
+                  <a:extLst>
+                    <a:ext uri="{9D8B030D-6E8A-4147-A177-3AD203B41FA5}">
+                      <a16:colId xmlns:a16="http://schemas.microsoft.com/office/drawing/2014/main" val="20000"/>
+                    </a:ext>
+                  </a:extLst>
+                </a:gridCol>
+                <a:gridCol w="2641092">
+                  <a:extLst>
+                    <a:ext uri="{9D8B030D-6E8A-4147-A177-3AD203B41FA5}">
+                      <a16:colId xmlns:a16="http://schemas.microsoft.com/office/drawing/2014/main" val="184137675"/>
+                    </a:ext>
+                  </a:extLst>
+                </a:gridCol>
+                <a:gridCol w="2230405">
+                  <a:extLst>
+                    <a:ext uri="{9D8B030D-6E8A-4147-A177-3AD203B41FA5}">
+                      <a16:colId xmlns:a16="http://schemas.microsoft.com/office/drawing/2014/main" val="20001"/>
+                    </a:ext>
+                  </a:extLst>
+                </a:gridCol>
+                <a:gridCol w="2401115">
+                  <a:extLst>
+                    <a:ext uri="{9D8B030D-6E8A-4147-A177-3AD203B41FA5}">
+                      <a16:colId xmlns:a16="http://schemas.microsoft.com/office/drawing/2014/main" val="20002"/>
+                    </a:ext>
+                  </a:extLst>
+                </a:gridCol>
+              </a:tblGrid>
+              <a:tr h="614199">
+                <a:tc>
+                  <a:txBody>
+                    <a:bodyPr/>
+                    <a:lstStyle/>
+                    <a:p>
+                      <a:pPr algn="ctr"/>
+                      <a:r>
+                        <a:rPr lang="en-US" b="1" dirty="0">
+                          <a:solidFill>
+                            <a:schemeClr val="bg1"/>
+                          </a:solidFill>
+                        </a:rPr>
+                        <a:t>EDA Component</a:t>
+                      </a:r>
+                    </a:p>
+                  </a:txBody>
+                  <a:tcPr anchor="ctr">
+                    <a:solidFill>
+                      <a:srgbClr val="BD6FBD"/>
+                    </a:solidFill>
+                  </a:tcPr>
+                </a:tc>
+                <a:tc>
+                  <a:txBody>
+                    <a:bodyPr/>
+                    <a:lstStyle/>
+                    <a:p>
+                      <a:pPr algn="ctr"/>
+                      <a:r>
+                        <a:rPr lang="en-US" b="1" dirty="0">
+                          <a:solidFill>
+                            <a:schemeClr val="bg1"/>
+                          </a:solidFill>
+                        </a:rPr>
+                        <a:t>Description</a:t>
+                      </a:r>
+                    </a:p>
+                  </a:txBody>
+                  <a:tcPr anchor="ctr">
+                    <a:solidFill>
+                      <a:srgbClr val="BD6FBD"/>
+                    </a:solidFill>
+                  </a:tcPr>
+                </a:tc>
+                <a:tc>
+                  <a:txBody>
+                    <a:bodyPr/>
+                    <a:lstStyle/>
+                    <a:p>
+                      <a:pPr algn="ctr"/>
+                      <a:r>
+                        <a:rPr lang="en-US" b="1" dirty="0">
+                          <a:solidFill>
+                            <a:schemeClr val="bg1"/>
+                          </a:solidFill>
+                        </a:rPr>
+                        <a:t>Key Insights</a:t>
+                      </a:r>
+                    </a:p>
+                  </a:txBody>
+                  <a:tcPr anchor="ctr">
+                    <a:solidFill>
+                      <a:srgbClr val="BD6FBD"/>
+                    </a:solidFill>
+                  </a:tcPr>
+                </a:tc>
+                <a:tc>
+                  <a:txBody>
+                    <a:bodyPr/>
+                    <a:lstStyle/>
+                    <a:p>
+                      <a:pPr algn="ctr"/>
+                      <a:r>
+                        <a:rPr lang="en-US" b="1" dirty="0">
+                          <a:solidFill>
+                            <a:schemeClr val="bg1"/>
+                          </a:solidFill>
+                        </a:rPr>
+                        <a:t>Suggested Visualization</a:t>
+                      </a:r>
+                    </a:p>
+                  </a:txBody>
+                  <a:tcPr anchor="ctr">
+                    <a:solidFill>
+                      <a:srgbClr val="BD6FBD"/>
+                    </a:solidFill>
+                  </a:tcPr>
+                </a:tc>
+                <a:extLst>
+                  <a:ext uri="{0D108BD9-81ED-4DB2-BD59-A6C34878D82A}">
+                    <a16:rowId xmlns:a16="http://schemas.microsoft.com/office/drawing/2014/main" val="10011"/>
+                  </a:ext>
+                </a:extLst>
+              </a:tr>
+              <a:tr h="877427">
+                <a:tc>
+                  <a:txBody>
+                    <a:bodyPr/>
+                    <a:lstStyle/>
+                    <a:p>
+                      <a:pPr algn="ctr"/>
+                      <a:r>
+                        <a:rPr lang="en-US" dirty="0"/>
+                        <a:t>Categorical Variables</a:t>
+                      </a:r>
+                      <a:endParaRPr lang="en-US" b="0" i="0" dirty="0"/>
+                    </a:p>
+                  </a:txBody>
+                  <a:tcPr anchor="ctr"/>
+                </a:tc>
+                <a:tc>
+                  <a:txBody>
+                    <a:bodyPr/>
+                    <a:lstStyle/>
+                    <a:p>
+                      <a:pPr algn="ctr"/>
+                      <a:r>
+                        <a:rPr lang="en-US" dirty="0"/>
+                        <a:t>Gender, Age, Employment Indicator, Geographic Areas</a:t>
+                      </a:r>
+                      <a:endParaRPr lang="en-US" b="0" i="0" dirty="0"/>
+                    </a:p>
+                  </a:txBody>
+                  <a:tcPr anchor="ctr"/>
+                </a:tc>
+                <a:tc>
+                  <a:txBody>
+                    <a:bodyPr/>
+                    <a:lstStyle/>
+                    <a:p>
+                      <a:pPr algn="ctr"/>
+                      <a:r>
+                        <a:rPr lang="en-US" dirty="0"/>
+                        <a:t>Balanced distribution (e.g., gender 50/50)</a:t>
+                      </a:r>
+                      <a:endParaRPr lang="en-US" b="0" i="0" dirty="0"/>
+                    </a:p>
+                  </a:txBody>
+                  <a:tcPr anchor="ctr"/>
+                </a:tc>
+                <a:tc>
+                  <a:txBody>
+                    <a:bodyPr/>
+                    <a:lstStyle/>
+                    <a:p>
+                      <a:pPr algn="ctr"/>
+                      <a:r>
+                        <a:rPr lang="en-US" dirty="0"/>
+                        <a:t>Bar Chart for each categorical variable</a:t>
+                      </a:r>
+                      <a:endParaRPr lang="en-US" b="0" i="0" dirty="0"/>
+                    </a:p>
+                  </a:txBody>
+                  <a:tcPr anchor="ctr"/>
+                </a:tc>
+                <a:extLst>
+                  <a:ext uri="{0D108BD9-81ED-4DB2-BD59-A6C34878D82A}">
+                    <a16:rowId xmlns:a16="http://schemas.microsoft.com/office/drawing/2014/main" val="10012"/>
+                  </a:ext>
+                </a:extLst>
+              </a:tr>
+              <a:tr h="877427">
+                <a:tc>
+                  <a:txBody>
+                    <a:bodyPr/>
+                    <a:lstStyle/>
+                    <a:p>
+                      <a:pPr algn="ctr"/>
+                      <a:r>
+                        <a:rPr lang="en-US" dirty="0"/>
+                        <a:t>Numerical Variables</a:t>
+                      </a:r>
+                      <a:endParaRPr lang="en-US" b="0" i="0" dirty="0"/>
+                    </a:p>
+                  </a:txBody>
+                  <a:tcPr anchor="ctr"/>
+                </a:tc>
+                <a:tc>
+                  <a:txBody>
+                    <a:bodyPr/>
+                    <a:lstStyle/>
+                    <a:p>
+                      <a:pPr algn="ctr"/>
+                      <a:r>
+                        <a:rPr lang="en-US" dirty="0"/>
+                        <a:t>Wage values (Min, Max, Mean, Median, Mode)</a:t>
+                      </a:r>
+                      <a:endParaRPr lang="en-US" b="0" i="0" dirty="0"/>
+                    </a:p>
+                  </a:txBody>
+                  <a:tcPr anchor="ctr"/>
+                </a:tc>
+                <a:tc>
+                  <a:txBody>
+                    <a:bodyPr/>
+                    <a:lstStyle/>
+                    <a:p>
+                      <a:pPr algn="ctr"/>
+                      <a:r>
+                        <a:rPr lang="en-US" dirty="0"/>
+                        <a:t>Increase in records and variability post-2009</a:t>
+                      </a:r>
+                      <a:endParaRPr lang="en-US" b="0" i="0" dirty="0"/>
+                    </a:p>
+                  </a:txBody>
+                  <a:tcPr anchor="ctr"/>
+                </a:tc>
+                <a:tc>
+                  <a:txBody>
+                    <a:bodyPr/>
+                    <a:lstStyle/>
+                    <a:p>
+                      <a:pPr algn="ctr"/>
+                      <a:r>
+                        <a:rPr lang="en-US"/>
+                        <a:t>Line Chart for mean wage over years</a:t>
+                      </a:r>
+                      <a:endParaRPr lang="en-US" b="0" i="0"/>
+                    </a:p>
+                  </a:txBody>
+                  <a:tcPr anchor="ctr"/>
+                </a:tc>
+                <a:extLst>
+                  <a:ext uri="{0D108BD9-81ED-4DB2-BD59-A6C34878D82A}">
+                    <a16:rowId xmlns:a16="http://schemas.microsoft.com/office/drawing/2014/main" val="10013"/>
+                  </a:ext>
+                </a:extLst>
+              </a:tr>
+              <a:tr h="877427">
+                <a:tc>
+                  <a:txBody>
+                    <a:bodyPr/>
+                    <a:lstStyle/>
+                    <a:p>
+                      <a:pPr algn="ctr"/>
+                      <a:r>
+                        <a:rPr lang="en-US" dirty="0"/>
+                        <a:t>Missing Data</a:t>
+                      </a:r>
+                      <a:endParaRPr lang="en-US" b="0" i="0" dirty="0"/>
+                    </a:p>
+                  </a:txBody>
+                  <a:tcPr anchor="ctr"/>
+                </a:tc>
+                <a:tc>
+                  <a:txBody>
+                    <a:bodyPr/>
+                    <a:lstStyle/>
+                    <a:p>
+                      <a:pPr algn="ctr"/>
+                      <a:r>
+                        <a:rPr lang="en-US" dirty="0"/>
+                        <a:t>Significant missing values in certain years, especially pre-2009</a:t>
+                      </a:r>
+                      <a:endParaRPr lang="en-US" b="0" i="0" dirty="0"/>
+                    </a:p>
+                  </a:txBody>
+                  <a:tcPr anchor="ctr"/>
+                </a:tc>
+                <a:tc>
+                  <a:txBody>
+                    <a:bodyPr/>
+                    <a:lstStyle/>
+                    <a:p>
+                      <a:pPr algn="ctr"/>
+                      <a:r>
+                        <a:rPr lang="en-US" dirty="0"/>
+                        <a:t>Affects trend analysis and accuracy</a:t>
+                      </a:r>
+                      <a:endParaRPr lang="en-US" b="0" i="0" dirty="0"/>
+                    </a:p>
+                  </a:txBody>
+                  <a:tcPr anchor="ctr"/>
+                </a:tc>
+                <a:tc>
+                  <a:txBody>
+                    <a:bodyPr/>
+                    <a:lstStyle/>
+                    <a:p>
+                      <a:pPr algn="ctr"/>
+                      <a:r>
+                        <a:rPr lang="en-US" dirty="0"/>
+                        <a:t>Heatmap of missing data across years</a:t>
+                      </a:r>
+                      <a:endParaRPr lang="en-US" b="0" i="0" dirty="0"/>
+                    </a:p>
+                  </a:txBody>
+                  <a:tcPr anchor="ctr"/>
+                </a:tc>
+                <a:extLst>
+                  <a:ext uri="{0D108BD9-81ED-4DB2-BD59-A6C34878D82A}">
+                    <a16:rowId xmlns:a16="http://schemas.microsoft.com/office/drawing/2014/main" val="10014"/>
+                  </a:ext>
+                </a:extLst>
+              </a:tr>
+              <a:tr h="1140656">
+                <a:tc>
+                  <a:txBody>
+                    <a:bodyPr/>
+                    <a:lstStyle/>
+                    <a:p>
+                      <a:pPr algn="ctr"/>
+                      <a:r>
+                        <a:rPr lang="en-US" dirty="0"/>
+                        <a:t>Outliers</a:t>
+                      </a:r>
+                      <a:endParaRPr lang="en-US" b="0" i="0" dirty="0"/>
+                    </a:p>
+                  </a:txBody>
+                  <a:tcPr anchor="ctr"/>
+                </a:tc>
+                <a:tc>
+                  <a:txBody>
+                    <a:bodyPr/>
+                    <a:lstStyle/>
+                    <a:p>
+                      <a:pPr algn="ctr"/>
+                      <a:r>
+                        <a:rPr lang="en-US" dirty="0"/>
+                        <a:t>Data spread with outliers from 2003-2004, concentration improves post-2005</a:t>
+                      </a:r>
+                      <a:endParaRPr lang="en-US" b="0" i="0" dirty="0"/>
+                    </a:p>
+                  </a:txBody>
+                  <a:tcPr anchor="ctr"/>
+                </a:tc>
+                <a:tc>
+                  <a:txBody>
+                    <a:bodyPr/>
+                    <a:lstStyle/>
+                    <a:p>
+                      <a:pPr algn="ctr"/>
+                      <a:r>
+                        <a:rPr lang="en-US" dirty="0"/>
+                        <a:t>Indicates increased data consistency over time</a:t>
+                      </a:r>
+                      <a:endParaRPr lang="en-US" b="0" i="0" dirty="0"/>
+                    </a:p>
+                  </a:txBody>
+                  <a:tcPr anchor="ctr"/>
+                </a:tc>
+                <a:tc>
+                  <a:txBody>
+                    <a:bodyPr/>
+                    <a:lstStyle/>
+                    <a:p>
+                      <a:pPr algn="ctr"/>
+                      <a:r>
+                        <a:rPr lang="en-US" dirty="0"/>
+                        <a:t>Boxplots by year for outliers</a:t>
+                      </a:r>
+                      <a:endParaRPr lang="en-US" b="0" i="0" dirty="0"/>
+                    </a:p>
+                  </a:txBody>
+                  <a:tcPr anchor="ctr"/>
+                </a:tc>
+                <a:extLst>
+                  <a:ext uri="{0D108BD9-81ED-4DB2-BD59-A6C34878D82A}">
+                    <a16:rowId xmlns:a16="http://schemas.microsoft.com/office/drawing/2014/main" val="10015"/>
+                  </a:ext>
+                </a:extLst>
+              </a:tr>
+            </a:tbl>
+          </a:graphicData>
+        </a:graphic>
+      </p:graphicFrame>
+      <p:sp>
+        <p:nvSpPr>
+          <p:cNvPr id="12" name="PlaceHolder 2">
+            <a:extLst>
+              <a:ext uri="{FF2B5EF4-FFF2-40B4-BE49-F238E27FC236}">
+                <a16:creationId xmlns:a16="http://schemas.microsoft.com/office/drawing/2014/main" id="{CF8B84D5-B7C6-1FD9-CE6C-EF31AED26BB6}"/>
+              </a:ext>
+            </a:extLst>
+          </p:cNvPr>
+          <p:cNvSpPr txBox="1">
+            <a:spLocks/>
+          </p:cNvSpPr>
+          <p:nvPr/>
+        </p:nvSpPr>
+        <p:spPr>
+          <a:xfrm>
+            <a:off x="402239" y="21696469"/>
+            <a:ext cx="10048320" cy="753480"/>
+          </a:xfrm>
+          <a:prstGeom prst="rect">
+            <a:avLst/>
+          </a:prstGeom>
+          <a:noFill/>
+          <a:ln w="0">
+            <a:noFill/>
+          </a:ln>
+        </p:spPr>
+        <p:txBody>
+          <a:bodyPr lIns="91440" tIns="91440" rIns="91440" bIns="91440" anchor="ctr">
+            <a:noAutofit/>
+          </a:bodyPr>
+          <a:lstStyle>
+            <a:lvl1pPr algn="l" defTabSz="914400" rtl="0" eaLnBrk="1" latinLnBrk="0" hangingPunct="1">
+              <a:lnSpc>
+                <a:spcPct val="90000"/>
+              </a:lnSpc>
+              <a:spcBef>
+                <a:spcPct val="0"/>
+              </a:spcBef>
+              <a:buNone/>
+              <a:defRPr sz="4400" kern="1200">
+                <a:solidFill>
+                  <a:schemeClr val="tx1"/>
+                </a:solidFill>
+                <a:latin typeface="+mj-lt"/>
+                <a:ea typeface="+mj-ea"/>
+                <a:cs typeface="+mj-cs"/>
+              </a:defRPr>
+            </a:lvl1pPr>
+          </a:lstStyle>
+          <a:p>
+            <a:pPr marL="0" marR="0" lvl="0" indent="0" algn="ctr" defTabSz="4388760" rtl="0" eaLnBrk="1" fontAlgn="auto" latinLnBrk="0" hangingPunct="1">
+              <a:lnSpc>
+                <a:spcPct val="100000"/>
+              </a:lnSpc>
+              <a:spcBef>
+                <a:spcPts val="740"/>
+              </a:spcBef>
+              <a:spcAft>
+                <a:spcPts val="0"/>
+              </a:spcAft>
+              <a:buClrTx/>
+              <a:buSzTx/>
+              <a:buFontTx/>
+              <a:buNone/>
+              <a:tabLst>
+                <a:tab pos="0" algn="l"/>
+              </a:tabLst>
+              <a:defRPr/>
+            </a:pPr>
+            <a:r>
+              <a:rPr kumimoji="0" lang="en-US" sz="3200" b="1" i="0" u="sng" kern="1200" cap="all" spc="-1" normalizeH="0" noProof="0" dirty="0">
+                <a:ln>
+                  <a:noFill/>
+                </a:ln>
+                <a:solidFill>
+                  <a:srgbClr val="EEDDFF">
+                    <a:lumMod val="25000"/>
+                  </a:srgbClr>
+                </a:solidFill>
+                <a:effectLst/>
+                <a:uLnTx/>
+                <a:uFillTx/>
+                <a:latin typeface="Arial"/>
+              </a:rPr>
+              <a:t>Wage Gap Analysis</a:t>
+            </a:r>
+            <a:endParaRPr kumimoji="0" lang="es-MX" sz="3200" b="0" i="0" u="none" kern="1200" cap="all" spc="-1" normalizeH="0" noProof="0" dirty="0">
+              <a:ln>
+                <a:noFill/>
+              </a:ln>
+              <a:solidFill>
+                <a:srgbClr val="EEDDFF">
+                  <a:lumMod val="25000"/>
+                </a:srgbClr>
+              </a:solidFill>
+              <a:effectLst/>
+              <a:uLnTx/>
+              <a:uFillTx/>
+              <a:latin typeface="Arial"/>
+            </a:endParaRPr>
+          </a:p>
+        </p:txBody>
+      </p:sp>
+      <p:sp>
+        <p:nvSpPr>
+          <p:cNvPr id="14" name="PlaceHolder 15">
+            <a:extLst>
+              <a:ext uri="{FF2B5EF4-FFF2-40B4-BE49-F238E27FC236}">
+                <a16:creationId xmlns:a16="http://schemas.microsoft.com/office/drawing/2014/main" id="{B2E08579-B27C-ACE0-9832-D0606E128C39}"/>
+              </a:ext>
+            </a:extLst>
+          </p:cNvPr>
+          <p:cNvSpPr txBox="1">
+            <a:spLocks/>
+          </p:cNvSpPr>
+          <p:nvPr/>
+        </p:nvSpPr>
+        <p:spPr>
+          <a:xfrm>
+            <a:off x="416958" y="26074040"/>
+            <a:ext cx="10074029" cy="4033766"/>
+          </a:xfrm>
+          <a:prstGeom prst="rect">
+            <a:avLst/>
+          </a:prstGeom>
+          <a:noFill/>
+          <a:ln w="0">
+            <a:noFill/>
+          </a:ln>
+        </p:spPr>
+        <p:txBody>
+          <a:bodyPr lIns="230400" tIns="230400" rIns="230400" bIns="230400" anchor="t">
+            <a:noAutofit/>
+          </a:bodyPr>
+          <a:lstStyle>
+            <a:lvl1pPr algn="l" defTabSz="914400" rtl="0" eaLnBrk="1" latinLnBrk="0" hangingPunct="1">
+              <a:lnSpc>
+                <a:spcPct val="90000"/>
+              </a:lnSpc>
+              <a:spcBef>
+                <a:spcPct val="0"/>
+              </a:spcBef>
+              <a:buNone/>
+              <a:defRPr sz="4400" kern="1200">
+                <a:solidFill>
+                  <a:schemeClr val="tx1"/>
+                </a:solidFill>
+                <a:latin typeface="+mj-lt"/>
+                <a:ea typeface="+mj-ea"/>
+                <a:cs typeface="+mj-cs"/>
+              </a:defRPr>
+            </a:lvl1pPr>
+          </a:lstStyle>
+          <a:p>
+            <a:pPr marL="0" marR="0" lvl="0" indent="0" algn="just" defTabSz="4388760" rtl="0" eaLnBrk="1" fontAlgn="auto" latinLnBrk="0" hangingPunct="1">
+              <a:lnSpc>
+                <a:spcPct val="100000"/>
+              </a:lnSpc>
+              <a:spcBef>
+                <a:spcPts val="600"/>
+              </a:spcBef>
+              <a:spcAft>
+                <a:spcPts val="600"/>
+              </a:spcAft>
+              <a:buClrTx/>
+              <a:buSzTx/>
+              <a:buFontTx/>
+              <a:buNone/>
+              <a:tabLst>
+                <a:tab pos="0" algn="l"/>
+              </a:tabLst>
+              <a:defRPr/>
+            </a:pPr>
+            <a:r>
+              <a:rPr kumimoji="0" lang="en-US" sz="2400" b="1" i="0" u="none" strike="noStrike" kern="1200" cap="none" spc="0" normalizeH="0" baseline="0" noProof="0" dirty="0">
+                <a:ln>
+                  <a:noFill/>
+                </a:ln>
+                <a:solidFill>
+                  <a:srgbClr val="2644A7"/>
+                </a:solidFill>
+                <a:effectLst/>
+                <a:uLnTx/>
+                <a:uFillTx/>
+                <a:latin typeface="Arial Nova Light" panose="020B0304020202020204" pitchFamily="34" charset="0"/>
+              </a:rPr>
+              <a:t>Machine Learning Algorithms: </a:t>
+            </a:r>
+            <a:r>
+              <a:rPr kumimoji="0" lang="en-US" sz="2400" b="0" i="0" u="none" strike="noStrike" kern="1200" cap="none" spc="0" normalizeH="0" baseline="0" noProof="0" dirty="0">
+                <a:ln>
+                  <a:noFill/>
+                </a:ln>
+                <a:solidFill>
+                  <a:srgbClr val="000000"/>
+                </a:solidFill>
+                <a:effectLst/>
+                <a:uLnTx/>
+                <a:uFillTx/>
+                <a:latin typeface="Arial Nova Light" panose="020B0304020202020204" pitchFamily="34" charset="0"/>
+              </a:rPr>
+              <a:t>We used K-Nearest Neighbors (KNN), Decision Trees (CART), and Support Vector Machines (SVM) to understand and predict the gender wage gap.</a:t>
+            </a:r>
+          </a:p>
+          <a:p>
+            <a:pPr marL="0" marR="0" lvl="0" indent="0" algn="just" defTabSz="4388760" rtl="0" eaLnBrk="1" fontAlgn="auto" latinLnBrk="0" hangingPunct="1">
+              <a:lnSpc>
+                <a:spcPct val="100000"/>
+              </a:lnSpc>
+              <a:spcBef>
+                <a:spcPts val="600"/>
+              </a:spcBef>
+              <a:spcAft>
+                <a:spcPts val="600"/>
+              </a:spcAft>
+              <a:buClrTx/>
+              <a:buSzTx/>
+              <a:buFontTx/>
+              <a:buNone/>
+              <a:tabLst>
+                <a:tab pos="0" algn="l"/>
+              </a:tabLst>
+              <a:defRPr/>
+            </a:pPr>
+            <a:r>
+              <a:rPr kumimoji="0" lang="en-US" sz="2400" b="1" i="0" u="none" strike="noStrike" kern="1200" cap="none" spc="0" normalizeH="0" baseline="0" noProof="0" dirty="0">
+                <a:ln>
+                  <a:noFill/>
+                </a:ln>
+                <a:solidFill>
+                  <a:srgbClr val="2644A7"/>
+                </a:solidFill>
+                <a:effectLst/>
+                <a:uLnTx/>
+                <a:uFillTx/>
+                <a:latin typeface="Arial Nova Light" panose="020B0304020202020204" pitchFamily="34" charset="0"/>
+              </a:rPr>
+              <a:t>Hyperparameter Tuning and Cross-Validation: </a:t>
+            </a:r>
+            <a:r>
+              <a:rPr kumimoji="0" lang="en-US" sz="2400" b="0" i="0" u="none" strike="noStrike" kern="1200" cap="none" spc="0" normalizeH="0" baseline="0" noProof="0" dirty="0">
+                <a:ln>
+                  <a:noFill/>
+                </a:ln>
+                <a:solidFill>
+                  <a:srgbClr val="000000"/>
+                </a:solidFill>
+                <a:effectLst/>
+                <a:uLnTx/>
+                <a:uFillTx/>
+                <a:latin typeface="Arial Nova Light" panose="020B0304020202020204" pitchFamily="34" charset="0"/>
+              </a:rPr>
+              <a:t>We used 5-fold cross-validation to make our models better and prevent overfitting. We also tuned the parameters like k in KNN and max depth in Decision Trees to improve performance. </a:t>
+            </a:r>
+          </a:p>
+          <a:p>
+            <a:pPr marL="0" marR="0" lvl="0" indent="0" algn="just" defTabSz="4388760" rtl="0" eaLnBrk="1" fontAlgn="auto" latinLnBrk="0" hangingPunct="1">
+              <a:lnSpc>
+                <a:spcPct val="100000"/>
+              </a:lnSpc>
+              <a:spcBef>
+                <a:spcPts val="499"/>
+              </a:spcBef>
+              <a:spcAft>
+                <a:spcPts val="0"/>
+              </a:spcAft>
+              <a:buClrTx/>
+              <a:buSzTx/>
+              <a:buFontTx/>
+              <a:buNone/>
+              <a:tabLst>
+                <a:tab pos="0" algn="l"/>
+              </a:tabLst>
+              <a:defRPr/>
+            </a:pPr>
+            <a:endParaRPr kumimoji="0" lang="es-MX" sz="2400" b="0" i="0" u="none" strike="noStrike" kern="1200" cap="none" spc="-1" normalizeH="0" baseline="0" noProof="0" dirty="0">
+              <a:ln>
+                <a:noFill/>
+              </a:ln>
+              <a:solidFill>
+                <a:srgbClr val="FFFFFF"/>
+              </a:solidFill>
+              <a:effectLst/>
+              <a:uLnTx/>
+              <a:uFillTx/>
+              <a:latin typeface="Arial Nova Light" panose="020B0304020202020204" pitchFamily="34" charset="0"/>
+            </a:endParaRPr>
+          </a:p>
+        </p:txBody>
+      </p:sp>
+      <p:grpSp>
+        <p:nvGrpSpPr>
+          <p:cNvPr id="45" name="Group 44">
+            <a:extLst>
+              <a:ext uri="{FF2B5EF4-FFF2-40B4-BE49-F238E27FC236}">
+                <a16:creationId xmlns:a16="http://schemas.microsoft.com/office/drawing/2014/main" id="{1B12B75B-AEC7-739F-76A2-3905C0C8F6E1}"/>
+              </a:ext>
+            </a:extLst>
+          </p:cNvPr>
+          <p:cNvGrpSpPr>
+            <a:grpSpLocks noChangeAspect="1"/>
+          </p:cNvGrpSpPr>
+          <p:nvPr/>
+        </p:nvGrpSpPr>
+        <p:grpSpPr>
+          <a:xfrm>
+            <a:off x="5651923" y="5850610"/>
+            <a:ext cx="4894981" cy="4982894"/>
+            <a:chOff x="5561847" y="6151888"/>
+            <a:chExt cx="4572753" cy="4654879"/>
+          </a:xfrm>
+        </p:grpSpPr>
+        <p:pic>
+          <p:nvPicPr>
+            <p:cNvPr id="42" name="Picture 41">
+              <a:extLst>
+                <a:ext uri="{FF2B5EF4-FFF2-40B4-BE49-F238E27FC236}">
+                  <a16:creationId xmlns:a16="http://schemas.microsoft.com/office/drawing/2014/main" id="{07BCF3AD-EE68-1558-D19C-A0F76F4E0F4A}"/>
+                </a:ext>
+                <a:ext uri="{C183D7F6-B498-43B3-948B-1728B52AA6E4}">
+                  <adec:decorative xmlns:adec="http://schemas.microsoft.com/office/drawing/2017/decorative" val="0"/>
+                </a:ext>
+              </a:extLst>
+            </p:cNvPr>
+            <p:cNvPicPr>
+              <a:picLocks noChangeAspect="1"/>
+            </p:cNvPicPr>
+            <p:nvPr/>
+          </p:nvPicPr>
+          <p:blipFill>
+            <a:blip r:embed="rId11" cstate="print">
+              <a:extLst>
+                <a:ext uri="{28A0092B-C50C-407E-A947-70E740481C1C}">
+                  <a14:useLocalDpi xmlns:a14="http://schemas.microsoft.com/office/drawing/2010/main" val="0"/>
+                </a:ext>
+              </a:extLst>
+            </a:blip>
+            <a:stretch>
+              <a:fillRect/>
+            </a:stretch>
+          </p:blipFill>
+          <p:spPr>
+            <a:xfrm>
+              <a:off x="5561847" y="6151888"/>
+              <a:ext cx="4572753" cy="4572753"/>
+            </a:xfrm>
+            <a:prstGeom prst="rect">
+              <a:avLst/>
+            </a:prstGeom>
+          </p:spPr>
+        </p:pic>
+        <p:sp>
+          <p:nvSpPr>
+            <p:cNvPr id="44" name="TextBox 43">
+              <a:extLst>
+                <a:ext uri="{FF2B5EF4-FFF2-40B4-BE49-F238E27FC236}">
+                  <a16:creationId xmlns:a16="http://schemas.microsoft.com/office/drawing/2014/main" id="{73927872-82C1-CD4F-CB06-A41311BDDD1D}"/>
+                </a:ext>
+              </a:extLst>
+            </p:cNvPr>
+            <p:cNvSpPr txBox="1"/>
+            <p:nvPr/>
+          </p:nvSpPr>
+          <p:spPr>
+            <a:xfrm>
+              <a:off x="7849018" y="10468213"/>
+              <a:ext cx="2264175" cy="338554"/>
+            </a:xfrm>
+            <a:prstGeom prst="rect">
+              <a:avLst/>
+            </a:prstGeom>
+            <a:noFill/>
+          </p:spPr>
+          <p:txBody>
+            <a:bodyPr wrap="square">
+              <a:spAutoFit/>
+            </a:bodyPr>
+            <a:lstStyle/>
+            <a:p>
+              <a:r>
+                <a:rPr lang="en-IE" sz="1600" b="0" i="0" dirty="0">
+                  <a:solidFill>
+                    <a:srgbClr val="374957"/>
+                  </a:solidFill>
+                  <a:effectLst/>
+                  <a:latin typeface="Inter"/>
+                </a:rPr>
+                <a:t>Designed by </a:t>
+              </a:r>
+              <a:r>
+                <a:rPr lang="en-IE" sz="1600" b="0" i="0" dirty="0">
+                  <a:solidFill>
+                    <a:srgbClr val="374957"/>
+                  </a:solidFill>
+                  <a:effectLst/>
+                  <a:latin typeface="Inter"/>
+                  <a:hlinkClick r:id="rId12"/>
+                </a:rPr>
+                <a:t>Freepik</a:t>
+              </a:r>
+              <a:endParaRPr lang="en-IE" sz="1600" dirty="0"/>
+            </a:p>
+          </p:txBody>
+        </p:sp>
+      </p:grpSp>
+      <p:grpSp>
+        <p:nvGrpSpPr>
+          <p:cNvPr id="49" name="Group 48">
+            <a:extLst>
+              <a:ext uri="{FF2B5EF4-FFF2-40B4-BE49-F238E27FC236}">
+                <a16:creationId xmlns:a16="http://schemas.microsoft.com/office/drawing/2014/main" id="{AE4607E3-7465-B608-0A87-7FA79D08125B}"/>
+              </a:ext>
+            </a:extLst>
+          </p:cNvPr>
+          <p:cNvGrpSpPr/>
+          <p:nvPr/>
+        </p:nvGrpSpPr>
+        <p:grpSpPr>
+          <a:xfrm flipH="1">
+            <a:off x="-788429" y="12903261"/>
+            <a:ext cx="6901497" cy="6499345"/>
+            <a:chOff x="-726527" y="12273543"/>
+            <a:chExt cx="6480000" cy="6480000"/>
+          </a:xfrm>
+        </p:grpSpPr>
+        <p:pic>
+          <p:nvPicPr>
+            <p:cNvPr id="47" name="Picture 46">
+              <a:extLst>
+                <a:ext uri="{FF2B5EF4-FFF2-40B4-BE49-F238E27FC236}">
+                  <a16:creationId xmlns:a16="http://schemas.microsoft.com/office/drawing/2014/main" id="{E6A495E4-79D7-1849-6D49-AD17116E971D}"/>
+                </a:ext>
+              </a:extLst>
+            </p:cNvPr>
+            <p:cNvPicPr>
+              <a:picLocks noChangeAspect="1"/>
+            </p:cNvPicPr>
+            <p:nvPr/>
+          </p:nvPicPr>
+          <p:blipFill>
+            <a:blip r:embed="rId13" cstate="print">
+              <a:extLst>
+                <a:ext uri="{28A0092B-C50C-407E-A947-70E740481C1C}">
+                  <a14:useLocalDpi xmlns:a14="http://schemas.microsoft.com/office/drawing/2010/main" val="0"/>
+                </a:ext>
+              </a:extLst>
+            </a:blip>
+            <a:stretch>
+              <a:fillRect/>
+            </a:stretch>
+          </p:blipFill>
+          <p:spPr>
+            <a:xfrm>
+              <a:off x="-726527" y="12273543"/>
+              <a:ext cx="6480000" cy="6480000"/>
+            </a:xfrm>
+            <a:prstGeom prst="rect">
+              <a:avLst/>
+            </a:prstGeom>
+          </p:spPr>
+        </p:pic>
+        <p:sp>
+          <p:nvSpPr>
+            <p:cNvPr id="48" name="TextBox 47">
+              <a:extLst>
+                <a:ext uri="{FF2B5EF4-FFF2-40B4-BE49-F238E27FC236}">
+                  <a16:creationId xmlns:a16="http://schemas.microsoft.com/office/drawing/2014/main" id="{5C6AFEA0-65B6-5EDE-B344-215B7D3699A1}"/>
+                </a:ext>
+              </a:extLst>
+            </p:cNvPr>
+            <p:cNvSpPr txBox="1"/>
+            <p:nvPr/>
+          </p:nvSpPr>
+          <p:spPr>
+            <a:xfrm>
+              <a:off x="1745577" y="18390485"/>
+              <a:ext cx="2423725" cy="362411"/>
+            </a:xfrm>
+            <a:prstGeom prst="rect">
+              <a:avLst/>
+            </a:prstGeom>
+            <a:noFill/>
+          </p:spPr>
+          <p:txBody>
+            <a:bodyPr wrap="square">
+              <a:spAutoFit/>
+            </a:bodyPr>
+            <a:lstStyle/>
+            <a:p>
+              <a:r>
+                <a:rPr lang="en-IE" sz="1600" b="0" i="0" dirty="0">
+                  <a:solidFill>
+                    <a:srgbClr val="374957"/>
+                  </a:solidFill>
+                  <a:effectLst/>
+                  <a:latin typeface="Inter"/>
+                </a:rPr>
+                <a:t>Designed by </a:t>
+              </a:r>
+              <a:r>
+                <a:rPr lang="en-IE" sz="1600" b="0" i="0" dirty="0">
+                  <a:solidFill>
+                    <a:srgbClr val="374957"/>
+                  </a:solidFill>
+                  <a:effectLst/>
+                  <a:latin typeface="Inter"/>
+                  <a:hlinkClick r:id="rId12"/>
+                </a:rPr>
+                <a:t>Freepik</a:t>
+              </a:r>
+              <a:endParaRPr lang="en-IE" sz="1600" dirty="0"/>
+            </a:p>
+          </p:txBody>
+        </p:sp>
+      </p:grpSp>
+      <p:sp>
+        <p:nvSpPr>
+          <p:cNvPr id="53" name="PlaceHolder 11">
+            <a:extLst>
+              <a:ext uri="{FF2B5EF4-FFF2-40B4-BE49-F238E27FC236}">
+                <a16:creationId xmlns:a16="http://schemas.microsoft.com/office/drawing/2014/main" id="{DF6CF4D5-1585-AA40-3288-F3EA6B8DDAD9}"/>
+              </a:ext>
+            </a:extLst>
+          </p:cNvPr>
+          <p:cNvSpPr txBox="1">
+            <a:spLocks/>
+          </p:cNvSpPr>
+          <p:nvPr/>
+        </p:nvSpPr>
+        <p:spPr>
+          <a:xfrm>
+            <a:off x="442668" y="19601851"/>
+            <a:ext cx="10048320" cy="845640"/>
+          </a:xfrm>
+          <a:prstGeom prst="rect">
+            <a:avLst/>
+          </a:prstGeom>
+          <a:noFill/>
+          <a:ln w="0">
+            <a:noFill/>
+          </a:ln>
+        </p:spPr>
+        <p:txBody>
+          <a:bodyPr lIns="228600" tIns="228600" rIns="228600" bIns="228600" anchor="t">
+            <a:noAutofit/>
+          </a:bodyPr>
+          <a:lstStyle>
+            <a:lvl1pPr algn="l" defTabSz="914400" rtl="0" eaLnBrk="1" latinLnBrk="0" hangingPunct="1">
+              <a:lnSpc>
+                <a:spcPct val="90000"/>
+              </a:lnSpc>
+              <a:spcBef>
+                <a:spcPct val="0"/>
+              </a:spcBef>
+              <a:buNone/>
+              <a:defRPr sz="4400" kern="1200">
+                <a:solidFill>
+                  <a:schemeClr val="tx1"/>
+                </a:solidFill>
+                <a:latin typeface="+mj-lt"/>
+                <a:ea typeface="+mj-ea"/>
+                <a:cs typeface="+mj-cs"/>
+              </a:defRPr>
+            </a:lvl1pPr>
+          </a:lstStyle>
+          <a:p>
+            <a:pPr marL="0" marR="0" lvl="0" indent="0" algn="l" defTabSz="4388760" rtl="0" eaLnBrk="1" fontAlgn="auto" latinLnBrk="0" hangingPunct="1">
+              <a:lnSpc>
+                <a:spcPct val="100000"/>
+              </a:lnSpc>
+              <a:spcBef>
+                <a:spcPts val="499"/>
+              </a:spcBef>
+              <a:spcAft>
+                <a:spcPts val="0"/>
+              </a:spcAft>
+              <a:buClrTx/>
+              <a:buSzTx/>
+              <a:buFontTx/>
+              <a:buNone/>
+              <a:tabLst>
+                <a:tab pos="0" algn="l"/>
+              </a:tabLst>
+              <a:defRPr/>
+            </a:pPr>
+            <a:r>
+              <a:rPr lang="en-US" sz="2500" i="1" u="sng" spc="-1" dirty="0">
+                <a:solidFill>
+                  <a:srgbClr val="981088"/>
+                </a:solidFill>
+                <a:latin typeface="Arial"/>
+              </a:rPr>
+              <a:t>Technologies Used</a:t>
+            </a:r>
+            <a:endParaRPr kumimoji="0" lang="es-MX" sz="2500" b="0" i="0" u="none" strike="noStrike" kern="1200" cap="none" spc="-1" normalizeH="0" baseline="0" noProof="0" dirty="0">
+              <a:ln>
+                <a:noFill/>
+              </a:ln>
+              <a:solidFill>
+                <a:srgbClr val="981088"/>
+              </a:solidFill>
+              <a:effectLst/>
+              <a:uLnTx/>
+              <a:uFillTx/>
+              <a:latin typeface="Arial"/>
+            </a:endParaRPr>
+          </a:p>
+        </p:txBody>
+      </p:sp>
+      <p:grpSp>
+        <p:nvGrpSpPr>
+          <p:cNvPr id="59" name="Group 58">
+            <a:extLst>
+              <a:ext uri="{FF2B5EF4-FFF2-40B4-BE49-F238E27FC236}">
+                <a16:creationId xmlns:a16="http://schemas.microsoft.com/office/drawing/2014/main" id="{85B916EA-AA48-D95D-4CB0-48D0FDA832DB}"/>
+              </a:ext>
+            </a:extLst>
+          </p:cNvPr>
+          <p:cNvGrpSpPr/>
+          <p:nvPr/>
+        </p:nvGrpSpPr>
+        <p:grpSpPr>
+          <a:xfrm>
+            <a:off x="1181246" y="29182686"/>
+            <a:ext cx="7092776" cy="2953726"/>
+            <a:chOff x="1181246" y="29182686"/>
+            <a:chExt cx="7092776" cy="2953726"/>
+          </a:xfrm>
+        </p:grpSpPr>
+        <p:pic>
+          <p:nvPicPr>
+            <p:cNvPr id="55" name="Picture 54">
+              <a:extLst>
+                <a:ext uri="{FF2B5EF4-FFF2-40B4-BE49-F238E27FC236}">
+                  <a16:creationId xmlns:a16="http://schemas.microsoft.com/office/drawing/2014/main" id="{89BFE37D-F42C-3FF3-B5D2-3B9D1C2DEB48}"/>
+                </a:ext>
+              </a:extLst>
+            </p:cNvPr>
+            <p:cNvPicPr>
+              <a:picLocks noChangeAspect="1"/>
+            </p:cNvPicPr>
+            <p:nvPr/>
+          </p:nvPicPr>
+          <p:blipFill rotWithShape="1">
+            <a:blip r:embed="rId14">
+              <a:extLst>
+                <a:ext uri="{28A0092B-C50C-407E-A947-70E740481C1C}">
+                  <a14:useLocalDpi xmlns:a14="http://schemas.microsoft.com/office/drawing/2010/main" val="0"/>
+                </a:ext>
+              </a:extLst>
+            </a:blip>
+            <a:srcRect t="15867" b="9912"/>
+            <a:stretch/>
+          </p:blipFill>
+          <p:spPr>
+            <a:xfrm>
+              <a:off x="2304503" y="29182686"/>
+              <a:ext cx="5969519" cy="2953726"/>
+            </a:xfrm>
+            <a:prstGeom prst="rect">
+              <a:avLst/>
+            </a:prstGeom>
+          </p:spPr>
+        </p:pic>
+        <p:sp>
+          <p:nvSpPr>
+            <p:cNvPr id="56" name="TextBox 55">
+              <a:extLst>
+                <a:ext uri="{FF2B5EF4-FFF2-40B4-BE49-F238E27FC236}">
+                  <a16:creationId xmlns:a16="http://schemas.microsoft.com/office/drawing/2014/main" id="{53382765-C558-B025-90E2-9FE19F27C231}"/>
+                </a:ext>
+              </a:extLst>
+            </p:cNvPr>
+            <p:cNvSpPr txBox="1"/>
+            <p:nvPr/>
+          </p:nvSpPr>
+          <p:spPr>
+            <a:xfrm>
+              <a:off x="1181246" y="31530190"/>
+              <a:ext cx="2423725" cy="362411"/>
+            </a:xfrm>
+            <a:prstGeom prst="rect">
+              <a:avLst/>
+            </a:prstGeom>
+            <a:noFill/>
+          </p:spPr>
+          <p:txBody>
+            <a:bodyPr wrap="square">
+              <a:spAutoFit/>
+            </a:bodyPr>
+            <a:lstStyle/>
+            <a:p>
+              <a:r>
+                <a:rPr lang="en-IE" sz="1600" b="0" i="0" dirty="0">
+                  <a:solidFill>
+                    <a:srgbClr val="374957"/>
+                  </a:solidFill>
+                  <a:effectLst/>
+                  <a:latin typeface="Inter"/>
+                </a:rPr>
+                <a:t>Designed by </a:t>
+              </a:r>
+              <a:r>
+                <a:rPr lang="en-IE" sz="1600" b="0" i="0" dirty="0">
+                  <a:solidFill>
+                    <a:srgbClr val="374957"/>
+                  </a:solidFill>
+                  <a:effectLst/>
+                  <a:latin typeface="Inter"/>
+                  <a:hlinkClick r:id="rId12"/>
+                </a:rPr>
+                <a:t>Freepik</a:t>
+              </a:r>
+              <a:endParaRPr lang="en-IE" sz="1600" dirty="0"/>
+            </a:p>
+          </p:txBody>
+        </p:sp>
+      </p:grpSp>
+      <p:graphicFrame>
+        <p:nvGraphicFramePr>
+          <p:cNvPr id="60" name="Object 59">
+            <a:extLst>
+              <a:ext uri="{FF2B5EF4-FFF2-40B4-BE49-F238E27FC236}">
+                <a16:creationId xmlns:a16="http://schemas.microsoft.com/office/drawing/2014/main" id="{FB3DA0EB-E290-D3A9-5F62-F846D8859361}"/>
+              </a:ext>
+            </a:extLst>
+          </p:cNvPr>
+          <p:cNvGraphicFramePr>
+            <a:graphicFrameLocks noChangeAspect="1"/>
+          </p:cNvGraphicFramePr>
+          <p:nvPr>
+            <p:extLst>
+              <p:ext uri="{D42A27DB-BD31-4B8C-83A1-F6EECF244321}">
+                <p14:modId xmlns:p14="http://schemas.microsoft.com/office/powerpoint/2010/main" val="4170094909"/>
+              </p:ext>
+            </p:extLst>
+          </p:nvPr>
+        </p:nvGraphicFramePr>
+        <p:xfrm>
+          <a:off x="22978064" y="25819359"/>
+          <a:ext cx="9265458" cy="5724007"/>
+        </p:xfrm>
+        <a:graphic>
+          <a:graphicData uri="http://schemas.openxmlformats.org/presentationml/2006/ole">
+            <mc:AlternateContent xmlns:mc="http://schemas.openxmlformats.org/markup-compatibility/2006">
+              <mc:Choice xmlns:v="urn:schemas-microsoft-com:vml" Requires="v">
+                <p:oleObj name="Bitmap Image" r:id="rId15" imgW="5303520" imgH="3276720" progId="Paint.Picture">
+                  <p:embed/>
+                </p:oleObj>
+              </mc:Choice>
+              <mc:Fallback>
+                <p:oleObj name="Bitmap Image" r:id="rId15" imgW="5303520" imgH="3276720" progId="Paint.Picture">
+                  <p:embed/>
+                  <p:pic>
+                    <p:nvPicPr>
+                      <p:cNvPr id="0" name=""/>
+                      <p:cNvPicPr/>
+                      <p:nvPr/>
+                    </p:nvPicPr>
+                    <p:blipFill>
+                      <a:blip r:embed="rId16"/>
+                      <a:stretch>
+                        <a:fillRect/>
+                      </a:stretch>
+                    </p:blipFill>
+                    <p:spPr>
+                      <a:xfrm>
+                        <a:off x="22978064" y="25819359"/>
+                        <a:ext cx="9265458" cy="5724007"/>
+                      </a:xfrm>
+                      <a:prstGeom prst="rect">
+                        <a:avLst/>
+                      </a:prstGeom>
+                    </p:spPr>
+                  </p:pic>
+                </p:oleObj>
+              </mc:Fallback>
+            </mc:AlternateContent>
+          </a:graphicData>
+        </a:graphic>
+      </p:graphicFrame>
     </p:spTree>
     <p:extLst>
       <p:ext uri="{BB962C8B-B14F-4D97-AF65-F5344CB8AC3E}">
